--- a/03_OUTPUT/01_Goal 0/phylo tree families.pptx
+++ b/03_OUTPUT/01_Goal 0/phylo tree families.pptx
@@ -4063,6 +4063,654 @@
           </a:p>
         </p:txBody>
       </p:sp>
+      <p:sp>
+        <p:nvSpPr>
+          <p:cNvPr id="33" name="Rectangle 32">
+            <a:extLst>
+              <a:ext uri="{FF2B5EF4-FFF2-40B4-BE49-F238E27FC236}">
+                <a16:creationId xmlns:a16="http://schemas.microsoft.com/office/drawing/2014/main" id="{5095E8ED-D169-EA62-4B6E-6330736700D1}"/>
+              </a:ext>
+            </a:extLst>
+          </p:cNvPr>
+          <p:cNvSpPr/>
+          <p:nvPr/>
+        </p:nvSpPr>
+        <p:spPr>
+          <a:xfrm>
+            <a:off x="2667203" y="5955824"/>
+            <a:ext cx="304800" cy="75600"/>
+          </a:xfrm>
+          <a:prstGeom prst="rect">
+            <a:avLst/>
+          </a:prstGeom>
+          <a:solidFill>
+            <a:srgbClr val="DDBD95"/>
+          </a:solidFill>
+          <a:ln>
+            <a:solidFill>
+              <a:srgbClr val="DDBD95"/>
+            </a:solidFill>
+          </a:ln>
+        </p:spPr>
+        <p:style>
+          <a:lnRef idx="2">
+            <a:schemeClr val="accent1">
+              <a:shade val="50000"/>
+            </a:schemeClr>
+          </a:lnRef>
+          <a:fillRef idx="1">
+            <a:schemeClr val="accent1"/>
+          </a:fillRef>
+          <a:effectRef idx="0">
+            <a:schemeClr val="accent1"/>
+          </a:effectRef>
+          <a:fontRef idx="minor">
+            <a:schemeClr val="lt1"/>
+          </a:fontRef>
+        </p:style>
+        <p:txBody>
+          <a:bodyPr rtlCol="0" anchor="ctr"/>
+          <a:lstStyle/>
+          <a:p>
+            <a:pPr algn="ctr"/>
+            <a:endParaRPr lang="en-GB" dirty="0"/>
+          </a:p>
+        </p:txBody>
+      </p:sp>
+      <p:sp>
+        <p:nvSpPr>
+          <p:cNvPr id="34" name="Rectangle 33">
+            <a:extLst>
+              <a:ext uri="{FF2B5EF4-FFF2-40B4-BE49-F238E27FC236}">
+                <a16:creationId xmlns:a16="http://schemas.microsoft.com/office/drawing/2014/main" id="{24EC29DE-4EEF-8EAD-D032-E198D58CC936}"/>
+              </a:ext>
+            </a:extLst>
+          </p:cNvPr>
+          <p:cNvSpPr/>
+          <p:nvPr/>
+        </p:nvSpPr>
+        <p:spPr>
+          <a:xfrm>
+            <a:off x="2667203" y="6031424"/>
+            <a:ext cx="304800" cy="283792"/>
+          </a:xfrm>
+          <a:prstGeom prst="rect">
+            <a:avLst/>
+          </a:prstGeom>
+          <a:solidFill>
+            <a:srgbClr val="1A95AD"/>
+          </a:solidFill>
+          <a:ln>
+            <a:solidFill>
+              <a:srgbClr val="1A95AD"/>
+            </a:solidFill>
+          </a:ln>
+        </p:spPr>
+        <p:style>
+          <a:lnRef idx="2">
+            <a:schemeClr val="accent1">
+              <a:shade val="50000"/>
+            </a:schemeClr>
+          </a:lnRef>
+          <a:fillRef idx="1">
+            <a:schemeClr val="accent1"/>
+          </a:fillRef>
+          <a:effectRef idx="0">
+            <a:schemeClr val="accent1"/>
+          </a:effectRef>
+          <a:fontRef idx="minor">
+            <a:schemeClr val="lt1"/>
+          </a:fontRef>
+        </p:style>
+        <p:txBody>
+          <a:bodyPr rtlCol="0" anchor="ctr"/>
+          <a:lstStyle/>
+          <a:p>
+            <a:pPr algn="ctr"/>
+            <a:endParaRPr lang="en-GB" dirty="0"/>
+          </a:p>
+        </p:txBody>
+      </p:sp>
+      <p:sp>
+        <p:nvSpPr>
+          <p:cNvPr id="35" name="Rectangle 34">
+            <a:extLst>
+              <a:ext uri="{FF2B5EF4-FFF2-40B4-BE49-F238E27FC236}">
+                <a16:creationId xmlns:a16="http://schemas.microsoft.com/office/drawing/2014/main" id="{DF0ED550-709D-EAF8-8D1C-7688876C1761}"/>
+              </a:ext>
+            </a:extLst>
+          </p:cNvPr>
+          <p:cNvSpPr/>
+          <p:nvPr/>
+        </p:nvSpPr>
+        <p:spPr>
+          <a:xfrm>
+            <a:off x="2667203" y="6326841"/>
+            <a:ext cx="304800" cy="144000"/>
+          </a:xfrm>
+          <a:prstGeom prst="rect">
+            <a:avLst/>
+          </a:prstGeom>
+          <a:solidFill>
+            <a:srgbClr val="DAB44A"/>
+          </a:solidFill>
+          <a:ln>
+            <a:solidFill>
+              <a:srgbClr val="DAB44A"/>
+            </a:solidFill>
+          </a:ln>
+        </p:spPr>
+        <p:style>
+          <a:lnRef idx="2">
+            <a:schemeClr val="accent1">
+              <a:shade val="50000"/>
+            </a:schemeClr>
+          </a:lnRef>
+          <a:fillRef idx="1">
+            <a:schemeClr val="accent1"/>
+          </a:fillRef>
+          <a:effectRef idx="0">
+            <a:schemeClr val="accent1"/>
+          </a:effectRef>
+          <a:fontRef idx="minor">
+            <a:schemeClr val="lt1"/>
+          </a:fontRef>
+        </p:style>
+        <p:txBody>
+          <a:bodyPr rtlCol="0" anchor="ctr"/>
+          <a:lstStyle/>
+          <a:p>
+            <a:pPr algn="ctr"/>
+            <a:endParaRPr lang="en-GB" dirty="0"/>
+          </a:p>
+        </p:txBody>
+      </p:sp>
+      <p:sp>
+        <p:nvSpPr>
+          <p:cNvPr id="36" name="Rectangle 35">
+            <a:extLst>
+              <a:ext uri="{FF2B5EF4-FFF2-40B4-BE49-F238E27FC236}">
+                <a16:creationId xmlns:a16="http://schemas.microsoft.com/office/drawing/2014/main" id="{F4A884F5-BAEF-B644-D2A5-98C6E3CA6603}"/>
+              </a:ext>
+            </a:extLst>
+          </p:cNvPr>
+          <p:cNvSpPr/>
+          <p:nvPr/>
+        </p:nvSpPr>
+        <p:spPr>
+          <a:xfrm>
+            <a:off x="2667203" y="6482466"/>
+            <a:ext cx="304800" cy="418326"/>
+          </a:xfrm>
+          <a:prstGeom prst="rect">
+            <a:avLst/>
+          </a:prstGeom>
+          <a:solidFill>
+            <a:srgbClr val="F8EFE2"/>
+          </a:solidFill>
+          <a:ln>
+            <a:solidFill>
+              <a:srgbClr val="F8EFE2"/>
+            </a:solidFill>
+          </a:ln>
+        </p:spPr>
+        <p:style>
+          <a:lnRef idx="2">
+            <a:schemeClr val="accent1">
+              <a:shade val="50000"/>
+            </a:schemeClr>
+          </a:lnRef>
+          <a:fillRef idx="1">
+            <a:schemeClr val="accent1"/>
+          </a:fillRef>
+          <a:effectRef idx="0">
+            <a:schemeClr val="accent1"/>
+          </a:effectRef>
+          <a:fontRef idx="minor">
+            <a:schemeClr val="lt1"/>
+          </a:fontRef>
+        </p:style>
+        <p:txBody>
+          <a:bodyPr rtlCol="0" anchor="ctr"/>
+          <a:lstStyle/>
+          <a:p>
+            <a:pPr algn="ctr"/>
+            <a:endParaRPr lang="en-GB" dirty="0"/>
+          </a:p>
+        </p:txBody>
+      </p:sp>
+      <p:sp>
+        <p:nvSpPr>
+          <p:cNvPr id="37" name="Rectangle 36">
+            <a:extLst>
+              <a:ext uri="{FF2B5EF4-FFF2-40B4-BE49-F238E27FC236}">
+                <a16:creationId xmlns:a16="http://schemas.microsoft.com/office/drawing/2014/main" id="{54C47C1A-171C-A382-8D65-5B70538E07B6}"/>
+              </a:ext>
+            </a:extLst>
+          </p:cNvPr>
+          <p:cNvSpPr/>
+          <p:nvPr/>
+        </p:nvSpPr>
+        <p:spPr>
+          <a:xfrm>
+            <a:off x="2667203" y="6906187"/>
+            <a:ext cx="304800" cy="144000"/>
+          </a:xfrm>
+          <a:prstGeom prst="rect">
+            <a:avLst/>
+          </a:prstGeom>
+          <a:solidFill>
+            <a:srgbClr val="1F948B"/>
+          </a:solidFill>
+          <a:ln>
+            <a:solidFill>
+              <a:srgbClr val="1F948B"/>
+            </a:solidFill>
+          </a:ln>
+        </p:spPr>
+        <p:style>
+          <a:lnRef idx="2">
+            <a:schemeClr val="accent1">
+              <a:shade val="50000"/>
+            </a:schemeClr>
+          </a:lnRef>
+          <a:fillRef idx="1">
+            <a:schemeClr val="accent1"/>
+          </a:fillRef>
+          <a:effectRef idx="0">
+            <a:schemeClr val="accent1"/>
+          </a:effectRef>
+          <a:fontRef idx="minor">
+            <a:schemeClr val="lt1"/>
+          </a:fontRef>
+        </p:style>
+        <p:txBody>
+          <a:bodyPr rtlCol="0" anchor="ctr"/>
+          <a:lstStyle/>
+          <a:p>
+            <a:pPr algn="ctr"/>
+            <a:endParaRPr lang="en-GB" dirty="0"/>
+          </a:p>
+        </p:txBody>
+      </p:sp>
+      <p:sp>
+        <p:nvSpPr>
+          <p:cNvPr id="38" name="Rectangle 37">
+            <a:extLst>
+              <a:ext uri="{FF2B5EF4-FFF2-40B4-BE49-F238E27FC236}">
+                <a16:creationId xmlns:a16="http://schemas.microsoft.com/office/drawing/2014/main" id="{71D3E0D7-6AF2-0C7A-2FE1-F1E8D3F76663}"/>
+              </a:ext>
+            </a:extLst>
+          </p:cNvPr>
+          <p:cNvSpPr/>
+          <p:nvPr/>
+        </p:nvSpPr>
+        <p:spPr>
+          <a:xfrm>
+            <a:off x="2667203" y="7050187"/>
+            <a:ext cx="304800" cy="144000"/>
+          </a:xfrm>
+          <a:prstGeom prst="rect">
+            <a:avLst/>
+          </a:prstGeom>
+          <a:solidFill>
+            <a:srgbClr val="DFE266"/>
+          </a:solidFill>
+          <a:ln>
+            <a:solidFill>
+              <a:srgbClr val="DFE266"/>
+            </a:solidFill>
+          </a:ln>
+        </p:spPr>
+        <p:style>
+          <a:lnRef idx="2">
+            <a:schemeClr val="accent1">
+              <a:shade val="50000"/>
+            </a:schemeClr>
+          </a:lnRef>
+          <a:fillRef idx="1">
+            <a:schemeClr val="accent1"/>
+          </a:fillRef>
+          <a:effectRef idx="0">
+            <a:schemeClr val="accent1"/>
+          </a:effectRef>
+          <a:fontRef idx="minor">
+            <a:schemeClr val="lt1"/>
+          </a:fontRef>
+        </p:style>
+        <p:txBody>
+          <a:bodyPr rtlCol="0" anchor="ctr"/>
+          <a:lstStyle/>
+          <a:p>
+            <a:pPr algn="ctr"/>
+            <a:endParaRPr lang="en-GB" dirty="0"/>
+          </a:p>
+        </p:txBody>
+      </p:sp>
+      <p:sp>
+        <p:nvSpPr>
+          <p:cNvPr id="39" name="Rectangle 38">
+            <a:extLst>
+              <a:ext uri="{FF2B5EF4-FFF2-40B4-BE49-F238E27FC236}">
+                <a16:creationId xmlns:a16="http://schemas.microsoft.com/office/drawing/2014/main" id="{9C178F37-CC92-C53C-6838-96246F2DF6BC}"/>
+              </a:ext>
+            </a:extLst>
+          </p:cNvPr>
+          <p:cNvSpPr/>
+          <p:nvPr/>
+        </p:nvSpPr>
+        <p:spPr>
+          <a:xfrm>
+            <a:off x="2667203" y="7192073"/>
+            <a:ext cx="304800" cy="75600"/>
+          </a:xfrm>
+          <a:prstGeom prst="rect">
+            <a:avLst/>
+          </a:prstGeom>
+          <a:solidFill>
+            <a:srgbClr val="4F6457"/>
+          </a:solidFill>
+          <a:ln>
+            <a:solidFill>
+              <a:srgbClr val="4F6457"/>
+            </a:solidFill>
+          </a:ln>
+        </p:spPr>
+        <p:style>
+          <a:lnRef idx="2">
+            <a:schemeClr val="accent1">
+              <a:shade val="50000"/>
+            </a:schemeClr>
+          </a:lnRef>
+          <a:fillRef idx="1">
+            <a:schemeClr val="accent1"/>
+          </a:fillRef>
+          <a:effectRef idx="0">
+            <a:schemeClr val="accent1"/>
+          </a:effectRef>
+          <a:fontRef idx="minor">
+            <a:schemeClr val="lt1"/>
+          </a:fontRef>
+        </p:style>
+        <p:txBody>
+          <a:bodyPr rtlCol="0" anchor="ctr"/>
+          <a:lstStyle/>
+          <a:p>
+            <a:pPr algn="ctr"/>
+            <a:endParaRPr lang="en-GB" dirty="0"/>
+          </a:p>
+        </p:txBody>
+      </p:sp>
+      <p:sp>
+        <p:nvSpPr>
+          <p:cNvPr id="40" name="Rectangle 39">
+            <a:extLst>
+              <a:ext uri="{FF2B5EF4-FFF2-40B4-BE49-F238E27FC236}">
+                <a16:creationId xmlns:a16="http://schemas.microsoft.com/office/drawing/2014/main" id="{146D9A2B-D796-3EF2-C877-0489C5835BD4}"/>
+              </a:ext>
+            </a:extLst>
+          </p:cNvPr>
+          <p:cNvSpPr/>
+          <p:nvPr/>
+        </p:nvSpPr>
+        <p:spPr>
+          <a:xfrm>
+            <a:off x="2667203" y="7267673"/>
+            <a:ext cx="304800" cy="965102"/>
+          </a:xfrm>
+          <a:prstGeom prst="rect">
+            <a:avLst/>
+          </a:prstGeom>
+          <a:solidFill>
+            <a:srgbClr val="A0D7E2"/>
+          </a:solidFill>
+          <a:ln>
+            <a:solidFill>
+              <a:srgbClr val="A0D7E2"/>
+            </a:solidFill>
+          </a:ln>
+        </p:spPr>
+        <p:style>
+          <a:lnRef idx="2">
+            <a:schemeClr val="accent1">
+              <a:shade val="50000"/>
+            </a:schemeClr>
+          </a:lnRef>
+          <a:fillRef idx="1">
+            <a:schemeClr val="accent1"/>
+          </a:fillRef>
+          <a:effectRef idx="0">
+            <a:schemeClr val="accent1"/>
+          </a:effectRef>
+          <a:fontRef idx="minor">
+            <a:schemeClr val="lt1"/>
+          </a:fontRef>
+        </p:style>
+        <p:txBody>
+          <a:bodyPr rtlCol="0" anchor="ctr"/>
+          <a:lstStyle/>
+          <a:p>
+            <a:pPr algn="ctr"/>
+            <a:endParaRPr lang="en-GB" dirty="0"/>
+          </a:p>
+        </p:txBody>
+      </p:sp>
+      <p:sp>
+        <p:nvSpPr>
+          <p:cNvPr id="41" name="Rectangle 40">
+            <a:extLst>
+              <a:ext uri="{FF2B5EF4-FFF2-40B4-BE49-F238E27FC236}">
+                <a16:creationId xmlns:a16="http://schemas.microsoft.com/office/drawing/2014/main" id="{9613BDDA-304A-6E5C-8446-897B278A6BAF}"/>
+              </a:ext>
+            </a:extLst>
+          </p:cNvPr>
+          <p:cNvSpPr/>
+          <p:nvPr/>
+        </p:nvSpPr>
+        <p:spPr>
+          <a:xfrm>
+            <a:off x="2667203" y="8234261"/>
+            <a:ext cx="304800" cy="72000"/>
+          </a:xfrm>
+          <a:prstGeom prst="rect">
+            <a:avLst/>
+          </a:prstGeom>
+          <a:solidFill>
+            <a:srgbClr val="FB802E"/>
+          </a:solidFill>
+          <a:ln>
+            <a:solidFill>
+              <a:srgbClr val="FB802E"/>
+            </a:solidFill>
+          </a:ln>
+        </p:spPr>
+        <p:style>
+          <a:lnRef idx="2">
+            <a:schemeClr val="accent1">
+              <a:shade val="50000"/>
+            </a:schemeClr>
+          </a:lnRef>
+          <a:fillRef idx="1">
+            <a:schemeClr val="accent1"/>
+          </a:fillRef>
+          <a:effectRef idx="0">
+            <a:schemeClr val="accent1"/>
+          </a:effectRef>
+          <a:fontRef idx="minor">
+            <a:schemeClr val="lt1"/>
+          </a:fontRef>
+        </p:style>
+        <p:txBody>
+          <a:bodyPr rtlCol="0" anchor="ctr"/>
+          <a:lstStyle/>
+          <a:p>
+            <a:pPr algn="ctr"/>
+            <a:endParaRPr lang="en-GB" dirty="0"/>
+          </a:p>
+        </p:txBody>
+      </p:sp>
+      <p:sp>
+        <p:nvSpPr>
+          <p:cNvPr id="42" name="Rectangle 41">
+            <a:extLst>
+              <a:ext uri="{FF2B5EF4-FFF2-40B4-BE49-F238E27FC236}">
+                <a16:creationId xmlns:a16="http://schemas.microsoft.com/office/drawing/2014/main" id="{4ED6DD71-432D-1E88-1DBD-09C11F73C2AA}"/>
+              </a:ext>
+            </a:extLst>
+          </p:cNvPr>
+          <p:cNvSpPr/>
+          <p:nvPr/>
+        </p:nvSpPr>
+        <p:spPr>
+          <a:xfrm>
+            <a:off x="2667203" y="8310175"/>
+            <a:ext cx="304800" cy="133737"/>
+          </a:xfrm>
+          <a:prstGeom prst="rect">
+            <a:avLst/>
+          </a:prstGeom>
+          <a:solidFill>
+            <a:srgbClr val="C4DFE6"/>
+          </a:solidFill>
+          <a:ln>
+            <a:solidFill>
+              <a:srgbClr val="C4DFE6"/>
+            </a:solidFill>
+          </a:ln>
+        </p:spPr>
+        <p:style>
+          <a:lnRef idx="2">
+            <a:schemeClr val="accent1">
+              <a:shade val="50000"/>
+            </a:schemeClr>
+          </a:lnRef>
+          <a:fillRef idx="1">
+            <a:schemeClr val="accent1"/>
+          </a:fillRef>
+          <a:effectRef idx="0">
+            <a:schemeClr val="accent1"/>
+          </a:effectRef>
+          <a:fontRef idx="minor">
+            <a:schemeClr val="lt1"/>
+          </a:fontRef>
+        </p:style>
+        <p:txBody>
+          <a:bodyPr rtlCol="0" anchor="ctr"/>
+          <a:lstStyle/>
+          <a:p>
+            <a:pPr algn="ctr"/>
+            <a:endParaRPr lang="en-GB" dirty="0"/>
+          </a:p>
+        </p:txBody>
+      </p:sp>
+      <p:sp>
+        <p:nvSpPr>
+          <p:cNvPr id="43" name="Rectangle 42">
+            <a:extLst>
+              <a:ext uri="{FF2B5EF4-FFF2-40B4-BE49-F238E27FC236}">
+                <a16:creationId xmlns:a16="http://schemas.microsoft.com/office/drawing/2014/main" id="{BE673AF5-19C2-79E0-DB77-B67B8F59A402}"/>
+              </a:ext>
+            </a:extLst>
+          </p:cNvPr>
+          <p:cNvSpPr/>
+          <p:nvPr/>
+        </p:nvSpPr>
+        <p:spPr>
+          <a:xfrm>
+            <a:off x="2667203" y="8443912"/>
+            <a:ext cx="304800" cy="214666"/>
+          </a:xfrm>
+          <a:prstGeom prst="rect">
+            <a:avLst/>
+          </a:prstGeom>
+          <a:solidFill>
+            <a:srgbClr val="80BD9E"/>
+          </a:solidFill>
+          <a:ln>
+            <a:solidFill>
+              <a:srgbClr val="80BD9E"/>
+            </a:solidFill>
+          </a:ln>
+        </p:spPr>
+        <p:style>
+          <a:lnRef idx="2">
+            <a:schemeClr val="accent1">
+              <a:shade val="50000"/>
+            </a:schemeClr>
+          </a:lnRef>
+          <a:fillRef idx="1">
+            <a:schemeClr val="accent1"/>
+          </a:fillRef>
+          <a:effectRef idx="0">
+            <a:schemeClr val="accent1"/>
+          </a:effectRef>
+          <a:fontRef idx="minor">
+            <a:schemeClr val="lt1"/>
+          </a:fontRef>
+        </p:style>
+        <p:txBody>
+          <a:bodyPr rtlCol="0" anchor="ctr"/>
+          <a:lstStyle/>
+          <a:p>
+            <a:pPr algn="ctr"/>
+            <a:endParaRPr lang="en-GB" dirty="0"/>
+          </a:p>
+        </p:txBody>
+      </p:sp>
+      <p:sp>
+        <p:nvSpPr>
+          <p:cNvPr id="44" name="Rectangle 43">
+            <a:extLst>
+              <a:ext uri="{FF2B5EF4-FFF2-40B4-BE49-F238E27FC236}">
+                <a16:creationId xmlns:a16="http://schemas.microsoft.com/office/drawing/2014/main" id="{A2BE9CE8-24CF-594F-462D-BACD9CECB909}"/>
+              </a:ext>
+            </a:extLst>
+          </p:cNvPr>
+          <p:cNvSpPr/>
+          <p:nvPr/>
+        </p:nvSpPr>
+        <p:spPr>
+          <a:xfrm>
+            <a:off x="2667203" y="8667295"/>
+            <a:ext cx="304800" cy="945694"/>
+          </a:xfrm>
+          <a:prstGeom prst="rect">
+            <a:avLst/>
+          </a:prstGeom>
+          <a:solidFill>
+            <a:srgbClr val="FAAF08"/>
+          </a:solidFill>
+          <a:ln>
+            <a:solidFill>
+              <a:srgbClr val="FAAF08"/>
+            </a:solidFill>
+          </a:ln>
+        </p:spPr>
+        <p:style>
+          <a:lnRef idx="2">
+            <a:schemeClr val="accent1">
+              <a:shade val="50000"/>
+            </a:schemeClr>
+          </a:lnRef>
+          <a:fillRef idx="1">
+            <a:schemeClr val="accent1"/>
+          </a:fillRef>
+          <a:effectRef idx="0">
+            <a:schemeClr val="accent1"/>
+          </a:effectRef>
+          <a:fontRef idx="minor">
+            <a:schemeClr val="lt1"/>
+          </a:fontRef>
+        </p:style>
+        <p:txBody>
+          <a:bodyPr rtlCol="0" anchor="ctr"/>
+          <a:lstStyle/>
+          <a:p>
+            <a:pPr algn="ctr"/>
+            <a:endParaRPr lang="en-GB" dirty="0"/>
+          </a:p>
+        </p:txBody>
+      </p:sp>
     </p:spTree>
     <p:extLst>
       <p:ext uri="{BB962C8B-B14F-4D97-AF65-F5344CB8AC3E}">

--- a/03_OUTPUT/01_Goal 0/phylo tree families.pptx
+++ b/03_OUTPUT/01_Goal 0/phylo tree families.pptx
@@ -2,12 +2,15 @@
 <file path=ppt/presentation.xml><?xml version="1.0" encoding="utf-8"?>
 <p:presentation xmlns:a="http://schemas.openxmlformats.org/drawingml/2006/main" xmlns:r="http://schemas.openxmlformats.org/officeDocument/2006/relationships" xmlns:p="http://schemas.openxmlformats.org/presentationml/2006/main" saveSubsetFonts="1" autoCompressPictures="0">
   <p:sldMasterIdLst>
-    <p:sldMasterId id="2147483660" r:id="rId1"/>
+    <p:sldMasterId id="2147483684" r:id="rId1"/>
   </p:sldMasterIdLst>
   <p:sldIdLst>
     <p:sldId id="256" r:id="rId2"/>
+    <p:sldId id="257" r:id="rId3"/>
+    <p:sldId id="258" r:id="rId4"/>
+    <p:sldId id="259" r:id="rId5"/>
   </p:sldIdLst>
-  <p:sldSz cx="7199313" cy="10799763"/>
+  <p:sldSz cx="14400213" cy="10799763"/>
   <p:notesSz cx="6858000" cy="9144000"/>
   <p:defaultTextStyle>
     <a:defPPr>
@@ -136,15 +139,15 @@
         </p:nvSpPr>
         <p:spPr>
           <a:xfrm>
-            <a:off x="539949" y="1767462"/>
-            <a:ext cx="6119416" cy="3759917"/>
+            <a:off x="1080016" y="1767462"/>
+            <a:ext cx="12240181" cy="3759917"/>
           </a:xfrm>
         </p:spPr>
         <p:txBody>
           <a:bodyPr anchor="b"/>
           <a:lstStyle>
             <a:lvl1pPr algn="ctr">
-              <a:defRPr sz="4724"/>
+              <a:defRPr sz="9449"/>
             </a:lvl1pPr>
           </a:lstStyle>
           <a:p>
@@ -168,8 +171,8 @@
         </p:nvSpPr>
         <p:spPr>
           <a:xfrm>
-            <a:off x="899914" y="5672376"/>
-            <a:ext cx="5399485" cy="2607442"/>
+            <a:off x="1800027" y="5672376"/>
+            <a:ext cx="10800160" cy="2607442"/>
           </a:xfrm>
         </p:spPr>
         <p:txBody>
@@ -177,39 +180,39 @@
           <a:lstStyle>
             <a:lvl1pPr marL="0" indent="0" algn="ctr">
               <a:buNone/>
-              <a:defRPr sz="1890"/>
+              <a:defRPr sz="3780"/>
             </a:lvl1pPr>
-            <a:lvl2pPr marL="359954" indent="0" algn="ctr">
+            <a:lvl2pPr marL="719999" indent="0" algn="ctr">
               <a:buNone/>
-              <a:defRPr sz="1575"/>
+              <a:defRPr sz="3150"/>
             </a:lvl2pPr>
-            <a:lvl3pPr marL="719907" indent="0" algn="ctr">
+            <a:lvl3pPr marL="1439997" indent="0" algn="ctr">
               <a:buNone/>
-              <a:defRPr sz="1417"/>
+              <a:defRPr sz="2835"/>
             </a:lvl3pPr>
-            <a:lvl4pPr marL="1079861" indent="0" algn="ctr">
+            <a:lvl4pPr marL="2159996" indent="0" algn="ctr">
               <a:buNone/>
-              <a:defRPr sz="1260"/>
+              <a:defRPr sz="2520"/>
             </a:lvl4pPr>
-            <a:lvl5pPr marL="1439814" indent="0" algn="ctr">
+            <a:lvl5pPr marL="2879994" indent="0" algn="ctr">
               <a:buNone/>
-              <a:defRPr sz="1260"/>
+              <a:defRPr sz="2520"/>
             </a:lvl5pPr>
-            <a:lvl6pPr marL="1799768" indent="0" algn="ctr">
+            <a:lvl6pPr marL="3599993" indent="0" algn="ctr">
               <a:buNone/>
-              <a:defRPr sz="1260"/>
+              <a:defRPr sz="2520"/>
             </a:lvl6pPr>
-            <a:lvl7pPr marL="2159721" indent="0" algn="ctr">
+            <a:lvl7pPr marL="4319991" indent="0" algn="ctr">
               <a:buNone/>
-              <a:defRPr sz="1260"/>
+              <a:defRPr sz="2520"/>
             </a:lvl7pPr>
-            <a:lvl8pPr marL="2519675" indent="0" algn="ctr">
+            <a:lvl8pPr marL="5039990" indent="0" algn="ctr">
               <a:buNone/>
-              <a:defRPr sz="1260"/>
+              <a:defRPr sz="2520"/>
             </a:lvl8pPr>
-            <a:lvl9pPr marL="2879628" indent="0" algn="ctr">
+            <a:lvl9pPr marL="5759988" indent="0" algn="ctr">
               <a:buNone/>
-              <a:defRPr sz="1260"/>
+              <a:defRPr sz="2520"/>
             </a:lvl9pPr>
           </a:lstStyle>
           <a:p>
@@ -289,7 +292,7 @@
     </p:spTree>
     <p:extLst>
       <p:ext uri="{BB962C8B-B14F-4D97-AF65-F5344CB8AC3E}">
-        <p14:creationId xmlns:p14="http://schemas.microsoft.com/office/powerpoint/2010/main" val="2968029839"/>
+        <p14:creationId xmlns:p14="http://schemas.microsoft.com/office/powerpoint/2010/main" val="1804419924"/>
       </p:ext>
     </p:extLst>
   </p:cSld>
@@ -459,7 +462,7 @@
     </p:spTree>
     <p:extLst>
       <p:ext uri="{BB962C8B-B14F-4D97-AF65-F5344CB8AC3E}">
-        <p14:creationId xmlns:p14="http://schemas.microsoft.com/office/powerpoint/2010/main" val="3331936484"/>
+        <p14:creationId xmlns:p14="http://schemas.microsoft.com/office/powerpoint/2010/main" val="633814711"/>
       </p:ext>
     </p:extLst>
   </p:cSld>
@@ -498,8 +501,8 @@
         </p:nvSpPr>
         <p:spPr>
           <a:xfrm>
-            <a:off x="5152009" y="574987"/>
-            <a:ext cx="1552352" cy="9152300"/>
+            <a:off x="10305153" y="574987"/>
+            <a:ext cx="3105046" cy="9152300"/>
           </a:xfrm>
         </p:spPr>
         <p:txBody>
@@ -526,8 +529,8 @@
         </p:nvSpPr>
         <p:spPr>
           <a:xfrm>
-            <a:off x="494953" y="574987"/>
-            <a:ext cx="4567064" cy="9152300"/>
+            <a:off x="990015" y="574987"/>
+            <a:ext cx="9135135" cy="9152300"/>
           </a:xfrm>
         </p:spPr>
         <p:txBody>
@@ -639,7 +642,7 @@
     </p:spTree>
     <p:extLst>
       <p:ext uri="{BB962C8B-B14F-4D97-AF65-F5344CB8AC3E}">
-        <p14:creationId xmlns:p14="http://schemas.microsoft.com/office/powerpoint/2010/main" val="1726995356"/>
+        <p14:creationId xmlns:p14="http://schemas.microsoft.com/office/powerpoint/2010/main" val="944963430"/>
       </p:ext>
     </p:extLst>
   </p:cSld>
@@ -809,7 +812,7 @@
     </p:spTree>
     <p:extLst>
       <p:ext uri="{BB962C8B-B14F-4D97-AF65-F5344CB8AC3E}">
-        <p14:creationId xmlns:p14="http://schemas.microsoft.com/office/powerpoint/2010/main" val="1126713080"/>
+        <p14:creationId xmlns:p14="http://schemas.microsoft.com/office/powerpoint/2010/main" val="883738146"/>
       </p:ext>
     </p:extLst>
   </p:cSld>
@@ -848,15 +851,15 @@
         </p:nvSpPr>
         <p:spPr>
           <a:xfrm>
-            <a:off x="491204" y="2692444"/>
-            <a:ext cx="6209407" cy="4492401"/>
+            <a:off x="982515" y="2692444"/>
+            <a:ext cx="12420184" cy="4492401"/>
           </a:xfrm>
         </p:spPr>
         <p:txBody>
           <a:bodyPr anchor="b"/>
           <a:lstStyle>
             <a:lvl1pPr>
-              <a:defRPr sz="4724"/>
+              <a:defRPr sz="9449"/>
             </a:lvl1pPr>
           </a:lstStyle>
           <a:p>
@@ -880,8 +883,8 @@
         </p:nvSpPr>
         <p:spPr>
           <a:xfrm>
-            <a:off x="491204" y="7227345"/>
-            <a:ext cx="6209407" cy="2362447"/>
+            <a:off x="982515" y="7227345"/>
+            <a:ext cx="12420184" cy="2362447"/>
           </a:xfrm>
         </p:spPr>
         <p:txBody>
@@ -889,15 +892,15 @@
           <a:lstStyle>
             <a:lvl1pPr marL="0" indent="0">
               <a:buNone/>
-              <a:defRPr sz="1890">
+              <a:defRPr sz="3780">
                 <a:solidFill>
                   <a:schemeClr val="tx1"/>
                 </a:solidFill>
               </a:defRPr>
             </a:lvl1pPr>
-            <a:lvl2pPr marL="359954" indent="0">
+            <a:lvl2pPr marL="719999" indent="0">
               <a:buNone/>
-              <a:defRPr sz="1575">
+              <a:defRPr sz="3150">
                 <a:solidFill>
                   <a:schemeClr val="tx1">
                     <a:tint val="75000"/>
@@ -905,9 +908,9 @@
                 </a:solidFill>
               </a:defRPr>
             </a:lvl2pPr>
-            <a:lvl3pPr marL="719907" indent="0">
+            <a:lvl3pPr marL="1439997" indent="0">
               <a:buNone/>
-              <a:defRPr sz="1417">
+              <a:defRPr sz="2835">
                 <a:solidFill>
                   <a:schemeClr val="tx1">
                     <a:tint val="75000"/>
@@ -915,9 +918,9 @@
                 </a:solidFill>
               </a:defRPr>
             </a:lvl3pPr>
-            <a:lvl4pPr marL="1079861" indent="0">
+            <a:lvl4pPr marL="2159996" indent="0">
               <a:buNone/>
-              <a:defRPr sz="1260">
+              <a:defRPr sz="2520">
                 <a:solidFill>
                   <a:schemeClr val="tx1">
                     <a:tint val="75000"/>
@@ -925,9 +928,9 @@
                 </a:solidFill>
               </a:defRPr>
             </a:lvl4pPr>
-            <a:lvl5pPr marL="1439814" indent="0">
+            <a:lvl5pPr marL="2879994" indent="0">
               <a:buNone/>
-              <a:defRPr sz="1260">
+              <a:defRPr sz="2520">
                 <a:solidFill>
                   <a:schemeClr val="tx1">
                     <a:tint val="75000"/>
@@ -935,9 +938,9 @@
                 </a:solidFill>
               </a:defRPr>
             </a:lvl5pPr>
-            <a:lvl6pPr marL="1799768" indent="0">
+            <a:lvl6pPr marL="3599993" indent="0">
               <a:buNone/>
-              <a:defRPr sz="1260">
+              <a:defRPr sz="2520">
                 <a:solidFill>
                   <a:schemeClr val="tx1">
                     <a:tint val="75000"/>
@@ -945,9 +948,9 @@
                 </a:solidFill>
               </a:defRPr>
             </a:lvl6pPr>
-            <a:lvl7pPr marL="2159721" indent="0">
+            <a:lvl7pPr marL="4319991" indent="0">
               <a:buNone/>
-              <a:defRPr sz="1260">
+              <a:defRPr sz="2520">
                 <a:solidFill>
                   <a:schemeClr val="tx1">
                     <a:tint val="75000"/>
@@ -955,9 +958,9 @@
                 </a:solidFill>
               </a:defRPr>
             </a:lvl7pPr>
-            <a:lvl8pPr marL="2519675" indent="0">
+            <a:lvl8pPr marL="5039990" indent="0">
               <a:buNone/>
-              <a:defRPr sz="1260">
+              <a:defRPr sz="2520">
                 <a:solidFill>
                   <a:schemeClr val="tx1">
                     <a:tint val="75000"/>
@@ -965,9 +968,9 @@
                 </a:solidFill>
               </a:defRPr>
             </a:lvl8pPr>
-            <a:lvl9pPr marL="2879628" indent="0">
+            <a:lvl9pPr marL="5759988" indent="0">
               <a:buNone/>
-              <a:defRPr sz="1260">
+              <a:defRPr sz="2520">
                 <a:solidFill>
                   <a:schemeClr val="tx1">
                     <a:tint val="75000"/>
@@ -1053,7 +1056,7 @@
     </p:spTree>
     <p:extLst>
       <p:ext uri="{BB962C8B-B14F-4D97-AF65-F5344CB8AC3E}">
-        <p14:creationId xmlns:p14="http://schemas.microsoft.com/office/powerpoint/2010/main" val="3846397130"/>
+        <p14:creationId xmlns:p14="http://schemas.microsoft.com/office/powerpoint/2010/main" val="4077889559"/>
       </p:ext>
     </p:extLst>
   </p:cSld>
@@ -1115,8 +1118,8 @@
         </p:nvSpPr>
         <p:spPr>
           <a:xfrm>
-            <a:off x="494953" y="2874937"/>
-            <a:ext cx="3059708" cy="6852350"/>
+            <a:off x="990014" y="2874937"/>
+            <a:ext cx="6120091" cy="6852350"/>
           </a:xfrm>
         </p:spPr>
         <p:txBody>
@@ -1172,8 +1175,8 @@
         </p:nvSpPr>
         <p:spPr>
           <a:xfrm>
-            <a:off x="3644652" y="2874937"/>
-            <a:ext cx="3059708" cy="6852350"/>
+            <a:off x="7290108" y="2874937"/>
+            <a:ext cx="6120091" cy="6852350"/>
           </a:xfrm>
         </p:spPr>
         <p:txBody>
@@ -1285,7 +1288,7 @@
     </p:spTree>
     <p:extLst>
       <p:ext uri="{BB962C8B-B14F-4D97-AF65-F5344CB8AC3E}">
-        <p14:creationId xmlns:p14="http://schemas.microsoft.com/office/powerpoint/2010/main" val="621784757"/>
+        <p14:creationId xmlns:p14="http://schemas.microsoft.com/office/powerpoint/2010/main" val="1258976007"/>
       </p:ext>
     </p:extLst>
   </p:cSld>
@@ -1324,8 +1327,8 @@
         </p:nvSpPr>
         <p:spPr>
           <a:xfrm>
-            <a:off x="495891" y="574990"/>
-            <a:ext cx="6209407" cy="2087455"/>
+            <a:off x="991890" y="574990"/>
+            <a:ext cx="12420184" cy="2087455"/>
           </a:xfrm>
         </p:spPr>
         <p:txBody>
@@ -1352,8 +1355,8 @@
         </p:nvSpPr>
         <p:spPr>
           <a:xfrm>
-            <a:off x="495891" y="2647443"/>
-            <a:ext cx="3045646" cy="1297471"/>
+            <a:off x="991892" y="2647443"/>
+            <a:ext cx="6091964" cy="1297471"/>
           </a:xfrm>
         </p:spPr>
         <p:txBody>
@@ -1361,39 +1364,39 @@
           <a:lstStyle>
             <a:lvl1pPr marL="0" indent="0">
               <a:buNone/>
-              <a:defRPr sz="1890" b="1"/>
+              <a:defRPr sz="3780" b="1"/>
             </a:lvl1pPr>
-            <a:lvl2pPr marL="359954" indent="0">
+            <a:lvl2pPr marL="719999" indent="0">
               <a:buNone/>
-              <a:defRPr sz="1575" b="1"/>
+              <a:defRPr sz="3150" b="1"/>
             </a:lvl2pPr>
-            <a:lvl3pPr marL="719907" indent="0">
+            <a:lvl3pPr marL="1439997" indent="0">
               <a:buNone/>
-              <a:defRPr sz="1417" b="1"/>
+              <a:defRPr sz="2835" b="1"/>
             </a:lvl3pPr>
-            <a:lvl4pPr marL="1079861" indent="0">
+            <a:lvl4pPr marL="2159996" indent="0">
               <a:buNone/>
-              <a:defRPr sz="1260" b="1"/>
+              <a:defRPr sz="2520" b="1"/>
             </a:lvl4pPr>
-            <a:lvl5pPr marL="1439814" indent="0">
+            <a:lvl5pPr marL="2879994" indent="0">
               <a:buNone/>
-              <a:defRPr sz="1260" b="1"/>
+              <a:defRPr sz="2520" b="1"/>
             </a:lvl5pPr>
-            <a:lvl6pPr marL="1799768" indent="0">
+            <a:lvl6pPr marL="3599993" indent="0">
               <a:buNone/>
-              <a:defRPr sz="1260" b="1"/>
+              <a:defRPr sz="2520" b="1"/>
             </a:lvl6pPr>
-            <a:lvl7pPr marL="2159721" indent="0">
+            <a:lvl7pPr marL="4319991" indent="0">
               <a:buNone/>
-              <a:defRPr sz="1260" b="1"/>
+              <a:defRPr sz="2520" b="1"/>
             </a:lvl7pPr>
-            <a:lvl8pPr marL="2519675" indent="0">
+            <a:lvl8pPr marL="5039990" indent="0">
               <a:buNone/>
-              <a:defRPr sz="1260" b="1"/>
+              <a:defRPr sz="2520" b="1"/>
             </a:lvl8pPr>
-            <a:lvl9pPr marL="2879628" indent="0">
+            <a:lvl9pPr marL="5759988" indent="0">
               <a:buNone/>
-              <a:defRPr sz="1260" b="1"/>
+              <a:defRPr sz="2520" b="1"/>
             </a:lvl9pPr>
           </a:lstStyle>
           <a:p>
@@ -1417,8 +1420,8 @@
         </p:nvSpPr>
         <p:spPr>
           <a:xfrm>
-            <a:off x="495891" y="3944914"/>
-            <a:ext cx="3045646" cy="5802373"/>
+            <a:off x="991892" y="3944914"/>
+            <a:ext cx="6091964" cy="5802373"/>
           </a:xfrm>
         </p:spPr>
         <p:txBody>
@@ -1474,8 +1477,8 @@
         </p:nvSpPr>
         <p:spPr>
           <a:xfrm>
-            <a:off x="3644652" y="2647443"/>
-            <a:ext cx="3060646" cy="1297471"/>
+            <a:off x="7290109" y="2647443"/>
+            <a:ext cx="6121966" cy="1297471"/>
           </a:xfrm>
         </p:spPr>
         <p:txBody>
@@ -1483,39 +1486,39 @@
           <a:lstStyle>
             <a:lvl1pPr marL="0" indent="0">
               <a:buNone/>
-              <a:defRPr sz="1890" b="1"/>
+              <a:defRPr sz="3780" b="1"/>
             </a:lvl1pPr>
-            <a:lvl2pPr marL="359954" indent="0">
+            <a:lvl2pPr marL="719999" indent="0">
               <a:buNone/>
-              <a:defRPr sz="1575" b="1"/>
+              <a:defRPr sz="3150" b="1"/>
             </a:lvl2pPr>
-            <a:lvl3pPr marL="719907" indent="0">
+            <a:lvl3pPr marL="1439997" indent="0">
               <a:buNone/>
-              <a:defRPr sz="1417" b="1"/>
+              <a:defRPr sz="2835" b="1"/>
             </a:lvl3pPr>
-            <a:lvl4pPr marL="1079861" indent="0">
+            <a:lvl4pPr marL="2159996" indent="0">
               <a:buNone/>
-              <a:defRPr sz="1260" b="1"/>
+              <a:defRPr sz="2520" b="1"/>
             </a:lvl4pPr>
-            <a:lvl5pPr marL="1439814" indent="0">
+            <a:lvl5pPr marL="2879994" indent="0">
               <a:buNone/>
-              <a:defRPr sz="1260" b="1"/>
+              <a:defRPr sz="2520" b="1"/>
             </a:lvl5pPr>
-            <a:lvl6pPr marL="1799768" indent="0">
+            <a:lvl6pPr marL="3599993" indent="0">
               <a:buNone/>
-              <a:defRPr sz="1260" b="1"/>
+              <a:defRPr sz="2520" b="1"/>
             </a:lvl6pPr>
-            <a:lvl7pPr marL="2159721" indent="0">
+            <a:lvl7pPr marL="4319991" indent="0">
               <a:buNone/>
-              <a:defRPr sz="1260" b="1"/>
+              <a:defRPr sz="2520" b="1"/>
             </a:lvl7pPr>
-            <a:lvl8pPr marL="2519675" indent="0">
+            <a:lvl8pPr marL="5039990" indent="0">
               <a:buNone/>
-              <a:defRPr sz="1260" b="1"/>
+              <a:defRPr sz="2520" b="1"/>
             </a:lvl8pPr>
-            <a:lvl9pPr marL="2879628" indent="0">
+            <a:lvl9pPr marL="5759988" indent="0">
               <a:buNone/>
-              <a:defRPr sz="1260" b="1"/>
+              <a:defRPr sz="2520" b="1"/>
             </a:lvl9pPr>
           </a:lstStyle>
           <a:p>
@@ -1539,8 +1542,8 @@
         </p:nvSpPr>
         <p:spPr>
           <a:xfrm>
-            <a:off x="3644652" y="3944914"/>
-            <a:ext cx="3060646" cy="5802373"/>
+            <a:off x="7290109" y="3944914"/>
+            <a:ext cx="6121966" cy="5802373"/>
           </a:xfrm>
         </p:spPr>
         <p:txBody>
@@ -1652,7 +1655,7 @@
     </p:spTree>
     <p:extLst>
       <p:ext uri="{BB962C8B-B14F-4D97-AF65-F5344CB8AC3E}">
-        <p14:creationId xmlns:p14="http://schemas.microsoft.com/office/powerpoint/2010/main" val="3901084660"/>
+        <p14:creationId xmlns:p14="http://schemas.microsoft.com/office/powerpoint/2010/main" val="3130013954"/>
       </p:ext>
     </p:extLst>
   </p:cSld>
@@ -1770,7 +1773,7 @@
     </p:spTree>
     <p:extLst>
       <p:ext uri="{BB962C8B-B14F-4D97-AF65-F5344CB8AC3E}">
-        <p14:creationId xmlns:p14="http://schemas.microsoft.com/office/powerpoint/2010/main" val="1762900730"/>
+        <p14:creationId xmlns:p14="http://schemas.microsoft.com/office/powerpoint/2010/main" val="2007266959"/>
       </p:ext>
     </p:extLst>
   </p:cSld>
@@ -1865,7 +1868,7 @@
     </p:spTree>
     <p:extLst>
       <p:ext uri="{BB962C8B-B14F-4D97-AF65-F5344CB8AC3E}">
-        <p14:creationId xmlns:p14="http://schemas.microsoft.com/office/powerpoint/2010/main" val="730691714"/>
+        <p14:creationId xmlns:p14="http://schemas.microsoft.com/office/powerpoint/2010/main" val="2166433000"/>
       </p:ext>
     </p:extLst>
   </p:cSld>
@@ -1904,15 +1907,15 @@
         </p:nvSpPr>
         <p:spPr>
           <a:xfrm>
-            <a:off x="495890" y="719984"/>
-            <a:ext cx="2321966" cy="2519945"/>
+            <a:off x="991890" y="719984"/>
+            <a:ext cx="4644444" cy="2519945"/>
           </a:xfrm>
         </p:spPr>
         <p:txBody>
           <a:bodyPr anchor="b"/>
           <a:lstStyle>
             <a:lvl1pPr>
-              <a:defRPr sz="2519"/>
+              <a:defRPr sz="5039"/>
             </a:lvl1pPr>
           </a:lstStyle>
           <a:p>
@@ -1936,39 +1939,39 @@
         </p:nvSpPr>
         <p:spPr>
           <a:xfrm>
-            <a:off x="3060646" y="1554968"/>
-            <a:ext cx="3644652" cy="7674832"/>
+            <a:off x="6121966" y="1554968"/>
+            <a:ext cx="7290108" cy="7674832"/>
           </a:xfrm>
         </p:spPr>
         <p:txBody>
           <a:bodyPr/>
           <a:lstStyle>
             <a:lvl1pPr>
-              <a:defRPr sz="2519"/>
+              <a:defRPr sz="5039"/>
             </a:lvl1pPr>
             <a:lvl2pPr>
-              <a:defRPr sz="2204"/>
+              <a:defRPr sz="4409"/>
             </a:lvl2pPr>
             <a:lvl3pPr>
-              <a:defRPr sz="1890"/>
+              <a:defRPr sz="3780"/>
             </a:lvl3pPr>
             <a:lvl4pPr>
-              <a:defRPr sz="1575"/>
+              <a:defRPr sz="3150"/>
             </a:lvl4pPr>
             <a:lvl5pPr>
-              <a:defRPr sz="1575"/>
+              <a:defRPr sz="3150"/>
             </a:lvl5pPr>
             <a:lvl6pPr>
-              <a:defRPr sz="1575"/>
+              <a:defRPr sz="3150"/>
             </a:lvl6pPr>
             <a:lvl7pPr>
-              <a:defRPr sz="1575"/>
+              <a:defRPr sz="3150"/>
             </a:lvl7pPr>
             <a:lvl8pPr>
-              <a:defRPr sz="1575"/>
+              <a:defRPr sz="3150"/>
             </a:lvl8pPr>
             <a:lvl9pPr>
-              <a:defRPr sz="1575"/>
+              <a:defRPr sz="3150"/>
             </a:lvl9pPr>
           </a:lstStyle>
           <a:p>
@@ -2021,8 +2024,8 @@
         </p:nvSpPr>
         <p:spPr>
           <a:xfrm>
-            <a:off x="495890" y="3239929"/>
-            <a:ext cx="2321966" cy="6002369"/>
+            <a:off x="991890" y="3239929"/>
+            <a:ext cx="4644444" cy="6002369"/>
           </a:xfrm>
         </p:spPr>
         <p:txBody>
@@ -2030,39 +2033,39 @@
           <a:lstStyle>
             <a:lvl1pPr marL="0" indent="0">
               <a:buNone/>
-              <a:defRPr sz="1260"/>
+              <a:defRPr sz="2520"/>
             </a:lvl1pPr>
-            <a:lvl2pPr marL="359954" indent="0">
+            <a:lvl2pPr marL="719999" indent="0">
               <a:buNone/>
-              <a:defRPr sz="1102"/>
+              <a:defRPr sz="2205"/>
             </a:lvl2pPr>
-            <a:lvl3pPr marL="719907" indent="0">
+            <a:lvl3pPr marL="1439997" indent="0">
               <a:buNone/>
-              <a:defRPr sz="945"/>
+              <a:defRPr sz="1890"/>
             </a:lvl3pPr>
-            <a:lvl4pPr marL="1079861" indent="0">
+            <a:lvl4pPr marL="2159996" indent="0">
               <a:buNone/>
-              <a:defRPr sz="787"/>
+              <a:defRPr sz="1575"/>
             </a:lvl4pPr>
-            <a:lvl5pPr marL="1439814" indent="0">
+            <a:lvl5pPr marL="2879994" indent="0">
               <a:buNone/>
-              <a:defRPr sz="787"/>
+              <a:defRPr sz="1575"/>
             </a:lvl5pPr>
-            <a:lvl6pPr marL="1799768" indent="0">
+            <a:lvl6pPr marL="3599993" indent="0">
               <a:buNone/>
-              <a:defRPr sz="787"/>
+              <a:defRPr sz="1575"/>
             </a:lvl6pPr>
-            <a:lvl7pPr marL="2159721" indent="0">
+            <a:lvl7pPr marL="4319991" indent="0">
               <a:buNone/>
-              <a:defRPr sz="787"/>
+              <a:defRPr sz="1575"/>
             </a:lvl7pPr>
-            <a:lvl8pPr marL="2519675" indent="0">
+            <a:lvl8pPr marL="5039990" indent="0">
               <a:buNone/>
-              <a:defRPr sz="787"/>
+              <a:defRPr sz="1575"/>
             </a:lvl8pPr>
-            <a:lvl9pPr marL="2879628" indent="0">
+            <a:lvl9pPr marL="5759988" indent="0">
               <a:buNone/>
-              <a:defRPr sz="787"/>
+              <a:defRPr sz="1575"/>
             </a:lvl9pPr>
           </a:lstStyle>
           <a:p>
@@ -2142,7 +2145,7 @@
     </p:spTree>
     <p:extLst>
       <p:ext uri="{BB962C8B-B14F-4D97-AF65-F5344CB8AC3E}">
-        <p14:creationId xmlns:p14="http://schemas.microsoft.com/office/powerpoint/2010/main" val="3210045467"/>
+        <p14:creationId xmlns:p14="http://schemas.microsoft.com/office/powerpoint/2010/main" val="3431624037"/>
       </p:ext>
     </p:extLst>
   </p:cSld>
@@ -2181,15 +2184,15 @@
         </p:nvSpPr>
         <p:spPr>
           <a:xfrm>
-            <a:off x="495890" y="719984"/>
-            <a:ext cx="2321966" cy="2519945"/>
+            <a:off x="991890" y="719984"/>
+            <a:ext cx="4644444" cy="2519945"/>
           </a:xfrm>
         </p:spPr>
         <p:txBody>
           <a:bodyPr anchor="b"/>
           <a:lstStyle>
             <a:lvl1pPr>
-              <a:defRPr sz="2519"/>
+              <a:defRPr sz="5039"/>
             </a:lvl1pPr>
           </a:lstStyle>
           <a:p>
@@ -2213,8 +2216,8 @@
         </p:nvSpPr>
         <p:spPr>
           <a:xfrm>
-            <a:off x="3060646" y="1554968"/>
-            <a:ext cx="3644652" cy="7674832"/>
+            <a:off x="6121966" y="1554968"/>
+            <a:ext cx="7290108" cy="7674832"/>
           </a:xfrm>
         </p:spPr>
         <p:txBody>
@@ -2222,39 +2225,39 @@
           <a:lstStyle>
             <a:lvl1pPr marL="0" indent="0">
               <a:buNone/>
-              <a:defRPr sz="2519"/>
+              <a:defRPr sz="5039"/>
             </a:lvl1pPr>
-            <a:lvl2pPr marL="359954" indent="0">
+            <a:lvl2pPr marL="719999" indent="0">
               <a:buNone/>
-              <a:defRPr sz="2204"/>
+              <a:defRPr sz="4409"/>
             </a:lvl2pPr>
-            <a:lvl3pPr marL="719907" indent="0">
+            <a:lvl3pPr marL="1439997" indent="0">
               <a:buNone/>
-              <a:defRPr sz="1890"/>
+              <a:defRPr sz="3780"/>
             </a:lvl3pPr>
-            <a:lvl4pPr marL="1079861" indent="0">
+            <a:lvl4pPr marL="2159996" indent="0">
               <a:buNone/>
-              <a:defRPr sz="1575"/>
+              <a:defRPr sz="3150"/>
             </a:lvl4pPr>
-            <a:lvl5pPr marL="1439814" indent="0">
+            <a:lvl5pPr marL="2879994" indent="0">
               <a:buNone/>
-              <a:defRPr sz="1575"/>
+              <a:defRPr sz="3150"/>
             </a:lvl5pPr>
-            <a:lvl6pPr marL="1799768" indent="0">
+            <a:lvl6pPr marL="3599993" indent="0">
               <a:buNone/>
-              <a:defRPr sz="1575"/>
+              <a:defRPr sz="3150"/>
             </a:lvl6pPr>
-            <a:lvl7pPr marL="2159721" indent="0">
+            <a:lvl7pPr marL="4319991" indent="0">
               <a:buNone/>
-              <a:defRPr sz="1575"/>
+              <a:defRPr sz="3150"/>
             </a:lvl7pPr>
-            <a:lvl8pPr marL="2519675" indent="0">
+            <a:lvl8pPr marL="5039990" indent="0">
               <a:buNone/>
-              <a:defRPr sz="1575"/>
+              <a:defRPr sz="3150"/>
             </a:lvl8pPr>
-            <a:lvl9pPr marL="2879628" indent="0">
+            <a:lvl9pPr marL="5759988" indent="0">
               <a:buNone/>
-              <a:defRPr sz="1575"/>
+              <a:defRPr sz="3150"/>
             </a:lvl9pPr>
           </a:lstStyle>
           <a:p>
@@ -2278,8 +2281,8 @@
         </p:nvSpPr>
         <p:spPr>
           <a:xfrm>
-            <a:off x="495890" y="3239929"/>
-            <a:ext cx="2321966" cy="6002369"/>
+            <a:off x="991890" y="3239929"/>
+            <a:ext cx="4644444" cy="6002369"/>
           </a:xfrm>
         </p:spPr>
         <p:txBody>
@@ -2287,39 +2290,39 @@
           <a:lstStyle>
             <a:lvl1pPr marL="0" indent="0">
               <a:buNone/>
-              <a:defRPr sz="1260"/>
+              <a:defRPr sz="2520"/>
             </a:lvl1pPr>
-            <a:lvl2pPr marL="359954" indent="0">
+            <a:lvl2pPr marL="719999" indent="0">
               <a:buNone/>
-              <a:defRPr sz="1102"/>
+              <a:defRPr sz="2205"/>
             </a:lvl2pPr>
-            <a:lvl3pPr marL="719907" indent="0">
+            <a:lvl3pPr marL="1439997" indent="0">
               <a:buNone/>
-              <a:defRPr sz="945"/>
+              <a:defRPr sz="1890"/>
             </a:lvl3pPr>
-            <a:lvl4pPr marL="1079861" indent="0">
+            <a:lvl4pPr marL="2159996" indent="0">
               <a:buNone/>
-              <a:defRPr sz="787"/>
+              <a:defRPr sz="1575"/>
             </a:lvl4pPr>
-            <a:lvl5pPr marL="1439814" indent="0">
+            <a:lvl5pPr marL="2879994" indent="0">
               <a:buNone/>
-              <a:defRPr sz="787"/>
+              <a:defRPr sz="1575"/>
             </a:lvl5pPr>
-            <a:lvl6pPr marL="1799768" indent="0">
+            <a:lvl6pPr marL="3599993" indent="0">
               <a:buNone/>
-              <a:defRPr sz="787"/>
+              <a:defRPr sz="1575"/>
             </a:lvl6pPr>
-            <a:lvl7pPr marL="2159721" indent="0">
+            <a:lvl7pPr marL="4319991" indent="0">
               <a:buNone/>
-              <a:defRPr sz="787"/>
+              <a:defRPr sz="1575"/>
             </a:lvl7pPr>
-            <a:lvl8pPr marL="2519675" indent="0">
+            <a:lvl8pPr marL="5039990" indent="0">
               <a:buNone/>
-              <a:defRPr sz="787"/>
+              <a:defRPr sz="1575"/>
             </a:lvl8pPr>
-            <a:lvl9pPr marL="2879628" indent="0">
+            <a:lvl9pPr marL="5759988" indent="0">
               <a:buNone/>
-              <a:defRPr sz="787"/>
+              <a:defRPr sz="1575"/>
             </a:lvl9pPr>
           </a:lstStyle>
           <a:p>
@@ -2399,7 +2402,7 @@
     </p:spTree>
     <p:extLst>
       <p:ext uri="{BB962C8B-B14F-4D97-AF65-F5344CB8AC3E}">
-        <p14:creationId xmlns:p14="http://schemas.microsoft.com/office/powerpoint/2010/main" val="3851008418"/>
+        <p14:creationId xmlns:p14="http://schemas.microsoft.com/office/powerpoint/2010/main" val="3826587939"/>
       </p:ext>
     </p:extLst>
   </p:cSld>
@@ -2443,8 +2446,8 @@
         </p:nvSpPr>
         <p:spPr>
           <a:xfrm>
-            <a:off x="494953" y="574990"/>
-            <a:ext cx="6209407" cy="2087455"/>
+            <a:off x="990015" y="574990"/>
+            <a:ext cx="12420184" cy="2087455"/>
           </a:xfrm>
           <a:prstGeom prst="rect">
             <a:avLst/>
@@ -2476,8 +2479,8 @@
         </p:nvSpPr>
         <p:spPr>
           <a:xfrm>
-            <a:off x="494953" y="2874937"/>
-            <a:ext cx="6209407" cy="6852350"/>
+            <a:off x="990015" y="2874937"/>
+            <a:ext cx="12420184" cy="6852350"/>
           </a:xfrm>
           <a:prstGeom prst="rect">
             <a:avLst/>
@@ -2538,8 +2541,8 @@
         </p:nvSpPr>
         <p:spPr>
           <a:xfrm>
-            <a:off x="494953" y="10009783"/>
-            <a:ext cx="1619845" cy="574987"/>
+            <a:off x="990015" y="10009783"/>
+            <a:ext cx="3240048" cy="574987"/>
           </a:xfrm>
           <a:prstGeom prst="rect">
             <a:avLst/>
@@ -2549,7 +2552,7 @@
           <a:bodyPr vert="horz" lIns="91440" tIns="45720" rIns="91440" bIns="45720" rtlCol="0" anchor="ctr"/>
           <a:lstStyle>
             <a:lvl1pPr algn="l">
-              <a:defRPr sz="945">
+              <a:defRPr sz="1890">
                 <a:solidFill>
                   <a:schemeClr val="tx1">
                     <a:tint val="75000"/>
@@ -2579,8 +2582,8 @@
         </p:nvSpPr>
         <p:spPr>
           <a:xfrm>
-            <a:off x="2384773" y="10009783"/>
-            <a:ext cx="2429768" cy="574987"/>
+            <a:off x="4770071" y="10009783"/>
+            <a:ext cx="4860072" cy="574987"/>
           </a:xfrm>
           <a:prstGeom prst="rect">
             <a:avLst/>
@@ -2590,7 +2593,7 @@
           <a:bodyPr vert="horz" lIns="91440" tIns="45720" rIns="91440" bIns="45720" rtlCol="0" anchor="ctr"/>
           <a:lstStyle>
             <a:lvl1pPr algn="ctr">
-              <a:defRPr sz="945">
+              <a:defRPr sz="1890">
                 <a:solidFill>
                   <a:schemeClr val="tx1">
                     <a:tint val="75000"/>
@@ -2616,8 +2619,8 @@
         </p:nvSpPr>
         <p:spPr>
           <a:xfrm>
-            <a:off x="5084515" y="10009783"/>
-            <a:ext cx="1619845" cy="574987"/>
+            <a:off x="10170150" y="10009783"/>
+            <a:ext cx="3240048" cy="574987"/>
           </a:xfrm>
           <a:prstGeom prst="rect">
             <a:avLst/>
@@ -2627,7 +2630,7 @@
           <a:bodyPr vert="horz" lIns="91440" tIns="45720" rIns="91440" bIns="45720" rtlCol="0" anchor="ctr"/>
           <a:lstStyle>
             <a:lvl1pPr algn="r">
-              <a:defRPr sz="945">
+              <a:defRPr sz="1890">
                 <a:solidFill>
                   <a:schemeClr val="tx1">
                     <a:tint val="75000"/>
@@ -2648,27 +2651,27 @@
     </p:spTree>
     <p:extLst>
       <p:ext uri="{BB962C8B-B14F-4D97-AF65-F5344CB8AC3E}">
-        <p14:creationId xmlns:p14="http://schemas.microsoft.com/office/powerpoint/2010/main" val="23533073"/>
+        <p14:creationId xmlns:p14="http://schemas.microsoft.com/office/powerpoint/2010/main" val="339935631"/>
       </p:ext>
     </p:extLst>
   </p:cSld>
   <p:clrMap bg1="lt1" tx1="dk1" bg2="lt2" tx2="dk2" accent1="accent1" accent2="accent2" accent3="accent3" accent4="accent4" accent5="accent5" accent6="accent6" hlink="hlink" folHlink="folHlink"/>
   <p:sldLayoutIdLst>
-    <p:sldLayoutId id="2147483661" r:id="rId1"/>
-    <p:sldLayoutId id="2147483662" r:id="rId2"/>
-    <p:sldLayoutId id="2147483663" r:id="rId3"/>
-    <p:sldLayoutId id="2147483664" r:id="rId4"/>
-    <p:sldLayoutId id="2147483665" r:id="rId5"/>
-    <p:sldLayoutId id="2147483666" r:id="rId6"/>
-    <p:sldLayoutId id="2147483667" r:id="rId7"/>
-    <p:sldLayoutId id="2147483668" r:id="rId8"/>
-    <p:sldLayoutId id="2147483669" r:id="rId9"/>
-    <p:sldLayoutId id="2147483670" r:id="rId10"/>
-    <p:sldLayoutId id="2147483671" r:id="rId11"/>
+    <p:sldLayoutId id="2147483685" r:id="rId1"/>
+    <p:sldLayoutId id="2147483686" r:id="rId2"/>
+    <p:sldLayoutId id="2147483687" r:id="rId3"/>
+    <p:sldLayoutId id="2147483688" r:id="rId4"/>
+    <p:sldLayoutId id="2147483689" r:id="rId5"/>
+    <p:sldLayoutId id="2147483690" r:id="rId6"/>
+    <p:sldLayoutId id="2147483691" r:id="rId7"/>
+    <p:sldLayoutId id="2147483692" r:id="rId8"/>
+    <p:sldLayoutId id="2147483693" r:id="rId9"/>
+    <p:sldLayoutId id="2147483694" r:id="rId10"/>
+    <p:sldLayoutId id="2147483695" r:id="rId11"/>
   </p:sldLayoutIdLst>
   <p:txStyles>
     <p:titleStyle>
-      <a:lvl1pPr algn="l" defTabSz="719907" rtl="0" eaLnBrk="1" latinLnBrk="0" hangingPunct="1">
+      <a:lvl1pPr algn="l" defTabSz="1439997" rtl="0" eaLnBrk="1" latinLnBrk="0" hangingPunct="1">
         <a:lnSpc>
           <a:spcPct val="90000"/>
         </a:lnSpc>
@@ -2676,7 +2679,7 @@
           <a:spcPct val="0"/>
         </a:spcBef>
         <a:buNone/>
-        <a:defRPr sz="3464" kern="1200">
+        <a:defRPr sz="6929" kern="1200">
           <a:solidFill>
             <a:schemeClr val="tx1"/>
           </a:solidFill>
@@ -2687,7 +2690,25 @@
       </a:lvl1pPr>
     </p:titleStyle>
     <p:bodyStyle>
-      <a:lvl1pPr marL="179977" indent="-179977" algn="l" defTabSz="719907" rtl="0" eaLnBrk="1" latinLnBrk="0" hangingPunct="1">
+      <a:lvl1pPr marL="359999" indent="-359999" algn="l" defTabSz="1439997" rtl="0" eaLnBrk="1" latinLnBrk="0" hangingPunct="1">
+        <a:lnSpc>
+          <a:spcPct val="90000"/>
+        </a:lnSpc>
+        <a:spcBef>
+          <a:spcPts val="1575"/>
+        </a:spcBef>
+        <a:buFont typeface="Arial" panose="020B0604020202020204" pitchFamily="34" charset="0"/>
+        <a:buChar char="•"/>
+        <a:defRPr sz="4409" kern="1200">
+          <a:solidFill>
+            <a:schemeClr val="tx1"/>
+          </a:solidFill>
+          <a:latin typeface="+mn-lt"/>
+          <a:ea typeface="+mn-ea"/>
+          <a:cs typeface="+mn-cs"/>
+        </a:defRPr>
+      </a:lvl1pPr>
+      <a:lvl2pPr marL="1079998" indent="-359999" algn="l" defTabSz="1439997" rtl="0" eaLnBrk="1" latinLnBrk="0" hangingPunct="1">
         <a:lnSpc>
           <a:spcPct val="90000"/>
         </a:lnSpc>
@@ -2696,25 +2717,7 @@
         </a:spcBef>
         <a:buFont typeface="Arial" panose="020B0604020202020204" pitchFamily="34" charset="0"/>
         <a:buChar char="•"/>
-        <a:defRPr sz="2204" kern="1200">
-          <a:solidFill>
-            <a:schemeClr val="tx1"/>
-          </a:solidFill>
-          <a:latin typeface="+mn-lt"/>
-          <a:ea typeface="+mn-ea"/>
-          <a:cs typeface="+mn-cs"/>
-        </a:defRPr>
-      </a:lvl1pPr>
-      <a:lvl2pPr marL="539930" indent="-179977" algn="l" defTabSz="719907" rtl="0" eaLnBrk="1" latinLnBrk="0" hangingPunct="1">
-        <a:lnSpc>
-          <a:spcPct val="90000"/>
-        </a:lnSpc>
-        <a:spcBef>
-          <a:spcPts val="394"/>
-        </a:spcBef>
-        <a:buFont typeface="Arial" panose="020B0604020202020204" pitchFamily="34" charset="0"/>
-        <a:buChar char="•"/>
-        <a:defRPr sz="1890" kern="1200">
+        <a:defRPr sz="3780" kern="1200">
           <a:solidFill>
             <a:schemeClr val="tx1"/>
           </a:solidFill>
@@ -2723,16 +2726,16 @@
           <a:cs typeface="+mn-cs"/>
         </a:defRPr>
       </a:lvl2pPr>
-      <a:lvl3pPr marL="899884" indent="-179977" algn="l" defTabSz="719907" rtl="0" eaLnBrk="1" latinLnBrk="0" hangingPunct="1">
+      <a:lvl3pPr marL="1799996" indent="-359999" algn="l" defTabSz="1439997" rtl="0" eaLnBrk="1" latinLnBrk="0" hangingPunct="1">
         <a:lnSpc>
           <a:spcPct val="90000"/>
         </a:lnSpc>
         <a:spcBef>
-          <a:spcPts val="394"/>
+          <a:spcPts val="787"/>
         </a:spcBef>
         <a:buFont typeface="Arial" panose="020B0604020202020204" pitchFamily="34" charset="0"/>
         <a:buChar char="•"/>
-        <a:defRPr sz="1575" kern="1200">
+        <a:defRPr sz="3150" kern="1200">
           <a:solidFill>
             <a:schemeClr val="tx1"/>
           </a:solidFill>
@@ -2741,16 +2744,16 @@
           <a:cs typeface="+mn-cs"/>
         </a:defRPr>
       </a:lvl3pPr>
-      <a:lvl4pPr marL="1259837" indent="-179977" algn="l" defTabSz="719907" rtl="0" eaLnBrk="1" latinLnBrk="0" hangingPunct="1">
+      <a:lvl4pPr marL="2519995" indent="-359999" algn="l" defTabSz="1439997" rtl="0" eaLnBrk="1" latinLnBrk="0" hangingPunct="1">
         <a:lnSpc>
           <a:spcPct val="90000"/>
         </a:lnSpc>
         <a:spcBef>
-          <a:spcPts val="394"/>
+          <a:spcPts val="787"/>
         </a:spcBef>
         <a:buFont typeface="Arial" panose="020B0604020202020204" pitchFamily="34" charset="0"/>
         <a:buChar char="•"/>
-        <a:defRPr sz="1417" kern="1200">
+        <a:defRPr sz="2835" kern="1200">
           <a:solidFill>
             <a:schemeClr val="tx1"/>
           </a:solidFill>
@@ -2759,16 +2762,16 @@
           <a:cs typeface="+mn-cs"/>
         </a:defRPr>
       </a:lvl4pPr>
-      <a:lvl5pPr marL="1619791" indent="-179977" algn="l" defTabSz="719907" rtl="0" eaLnBrk="1" latinLnBrk="0" hangingPunct="1">
+      <a:lvl5pPr marL="3239994" indent="-359999" algn="l" defTabSz="1439997" rtl="0" eaLnBrk="1" latinLnBrk="0" hangingPunct="1">
         <a:lnSpc>
           <a:spcPct val="90000"/>
         </a:lnSpc>
         <a:spcBef>
-          <a:spcPts val="394"/>
+          <a:spcPts val="787"/>
         </a:spcBef>
         <a:buFont typeface="Arial" panose="020B0604020202020204" pitchFamily="34" charset="0"/>
         <a:buChar char="•"/>
-        <a:defRPr sz="1417" kern="1200">
+        <a:defRPr sz="2835" kern="1200">
           <a:solidFill>
             <a:schemeClr val="tx1"/>
           </a:solidFill>
@@ -2777,16 +2780,16 @@
           <a:cs typeface="+mn-cs"/>
         </a:defRPr>
       </a:lvl5pPr>
-      <a:lvl6pPr marL="1979745" indent="-179977" algn="l" defTabSz="719907" rtl="0" eaLnBrk="1" latinLnBrk="0" hangingPunct="1">
+      <a:lvl6pPr marL="3959992" indent="-359999" algn="l" defTabSz="1439997" rtl="0" eaLnBrk="1" latinLnBrk="0" hangingPunct="1">
         <a:lnSpc>
           <a:spcPct val="90000"/>
         </a:lnSpc>
         <a:spcBef>
-          <a:spcPts val="394"/>
+          <a:spcPts val="787"/>
         </a:spcBef>
         <a:buFont typeface="Arial" panose="020B0604020202020204" pitchFamily="34" charset="0"/>
         <a:buChar char="•"/>
-        <a:defRPr sz="1417" kern="1200">
+        <a:defRPr sz="2835" kern="1200">
           <a:solidFill>
             <a:schemeClr val="tx1"/>
           </a:solidFill>
@@ -2795,16 +2798,16 @@
           <a:cs typeface="+mn-cs"/>
         </a:defRPr>
       </a:lvl6pPr>
-      <a:lvl7pPr marL="2339698" indent="-179977" algn="l" defTabSz="719907" rtl="0" eaLnBrk="1" latinLnBrk="0" hangingPunct="1">
+      <a:lvl7pPr marL="4679991" indent="-359999" algn="l" defTabSz="1439997" rtl="0" eaLnBrk="1" latinLnBrk="0" hangingPunct="1">
         <a:lnSpc>
           <a:spcPct val="90000"/>
         </a:lnSpc>
         <a:spcBef>
-          <a:spcPts val="394"/>
+          <a:spcPts val="787"/>
         </a:spcBef>
         <a:buFont typeface="Arial" panose="020B0604020202020204" pitchFamily="34" charset="0"/>
         <a:buChar char="•"/>
-        <a:defRPr sz="1417" kern="1200">
+        <a:defRPr sz="2835" kern="1200">
           <a:solidFill>
             <a:schemeClr val="tx1"/>
           </a:solidFill>
@@ -2813,16 +2816,16 @@
           <a:cs typeface="+mn-cs"/>
         </a:defRPr>
       </a:lvl7pPr>
-      <a:lvl8pPr marL="2699652" indent="-179977" algn="l" defTabSz="719907" rtl="0" eaLnBrk="1" latinLnBrk="0" hangingPunct="1">
+      <a:lvl8pPr marL="5399989" indent="-359999" algn="l" defTabSz="1439997" rtl="0" eaLnBrk="1" latinLnBrk="0" hangingPunct="1">
         <a:lnSpc>
           <a:spcPct val="90000"/>
         </a:lnSpc>
         <a:spcBef>
-          <a:spcPts val="394"/>
+          <a:spcPts val="787"/>
         </a:spcBef>
         <a:buFont typeface="Arial" panose="020B0604020202020204" pitchFamily="34" charset="0"/>
         <a:buChar char="•"/>
-        <a:defRPr sz="1417" kern="1200">
+        <a:defRPr sz="2835" kern="1200">
           <a:solidFill>
             <a:schemeClr val="tx1"/>
           </a:solidFill>
@@ -2831,16 +2834,16 @@
           <a:cs typeface="+mn-cs"/>
         </a:defRPr>
       </a:lvl8pPr>
-      <a:lvl9pPr marL="3059605" indent="-179977" algn="l" defTabSz="719907" rtl="0" eaLnBrk="1" latinLnBrk="0" hangingPunct="1">
+      <a:lvl9pPr marL="6119988" indent="-359999" algn="l" defTabSz="1439997" rtl="0" eaLnBrk="1" latinLnBrk="0" hangingPunct="1">
         <a:lnSpc>
           <a:spcPct val="90000"/>
         </a:lnSpc>
         <a:spcBef>
-          <a:spcPts val="394"/>
+          <a:spcPts val="787"/>
         </a:spcBef>
         <a:buFont typeface="Arial" panose="020B0604020202020204" pitchFamily="34" charset="0"/>
         <a:buChar char="•"/>
-        <a:defRPr sz="1417" kern="1200">
+        <a:defRPr sz="2835" kern="1200">
           <a:solidFill>
             <a:schemeClr val="tx1"/>
           </a:solidFill>
@@ -2854,8 +2857,8 @@
       <a:defPPr>
         <a:defRPr lang="en-US"/>
       </a:defPPr>
-      <a:lvl1pPr marL="0" algn="l" defTabSz="719907" rtl="0" eaLnBrk="1" latinLnBrk="0" hangingPunct="1">
-        <a:defRPr sz="1417" kern="1200">
+      <a:lvl1pPr marL="0" algn="l" defTabSz="1439997" rtl="0" eaLnBrk="1" latinLnBrk="0" hangingPunct="1">
+        <a:defRPr sz="2835" kern="1200">
           <a:solidFill>
             <a:schemeClr val="tx1"/>
           </a:solidFill>
@@ -2864,8 +2867,8 @@
           <a:cs typeface="+mn-cs"/>
         </a:defRPr>
       </a:lvl1pPr>
-      <a:lvl2pPr marL="359954" algn="l" defTabSz="719907" rtl="0" eaLnBrk="1" latinLnBrk="0" hangingPunct="1">
-        <a:defRPr sz="1417" kern="1200">
+      <a:lvl2pPr marL="719999" algn="l" defTabSz="1439997" rtl="0" eaLnBrk="1" latinLnBrk="0" hangingPunct="1">
+        <a:defRPr sz="2835" kern="1200">
           <a:solidFill>
             <a:schemeClr val="tx1"/>
           </a:solidFill>
@@ -2874,8 +2877,8 @@
           <a:cs typeface="+mn-cs"/>
         </a:defRPr>
       </a:lvl2pPr>
-      <a:lvl3pPr marL="719907" algn="l" defTabSz="719907" rtl="0" eaLnBrk="1" latinLnBrk="0" hangingPunct="1">
-        <a:defRPr sz="1417" kern="1200">
+      <a:lvl3pPr marL="1439997" algn="l" defTabSz="1439997" rtl="0" eaLnBrk="1" latinLnBrk="0" hangingPunct="1">
+        <a:defRPr sz="2835" kern="1200">
           <a:solidFill>
             <a:schemeClr val="tx1"/>
           </a:solidFill>
@@ -2884,8 +2887,8 @@
           <a:cs typeface="+mn-cs"/>
         </a:defRPr>
       </a:lvl3pPr>
-      <a:lvl4pPr marL="1079861" algn="l" defTabSz="719907" rtl="0" eaLnBrk="1" latinLnBrk="0" hangingPunct="1">
-        <a:defRPr sz="1417" kern="1200">
+      <a:lvl4pPr marL="2159996" algn="l" defTabSz="1439997" rtl="0" eaLnBrk="1" latinLnBrk="0" hangingPunct="1">
+        <a:defRPr sz="2835" kern="1200">
           <a:solidFill>
             <a:schemeClr val="tx1"/>
           </a:solidFill>
@@ -2894,8 +2897,8 @@
           <a:cs typeface="+mn-cs"/>
         </a:defRPr>
       </a:lvl4pPr>
-      <a:lvl5pPr marL="1439814" algn="l" defTabSz="719907" rtl="0" eaLnBrk="1" latinLnBrk="0" hangingPunct="1">
-        <a:defRPr sz="1417" kern="1200">
+      <a:lvl5pPr marL="2879994" algn="l" defTabSz="1439997" rtl="0" eaLnBrk="1" latinLnBrk="0" hangingPunct="1">
+        <a:defRPr sz="2835" kern="1200">
           <a:solidFill>
             <a:schemeClr val="tx1"/>
           </a:solidFill>
@@ -2904,8 +2907,8 @@
           <a:cs typeface="+mn-cs"/>
         </a:defRPr>
       </a:lvl5pPr>
-      <a:lvl6pPr marL="1799768" algn="l" defTabSz="719907" rtl="0" eaLnBrk="1" latinLnBrk="0" hangingPunct="1">
-        <a:defRPr sz="1417" kern="1200">
+      <a:lvl6pPr marL="3599993" algn="l" defTabSz="1439997" rtl="0" eaLnBrk="1" latinLnBrk="0" hangingPunct="1">
+        <a:defRPr sz="2835" kern="1200">
           <a:solidFill>
             <a:schemeClr val="tx1"/>
           </a:solidFill>
@@ -2914,8 +2917,8 @@
           <a:cs typeface="+mn-cs"/>
         </a:defRPr>
       </a:lvl6pPr>
-      <a:lvl7pPr marL="2159721" algn="l" defTabSz="719907" rtl="0" eaLnBrk="1" latinLnBrk="0" hangingPunct="1">
-        <a:defRPr sz="1417" kern="1200">
+      <a:lvl7pPr marL="4319991" algn="l" defTabSz="1439997" rtl="0" eaLnBrk="1" latinLnBrk="0" hangingPunct="1">
+        <a:defRPr sz="2835" kern="1200">
           <a:solidFill>
             <a:schemeClr val="tx1"/>
           </a:solidFill>
@@ -2924,8 +2927,8 @@
           <a:cs typeface="+mn-cs"/>
         </a:defRPr>
       </a:lvl7pPr>
-      <a:lvl8pPr marL="2519675" algn="l" defTabSz="719907" rtl="0" eaLnBrk="1" latinLnBrk="0" hangingPunct="1">
-        <a:defRPr sz="1417" kern="1200">
+      <a:lvl8pPr marL="5039990" algn="l" defTabSz="1439997" rtl="0" eaLnBrk="1" latinLnBrk="0" hangingPunct="1">
+        <a:defRPr sz="2835" kern="1200">
           <a:solidFill>
             <a:schemeClr val="tx1"/>
           </a:solidFill>
@@ -2934,8 +2937,8 @@
           <a:cs typeface="+mn-cs"/>
         </a:defRPr>
       </a:lvl8pPr>
-      <a:lvl9pPr marL="2879628" algn="l" defTabSz="719907" rtl="0" eaLnBrk="1" latinLnBrk="0" hangingPunct="1">
-        <a:defRPr sz="1417" kern="1200">
+      <a:lvl9pPr marL="5759988" algn="l" defTabSz="1439997" rtl="0" eaLnBrk="1" latinLnBrk="0" hangingPunct="1">
+        <a:defRPr sz="2835" kern="1200">
           <a:solidFill>
             <a:schemeClr val="tx1"/>
           </a:solidFill>
@@ -2966,95 +2969,12 @@
           <a:chExt cx="0" cy="0"/>
         </a:xfrm>
       </p:grpSpPr>
-      <p:pic>
-        <p:nvPicPr>
-          <p:cNvPr id="5" name="Picture 4">
+      <p:grpSp>
+        <p:nvGrpSpPr>
+          <p:cNvPr id="105" name="Group 104">
             <a:extLst>
               <a:ext uri="{FF2B5EF4-FFF2-40B4-BE49-F238E27FC236}">
-                <a16:creationId xmlns:a16="http://schemas.microsoft.com/office/drawing/2014/main" id="{0C956287-4A53-2C08-04B7-514FE3685902}"/>
-              </a:ext>
-            </a:extLst>
-          </p:cNvPr>
-          <p:cNvPicPr>
-            <a:picLocks noChangeAspect="1"/>
-          </p:cNvPicPr>
-          <p:nvPr/>
-        </p:nvPicPr>
-        <p:blipFill rotWithShape="1">
-          <a:blip r:embed="rId2"/>
-          <a:srcRect l="11817" t="9167" r="26639" b="10417"/>
-          <a:stretch/>
-        </p:blipFill>
-        <p:spPr>
-          <a:xfrm>
-            <a:off x="1051009" y="1057476"/>
-            <a:ext cx="2042387" cy="8684809"/>
-          </a:xfrm>
-          <a:prstGeom prst="rect">
-            <a:avLst/>
-          </a:prstGeom>
-        </p:spPr>
-      </p:pic>
-      <p:sp>
-        <p:nvSpPr>
-          <p:cNvPr id="13" name="Rectangle 12">
-            <a:extLst>
-              <a:ext uri="{FF2B5EF4-FFF2-40B4-BE49-F238E27FC236}">
-                <a16:creationId xmlns:a16="http://schemas.microsoft.com/office/drawing/2014/main" id="{08AC39B4-9514-222F-F9BB-8DDEDEAF44EF}"/>
-              </a:ext>
-            </a:extLst>
-          </p:cNvPr>
-          <p:cNvSpPr/>
-          <p:nvPr/>
-        </p:nvSpPr>
-        <p:spPr>
-          <a:xfrm>
-            <a:off x="3447256" y="813047"/>
-            <a:ext cx="304800" cy="79200"/>
-          </a:xfrm>
-          <a:prstGeom prst="rect">
-            <a:avLst/>
-          </a:prstGeom>
-          <a:solidFill>
-            <a:srgbClr val="A2BE96"/>
-          </a:solidFill>
-          <a:ln>
-            <a:solidFill>
-              <a:srgbClr val="A2BE96"/>
-            </a:solidFill>
-          </a:ln>
-        </p:spPr>
-        <p:style>
-          <a:lnRef idx="2">
-            <a:schemeClr val="accent1">
-              <a:shade val="50000"/>
-            </a:schemeClr>
-          </a:lnRef>
-          <a:fillRef idx="1">
-            <a:schemeClr val="accent1"/>
-          </a:fillRef>
-          <a:effectRef idx="0">
-            <a:schemeClr val="accent1"/>
-          </a:effectRef>
-          <a:fontRef idx="minor">
-            <a:schemeClr val="lt1"/>
-          </a:fontRef>
-        </p:style>
-        <p:txBody>
-          <a:bodyPr rtlCol="0" anchor="ctr"/>
-          <a:lstStyle/>
-          <a:p>
-            <a:pPr algn="ctr"/>
-            <a:endParaRPr lang="en-GB"/>
-          </a:p>
-        </p:txBody>
-      </p:sp>
-      <p:grpSp>
-        <p:nvGrpSpPr>
-          <p:cNvPr id="26" name="Group 25">
-            <a:extLst>
-              <a:ext uri="{FF2B5EF4-FFF2-40B4-BE49-F238E27FC236}">
-                <a16:creationId xmlns:a16="http://schemas.microsoft.com/office/drawing/2014/main" id="{09071794-6D41-1E34-B4A4-1414E0F6A474}"/>
+                <a16:creationId xmlns:a16="http://schemas.microsoft.com/office/drawing/2014/main" id="{82DA388E-E77B-AF91-4592-13F31B74FE6F}"/>
               </a:ext>
             </a:extLst>
           </p:cNvPr>
@@ -3063,18 +2983,48 @@
         </p:nvGrpSpPr>
         <p:grpSpPr>
           <a:xfrm>
-            <a:off x="2667203" y="1108953"/>
-            <a:ext cx="304800" cy="4041202"/>
-            <a:chOff x="2667203" y="1108953"/>
-            <a:chExt cx="304800" cy="4041202"/>
+            <a:off x="2086707" y="680974"/>
+            <a:ext cx="11416751" cy="9607414"/>
+            <a:chOff x="2086707" y="680974"/>
+            <a:chExt cx="11416751" cy="9607414"/>
           </a:xfrm>
         </p:grpSpPr>
+        <p:pic>
+          <p:nvPicPr>
+            <p:cNvPr id="103" name="Picture 102" descr="Chart, scatter chart&#10;&#10;Description automatically generated">
+              <a:extLst>
+                <a:ext uri="{FF2B5EF4-FFF2-40B4-BE49-F238E27FC236}">
+                  <a16:creationId xmlns:a16="http://schemas.microsoft.com/office/drawing/2014/main" id="{156CBE2A-5A2A-A78E-F2A7-8F9CE98C245E}"/>
+                </a:ext>
+              </a:extLst>
+            </p:cNvPr>
+            <p:cNvPicPr>
+              <a:picLocks noChangeAspect="1"/>
+            </p:cNvPicPr>
+            <p:nvPr/>
+          </p:nvPicPr>
+          <p:blipFill>
+            <a:blip r:embed="rId2"/>
+            <a:stretch>
+              <a:fillRect/>
+            </a:stretch>
+          </p:blipFill>
+          <p:spPr>
+            <a:xfrm>
+              <a:off x="2277347" y="1299949"/>
+              <a:ext cx="8988439" cy="8988439"/>
+            </a:xfrm>
+            <a:prstGeom prst="rect">
+              <a:avLst/>
+            </a:prstGeom>
+          </p:spPr>
+        </p:pic>
         <p:grpSp>
           <p:nvGrpSpPr>
-            <p:cNvPr id="12" name="Group 11">
+            <p:cNvPr id="101" name="Group 100">
               <a:extLst>
                 <a:ext uri="{FF2B5EF4-FFF2-40B4-BE49-F238E27FC236}">
-                  <a16:creationId xmlns:a16="http://schemas.microsoft.com/office/drawing/2014/main" id="{E2D0A06E-A412-0C4A-FE23-AF763342C0D5}"/>
+                  <a16:creationId xmlns:a16="http://schemas.microsoft.com/office/drawing/2014/main" id="{8679A4DF-F11D-28E6-FE74-523BFD5592C0}"/>
                 </a:ext>
               </a:extLst>
             </p:cNvPr>
@@ -3083,18 +3033,1803 @@
           </p:nvGrpSpPr>
           <p:grpSpPr>
             <a:xfrm>
-              <a:off x="2667203" y="1108953"/>
-              <a:ext cx="304800" cy="450044"/>
-              <a:chOff x="2667203" y="1108953"/>
-              <a:chExt cx="304800" cy="450044"/>
+              <a:off x="2086707" y="680974"/>
+              <a:ext cx="11416751" cy="9364318"/>
+              <a:chOff x="2299238" y="1196315"/>
+              <a:chExt cx="11416751" cy="9364318"/>
             </a:xfrm>
           </p:grpSpPr>
+          <p:grpSp>
+            <p:nvGrpSpPr>
+              <p:cNvPr id="47" name="Group 46">
+                <a:extLst>
+                  <a:ext uri="{FF2B5EF4-FFF2-40B4-BE49-F238E27FC236}">
+                    <a16:creationId xmlns:a16="http://schemas.microsoft.com/office/drawing/2014/main" id="{DD4E76D3-65C4-BF71-3869-BE75D0105869}"/>
+                  </a:ext>
+                </a:extLst>
+              </p:cNvPr>
+              <p:cNvGrpSpPr/>
+              <p:nvPr/>
+            </p:nvGrpSpPr>
+            <p:grpSpPr>
+              <a:xfrm>
+                <a:off x="2299238" y="2087503"/>
+                <a:ext cx="2077052" cy="8370239"/>
+                <a:chOff x="1051008" y="1057476"/>
+                <a:chExt cx="2042388" cy="8684809"/>
+              </a:xfrm>
+            </p:grpSpPr>
+            <p:pic>
+              <p:nvPicPr>
+                <p:cNvPr id="5" name="Picture 4">
+                  <a:extLst>
+                    <a:ext uri="{FF2B5EF4-FFF2-40B4-BE49-F238E27FC236}">
+                      <a16:creationId xmlns:a16="http://schemas.microsoft.com/office/drawing/2014/main" id="{0C956287-4A53-2C08-04B7-514FE3685902}"/>
+                    </a:ext>
+                  </a:extLst>
+                </p:cNvPr>
+                <p:cNvPicPr>
+                  <a:picLocks noChangeAspect="1"/>
+                </p:cNvPicPr>
+                <p:nvPr/>
+              </p:nvPicPr>
+              <p:blipFill rotWithShape="1">
+                <a:blip r:embed="rId3"/>
+                <a:srcRect l="11817" t="9167" r="26639" b="10417"/>
+                <a:stretch/>
+              </p:blipFill>
+              <p:spPr>
+                <a:xfrm>
+                  <a:off x="1051008" y="1057476"/>
+                  <a:ext cx="2042387" cy="8684809"/>
+                </a:xfrm>
+                <a:prstGeom prst="rect">
+                  <a:avLst/>
+                </a:prstGeom>
+              </p:spPr>
+            </p:pic>
+            <p:sp>
+              <p:nvSpPr>
+                <p:cNvPr id="46" name="Rectangle 45">
+                  <a:extLst>
+                    <a:ext uri="{FF2B5EF4-FFF2-40B4-BE49-F238E27FC236}">
+                      <a16:creationId xmlns:a16="http://schemas.microsoft.com/office/drawing/2014/main" id="{680658FE-DF36-876F-3DD3-F124B0E5C0BC}"/>
+                    </a:ext>
+                  </a:extLst>
+                </p:cNvPr>
+                <p:cNvSpPr/>
+                <p:nvPr/>
+              </p:nvSpPr>
+              <p:spPr>
+                <a:xfrm>
+                  <a:off x="2819603" y="1108952"/>
+                  <a:ext cx="273793" cy="8504037"/>
+                </a:xfrm>
+                <a:prstGeom prst="rect">
+                  <a:avLst/>
+                </a:prstGeom>
+                <a:solidFill>
+                  <a:schemeClr val="bg1"/>
+                </a:solidFill>
+                <a:ln>
+                  <a:noFill/>
+                </a:ln>
+              </p:spPr>
+              <p:style>
+                <a:lnRef idx="2">
+                  <a:schemeClr val="accent1">
+                    <a:shade val="50000"/>
+                  </a:schemeClr>
+                </a:lnRef>
+                <a:fillRef idx="1">
+                  <a:schemeClr val="accent1"/>
+                </a:fillRef>
+                <a:effectRef idx="0">
+                  <a:schemeClr val="accent1"/>
+                </a:effectRef>
+                <a:fontRef idx="minor">
+                  <a:schemeClr val="lt1"/>
+                </a:fontRef>
+              </p:style>
+              <p:txBody>
+                <a:bodyPr rtlCol="0" anchor="ctr"/>
+                <a:lstStyle/>
+                <a:p>
+                  <a:pPr algn="ctr"/>
+                  <a:endParaRPr lang="en-GB" sz="3600" dirty="0"/>
+                </a:p>
+              </p:txBody>
+            </p:sp>
+            <p:grpSp>
+              <p:nvGrpSpPr>
+                <p:cNvPr id="45" name="Group 44">
+                  <a:extLst>
+                    <a:ext uri="{FF2B5EF4-FFF2-40B4-BE49-F238E27FC236}">
+                      <a16:creationId xmlns:a16="http://schemas.microsoft.com/office/drawing/2014/main" id="{0FFD9FD4-4BA5-7C86-FDEB-1180C9A974B6}"/>
+                    </a:ext>
+                  </a:extLst>
+                </p:cNvPr>
+                <p:cNvGrpSpPr/>
+                <p:nvPr/>
+              </p:nvGrpSpPr>
+              <p:grpSpPr>
+                <a:xfrm>
+                  <a:off x="2667203" y="1108953"/>
+                  <a:ext cx="304800" cy="8504036"/>
+                  <a:chOff x="2667203" y="1108953"/>
+                  <a:chExt cx="304800" cy="8504036"/>
+                </a:xfrm>
+              </p:grpSpPr>
+              <p:grpSp>
+                <p:nvGrpSpPr>
+                  <p:cNvPr id="26" name="Group 25">
+                    <a:extLst>
+                      <a:ext uri="{FF2B5EF4-FFF2-40B4-BE49-F238E27FC236}">
+                        <a16:creationId xmlns:a16="http://schemas.microsoft.com/office/drawing/2014/main" id="{09071794-6D41-1E34-B4A4-1414E0F6A474}"/>
+                      </a:ext>
+                    </a:extLst>
+                  </p:cNvPr>
+                  <p:cNvGrpSpPr/>
+                  <p:nvPr/>
+                </p:nvGrpSpPr>
+                <p:grpSpPr>
+                  <a:xfrm>
+                    <a:off x="2667203" y="1108953"/>
+                    <a:ext cx="304800" cy="4041202"/>
+                    <a:chOff x="2667203" y="1108953"/>
+                    <a:chExt cx="304800" cy="4041202"/>
+                  </a:xfrm>
+                </p:grpSpPr>
+                <p:grpSp>
+                  <p:nvGrpSpPr>
+                    <p:cNvPr id="12" name="Group 11">
+                      <a:extLst>
+                        <a:ext uri="{FF2B5EF4-FFF2-40B4-BE49-F238E27FC236}">
+                          <a16:creationId xmlns:a16="http://schemas.microsoft.com/office/drawing/2014/main" id="{E2D0A06E-A412-0C4A-FE23-AF763342C0D5}"/>
+                        </a:ext>
+                      </a:extLst>
+                    </p:cNvPr>
+                    <p:cNvGrpSpPr/>
+                    <p:nvPr/>
+                  </p:nvGrpSpPr>
+                  <p:grpSpPr>
+                    <a:xfrm>
+                      <a:off x="2667203" y="1108953"/>
+                      <a:ext cx="304800" cy="450044"/>
+                      <a:chOff x="2667203" y="1108953"/>
+                      <a:chExt cx="304800" cy="450044"/>
+                    </a:xfrm>
+                  </p:grpSpPr>
+                  <p:sp>
+                    <p:nvSpPr>
+                      <p:cNvPr id="6" name="Rectangle 5">
+                        <a:extLst>
+                          <a:ext uri="{FF2B5EF4-FFF2-40B4-BE49-F238E27FC236}">
+                            <a16:creationId xmlns:a16="http://schemas.microsoft.com/office/drawing/2014/main" id="{9E8608F5-5DEE-FA98-35E0-0D30AEFA8D32}"/>
+                          </a:ext>
+                        </a:extLst>
+                      </p:cNvPr>
+                      <p:cNvSpPr/>
+                      <p:nvPr/>
+                    </p:nvSpPr>
+                    <p:spPr>
+                      <a:xfrm>
+                        <a:off x="2667203" y="1108953"/>
+                        <a:ext cx="304800" cy="77821"/>
+                      </a:xfrm>
+                      <a:prstGeom prst="rect">
+                        <a:avLst/>
+                      </a:prstGeom>
+                      <a:solidFill>
+                        <a:srgbClr val="D19683"/>
+                      </a:solidFill>
+                      <a:ln>
+                        <a:solidFill>
+                          <a:srgbClr val="D19683"/>
+                        </a:solidFill>
+                      </a:ln>
+                    </p:spPr>
+                    <p:style>
+                      <a:lnRef idx="2">
+                        <a:schemeClr val="accent1">
+                          <a:shade val="50000"/>
+                        </a:schemeClr>
+                      </a:lnRef>
+                      <a:fillRef idx="1">
+                        <a:schemeClr val="accent1"/>
+                      </a:fillRef>
+                      <a:effectRef idx="0">
+                        <a:schemeClr val="accent1"/>
+                      </a:effectRef>
+                      <a:fontRef idx="minor">
+                        <a:schemeClr val="lt1"/>
+                      </a:fontRef>
+                    </p:style>
+                    <p:txBody>
+                      <a:bodyPr rtlCol="0" anchor="ctr"/>
+                      <a:lstStyle/>
+                      <a:p>
+                        <a:pPr algn="ctr"/>
+                        <a:endParaRPr lang="en-GB" sz="3600"/>
+                      </a:p>
+                    </p:txBody>
+                  </p:sp>
+                  <p:sp>
+                    <p:nvSpPr>
+                      <p:cNvPr id="7" name="Rectangle 6">
+                        <a:extLst>
+                          <a:ext uri="{FF2B5EF4-FFF2-40B4-BE49-F238E27FC236}">
+                            <a16:creationId xmlns:a16="http://schemas.microsoft.com/office/drawing/2014/main" id="{A118AC3E-7BB3-FDF9-CDCA-AA291C69BEBC}"/>
+                          </a:ext>
+                        </a:extLst>
+                      </p:cNvPr>
+                      <p:cNvSpPr/>
+                      <p:nvPr/>
+                    </p:nvSpPr>
+                    <p:spPr>
+                      <a:xfrm>
+                        <a:off x="2667203" y="1186774"/>
+                        <a:ext cx="304800" cy="144000"/>
+                      </a:xfrm>
+                      <a:prstGeom prst="rect">
+                        <a:avLst/>
+                      </a:prstGeom>
+                      <a:solidFill>
+                        <a:srgbClr val="5D525E"/>
+                      </a:solidFill>
+                      <a:ln>
+                        <a:solidFill>
+                          <a:srgbClr val="5D525E"/>
+                        </a:solidFill>
+                      </a:ln>
+                    </p:spPr>
+                    <p:style>
+                      <a:lnRef idx="2">
+                        <a:schemeClr val="accent1">
+                          <a:shade val="50000"/>
+                        </a:schemeClr>
+                      </a:lnRef>
+                      <a:fillRef idx="1">
+                        <a:schemeClr val="accent1"/>
+                      </a:fillRef>
+                      <a:effectRef idx="0">
+                        <a:schemeClr val="accent1"/>
+                      </a:effectRef>
+                      <a:fontRef idx="minor">
+                        <a:schemeClr val="lt1"/>
+                      </a:fontRef>
+                    </p:style>
+                    <p:txBody>
+                      <a:bodyPr rtlCol="0" anchor="ctr"/>
+                      <a:lstStyle/>
+                      <a:p>
+                        <a:pPr algn="ctr"/>
+                        <a:endParaRPr lang="en-GB" sz="3600"/>
+                      </a:p>
+                    </p:txBody>
+                  </p:sp>
+                  <p:sp>
+                    <p:nvSpPr>
+                      <p:cNvPr id="10" name="Rectangle 9">
+                        <a:extLst>
+                          <a:ext uri="{FF2B5EF4-FFF2-40B4-BE49-F238E27FC236}">
+                            <a16:creationId xmlns:a16="http://schemas.microsoft.com/office/drawing/2014/main" id="{3D33E87F-3EA0-702B-2B2B-3CB92F77A375}"/>
+                          </a:ext>
+                        </a:extLst>
+                      </p:cNvPr>
+                      <p:cNvSpPr/>
+                      <p:nvPr/>
+                    </p:nvSpPr>
+                    <p:spPr>
+                      <a:xfrm>
+                        <a:off x="2667203" y="1335797"/>
+                        <a:ext cx="304800" cy="144000"/>
+                      </a:xfrm>
+                      <a:prstGeom prst="rect">
+                        <a:avLst/>
+                      </a:prstGeom>
+                      <a:solidFill>
+                        <a:srgbClr val="0F1A06"/>
+                      </a:solidFill>
+                      <a:ln>
+                        <a:solidFill>
+                          <a:srgbClr val="0F1A06"/>
+                        </a:solidFill>
+                      </a:ln>
+                    </p:spPr>
+                    <p:style>
+                      <a:lnRef idx="2">
+                        <a:schemeClr val="accent1">
+                          <a:shade val="50000"/>
+                        </a:schemeClr>
+                      </a:lnRef>
+                      <a:fillRef idx="1">
+                        <a:schemeClr val="accent1"/>
+                      </a:fillRef>
+                      <a:effectRef idx="0">
+                        <a:schemeClr val="accent1"/>
+                      </a:effectRef>
+                      <a:fontRef idx="minor">
+                        <a:schemeClr val="lt1"/>
+                      </a:fontRef>
+                    </p:style>
+                    <p:txBody>
+                      <a:bodyPr rtlCol="0" anchor="ctr"/>
+                      <a:lstStyle/>
+                      <a:p>
+                        <a:pPr algn="ctr"/>
+                        <a:endParaRPr lang="en-GB" sz="3600" dirty="0"/>
+                      </a:p>
+                    </p:txBody>
+                  </p:sp>
+                  <p:sp>
+                    <p:nvSpPr>
+                      <p:cNvPr id="11" name="Rectangle 10">
+                        <a:extLst>
+                          <a:ext uri="{FF2B5EF4-FFF2-40B4-BE49-F238E27FC236}">
+                            <a16:creationId xmlns:a16="http://schemas.microsoft.com/office/drawing/2014/main" id="{92D208E1-363C-93BE-C902-D27ECF3BE1F2}"/>
+                          </a:ext>
+                        </a:extLst>
+                      </p:cNvPr>
+                      <p:cNvSpPr/>
+                      <p:nvPr/>
+                    </p:nvSpPr>
+                    <p:spPr>
+                      <a:xfrm>
+                        <a:off x="2667203" y="1479797"/>
+                        <a:ext cx="304800" cy="79200"/>
+                      </a:xfrm>
+                      <a:prstGeom prst="rect">
+                        <a:avLst/>
+                      </a:prstGeom>
+                      <a:solidFill>
+                        <a:srgbClr val="A2BE96"/>
+                      </a:solidFill>
+                      <a:ln>
+                        <a:solidFill>
+                          <a:srgbClr val="A2BE96"/>
+                        </a:solidFill>
+                      </a:ln>
+                    </p:spPr>
+                    <p:style>
+                      <a:lnRef idx="2">
+                        <a:schemeClr val="accent1">
+                          <a:shade val="50000"/>
+                        </a:schemeClr>
+                      </a:lnRef>
+                      <a:fillRef idx="1">
+                        <a:schemeClr val="accent1"/>
+                      </a:fillRef>
+                      <a:effectRef idx="0">
+                        <a:schemeClr val="accent1"/>
+                      </a:effectRef>
+                      <a:fontRef idx="minor">
+                        <a:schemeClr val="lt1"/>
+                      </a:fontRef>
+                    </p:style>
+                    <p:txBody>
+                      <a:bodyPr rtlCol="0" anchor="ctr"/>
+                      <a:lstStyle/>
+                      <a:p>
+                        <a:pPr algn="ctr"/>
+                        <a:endParaRPr lang="en-GB" sz="3600"/>
+                      </a:p>
+                    </p:txBody>
+                  </p:sp>
+                </p:grpSp>
+                <p:sp>
+                  <p:nvSpPr>
+                    <p:cNvPr id="14" name="Rectangle 13">
+                      <a:extLst>
+                        <a:ext uri="{FF2B5EF4-FFF2-40B4-BE49-F238E27FC236}">
+                          <a16:creationId xmlns:a16="http://schemas.microsoft.com/office/drawing/2014/main" id="{C4DED8BC-0DE5-E97F-C110-0B4FEB8264E0}"/>
+                        </a:ext>
+                      </a:extLst>
+                    </p:cNvPr>
+                    <p:cNvSpPr/>
+                    <p:nvPr/>
+                  </p:nvSpPr>
+                  <p:spPr>
+                    <a:xfrm>
+                      <a:off x="2667203" y="1558997"/>
+                      <a:ext cx="304800" cy="288000"/>
+                    </a:xfrm>
+                    <a:prstGeom prst="rect">
+                      <a:avLst/>
+                    </a:prstGeom>
+                    <a:solidFill>
+                      <a:srgbClr val="248039"/>
+                    </a:solidFill>
+                    <a:ln>
+                      <a:solidFill>
+                        <a:srgbClr val="248039"/>
+                      </a:solidFill>
+                    </a:ln>
+                  </p:spPr>
+                  <p:style>
+                    <a:lnRef idx="2">
+                      <a:schemeClr val="accent1">
+                        <a:shade val="50000"/>
+                      </a:schemeClr>
+                    </a:lnRef>
+                    <a:fillRef idx="1">
+                      <a:schemeClr val="accent1"/>
+                    </a:fillRef>
+                    <a:effectRef idx="0">
+                      <a:schemeClr val="accent1"/>
+                    </a:effectRef>
+                    <a:fontRef idx="minor">
+                      <a:schemeClr val="lt1"/>
+                    </a:fontRef>
+                  </p:style>
+                  <p:txBody>
+                    <a:bodyPr rtlCol="0" anchor="ctr"/>
+                    <a:lstStyle/>
+                    <a:p>
+                      <a:pPr algn="ctr"/>
+                      <a:endParaRPr lang="en-GB" sz="3600" dirty="0"/>
+                    </a:p>
+                  </p:txBody>
+                </p:sp>
+                <p:sp>
+                  <p:nvSpPr>
+                    <p:cNvPr id="15" name="Rectangle 14">
+                      <a:extLst>
+                        <a:ext uri="{FF2B5EF4-FFF2-40B4-BE49-F238E27FC236}">
+                          <a16:creationId xmlns:a16="http://schemas.microsoft.com/office/drawing/2014/main" id="{A6553C5D-9920-2774-0023-0A2B5B7A15E2}"/>
+                        </a:ext>
+                      </a:extLst>
+                    </p:cNvPr>
+                    <p:cNvSpPr/>
+                    <p:nvPr/>
+                  </p:nvSpPr>
+                  <p:spPr>
+                    <a:xfrm>
+                      <a:off x="2667203" y="1846997"/>
+                      <a:ext cx="304800" cy="79200"/>
+                    </a:xfrm>
+                    <a:prstGeom prst="rect">
+                      <a:avLst/>
+                    </a:prstGeom>
+                    <a:solidFill>
+                      <a:srgbClr val="88A550"/>
+                    </a:solidFill>
+                    <a:ln>
+                      <a:solidFill>
+                        <a:srgbClr val="88A550"/>
+                      </a:solidFill>
+                    </a:ln>
+                  </p:spPr>
+                  <p:style>
+                    <a:lnRef idx="2">
+                      <a:schemeClr val="accent1">
+                        <a:shade val="50000"/>
+                      </a:schemeClr>
+                    </a:lnRef>
+                    <a:fillRef idx="1">
+                      <a:schemeClr val="accent1"/>
+                    </a:fillRef>
+                    <a:effectRef idx="0">
+                      <a:schemeClr val="accent1"/>
+                    </a:effectRef>
+                    <a:fontRef idx="minor">
+                      <a:schemeClr val="lt1"/>
+                    </a:fontRef>
+                  </p:style>
+                  <p:txBody>
+                    <a:bodyPr rtlCol="0" anchor="ctr"/>
+                    <a:lstStyle/>
+                    <a:p>
+                      <a:pPr algn="ctr"/>
+                      <a:endParaRPr lang="en-GB" sz="3600" dirty="0"/>
+                    </a:p>
+                  </p:txBody>
+                </p:sp>
+                <p:sp>
+                  <p:nvSpPr>
+                    <p:cNvPr id="16" name="Rectangle 15">
+                      <a:extLst>
+                        <a:ext uri="{FF2B5EF4-FFF2-40B4-BE49-F238E27FC236}">
+                          <a16:creationId xmlns:a16="http://schemas.microsoft.com/office/drawing/2014/main" id="{4A7AC067-3222-17E4-D316-582FDD03901A}"/>
+                        </a:ext>
+                      </a:extLst>
+                    </p:cNvPr>
+                    <p:cNvSpPr/>
+                    <p:nvPr/>
+                  </p:nvSpPr>
+                  <p:spPr>
+                    <a:xfrm>
+                      <a:off x="2667203" y="1931694"/>
+                      <a:ext cx="304800" cy="424156"/>
+                    </a:xfrm>
+                    <a:prstGeom prst="rect">
+                      <a:avLst/>
+                    </a:prstGeom>
+                    <a:solidFill>
+                      <a:srgbClr val="75B1A9"/>
+                    </a:solidFill>
+                    <a:ln>
+                      <a:solidFill>
+                        <a:srgbClr val="75B1A9"/>
+                      </a:solidFill>
+                    </a:ln>
+                  </p:spPr>
+                  <p:style>
+                    <a:lnRef idx="2">
+                      <a:schemeClr val="accent1">
+                        <a:shade val="50000"/>
+                      </a:schemeClr>
+                    </a:lnRef>
+                    <a:fillRef idx="1">
+                      <a:schemeClr val="accent1"/>
+                    </a:fillRef>
+                    <a:effectRef idx="0">
+                      <a:schemeClr val="accent1"/>
+                    </a:effectRef>
+                    <a:fontRef idx="minor">
+                      <a:schemeClr val="lt1"/>
+                    </a:fontRef>
+                  </p:style>
+                  <p:txBody>
+                    <a:bodyPr rtlCol="0" anchor="ctr"/>
+                    <a:lstStyle/>
+                    <a:p>
+                      <a:pPr algn="ctr"/>
+                      <a:endParaRPr lang="en-GB" sz="3600" dirty="0"/>
+                    </a:p>
+                  </p:txBody>
+                </p:sp>
+                <p:sp>
+                  <p:nvSpPr>
+                    <p:cNvPr id="18" name="Rectangle 17">
+                      <a:extLst>
+                        <a:ext uri="{FF2B5EF4-FFF2-40B4-BE49-F238E27FC236}">
+                          <a16:creationId xmlns:a16="http://schemas.microsoft.com/office/drawing/2014/main" id="{ED9ABF1D-8D16-CDCB-8905-09EA3361D1BF}"/>
+                        </a:ext>
+                      </a:extLst>
+                    </p:cNvPr>
+                    <p:cNvSpPr/>
+                    <p:nvPr/>
+                  </p:nvSpPr>
+                  <p:spPr>
+                    <a:xfrm>
+                      <a:off x="2667203" y="2355850"/>
+                      <a:ext cx="304800" cy="151200"/>
+                    </a:xfrm>
+                    <a:prstGeom prst="rect">
+                      <a:avLst/>
+                    </a:prstGeom>
+                    <a:solidFill>
+                      <a:srgbClr val="4897D9"/>
+                    </a:solidFill>
+                    <a:ln>
+                      <a:solidFill>
+                        <a:srgbClr val="4897D9"/>
+                      </a:solidFill>
+                    </a:ln>
+                  </p:spPr>
+                  <p:style>
+                    <a:lnRef idx="2">
+                      <a:schemeClr val="accent1">
+                        <a:shade val="50000"/>
+                      </a:schemeClr>
+                    </a:lnRef>
+                    <a:fillRef idx="1">
+                      <a:schemeClr val="accent1"/>
+                    </a:fillRef>
+                    <a:effectRef idx="0">
+                      <a:schemeClr val="accent1"/>
+                    </a:effectRef>
+                    <a:fontRef idx="minor">
+                      <a:schemeClr val="lt1"/>
+                    </a:fontRef>
+                  </p:style>
+                  <p:txBody>
+                    <a:bodyPr rtlCol="0" anchor="ctr"/>
+                    <a:lstStyle/>
+                    <a:p>
+                      <a:pPr algn="ctr"/>
+                      <a:endParaRPr lang="en-GB" sz="3600" dirty="0"/>
+                    </a:p>
+                  </p:txBody>
+                </p:sp>
+                <p:sp>
+                  <p:nvSpPr>
+                    <p:cNvPr id="20" name="Rectangle 19">
+                      <a:extLst>
+                        <a:ext uri="{FF2B5EF4-FFF2-40B4-BE49-F238E27FC236}">
+                          <a16:creationId xmlns:a16="http://schemas.microsoft.com/office/drawing/2014/main" id="{77A557CD-1139-7202-4A5E-8C25263256B8}"/>
+                        </a:ext>
+                      </a:extLst>
+                    </p:cNvPr>
+                    <p:cNvSpPr/>
+                    <p:nvPr/>
+                  </p:nvSpPr>
+                  <p:spPr>
+                    <a:xfrm>
+                      <a:off x="2667203" y="2507050"/>
+                      <a:ext cx="304800" cy="79200"/>
+                    </a:xfrm>
+                    <a:prstGeom prst="rect">
+                      <a:avLst/>
+                    </a:prstGeom>
+                    <a:solidFill>
+                      <a:srgbClr val="ACD1C0"/>
+                    </a:solidFill>
+                    <a:ln>
+                      <a:solidFill>
+                        <a:srgbClr val="ACD1C0"/>
+                      </a:solidFill>
+                    </a:ln>
+                  </p:spPr>
+                  <p:style>
+                    <a:lnRef idx="2">
+                      <a:schemeClr val="accent1">
+                        <a:shade val="50000"/>
+                      </a:schemeClr>
+                    </a:lnRef>
+                    <a:fillRef idx="1">
+                      <a:schemeClr val="accent1"/>
+                    </a:fillRef>
+                    <a:effectRef idx="0">
+                      <a:schemeClr val="accent1"/>
+                    </a:effectRef>
+                    <a:fontRef idx="minor">
+                      <a:schemeClr val="lt1"/>
+                    </a:fontRef>
+                  </p:style>
+                  <p:txBody>
+                    <a:bodyPr rtlCol="0" anchor="ctr"/>
+                    <a:lstStyle/>
+                    <a:p>
+                      <a:pPr algn="ctr"/>
+                      <a:endParaRPr lang="en-GB" sz="3600"/>
+                    </a:p>
+                  </p:txBody>
+                </p:sp>
+                <p:sp>
+                  <p:nvSpPr>
+                    <p:cNvPr id="21" name="Rectangle 20">
+                      <a:extLst>
+                        <a:ext uri="{FF2B5EF4-FFF2-40B4-BE49-F238E27FC236}">
+                          <a16:creationId xmlns:a16="http://schemas.microsoft.com/office/drawing/2014/main" id="{171A2FCD-4012-1777-D63B-B7AE60143323}"/>
+                        </a:ext>
+                      </a:extLst>
+                    </p:cNvPr>
+                    <p:cNvSpPr/>
+                    <p:nvPr/>
+                  </p:nvSpPr>
+                  <p:spPr>
+                    <a:xfrm>
+                      <a:off x="2667203" y="2591428"/>
+                      <a:ext cx="304800" cy="208800"/>
+                    </a:xfrm>
+                    <a:prstGeom prst="rect">
+                      <a:avLst/>
+                    </a:prstGeom>
+                    <a:solidFill>
+                      <a:srgbClr val="A3A599"/>
+                    </a:solidFill>
+                    <a:ln>
+                      <a:solidFill>
+                        <a:srgbClr val="A3A599"/>
+                      </a:solidFill>
+                    </a:ln>
+                  </p:spPr>
+                  <p:style>
+                    <a:lnRef idx="2">
+                      <a:schemeClr val="accent1">
+                        <a:shade val="50000"/>
+                      </a:schemeClr>
+                    </a:lnRef>
+                    <a:fillRef idx="1">
+                      <a:schemeClr val="accent1"/>
+                    </a:fillRef>
+                    <a:effectRef idx="0">
+                      <a:schemeClr val="accent1"/>
+                    </a:effectRef>
+                    <a:fontRef idx="minor">
+                      <a:schemeClr val="lt1"/>
+                    </a:fontRef>
+                  </p:style>
+                  <p:txBody>
+                    <a:bodyPr rtlCol="0" anchor="ctr"/>
+                    <a:lstStyle/>
+                    <a:p>
+                      <a:pPr algn="ctr"/>
+                      <a:endParaRPr lang="en-GB" sz="3600" dirty="0"/>
+                    </a:p>
+                  </p:txBody>
+                </p:sp>
+                <p:sp>
+                  <p:nvSpPr>
+                    <p:cNvPr id="22" name="Rectangle 21">
+                      <a:extLst>
+                        <a:ext uri="{FF2B5EF4-FFF2-40B4-BE49-F238E27FC236}">
+                          <a16:creationId xmlns:a16="http://schemas.microsoft.com/office/drawing/2014/main" id="{399E5E39-B026-6723-BD0F-0668FC69A2FC}"/>
+                        </a:ext>
+                      </a:extLst>
+                    </p:cNvPr>
+                    <p:cNvSpPr/>
+                    <p:nvPr/>
+                  </p:nvSpPr>
+                  <p:spPr>
+                    <a:xfrm>
+                      <a:off x="2667203" y="2810482"/>
+                      <a:ext cx="304800" cy="425586"/>
+                    </a:xfrm>
+                    <a:prstGeom prst="rect">
+                      <a:avLst/>
+                    </a:prstGeom>
+                    <a:solidFill>
+                      <a:srgbClr val="F72B03"/>
+                    </a:solidFill>
+                    <a:ln>
+                      <a:solidFill>
+                        <a:srgbClr val="F72B03"/>
+                      </a:solidFill>
+                    </a:ln>
+                  </p:spPr>
+                  <p:style>
+                    <a:lnRef idx="2">
+                      <a:schemeClr val="accent1">
+                        <a:shade val="50000"/>
+                      </a:schemeClr>
+                    </a:lnRef>
+                    <a:fillRef idx="1">
+                      <a:schemeClr val="accent1"/>
+                    </a:fillRef>
+                    <a:effectRef idx="0">
+                      <a:schemeClr val="accent1"/>
+                    </a:effectRef>
+                    <a:fontRef idx="minor">
+                      <a:schemeClr val="lt1"/>
+                    </a:fontRef>
+                  </p:style>
+                  <p:txBody>
+                    <a:bodyPr rtlCol="0" anchor="ctr"/>
+                    <a:lstStyle/>
+                    <a:p>
+                      <a:pPr algn="ctr"/>
+                      <a:endParaRPr lang="en-GB" sz="3600" dirty="0"/>
+                    </a:p>
+                  </p:txBody>
+                </p:sp>
+                <p:sp>
+                  <p:nvSpPr>
+                    <p:cNvPr id="23" name="Rectangle 22">
+                      <a:extLst>
+                        <a:ext uri="{FF2B5EF4-FFF2-40B4-BE49-F238E27FC236}">
+                          <a16:creationId xmlns:a16="http://schemas.microsoft.com/office/drawing/2014/main" id="{FCFA1588-0861-C80D-0227-FE20358AB9D6}"/>
+                        </a:ext>
+                      </a:extLst>
+                    </p:cNvPr>
+                    <p:cNvSpPr/>
+                    <p:nvPr/>
+                  </p:nvSpPr>
+                  <p:spPr>
+                    <a:xfrm>
+                      <a:off x="2667203" y="3246321"/>
+                      <a:ext cx="304800" cy="1752634"/>
+                    </a:xfrm>
+                    <a:prstGeom prst="rect">
+                      <a:avLst/>
+                    </a:prstGeom>
+                    <a:solidFill>
+                      <a:srgbClr val="375D97"/>
+                    </a:solidFill>
+                    <a:ln>
+                      <a:solidFill>
+                        <a:srgbClr val="375D97"/>
+                      </a:solidFill>
+                    </a:ln>
+                  </p:spPr>
+                  <p:style>
+                    <a:lnRef idx="2">
+                      <a:schemeClr val="accent1">
+                        <a:shade val="50000"/>
+                      </a:schemeClr>
+                    </a:lnRef>
+                    <a:fillRef idx="1">
+                      <a:schemeClr val="accent1"/>
+                    </a:fillRef>
+                    <a:effectRef idx="0">
+                      <a:schemeClr val="accent1"/>
+                    </a:effectRef>
+                    <a:fontRef idx="minor">
+                      <a:schemeClr val="lt1"/>
+                    </a:fontRef>
+                  </p:style>
+                  <p:txBody>
+                    <a:bodyPr rtlCol="0" anchor="ctr"/>
+                    <a:lstStyle/>
+                    <a:p>
+                      <a:pPr algn="ctr"/>
+                      <a:endParaRPr lang="en-GB" sz="3600" dirty="0"/>
+                    </a:p>
+                  </p:txBody>
+                </p:sp>
+                <p:sp>
+                  <p:nvSpPr>
+                    <p:cNvPr id="24" name="Rectangle 23">
+                      <a:extLst>
+                        <a:ext uri="{FF2B5EF4-FFF2-40B4-BE49-F238E27FC236}">
+                          <a16:creationId xmlns:a16="http://schemas.microsoft.com/office/drawing/2014/main" id="{EC7A249C-A5A5-BF44-FFD0-904BA2C371FE}"/>
+                        </a:ext>
+                      </a:extLst>
+                    </p:cNvPr>
+                    <p:cNvSpPr/>
+                    <p:nvPr/>
+                  </p:nvSpPr>
+                  <p:spPr>
+                    <a:xfrm>
+                      <a:off x="2667203" y="4998955"/>
+                      <a:ext cx="304800" cy="75600"/>
+                    </a:xfrm>
+                    <a:prstGeom prst="rect">
+                      <a:avLst/>
+                    </a:prstGeom>
+                    <a:solidFill>
+                      <a:srgbClr val="66A6AD"/>
+                    </a:solidFill>
+                    <a:ln>
+                      <a:solidFill>
+                        <a:srgbClr val="66A6AD"/>
+                      </a:solidFill>
+                    </a:ln>
+                  </p:spPr>
+                  <p:style>
+                    <a:lnRef idx="2">
+                      <a:schemeClr val="accent1">
+                        <a:shade val="50000"/>
+                      </a:schemeClr>
+                    </a:lnRef>
+                    <a:fillRef idx="1">
+                      <a:schemeClr val="accent1"/>
+                    </a:fillRef>
+                    <a:effectRef idx="0">
+                      <a:schemeClr val="accent1"/>
+                    </a:effectRef>
+                    <a:fontRef idx="minor">
+                      <a:schemeClr val="lt1"/>
+                    </a:fontRef>
+                  </p:style>
+                  <p:txBody>
+                    <a:bodyPr rtlCol="0" anchor="ctr"/>
+                    <a:lstStyle/>
+                    <a:p>
+                      <a:pPr algn="ctr"/>
+                      <a:endParaRPr lang="en-GB" sz="3600" dirty="0"/>
+                    </a:p>
+                  </p:txBody>
+                </p:sp>
+                <p:sp>
+                  <p:nvSpPr>
+                    <p:cNvPr id="25" name="Rectangle 24">
+                      <a:extLst>
+                        <a:ext uri="{FF2B5EF4-FFF2-40B4-BE49-F238E27FC236}">
+                          <a16:creationId xmlns:a16="http://schemas.microsoft.com/office/drawing/2014/main" id="{3EBEFAAE-AA1F-A2E7-A124-858DBC3FCA70}"/>
+                        </a:ext>
+                      </a:extLst>
+                    </p:cNvPr>
+                    <p:cNvSpPr/>
+                    <p:nvPr/>
+                  </p:nvSpPr>
+                  <p:spPr>
+                    <a:xfrm>
+                      <a:off x="2667203" y="5074555"/>
+                      <a:ext cx="304800" cy="75600"/>
+                    </a:xfrm>
+                    <a:prstGeom prst="rect">
+                      <a:avLst/>
+                    </a:prstGeom>
+                    <a:solidFill>
+                      <a:srgbClr val="04575B"/>
+                    </a:solidFill>
+                    <a:ln>
+                      <a:solidFill>
+                        <a:srgbClr val="04575B"/>
+                      </a:solidFill>
+                    </a:ln>
+                  </p:spPr>
+                  <p:style>
+                    <a:lnRef idx="2">
+                      <a:schemeClr val="accent1">
+                        <a:shade val="50000"/>
+                      </a:schemeClr>
+                    </a:lnRef>
+                    <a:fillRef idx="1">
+                      <a:schemeClr val="accent1"/>
+                    </a:fillRef>
+                    <a:effectRef idx="0">
+                      <a:schemeClr val="accent1"/>
+                    </a:effectRef>
+                    <a:fontRef idx="minor">
+                      <a:schemeClr val="lt1"/>
+                    </a:fontRef>
+                  </p:style>
+                  <p:txBody>
+                    <a:bodyPr rtlCol="0" anchor="ctr"/>
+                    <a:lstStyle/>
+                    <a:p>
+                      <a:pPr algn="ctr"/>
+                      <a:endParaRPr lang="en-GB" sz="3600" dirty="0"/>
+                    </a:p>
+                  </p:txBody>
+                </p:sp>
+              </p:grpSp>
+              <p:sp>
+                <p:nvSpPr>
+                  <p:cNvPr id="27" name="Rectangle 26">
+                    <a:extLst>
+                      <a:ext uri="{FF2B5EF4-FFF2-40B4-BE49-F238E27FC236}">
+                        <a16:creationId xmlns:a16="http://schemas.microsoft.com/office/drawing/2014/main" id="{5E7AF74E-726B-B640-10F7-58861E66F8BC}"/>
+                      </a:ext>
+                    </a:extLst>
+                  </p:cNvPr>
+                  <p:cNvSpPr/>
+                  <p:nvPr/>
+                </p:nvSpPr>
+                <p:spPr>
+                  <a:xfrm>
+                    <a:off x="2667203" y="5150155"/>
+                    <a:ext cx="304800" cy="144000"/>
+                  </a:xfrm>
+                  <a:prstGeom prst="rect">
+                    <a:avLst/>
+                  </a:prstGeom>
+                  <a:solidFill>
+                    <a:srgbClr val="73605B"/>
+                  </a:solidFill>
+                  <a:ln>
+                    <a:solidFill>
+                      <a:srgbClr val="73605B"/>
+                    </a:solidFill>
+                  </a:ln>
+                </p:spPr>
+                <p:style>
+                  <a:lnRef idx="2">
+                    <a:schemeClr val="accent1">
+                      <a:shade val="50000"/>
+                    </a:schemeClr>
+                  </a:lnRef>
+                  <a:fillRef idx="1">
+                    <a:schemeClr val="accent1"/>
+                  </a:fillRef>
+                  <a:effectRef idx="0">
+                    <a:schemeClr val="accent1"/>
+                  </a:effectRef>
+                  <a:fontRef idx="minor">
+                    <a:schemeClr val="lt1"/>
+                  </a:fontRef>
+                </p:style>
+                <p:txBody>
+                  <a:bodyPr rtlCol="0" anchor="ctr"/>
+                  <a:lstStyle/>
+                  <a:p>
+                    <a:pPr algn="ctr"/>
+                    <a:endParaRPr lang="en-GB" sz="3600" dirty="0"/>
+                  </a:p>
+                </p:txBody>
+              </p:sp>
+              <p:sp>
+                <p:nvSpPr>
+                  <p:cNvPr id="28" name="Rectangle 27">
+                    <a:extLst>
+                      <a:ext uri="{FF2B5EF4-FFF2-40B4-BE49-F238E27FC236}">
+                        <a16:creationId xmlns:a16="http://schemas.microsoft.com/office/drawing/2014/main" id="{FAFBD4BA-6436-1B53-9AE6-E84ED3FAD15E}"/>
+                      </a:ext>
+                    </a:extLst>
+                  </p:cNvPr>
+                  <p:cNvSpPr/>
+                  <p:nvPr/>
+                </p:nvSpPr>
+                <p:spPr>
+                  <a:xfrm>
+                    <a:off x="2667203" y="5294155"/>
+                    <a:ext cx="304800" cy="144000"/>
+                  </a:xfrm>
+                  <a:prstGeom prst="rect">
+                    <a:avLst/>
+                  </a:prstGeom>
+                  <a:solidFill>
+                    <a:srgbClr val="326B87"/>
+                  </a:solidFill>
+                  <a:ln>
+                    <a:solidFill>
+                      <a:srgbClr val="326B87"/>
+                    </a:solidFill>
+                  </a:ln>
+                </p:spPr>
+                <p:style>
+                  <a:lnRef idx="2">
+                    <a:schemeClr val="accent1">
+                      <a:shade val="50000"/>
+                    </a:schemeClr>
+                  </a:lnRef>
+                  <a:fillRef idx="1">
+                    <a:schemeClr val="accent1"/>
+                  </a:fillRef>
+                  <a:effectRef idx="0">
+                    <a:schemeClr val="accent1"/>
+                  </a:effectRef>
+                  <a:fontRef idx="minor">
+                    <a:schemeClr val="lt1"/>
+                  </a:fontRef>
+                </p:style>
+                <p:txBody>
+                  <a:bodyPr rtlCol="0" anchor="ctr"/>
+                  <a:lstStyle/>
+                  <a:p>
+                    <a:pPr algn="ctr"/>
+                    <a:endParaRPr lang="en-GB" sz="3600" dirty="0"/>
+                  </a:p>
+                </p:txBody>
+              </p:sp>
+              <p:sp>
+                <p:nvSpPr>
+                  <p:cNvPr id="29" name="Rectangle 28">
+                    <a:extLst>
+                      <a:ext uri="{FF2B5EF4-FFF2-40B4-BE49-F238E27FC236}">
+                        <a16:creationId xmlns:a16="http://schemas.microsoft.com/office/drawing/2014/main" id="{A31B1A70-E8BF-3337-32C4-2B3C6A8192B2}"/>
+                      </a:ext>
+                    </a:extLst>
+                  </p:cNvPr>
+                  <p:cNvSpPr/>
+                  <p:nvPr/>
+                </p:nvSpPr>
+                <p:spPr>
+                  <a:xfrm>
+                    <a:off x="2667203" y="5438155"/>
+                    <a:ext cx="304800" cy="75600"/>
+                  </a:xfrm>
+                  <a:prstGeom prst="rect">
+                    <a:avLst/>
+                  </a:prstGeom>
+                  <a:solidFill>
+                    <a:srgbClr val="F34A4A"/>
+                  </a:solidFill>
+                  <a:ln>
+                    <a:solidFill>
+                      <a:srgbClr val="F34A4A"/>
+                    </a:solidFill>
+                  </a:ln>
+                </p:spPr>
+                <p:style>
+                  <a:lnRef idx="2">
+                    <a:schemeClr val="accent1">
+                      <a:shade val="50000"/>
+                    </a:schemeClr>
+                  </a:lnRef>
+                  <a:fillRef idx="1">
+                    <a:schemeClr val="accent1"/>
+                  </a:fillRef>
+                  <a:effectRef idx="0">
+                    <a:schemeClr val="accent1"/>
+                  </a:effectRef>
+                  <a:fontRef idx="minor">
+                    <a:schemeClr val="lt1"/>
+                  </a:fontRef>
+                </p:style>
+                <p:txBody>
+                  <a:bodyPr rtlCol="0" anchor="ctr"/>
+                  <a:lstStyle/>
+                  <a:p>
+                    <a:pPr algn="ctr"/>
+                    <a:endParaRPr lang="en-GB" sz="3600" dirty="0"/>
+                  </a:p>
+                </p:txBody>
+              </p:sp>
+              <p:sp>
+                <p:nvSpPr>
+                  <p:cNvPr id="30" name="Rectangle 29">
+                    <a:extLst>
+                      <a:ext uri="{FF2B5EF4-FFF2-40B4-BE49-F238E27FC236}">
+                        <a16:creationId xmlns:a16="http://schemas.microsoft.com/office/drawing/2014/main" id="{956E2BEA-80D8-46D1-A264-78F218A8D777}"/>
+                      </a:ext>
+                    </a:extLst>
+                  </p:cNvPr>
+                  <p:cNvSpPr/>
+                  <p:nvPr/>
+                </p:nvSpPr>
+                <p:spPr>
+                  <a:xfrm>
+                    <a:off x="2667203" y="5516407"/>
+                    <a:ext cx="304800" cy="439417"/>
+                  </a:xfrm>
+                  <a:prstGeom prst="rect">
+                    <a:avLst/>
+                  </a:prstGeom>
+                  <a:solidFill>
+                    <a:srgbClr val="9B4E10"/>
+                  </a:solidFill>
+                  <a:ln>
+                    <a:solidFill>
+                      <a:srgbClr val="9B4E10"/>
+                    </a:solidFill>
+                  </a:ln>
+                </p:spPr>
+                <p:style>
+                  <a:lnRef idx="2">
+                    <a:schemeClr val="accent1">
+                      <a:shade val="50000"/>
+                    </a:schemeClr>
+                  </a:lnRef>
+                  <a:fillRef idx="1">
+                    <a:schemeClr val="accent1"/>
+                  </a:fillRef>
+                  <a:effectRef idx="0">
+                    <a:schemeClr val="accent1"/>
+                  </a:effectRef>
+                  <a:fontRef idx="minor">
+                    <a:schemeClr val="lt1"/>
+                  </a:fontRef>
+                </p:style>
+                <p:txBody>
+                  <a:bodyPr rtlCol="0" anchor="ctr"/>
+                  <a:lstStyle/>
+                  <a:p>
+                    <a:pPr algn="ctr"/>
+                    <a:endParaRPr lang="en-GB" sz="3600" dirty="0"/>
+                  </a:p>
+                </p:txBody>
+              </p:sp>
+              <p:sp>
+                <p:nvSpPr>
+                  <p:cNvPr id="33" name="Rectangle 32">
+                    <a:extLst>
+                      <a:ext uri="{FF2B5EF4-FFF2-40B4-BE49-F238E27FC236}">
+                        <a16:creationId xmlns:a16="http://schemas.microsoft.com/office/drawing/2014/main" id="{5095E8ED-D169-EA62-4B6E-6330736700D1}"/>
+                      </a:ext>
+                    </a:extLst>
+                  </p:cNvPr>
+                  <p:cNvSpPr/>
+                  <p:nvPr/>
+                </p:nvSpPr>
+                <p:spPr>
+                  <a:xfrm>
+                    <a:off x="2667203" y="5955824"/>
+                    <a:ext cx="304800" cy="75600"/>
+                  </a:xfrm>
+                  <a:prstGeom prst="rect">
+                    <a:avLst/>
+                  </a:prstGeom>
+                  <a:solidFill>
+                    <a:srgbClr val="DDBD95"/>
+                  </a:solidFill>
+                  <a:ln>
+                    <a:solidFill>
+                      <a:srgbClr val="DDBD95"/>
+                    </a:solidFill>
+                  </a:ln>
+                </p:spPr>
+                <p:style>
+                  <a:lnRef idx="2">
+                    <a:schemeClr val="accent1">
+                      <a:shade val="50000"/>
+                    </a:schemeClr>
+                  </a:lnRef>
+                  <a:fillRef idx="1">
+                    <a:schemeClr val="accent1"/>
+                  </a:fillRef>
+                  <a:effectRef idx="0">
+                    <a:schemeClr val="accent1"/>
+                  </a:effectRef>
+                  <a:fontRef idx="minor">
+                    <a:schemeClr val="lt1"/>
+                  </a:fontRef>
+                </p:style>
+                <p:txBody>
+                  <a:bodyPr rtlCol="0" anchor="ctr"/>
+                  <a:lstStyle/>
+                  <a:p>
+                    <a:pPr algn="ctr"/>
+                    <a:endParaRPr lang="en-GB" sz="3600" dirty="0"/>
+                  </a:p>
+                </p:txBody>
+              </p:sp>
+              <p:sp>
+                <p:nvSpPr>
+                  <p:cNvPr id="34" name="Rectangle 33">
+                    <a:extLst>
+                      <a:ext uri="{FF2B5EF4-FFF2-40B4-BE49-F238E27FC236}">
+                        <a16:creationId xmlns:a16="http://schemas.microsoft.com/office/drawing/2014/main" id="{24EC29DE-4EEF-8EAD-D032-E198D58CC936}"/>
+                      </a:ext>
+                    </a:extLst>
+                  </p:cNvPr>
+                  <p:cNvSpPr/>
+                  <p:nvPr/>
+                </p:nvSpPr>
+                <p:spPr>
+                  <a:xfrm>
+                    <a:off x="2667203" y="6031424"/>
+                    <a:ext cx="304800" cy="283792"/>
+                  </a:xfrm>
+                  <a:prstGeom prst="rect">
+                    <a:avLst/>
+                  </a:prstGeom>
+                  <a:solidFill>
+                    <a:srgbClr val="1A95AD"/>
+                  </a:solidFill>
+                  <a:ln>
+                    <a:solidFill>
+                      <a:srgbClr val="1A95AD"/>
+                    </a:solidFill>
+                  </a:ln>
+                </p:spPr>
+                <p:style>
+                  <a:lnRef idx="2">
+                    <a:schemeClr val="accent1">
+                      <a:shade val="50000"/>
+                    </a:schemeClr>
+                  </a:lnRef>
+                  <a:fillRef idx="1">
+                    <a:schemeClr val="accent1"/>
+                  </a:fillRef>
+                  <a:effectRef idx="0">
+                    <a:schemeClr val="accent1"/>
+                  </a:effectRef>
+                  <a:fontRef idx="minor">
+                    <a:schemeClr val="lt1"/>
+                  </a:fontRef>
+                </p:style>
+                <p:txBody>
+                  <a:bodyPr rtlCol="0" anchor="ctr"/>
+                  <a:lstStyle/>
+                  <a:p>
+                    <a:pPr algn="ctr"/>
+                    <a:endParaRPr lang="en-GB" sz="3600" dirty="0"/>
+                  </a:p>
+                </p:txBody>
+              </p:sp>
+              <p:sp>
+                <p:nvSpPr>
+                  <p:cNvPr id="35" name="Rectangle 34">
+                    <a:extLst>
+                      <a:ext uri="{FF2B5EF4-FFF2-40B4-BE49-F238E27FC236}">
+                        <a16:creationId xmlns:a16="http://schemas.microsoft.com/office/drawing/2014/main" id="{DF0ED550-709D-EAF8-8D1C-7688876C1761}"/>
+                      </a:ext>
+                    </a:extLst>
+                  </p:cNvPr>
+                  <p:cNvSpPr/>
+                  <p:nvPr/>
+                </p:nvSpPr>
+                <p:spPr>
+                  <a:xfrm>
+                    <a:off x="2667203" y="6326841"/>
+                    <a:ext cx="304800" cy="144000"/>
+                  </a:xfrm>
+                  <a:prstGeom prst="rect">
+                    <a:avLst/>
+                  </a:prstGeom>
+                  <a:solidFill>
+                    <a:srgbClr val="DAB44A"/>
+                  </a:solidFill>
+                  <a:ln>
+                    <a:solidFill>
+                      <a:srgbClr val="DAB44A"/>
+                    </a:solidFill>
+                  </a:ln>
+                </p:spPr>
+                <p:style>
+                  <a:lnRef idx="2">
+                    <a:schemeClr val="accent1">
+                      <a:shade val="50000"/>
+                    </a:schemeClr>
+                  </a:lnRef>
+                  <a:fillRef idx="1">
+                    <a:schemeClr val="accent1"/>
+                  </a:fillRef>
+                  <a:effectRef idx="0">
+                    <a:schemeClr val="accent1"/>
+                  </a:effectRef>
+                  <a:fontRef idx="minor">
+                    <a:schemeClr val="lt1"/>
+                  </a:fontRef>
+                </p:style>
+                <p:txBody>
+                  <a:bodyPr rtlCol="0" anchor="ctr"/>
+                  <a:lstStyle/>
+                  <a:p>
+                    <a:pPr algn="ctr"/>
+                    <a:endParaRPr lang="en-GB" sz="3600" dirty="0"/>
+                  </a:p>
+                </p:txBody>
+              </p:sp>
+              <p:sp>
+                <p:nvSpPr>
+                  <p:cNvPr id="36" name="Rectangle 35">
+                    <a:extLst>
+                      <a:ext uri="{FF2B5EF4-FFF2-40B4-BE49-F238E27FC236}">
+                        <a16:creationId xmlns:a16="http://schemas.microsoft.com/office/drawing/2014/main" id="{F4A884F5-BAEF-B644-D2A5-98C6E3CA6603}"/>
+                      </a:ext>
+                    </a:extLst>
+                  </p:cNvPr>
+                  <p:cNvSpPr/>
+                  <p:nvPr/>
+                </p:nvSpPr>
+                <p:spPr>
+                  <a:xfrm>
+                    <a:off x="2667203" y="6482466"/>
+                    <a:ext cx="304800" cy="418326"/>
+                  </a:xfrm>
+                  <a:prstGeom prst="rect">
+                    <a:avLst/>
+                  </a:prstGeom>
+                  <a:solidFill>
+                    <a:srgbClr val="F8EFE2"/>
+                  </a:solidFill>
+                  <a:ln>
+                    <a:solidFill>
+                      <a:srgbClr val="F8EFE2"/>
+                    </a:solidFill>
+                  </a:ln>
+                </p:spPr>
+                <p:style>
+                  <a:lnRef idx="2">
+                    <a:schemeClr val="accent1">
+                      <a:shade val="50000"/>
+                    </a:schemeClr>
+                  </a:lnRef>
+                  <a:fillRef idx="1">
+                    <a:schemeClr val="accent1"/>
+                  </a:fillRef>
+                  <a:effectRef idx="0">
+                    <a:schemeClr val="accent1"/>
+                  </a:effectRef>
+                  <a:fontRef idx="minor">
+                    <a:schemeClr val="lt1"/>
+                  </a:fontRef>
+                </p:style>
+                <p:txBody>
+                  <a:bodyPr rtlCol="0" anchor="ctr"/>
+                  <a:lstStyle/>
+                  <a:p>
+                    <a:pPr algn="ctr"/>
+                    <a:endParaRPr lang="en-GB" sz="3600" dirty="0"/>
+                  </a:p>
+                </p:txBody>
+              </p:sp>
+              <p:sp>
+                <p:nvSpPr>
+                  <p:cNvPr id="37" name="Rectangle 36">
+                    <a:extLst>
+                      <a:ext uri="{FF2B5EF4-FFF2-40B4-BE49-F238E27FC236}">
+                        <a16:creationId xmlns:a16="http://schemas.microsoft.com/office/drawing/2014/main" id="{54C47C1A-171C-A382-8D65-5B70538E07B6}"/>
+                      </a:ext>
+                    </a:extLst>
+                  </p:cNvPr>
+                  <p:cNvSpPr/>
+                  <p:nvPr/>
+                </p:nvSpPr>
+                <p:spPr>
+                  <a:xfrm>
+                    <a:off x="2667203" y="6906187"/>
+                    <a:ext cx="304800" cy="144000"/>
+                  </a:xfrm>
+                  <a:prstGeom prst="rect">
+                    <a:avLst/>
+                  </a:prstGeom>
+                  <a:solidFill>
+                    <a:srgbClr val="1F948B"/>
+                  </a:solidFill>
+                  <a:ln>
+                    <a:solidFill>
+                      <a:srgbClr val="1F948B"/>
+                    </a:solidFill>
+                  </a:ln>
+                </p:spPr>
+                <p:style>
+                  <a:lnRef idx="2">
+                    <a:schemeClr val="accent1">
+                      <a:shade val="50000"/>
+                    </a:schemeClr>
+                  </a:lnRef>
+                  <a:fillRef idx="1">
+                    <a:schemeClr val="accent1"/>
+                  </a:fillRef>
+                  <a:effectRef idx="0">
+                    <a:schemeClr val="accent1"/>
+                  </a:effectRef>
+                  <a:fontRef idx="minor">
+                    <a:schemeClr val="lt1"/>
+                  </a:fontRef>
+                </p:style>
+                <p:txBody>
+                  <a:bodyPr rtlCol="0" anchor="ctr"/>
+                  <a:lstStyle/>
+                  <a:p>
+                    <a:pPr algn="ctr"/>
+                    <a:endParaRPr lang="en-GB" sz="3600" dirty="0"/>
+                  </a:p>
+                </p:txBody>
+              </p:sp>
+              <p:sp>
+                <p:nvSpPr>
+                  <p:cNvPr id="38" name="Rectangle 37">
+                    <a:extLst>
+                      <a:ext uri="{FF2B5EF4-FFF2-40B4-BE49-F238E27FC236}">
+                        <a16:creationId xmlns:a16="http://schemas.microsoft.com/office/drawing/2014/main" id="{71D3E0D7-6AF2-0C7A-2FE1-F1E8D3F76663}"/>
+                      </a:ext>
+                    </a:extLst>
+                  </p:cNvPr>
+                  <p:cNvSpPr/>
+                  <p:nvPr/>
+                </p:nvSpPr>
+                <p:spPr>
+                  <a:xfrm>
+                    <a:off x="2667203" y="7050187"/>
+                    <a:ext cx="304800" cy="144000"/>
+                  </a:xfrm>
+                  <a:prstGeom prst="rect">
+                    <a:avLst/>
+                  </a:prstGeom>
+                  <a:solidFill>
+                    <a:srgbClr val="DFE266"/>
+                  </a:solidFill>
+                  <a:ln>
+                    <a:solidFill>
+                      <a:srgbClr val="DFE266"/>
+                    </a:solidFill>
+                  </a:ln>
+                </p:spPr>
+                <p:style>
+                  <a:lnRef idx="2">
+                    <a:schemeClr val="accent1">
+                      <a:shade val="50000"/>
+                    </a:schemeClr>
+                  </a:lnRef>
+                  <a:fillRef idx="1">
+                    <a:schemeClr val="accent1"/>
+                  </a:fillRef>
+                  <a:effectRef idx="0">
+                    <a:schemeClr val="accent1"/>
+                  </a:effectRef>
+                  <a:fontRef idx="minor">
+                    <a:schemeClr val="lt1"/>
+                  </a:fontRef>
+                </p:style>
+                <p:txBody>
+                  <a:bodyPr rtlCol="0" anchor="ctr"/>
+                  <a:lstStyle/>
+                  <a:p>
+                    <a:pPr algn="ctr"/>
+                    <a:endParaRPr lang="en-GB" sz="3600" dirty="0"/>
+                  </a:p>
+                </p:txBody>
+              </p:sp>
+              <p:sp>
+                <p:nvSpPr>
+                  <p:cNvPr id="39" name="Rectangle 38">
+                    <a:extLst>
+                      <a:ext uri="{FF2B5EF4-FFF2-40B4-BE49-F238E27FC236}">
+                        <a16:creationId xmlns:a16="http://schemas.microsoft.com/office/drawing/2014/main" id="{9C178F37-CC92-C53C-6838-96246F2DF6BC}"/>
+                      </a:ext>
+                    </a:extLst>
+                  </p:cNvPr>
+                  <p:cNvSpPr/>
+                  <p:nvPr/>
+                </p:nvSpPr>
+                <p:spPr>
+                  <a:xfrm>
+                    <a:off x="2667203" y="7192073"/>
+                    <a:ext cx="304800" cy="75600"/>
+                  </a:xfrm>
+                  <a:prstGeom prst="rect">
+                    <a:avLst/>
+                  </a:prstGeom>
+                  <a:solidFill>
+                    <a:srgbClr val="4F6457"/>
+                  </a:solidFill>
+                  <a:ln>
+                    <a:solidFill>
+                      <a:srgbClr val="4F6457"/>
+                    </a:solidFill>
+                  </a:ln>
+                </p:spPr>
+                <p:style>
+                  <a:lnRef idx="2">
+                    <a:schemeClr val="accent1">
+                      <a:shade val="50000"/>
+                    </a:schemeClr>
+                  </a:lnRef>
+                  <a:fillRef idx="1">
+                    <a:schemeClr val="accent1"/>
+                  </a:fillRef>
+                  <a:effectRef idx="0">
+                    <a:schemeClr val="accent1"/>
+                  </a:effectRef>
+                  <a:fontRef idx="minor">
+                    <a:schemeClr val="lt1"/>
+                  </a:fontRef>
+                </p:style>
+                <p:txBody>
+                  <a:bodyPr rtlCol="0" anchor="ctr"/>
+                  <a:lstStyle/>
+                  <a:p>
+                    <a:pPr algn="ctr"/>
+                    <a:endParaRPr lang="en-GB" sz="3600" dirty="0"/>
+                  </a:p>
+                </p:txBody>
+              </p:sp>
+              <p:sp>
+                <p:nvSpPr>
+                  <p:cNvPr id="40" name="Rectangle 39">
+                    <a:extLst>
+                      <a:ext uri="{FF2B5EF4-FFF2-40B4-BE49-F238E27FC236}">
+                        <a16:creationId xmlns:a16="http://schemas.microsoft.com/office/drawing/2014/main" id="{146D9A2B-D796-3EF2-C877-0489C5835BD4}"/>
+                      </a:ext>
+                    </a:extLst>
+                  </p:cNvPr>
+                  <p:cNvSpPr/>
+                  <p:nvPr/>
+                </p:nvSpPr>
+                <p:spPr>
+                  <a:xfrm>
+                    <a:off x="2667203" y="7267673"/>
+                    <a:ext cx="304800" cy="965102"/>
+                  </a:xfrm>
+                  <a:prstGeom prst="rect">
+                    <a:avLst/>
+                  </a:prstGeom>
+                  <a:solidFill>
+                    <a:srgbClr val="A0D7E2"/>
+                  </a:solidFill>
+                  <a:ln>
+                    <a:solidFill>
+                      <a:srgbClr val="A0D7E2"/>
+                    </a:solidFill>
+                  </a:ln>
+                </p:spPr>
+                <p:style>
+                  <a:lnRef idx="2">
+                    <a:schemeClr val="accent1">
+                      <a:shade val="50000"/>
+                    </a:schemeClr>
+                  </a:lnRef>
+                  <a:fillRef idx="1">
+                    <a:schemeClr val="accent1"/>
+                  </a:fillRef>
+                  <a:effectRef idx="0">
+                    <a:schemeClr val="accent1"/>
+                  </a:effectRef>
+                  <a:fontRef idx="minor">
+                    <a:schemeClr val="lt1"/>
+                  </a:fontRef>
+                </p:style>
+                <p:txBody>
+                  <a:bodyPr rtlCol="0" anchor="ctr"/>
+                  <a:lstStyle/>
+                  <a:p>
+                    <a:pPr algn="ctr"/>
+                    <a:endParaRPr lang="en-GB" sz="3600" dirty="0"/>
+                  </a:p>
+                </p:txBody>
+              </p:sp>
+              <p:sp>
+                <p:nvSpPr>
+                  <p:cNvPr id="41" name="Rectangle 40">
+                    <a:extLst>
+                      <a:ext uri="{FF2B5EF4-FFF2-40B4-BE49-F238E27FC236}">
+                        <a16:creationId xmlns:a16="http://schemas.microsoft.com/office/drawing/2014/main" id="{9613BDDA-304A-6E5C-8446-897B278A6BAF}"/>
+                      </a:ext>
+                    </a:extLst>
+                  </p:cNvPr>
+                  <p:cNvSpPr/>
+                  <p:nvPr/>
+                </p:nvSpPr>
+                <p:spPr>
+                  <a:xfrm>
+                    <a:off x="2667203" y="8234261"/>
+                    <a:ext cx="304800" cy="72000"/>
+                  </a:xfrm>
+                  <a:prstGeom prst="rect">
+                    <a:avLst/>
+                  </a:prstGeom>
+                  <a:solidFill>
+                    <a:srgbClr val="FB802E"/>
+                  </a:solidFill>
+                  <a:ln>
+                    <a:solidFill>
+                      <a:srgbClr val="FB802E"/>
+                    </a:solidFill>
+                  </a:ln>
+                </p:spPr>
+                <p:style>
+                  <a:lnRef idx="2">
+                    <a:schemeClr val="accent1">
+                      <a:shade val="50000"/>
+                    </a:schemeClr>
+                  </a:lnRef>
+                  <a:fillRef idx="1">
+                    <a:schemeClr val="accent1"/>
+                  </a:fillRef>
+                  <a:effectRef idx="0">
+                    <a:schemeClr val="accent1"/>
+                  </a:effectRef>
+                  <a:fontRef idx="minor">
+                    <a:schemeClr val="lt1"/>
+                  </a:fontRef>
+                </p:style>
+                <p:txBody>
+                  <a:bodyPr rtlCol="0" anchor="ctr"/>
+                  <a:lstStyle/>
+                  <a:p>
+                    <a:pPr algn="ctr"/>
+                    <a:endParaRPr lang="en-GB" sz="3600" dirty="0"/>
+                  </a:p>
+                </p:txBody>
+              </p:sp>
+              <p:sp>
+                <p:nvSpPr>
+                  <p:cNvPr id="42" name="Rectangle 41">
+                    <a:extLst>
+                      <a:ext uri="{FF2B5EF4-FFF2-40B4-BE49-F238E27FC236}">
+                        <a16:creationId xmlns:a16="http://schemas.microsoft.com/office/drawing/2014/main" id="{4ED6DD71-432D-1E88-1DBD-09C11F73C2AA}"/>
+                      </a:ext>
+                    </a:extLst>
+                  </p:cNvPr>
+                  <p:cNvSpPr/>
+                  <p:nvPr/>
+                </p:nvSpPr>
+                <p:spPr>
+                  <a:xfrm>
+                    <a:off x="2667203" y="8310175"/>
+                    <a:ext cx="304800" cy="133737"/>
+                  </a:xfrm>
+                  <a:prstGeom prst="rect">
+                    <a:avLst/>
+                  </a:prstGeom>
+                  <a:solidFill>
+                    <a:srgbClr val="C4DFE6"/>
+                  </a:solidFill>
+                  <a:ln>
+                    <a:solidFill>
+                      <a:srgbClr val="C4DFE6"/>
+                    </a:solidFill>
+                  </a:ln>
+                </p:spPr>
+                <p:style>
+                  <a:lnRef idx="2">
+                    <a:schemeClr val="accent1">
+                      <a:shade val="50000"/>
+                    </a:schemeClr>
+                  </a:lnRef>
+                  <a:fillRef idx="1">
+                    <a:schemeClr val="accent1"/>
+                  </a:fillRef>
+                  <a:effectRef idx="0">
+                    <a:schemeClr val="accent1"/>
+                  </a:effectRef>
+                  <a:fontRef idx="minor">
+                    <a:schemeClr val="lt1"/>
+                  </a:fontRef>
+                </p:style>
+                <p:txBody>
+                  <a:bodyPr rtlCol="0" anchor="ctr"/>
+                  <a:lstStyle/>
+                  <a:p>
+                    <a:pPr algn="ctr"/>
+                    <a:endParaRPr lang="en-GB" sz="3600" dirty="0"/>
+                  </a:p>
+                </p:txBody>
+              </p:sp>
+              <p:sp>
+                <p:nvSpPr>
+                  <p:cNvPr id="43" name="Rectangle 42">
+                    <a:extLst>
+                      <a:ext uri="{FF2B5EF4-FFF2-40B4-BE49-F238E27FC236}">
+                        <a16:creationId xmlns:a16="http://schemas.microsoft.com/office/drawing/2014/main" id="{BE673AF5-19C2-79E0-DB77-B67B8F59A402}"/>
+                      </a:ext>
+                    </a:extLst>
+                  </p:cNvPr>
+                  <p:cNvSpPr/>
+                  <p:nvPr/>
+                </p:nvSpPr>
+                <p:spPr>
+                  <a:xfrm>
+                    <a:off x="2667203" y="8443912"/>
+                    <a:ext cx="304800" cy="214666"/>
+                  </a:xfrm>
+                  <a:prstGeom prst="rect">
+                    <a:avLst/>
+                  </a:prstGeom>
+                  <a:solidFill>
+                    <a:srgbClr val="80BD9E"/>
+                  </a:solidFill>
+                  <a:ln>
+                    <a:solidFill>
+                      <a:srgbClr val="80BD9E"/>
+                    </a:solidFill>
+                  </a:ln>
+                </p:spPr>
+                <p:style>
+                  <a:lnRef idx="2">
+                    <a:schemeClr val="accent1">
+                      <a:shade val="50000"/>
+                    </a:schemeClr>
+                  </a:lnRef>
+                  <a:fillRef idx="1">
+                    <a:schemeClr val="accent1"/>
+                  </a:fillRef>
+                  <a:effectRef idx="0">
+                    <a:schemeClr val="accent1"/>
+                  </a:effectRef>
+                  <a:fontRef idx="minor">
+                    <a:schemeClr val="lt1"/>
+                  </a:fontRef>
+                </p:style>
+                <p:txBody>
+                  <a:bodyPr rtlCol="0" anchor="ctr"/>
+                  <a:lstStyle/>
+                  <a:p>
+                    <a:pPr algn="ctr"/>
+                    <a:endParaRPr lang="en-GB" sz="3600" dirty="0"/>
+                  </a:p>
+                </p:txBody>
+              </p:sp>
+              <p:sp>
+                <p:nvSpPr>
+                  <p:cNvPr id="44" name="Rectangle 43">
+                    <a:extLst>
+                      <a:ext uri="{FF2B5EF4-FFF2-40B4-BE49-F238E27FC236}">
+                        <a16:creationId xmlns:a16="http://schemas.microsoft.com/office/drawing/2014/main" id="{A2BE9CE8-24CF-594F-462D-BACD9CECB909}"/>
+                      </a:ext>
+                    </a:extLst>
+                  </p:cNvPr>
+                  <p:cNvSpPr/>
+                  <p:nvPr/>
+                </p:nvSpPr>
+                <p:spPr>
+                  <a:xfrm>
+                    <a:off x="2667203" y="8667295"/>
+                    <a:ext cx="304800" cy="945694"/>
+                  </a:xfrm>
+                  <a:prstGeom prst="rect">
+                    <a:avLst/>
+                  </a:prstGeom>
+                  <a:solidFill>
+                    <a:srgbClr val="FAAF08"/>
+                  </a:solidFill>
+                  <a:ln>
+                    <a:solidFill>
+                      <a:srgbClr val="FAAF08"/>
+                    </a:solidFill>
+                  </a:ln>
+                </p:spPr>
+                <p:style>
+                  <a:lnRef idx="2">
+                    <a:schemeClr val="accent1">
+                      <a:shade val="50000"/>
+                    </a:schemeClr>
+                  </a:lnRef>
+                  <a:fillRef idx="1">
+                    <a:schemeClr val="accent1"/>
+                  </a:fillRef>
+                  <a:effectRef idx="0">
+                    <a:schemeClr val="accent1"/>
+                  </a:effectRef>
+                  <a:fontRef idx="minor">
+                    <a:schemeClr val="lt1"/>
+                  </a:fontRef>
+                </p:style>
+                <p:txBody>
+                  <a:bodyPr rtlCol="0" anchor="ctr"/>
+                  <a:lstStyle/>
+                  <a:p>
+                    <a:pPr algn="ctr"/>
+                    <a:endParaRPr lang="en-GB" sz="3600" dirty="0"/>
+                  </a:p>
+                </p:txBody>
+              </p:sp>
+            </p:grpSp>
+          </p:grpSp>
           <p:sp>
             <p:nvSpPr>
-              <p:cNvPr id="6" name="Rectangle 5">
+              <p:cNvPr id="89" name="Rectangle 88">
                 <a:extLst>
                   <a:ext uri="{FF2B5EF4-FFF2-40B4-BE49-F238E27FC236}">
-                    <a16:creationId xmlns:a16="http://schemas.microsoft.com/office/drawing/2014/main" id="{9E8608F5-5DEE-FA98-35E0-0D30AEFA8D32}"/>
+                    <a16:creationId xmlns:a16="http://schemas.microsoft.com/office/drawing/2014/main" id="{1FA60134-44F5-AB53-902F-F97B061D3E19}"/>
                   </a:ext>
                 </a:extLst>
               </p:cNvPr>
@@ -3103,19 +4838,17 @@
             </p:nvSpPr>
             <p:spPr>
               <a:xfrm>
-                <a:off x="2667203" y="1108953"/>
-                <a:ext cx="304800" cy="77821"/>
+                <a:off x="4357023" y="1219886"/>
+                <a:ext cx="7484550" cy="921549"/>
               </a:xfrm>
               <a:prstGeom prst="rect">
                 <a:avLst/>
               </a:prstGeom>
               <a:solidFill>
-                <a:srgbClr val="D19683"/>
+                <a:schemeClr val="bg1"/>
               </a:solidFill>
               <a:ln>
-                <a:solidFill>
-                  <a:srgbClr val="D19683"/>
-                </a:solidFill>
+                <a:noFill/>
               </a:ln>
             </p:spPr>
             <p:style>
@@ -3143,12 +4876,145 @@
               </a:p>
             </p:txBody>
           </p:sp>
+          <p:pic>
+            <p:nvPicPr>
+              <p:cNvPr id="91" name="Picture 90" descr="A close up of a fly&#10;&#10;Description automatically generated with medium confidence">
+                <a:extLst>
+                  <a:ext uri="{FF2B5EF4-FFF2-40B4-BE49-F238E27FC236}">
+                    <a16:creationId xmlns:a16="http://schemas.microsoft.com/office/drawing/2014/main" id="{4B54AD1D-86E1-C237-B5DA-0DC3ED913F37}"/>
+                  </a:ext>
+                </a:extLst>
+              </p:cNvPr>
+              <p:cNvPicPr>
+                <a:picLocks noChangeAspect="1"/>
+              </p:cNvPicPr>
+              <p:nvPr/>
+            </p:nvPicPr>
+            <p:blipFill>
+              <a:blip r:embed="rId4"/>
+              <a:stretch>
+                <a:fillRect/>
+              </a:stretch>
+            </p:blipFill>
+            <p:spPr>
+              <a:xfrm>
+                <a:off x="5132843" y="1256741"/>
+                <a:ext cx="1119317" cy="965477"/>
+              </a:xfrm>
+              <a:prstGeom prst="rect">
+                <a:avLst/>
+              </a:prstGeom>
+            </p:spPr>
+          </p:pic>
+          <p:pic>
+            <p:nvPicPr>
+              <p:cNvPr id="93" name="Picture 92" descr="A close up of a bee&#10;&#10;Description automatically generated">
+                <a:extLst>
+                  <a:ext uri="{FF2B5EF4-FFF2-40B4-BE49-F238E27FC236}">
+                    <a16:creationId xmlns:a16="http://schemas.microsoft.com/office/drawing/2014/main" id="{103B07D8-1266-CBB9-AEFD-67EEBAEF2A9F}"/>
+                  </a:ext>
+                </a:extLst>
+              </p:cNvPr>
+              <p:cNvPicPr>
+                <a:picLocks noChangeAspect="1"/>
+              </p:cNvPicPr>
+              <p:nvPr/>
+            </p:nvPicPr>
+            <p:blipFill>
+              <a:blip r:embed="rId5"/>
+              <a:stretch>
+                <a:fillRect/>
+              </a:stretch>
+            </p:blipFill>
+            <p:spPr>
+              <a:xfrm>
+                <a:off x="8099298" y="1196315"/>
+                <a:ext cx="1362242" cy="975579"/>
+              </a:xfrm>
+              <a:prstGeom prst="rect">
+                <a:avLst/>
+              </a:prstGeom>
+            </p:spPr>
+          </p:pic>
+          <p:cxnSp>
+            <p:nvCxnSpPr>
+              <p:cNvPr id="95" name="Straight Connector 94">
+                <a:extLst>
+                  <a:ext uri="{FF2B5EF4-FFF2-40B4-BE49-F238E27FC236}">
+                    <a16:creationId xmlns:a16="http://schemas.microsoft.com/office/drawing/2014/main" id="{482F2A20-51FB-7FF8-3D64-3EC3F5FAF2D7}"/>
+                  </a:ext>
+                </a:extLst>
+              </p:cNvPr>
+              <p:cNvCxnSpPr>
+                <a:cxnSpLocks/>
+              </p:cNvCxnSpPr>
+              <p:nvPr/>
+            </p:nvCxnSpPr>
+            <p:spPr>
+              <a:xfrm>
+                <a:off x="7335572" y="2087503"/>
+                <a:ext cx="0" cy="8268342"/>
+              </a:xfrm>
+              <a:prstGeom prst="line">
+                <a:avLst/>
+              </a:prstGeom>
+              <a:ln>
+                <a:solidFill>
+                  <a:schemeClr val="tx1"/>
+                </a:solidFill>
+              </a:ln>
+            </p:spPr>
+            <p:style>
+              <a:lnRef idx="1">
+                <a:schemeClr val="accent1"/>
+              </a:lnRef>
+              <a:fillRef idx="0">
+                <a:schemeClr val="accent1"/>
+              </a:fillRef>
+              <a:effectRef idx="0">
+                <a:schemeClr val="accent1"/>
+              </a:effectRef>
+              <a:fontRef idx="minor">
+                <a:schemeClr val="tx1"/>
+              </a:fontRef>
+            </p:style>
+          </p:cxnSp>
+          <p:pic>
+            <p:nvPicPr>
+              <p:cNvPr id="98" name="Picture 97">
+                <a:extLst>
+                  <a:ext uri="{FF2B5EF4-FFF2-40B4-BE49-F238E27FC236}">
+                    <a16:creationId xmlns:a16="http://schemas.microsoft.com/office/drawing/2014/main" id="{DC2CA2F7-770E-4027-8402-F76562DE8D25}"/>
+                  </a:ext>
+                </a:extLst>
+              </p:cNvPr>
+              <p:cNvPicPr>
+                <a:picLocks noChangeAspect="1"/>
+              </p:cNvPicPr>
+              <p:nvPr/>
+            </p:nvPicPr>
+            <p:blipFill>
+              <a:blip r:embed="rId6"/>
+              <a:stretch>
+                <a:fillRect/>
+              </a:stretch>
+            </p:blipFill>
+            <p:spPr>
+              <a:xfrm>
+                <a:off x="10387276" y="7380036"/>
+                <a:ext cx="3328713" cy="3180597"/>
+              </a:xfrm>
+              <a:prstGeom prst="rect">
+                <a:avLst/>
+              </a:prstGeom>
+            </p:spPr>
+          </p:pic>
           <p:sp>
             <p:nvSpPr>
-              <p:cNvPr id="7" name="Rectangle 6">
+              <p:cNvPr id="100" name="Rectangle 99">
                 <a:extLst>
                   <a:ext uri="{FF2B5EF4-FFF2-40B4-BE49-F238E27FC236}">
-                    <a16:creationId xmlns:a16="http://schemas.microsoft.com/office/drawing/2014/main" id="{A118AC3E-7BB3-FDF9-CDCA-AA291C69BEBC}"/>
+                    <a16:creationId xmlns:a16="http://schemas.microsoft.com/office/drawing/2014/main" id="{9D400FFE-6266-4823-82B6-FB093B117C42}"/>
                   </a:ext>
                 </a:extLst>
               </p:cNvPr>
@@ -3157,127 +5023,17 @@
             </p:nvSpPr>
             <p:spPr>
               <a:xfrm>
-                <a:off x="2667203" y="1186774"/>
-                <a:ext cx="304800" cy="144000"/>
+                <a:off x="10296387" y="5498305"/>
+                <a:ext cx="1040138" cy="921549"/>
               </a:xfrm>
               <a:prstGeom prst="rect">
                 <a:avLst/>
               </a:prstGeom>
               <a:solidFill>
-                <a:srgbClr val="5D525E"/>
+                <a:schemeClr val="bg1"/>
               </a:solidFill>
               <a:ln>
-                <a:solidFill>
-                  <a:srgbClr val="5D525E"/>
-                </a:solidFill>
-              </a:ln>
-            </p:spPr>
-            <p:style>
-              <a:lnRef idx="2">
-                <a:schemeClr val="accent1">
-                  <a:shade val="50000"/>
-                </a:schemeClr>
-              </a:lnRef>
-              <a:fillRef idx="1">
-                <a:schemeClr val="accent1"/>
-              </a:fillRef>
-              <a:effectRef idx="0">
-                <a:schemeClr val="accent1"/>
-              </a:effectRef>
-              <a:fontRef idx="minor">
-                <a:schemeClr val="lt1"/>
-              </a:fontRef>
-            </p:style>
-            <p:txBody>
-              <a:bodyPr rtlCol="0" anchor="ctr"/>
-              <a:lstStyle/>
-              <a:p>
-                <a:pPr algn="ctr"/>
-                <a:endParaRPr lang="en-GB"/>
-              </a:p>
-            </p:txBody>
-          </p:sp>
-          <p:sp>
-            <p:nvSpPr>
-              <p:cNvPr id="10" name="Rectangle 9">
-                <a:extLst>
-                  <a:ext uri="{FF2B5EF4-FFF2-40B4-BE49-F238E27FC236}">
-                    <a16:creationId xmlns:a16="http://schemas.microsoft.com/office/drawing/2014/main" id="{3D33E87F-3EA0-702B-2B2B-3CB92F77A375}"/>
-                  </a:ext>
-                </a:extLst>
-              </p:cNvPr>
-              <p:cNvSpPr/>
-              <p:nvPr/>
-            </p:nvSpPr>
-            <p:spPr>
-              <a:xfrm>
-                <a:off x="2667203" y="1335797"/>
-                <a:ext cx="304800" cy="144000"/>
-              </a:xfrm>
-              <a:prstGeom prst="rect">
-                <a:avLst/>
-              </a:prstGeom>
-              <a:solidFill>
-                <a:srgbClr val="0F1A06"/>
-              </a:solidFill>
-              <a:ln>
-                <a:solidFill>
-                  <a:srgbClr val="0F1A06"/>
-                </a:solidFill>
-              </a:ln>
-            </p:spPr>
-            <p:style>
-              <a:lnRef idx="2">
-                <a:schemeClr val="accent1">
-                  <a:shade val="50000"/>
-                </a:schemeClr>
-              </a:lnRef>
-              <a:fillRef idx="1">
-                <a:schemeClr val="accent1"/>
-              </a:fillRef>
-              <a:effectRef idx="0">
-                <a:schemeClr val="accent1"/>
-              </a:effectRef>
-              <a:fontRef idx="minor">
-                <a:schemeClr val="lt1"/>
-              </a:fontRef>
-            </p:style>
-            <p:txBody>
-              <a:bodyPr rtlCol="0" anchor="ctr"/>
-              <a:lstStyle/>
-              <a:p>
-                <a:pPr algn="ctr"/>
-                <a:endParaRPr lang="en-GB" dirty="0"/>
-              </a:p>
-            </p:txBody>
-          </p:sp>
-          <p:sp>
-            <p:nvSpPr>
-              <p:cNvPr id="11" name="Rectangle 10">
-                <a:extLst>
-                  <a:ext uri="{FF2B5EF4-FFF2-40B4-BE49-F238E27FC236}">
-                    <a16:creationId xmlns:a16="http://schemas.microsoft.com/office/drawing/2014/main" id="{92D208E1-363C-93BE-C902-D27ECF3BE1F2}"/>
-                  </a:ext>
-                </a:extLst>
-              </p:cNvPr>
-              <p:cNvSpPr/>
-              <p:nvPr/>
-            </p:nvSpPr>
-            <p:spPr>
-              <a:xfrm>
-                <a:off x="2667203" y="1479797"/>
-                <a:ext cx="304800" cy="79200"/>
-              </a:xfrm>
-              <a:prstGeom prst="rect">
-                <a:avLst/>
-              </a:prstGeom>
-              <a:solidFill>
-                <a:srgbClr val="A2BE96"/>
-              </a:solidFill>
-              <a:ln>
-                <a:solidFill>
-                  <a:srgbClr val="A2BE96"/>
-                </a:solidFill>
+                <a:noFill/>
               </a:ln>
             </p:spPr>
             <p:style>
@@ -3306,12 +5062,172 @@
             </p:txBody>
           </p:sp>
         </p:grpSp>
+        <p:pic>
+          <p:nvPicPr>
+            <p:cNvPr id="104" name="Picture 103">
+              <a:extLst>
+                <a:ext uri="{FF2B5EF4-FFF2-40B4-BE49-F238E27FC236}">
+                  <a16:creationId xmlns:a16="http://schemas.microsoft.com/office/drawing/2014/main" id="{53D56D1A-0608-841A-4288-FFF7CC610365}"/>
+                </a:ext>
+              </a:extLst>
+            </p:cNvPr>
+            <p:cNvPicPr>
+              <a:picLocks noChangeAspect="1"/>
+            </p:cNvPicPr>
+            <p:nvPr/>
+          </p:nvPicPr>
+          <p:blipFill>
+            <a:blip r:embed="rId7"/>
+            <a:stretch>
+              <a:fillRect/>
+            </a:stretch>
+          </p:blipFill>
+          <p:spPr>
+            <a:xfrm>
+              <a:off x="10174745" y="5890049"/>
+              <a:ext cx="1246020" cy="963982"/>
+            </a:xfrm>
+            <a:prstGeom prst="rect">
+              <a:avLst/>
+            </a:prstGeom>
+          </p:spPr>
+        </p:pic>
+      </p:grpSp>
+    </p:spTree>
+    <p:extLst>
+      <p:ext uri="{BB962C8B-B14F-4D97-AF65-F5344CB8AC3E}">
+        <p14:creationId xmlns:p14="http://schemas.microsoft.com/office/powerpoint/2010/main" val="3848897287"/>
+      </p:ext>
+    </p:extLst>
+  </p:cSld>
+  <p:clrMapOvr>
+    <a:masterClrMapping/>
+  </p:clrMapOvr>
+</p:sld>
+</file>
+
+<file path=ppt/slides/slide2.xml><?xml version="1.0" encoding="utf-8"?>
+<p:sld xmlns:a="http://schemas.openxmlformats.org/drawingml/2006/main" xmlns:r="http://schemas.openxmlformats.org/officeDocument/2006/relationships" xmlns:p="http://schemas.openxmlformats.org/presentationml/2006/main">
+  <p:cSld>
+    <p:spTree>
+      <p:nvGrpSpPr>
+        <p:cNvPr id="1" name=""/>
+        <p:cNvGrpSpPr/>
+        <p:nvPr/>
+      </p:nvGrpSpPr>
+      <p:grpSpPr>
+        <a:xfrm>
+          <a:off x="0" y="0"/>
+          <a:ext cx="0" cy="0"/>
+          <a:chOff x="0" y="0"/>
+          <a:chExt cx="0" cy="0"/>
+        </a:xfrm>
+      </p:grpSpPr>
+      <p:sp>
+        <p:nvSpPr>
+          <p:cNvPr id="2" name="Title 1">
+            <a:extLst>
+              <a:ext uri="{FF2B5EF4-FFF2-40B4-BE49-F238E27FC236}">
+                <a16:creationId xmlns:a16="http://schemas.microsoft.com/office/drawing/2014/main" id="{274D112C-5D37-663D-526B-DF7DB2F790CE}"/>
+              </a:ext>
+            </a:extLst>
+          </p:cNvPr>
+          <p:cNvSpPr>
+            <a:spLocks noGrp="1"/>
+          </p:cNvSpPr>
+          <p:nvPr>
+            <p:ph type="title"/>
+          </p:nvPr>
+        </p:nvSpPr>
+        <p:spPr/>
+        <p:txBody>
+          <a:bodyPr/>
+          <a:lstStyle/>
+          <a:p>
+            <a:endParaRPr lang="en-GB"/>
+          </a:p>
+        </p:txBody>
+      </p:sp>
+      <p:sp>
+        <p:nvSpPr>
+          <p:cNvPr id="3" name="Content Placeholder 2">
+            <a:extLst>
+              <a:ext uri="{FF2B5EF4-FFF2-40B4-BE49-F238E27FC236}">
+                <a16:creationId xmlns:a16="http://schemas.microsoft.com/office/drawing/2014/main" id="{FA91C2DE-7FE6-497B-9342-4F4BD197F214}"/>
+              </a:ext>
+            </a:extLst>
+          </p:cNvPr>
+          <p:cNvSpPr>
+            <a:spLocks noGrp="1"/>
+          </p:cNvSpPr>
+          <p:nvPr>
+            <p:ph idx="1"/>
+          </p:nvPr>
+        </p:nvSpPr>
+        <p:spPr/>
+        <p:txBody>
+          <a:bodyPr/>
+          <a:lstStyle/>
+          <a:p>
+            <a:endParaRPr lang="en-GB"/>
+          </a:p>
+        </p:txBody>
+      </p:sp>
+      <p:grpSp>
+        <p:nvGrpSpPr>
+          <p:cNvPr id="4" name="Group 3">
+            <a:extLst>
+              <a:ext uri="{FF2B5EF4-FFF2-40B4-BE49-F238E27FC236}">
+                <a16:creationId xmlns:a16="http://schemas.microsoft.com/office/drawing/2014/main" id="{DAB0E26E-2CB2-803B-D7C2-79A1EF507E87}"/>
+              </a:ext>
+            </a:extLst>
+          </p:cNvPr>
+          <p:cNvGrpSpPr/>
+          <p:nvPr/>
+        </p:nvGrpSpPr>
+        <p:grpSpPr>
+          <a:xfrm>
+            <a:off x="3688619" y="571500"/>
+            <a:ext cx="2432146" cy="9801225"/>
+            <a:chOff x="1051009" y="1057476"/>
+            <a:chExt cx="2042387" cy="8684809"/>
+          </a:xfrm>
+        </p:grpSpPr>
+        <p:pic>
+          <p:nvPicPr>
+            <p:cNvPr id="5" name="Picture 4">
+              <a:extLst>
+                <a:ext uri="{FF2B5EF4-FFF2-40B4-BE49-F238E27FC236}">
+                  <a16:creationId xmlns:a16="http://schemas.microsoft.com/office/drawing/2014/main" id="{374CF60D-1E66-2C17-E70A-1B84C95376FE}"/>
+                </a:ext>
+              </a:extLst>
+            </p:cNvPr>
+            <p:cNvPicPr>
+              <a:picLocks noChangeAspect="1"/>
+            </p:cNvPicPr>
+            <p:nvPr/>
+          </p:nvPicPr>
+          <p:blipFill rotWithShape="1">
+            <a:blip r:embed="rId2"/>
+            <a:srcRect l="11817" t="9167" r="26639" b="10417"/>
+            <a:stretch/>
+          </p:blipFill>
+          <p:spPr>
+            <a:xfrm>
+              <a:off x="1051009" y="1057476"/>
+              <a:ext cx="2042387" cy="8684809"/>
+            </a:xfrm>
+            <a:prstGeom prst="rect">
+              <a:avLst/>
+            </a:prstGeom>
+          </p:spPr>
+        </p:pic>
         <p:sp>
           <p:nvSpPr>
-            <p:cNvPr id="14" name="Rectangle 13">
+            <p:cNvPr id="6" name="Rectangle 5">
               <a:extLst>
                 <a:ext uri="{FF2B5EF4-FFF2-40B4-BE49-F238E27FC236}">
-                  <a16:creationId xmlns:a16="http://schemas.microsoft.com/office/drawing/2014/main" id="{C4DED8BC-0DE5-E97F-C110-0B4FEB8264E0}"/>
+                  <a16:creationId xmlns:a16="http://schemas.microsoft.com/office/drawing/2014/main" id="{D322CBDC-7097-C561-3B3B-7B87B8A08396}"/>
                 </a:ext>
               </a:extLst>
             </p:cNvPr>
@@ -3320,19 +5236,17 @@
           </p:nvSpPr>
           <p:spPr>
             <a:xfrm>
-              <a:off x="2667203" y="1558997"/>
-              <a:ext cx="304800" cy="288000"/>
+              <a:off x="2819603" y="1108952"/>
+              <a:ext cx="273793" cy="8504037"/>
             </a:xfrm>
             <a:prstGeom prst="rect">
               <a:avLst/>
             </a:prstGeom>
             <a:solidFill>
-              <a:srgbClr val="248039"/>
+              <a:schemeClr val="bg1"/>
             </a:solidFill>
             <a:ln>
-              <a:solidFill>
-                <a:srgbClr val="248039"/>
-              </a:solidFill>
+              <a:noFill/>
             </a:ln>
           </p:spPr>
           <p:style>
@@ -3356,503 +5270,1760 @@
             <a:lstStyle/>
             <a:p>
               <a:pPr algn="ctr"/>
-              <a:endParaRPr lang="en-GB" dirty="0"/>
+              <a:endParaRPr lang="en-GB" sz="3600" dirty="0"/>
             </a:p>
           </p:txBody>
         </p:sp>
-        <p:sp>
-          <p:nvSpPr>
-            <p:cNvPr id="15" name="Rectangle 14">
+        <p:grpSp>
+          <p:nvGrpSpPr>
+            <p:cNvPr id="7" name="Group 6">
               <a:extLst>
                 <a:ext uri="{FF2B5EF4-FFF2-40B4-BE49-F238E27FC236}">
-                  <a16:creationId xmlns:a16="http://schemas.microsoft.com/office/drawing/2014/main" id="{A6553C5D-9920-2774-0023-0A2B5B7A15E2}"/>
+                  <a16:creationId xmlns:a16="http://schemas.microsoft.com/office/drawing/2014/main" id="{7C611068-8C24-C4C9-C110-9E03E92C98BD}"/>
                 </a:ext>
               </a:extLst>
             </p:cNvPr>
-            <p:cNvSpPr/>
+            <p:cNvGrpSpPr/>
             <p:nvPr/>
-          </p:nvSpPr>
-          <p:spPr>
+          </p:nvGrpSpPr>
+          <p:grpSpPr>
             <a:xfrm>
-              <a:off x="2667203" y="1846997"/>
-              <a:ext cx="304800" cy="79200"/>
+              <a:off x="2667203" y="1108953"/>
+              <a:ext cx="304800" cy="8504036"/>
+              <a:chOff x="2667203" y="1108953"/>
+              <a:chExt cx="304800" cy="8504036"/>
             </a:xfrm>
-            <a:prstGeom prst="rect">
-              <a:avLst/>
-            </a:prstGeom>
-            <a:solidFill>
-              <a:srgbClr val="88A550"/>
-            </a:solidFill>
-            <a:ln>
+          </p:grpSpPr>
+          <p:grpSp>
+            <p:nvGrpSpPr>
+              <p:cNvPr id="8" name="Group 7">
+                <a:extLst>
+                  <a:ext uri="{FF2B5EF4-FFF2-40B4-BE49-F238E27FC236}">
+                    <a16:creationId xmlns:a16="http://schemas.microsoft.com/office/drawing/2014/main" id="{4E680C68-4396-86B0-8731-A9546F9732F5}"/>
+                  </a:ext>
+                </a:extLst>
+              </p:cNvPr>
+              <p:cNvGrpSpPr/>
+              <p:nvPr/>
+            </p:nvGrpSpPr>
+            <p:grpSpPr>
+              <a:xfrm>
+                <a:off x="2667203" y="1108953"/>
+                <a:ext cx="304800" cy="4041202"/>
+                <a:chOff x="2667203" y="1108953"/>
+                <a:chExt cx="304800" cy="4041202"/>
+              </a:xfrm>
+            </p:grpSpPr>
+            <p:grpSp>
+              <p:nvGrpSpPr>
+                <p:cNvPr id="25" name="Group 24">
+                  <a:extLst>
+                    <a:ext uri="{FF2B5EF4-FFF2-40B4-BE49-F238E27FC236}">
+                      <a16:creationId xmlns:a16="http://schemas.microsoft.com/office/drawing/2014/main" id="{55A3BB04-708B-AFB2-0487-5F00019B99AE}"/>
+                    </a:ext>
+                  </a:extLst>
+                </p:cNvPr>
+                <p:cNvGrpSpPr/>
+                <p:nvPr/>
+              </p:nvGrpSpPr>
+              <p:grpSpPr>
+                <a:xfrm>
+                  <a:off x="2667203" y="1108953"/>
+                  <a:ext cx="304800" cy="450044"/>
+                  <a:chOff x="2667203" y="1108953"/>
+                  <a:chExt cx="304800" cy="450044"/>
+                </a:xfrm>
+              </p:grpSpPr>
+              <p:sp>
+                <p:nvSpPr>
+                  <p:cNvPr id="36" name="Rectangle 35">
+                    <a:extLst>
+                      <a:ext uri="{FF2B5EF4-FFF2-40B4-BE49-F238E27FC236}">
+                        <a16:creationId xmlns:a16="http://schemas.microsoft.com/office/drawing/2014/main" id="{893385A9-A487-A321-6CEB-B97DA5E40EAE}"/>
+                      </a:ext>
+                    </a:extLst>
+                  </p:cNvPr>
+                  <p:cNvSpPr/>
+                  <p:nvPr/>
+                </p:nvSpPr>
+                <p:spPr>
+                  <a:xfrm>
+                    <a:off x="2667203" y="1108953"/>
+                    <a:ext cx="304800" cy="77821"/>
+                  </a:xfrm>
+                  <a:prstGeom prst="rect">
+                    <a:avLst/>
+                  </a:prstGeom>
+                  <a:solidFill>
+                    <a:srgbClr val="D19683"/>
+                  </a:solidFill>
+                  <a:ln>
+                    <a:solidFill>
+                      <a:srgbClr val="D19683"/>
+                    </a:solidFill>
+                  </a:ln>
+                </p:spPr>
+                <p:style>
+                  <a:lnRef idx="2">
+                    <a:schemeClr val="accent1">
+                      <a:shade val="50000"/>
+                    </a:schemeClr>
+                  </a:lnRef>
+                  <a:fillRef idx="1">
+                    <a:schemeClr val="accent1"/>
+                  </a:fillRef>
+                  <a:effectRef idx="0">
+                    <a:schemeClr val="accent1"/>
+                  </a:effectRef>
+                  <a:fontRef idx="minor">
+                    <a:schemeClr val="lt1"/>
+                  </a:fontRef>
+                </p:style>
+                <p:txBody>
+                  <a:bodyPr rtlCol="0" anchor="ctr"/>
+                  <a:lstStyle/>
+                  <a:p>
+                    <a:pPr algn="ctr"/>
+                    <a:endParaRPr lang="en-GB" sz="3600"/>
+                  </a:p>
+                </p:txBody>
+              </p:sp>
+              <p:sp>
+                <p:nvSpPr>
+                  <p:cNvPr id="37" name="Rectangle 36">
+                    <a:extLst>
+                      <a:ext uri="{FF2B5EF4-FFF2-40B4-BE49-F238E27FC236}">
+                        <a16:creationId xmlns:a16="http://schemas.microsoft.com/office/drawing/2014/main" id="{2B8B3C51-C7BB-08E9-B245-8F02239DC9B4}"/>
+                      </a:ext>
+                    </a:extLst>
+                  </p:cNvPr>
+                  <p:cNvSpPr/>
+                  <p:nvPr/>
+                </p:nvSpPr>
+                <p:spPr>
+                  <a:xfrm>
+                    <a:off x="2667203" y="1186774"/>
+                    <a:ext cx="304800" cy="144000"/>
+                  </a:xfrm>
+                  <a:prstGeom prst="rect">
+                    <a:avLst/>
+                  </a:prstGeom>
+                  <a:solidFill>
+                    <a:srgbClr val="5D525E"/>
+                  </a:solidFill>
+                  <a:ln>
+                    <a:solidFill>
+                      <a:srgbClr val="5D525E"/>
+                    </a:solidFill>
+                  </a:ln>
+                </p:spPr>
+                <p:style>
+                  <a:lnRef idx="2">
+                    <a:schemeClr val="accent1">
+                      <a:shade val="50000"/>
+                    </a:schemeClr>
+                  </a:lnRef>
+                  <a:fillRef idx="1">
+                    <a:schemeClr val="accent1"/>
+                  </a:fillRef>
+                  <a:effectRef idx="0">
+                    <a:schemeClr val="accent1"/>
+                  </a:effectRef>
+                  <a:fontRef idx="minor">
+                    <a:schemeClr val="lt1"/>
+                  </a:fontRef>
+                </p:style>
+                <p:txBody>
+                  <a:bodyPr rtlCol="0" anchor="ctr"/>
+                  <a:lstStyle/>
+                  <a:p>
+                    <a:pPr algn="ctr"/>
+                    <a:endParaRPr lang="en-GB" sz="3600"/>
+                  </a:p>
+                </p:txBody>
+              </p:sp>
+              <p:sp>
+                <p:nvSpPr>
+                  <p:cNvPr id="38" name="Rectangle 37">
+                    <a:extLst>
+                      <a:ext uri="{FF2B5EF4-FFF2-40B4-BE49-F238E27FC236}">
+                        <a16:creationId xmlns:a16="http://schemas.microsoft.com/office/drawing/2014/main" id="{A347C6B2-AB82-29CC-2CE5-CBF11ABF65F1}"/>
+                      </a:ext>
+                    </a:extLst>
+                  </p:cNvPr>
+                  <p:cNvSpPr/>
+                  <p:nvPr/>
+                </p:nvSpPr>
+                <p:spPr>
+                  <a:xfrm>
+                    <a:off x="2667203" y="1335797"/>
+                    <a:ext cx="304800" cy="144000"/>
+                  </a:xfrm>
+                  <a:prstGeom prst="rect">
+                    <a:avLst/>
+                  </a:prstGeom>
+                  <a:solidFill>
+                    <a:srgbClr val="0F1A06"/>
+                  </a:solidFill>
+                  <a:ln>
+                    <a:solidFill>
+                      <a:srgbClr val="0F1A06"/>
+                    </a:solidFill>
+                  </a:ln>
+                </p:spPr>
+                <p:style>
+                  <a:lnRef idx="2">
+                    <a:schemeClr val="accent1">
+                      <a:shade val="50000"/>
+                    </a:schemeClr>
+                  </a:lnRef>
+                  <a:fillRef idx="1">
+                    <a:schemeClr val="accent1"/>
+                  </a:fillRef>
+                  <a:effectRef idx="0">
+                    <a:schemeClr val="accent1"/>
+                  </a:effectRef>
+                  <a:fontRef idx="minor">
+                    <a:schemeClr val="lt1"/>
+                  </a:fontRef>
+                </p:style>
+                <p:txBody>
+                  <a:bodyPr rtlCol="0" anchor="ctr"/>
+                  <a:lstStyle/>
+                  <a:p>
+                    <a:pPr algn="ctr"/>
+                    <a:endParaRPr lang="en-GB" sz="3600" dirty="0"/>
+                  </a:p>
+                </p:txBody>
+              </p:sp>
+              <p:sp>
+                <p:nvSpPr>
+                  <p:cNvPr id="39" name="Rectangle 38">
+                    <a:extLst>
+                      <a:ext uri="{FF2B5EF4-FFF2-40B4-BE49-F238E27FC236}">
+                        <a16:creationId xmlns:a16="http://schemas.microsoft.com/office/drawing/2014/main" id="{956DE426-AFBC-6CA3-C54A-7F45480D1CDB}"/>
+                      </a:ext>
+                    </a:extLst>
+                  </p:cNvPr>
+                  <p:cNvSpPr/>
+                  <p:nvPr/>
+                </p:nvSpPr>
+                <p:spPr>
+                  <a:xfrm>
+                    <a:off x="2667203" y="1479797"/>
+                    <a:ext cx="304800" cy="79200"/>
+                  </a:xfrm>
+                  <a:prstGeom prst="rect">
+                    <a:avLst/>
+                  </a:prstGeom>
+                  <a:solidFill>
+                    <a:srgbClr val="A2BE96"/>
+                  </a:solidFill>
+                  <a:ln>
+                    <a:solidFill>
+                      <a:srgbClr val="A2BE96"/>
+                    </a:solidFill>
+                  </a:ln>
+                </p:spPr>
+                <p:style>
+                  <a:lnRef idx="2">
+                    <a:schemeClr val="accent1">
+                      <a:shade val="50000"/>
+                    </a:schemeClr>
+                  </a:lnRef>
+                  <a:fillRef idx="1">
+                    <a:schemeClr val="accent1"/>
+                  </a:fillRef>
+                  <a:effectRef idx="0">
+                    <a:schemeClr val="accent1"/>
+                  </a:effectRef>
+                  <a:fontRef idx="minor">
+                    <a:schemeClr val="lt1"/>
+                  </a:fontRef>
+                </p:style>
+                <p:txBody>
+                  <a:bodyPr rtlCol="0" anchor="ctr"/>
+                  <a:lstStyle/>
+                  <a:p>
+                    <a:pPr algn="ctr"/>
+                    <a:endParaRPr lang="en-GB" sz="3600"/>
+                  </a:p>
+                </p:txBody>
+              </p:sp>
+            </p:grpSp>
+            <p:sp>
+              <p:nvSpPr>
+                <p:cNvPr id="26" name="Rectangle 25">
+                  <a:extLst>
+                    <a:ext uri="{FF2B5EF4-FFF2-40B4-BE49-F238E27FC236}">
+                      <a16:creationId xmlns:a16="http://schemas.microsoft.com/office/drawing/2014/main" id="{EE2C3BF2-716D-5FEE-500E-06A739B93CDB}"/>
+                    </a:ext>
+                  </a:extLst>
+                </p:cNvPr>
+                <p:cNvSpPr/>
+                <p:nvPr/>
+              </p:nvSpPr>
+              <p:spPr>
+                <a:xfrm>
+                  <a:off x="2667203" y="1558997"/>
+                  <a:ext cx="304800" cy="288000"/>
+                </a:xfrm>
+                <a:prstGeom prst="rect">
+                  <a:avLst/>
+                </a:prstGeom>
+                <a:solidFill>
+                  <a:srgbClr val="248039"/>
+                </a:solidFill>
+                <a:ln>
+                  <a:solidFill>
+                    <a:srgbClr val="248039"/>
+                  </a:solidFill>
+                </a:ln>
+              </p:spPr>
+              <p:style>
+                <a:lnRef idx="2">
+                  <a:schemeClr val="accent1">
+                    <a:shade val="50000"/>
+                  </a:schemeClr>
+                </a:lnRef>
+                <a:fillRef idx="1">
+                  <a:schemeClr val="accent1"/>
+                </a:fillRef>
+                <a:effectRef idx="0">
+                  <a:schemeClr val="accent1"/>
+                </a:effectRef>
+                <a:fontRef idx="minor">
+                  <a:schemeClr val="lt1"/>
+                </a:fontRef>
+              </p:style>
+              <p:txBody>
+                <a:bodyPr rtlCol="0" anchor="ctr"/>
+                <a:lstStyle/>
+                <a:p>
+                  <a:pPr algn="ctr"/>
+                  <a:endParaRPr lang="en-GB" sz="3600" dirty="0"/>
+                </a:p>
+              </p:txBody>
+            </p:sp>
+            <p:sp>
+              <p:nvSpPr>
+                <p:cNvPr id="27" name="Rectangle 26">
+                  <a:extLst>
+                    <a:ext uri="{FF2B5EF4-FFF2-40B4-BE49-F238E27FC236}">
+                      <a16:creationId xmlns:a16="http://schemas.microsoft.com/office/drawing/2014/main" id="{640DCF67-256E-F8F2-92D7-C5A99960C233}"/>
+                    </a:ext>
+                  </a:extLst>
+                </p:cNvPr>
+                <p:cNvSpPr/>
+                <p:nvPr/>
+              </p:nvSpPr>
+              <p:spPr>
+                <a:xfrm>
+                  <a:off x="2667203" y="1846997"/>
+                  <a:ext cx="304800" cy="79200"/>
+                </a:xfrm>
+                <a:prstGeom prst="rect">
+                  <a:avLst/>
+                </a:prstGeom>
+                <a:solidFill>
+                  <a:srgbClr val="88A550"/>
+                </a:solidFill>
+                <a:ln>
+                  <a:solidFill>
+                    <a:srgbClr val="88A550"/>
+                  </a:solidFill>
+                </a:ln>
+              </p:spPr>
+              <p:style>
+                <a:lnRef idx="2">
+                  <a:schemeClr val="accent1">
+                    <a:shade val="50000"/>
+                  </a:schemeClr>
+                </a:lnRef>
+                <a:fillRef idx="1">
+                  <a:schemeClr val="accent1"/>
+                </a:fillRef>
+                <a:effectRef idx="0">
+                  <a:schemeClr val="accent1"/>
+                </a:effectRef>
+                <a:fontRef idx="minor">
+                  <a:schemeClr val="lt1"/>
+                </a:fontRef>
+              </p:style>
+              <p:txBody>
+                <a:bodyPr rtlCol="0" anchor="ctr"/>
+                <a:lstStyle/>
+                <a:p>
+                  <a:pPr algn="ctr"/>
+                  <a:endParaRPr lang="en-GB" sz="3600" dirty="0"/>
+                </a:p>
+              </p:txBody>
+            </p:sp>
+            <p:sp>
+              <p:nvSpPr>
+                <p:cNvPr id="28" name="Rectangle 27">
+                  <a:extLst>
+                    <a:ext uri="{FF2B5EF4-FFF2-40B4-BE49-F238E27FC236}">
+                      <a16:creationId xmlns:a16="http://schemas.microsoft.com/office/drawing/2014/main" id="{D0A9249B-33E6-8DF4-A8D9-AB0D6AA08D33}"/>
+                    </a:ext>
+                  </a:extLst>
+                </p:cNvPr>
+                <p:cNvSpPr/>
+                <p:nvPr/>
+              </p:nvSpPr>
+              <p:spPr>
+                <a:xfrm>
+                  <a:off x="2667203" y="1931694"/>
+                  <a:ext cx="304800" cy="424156"/>
+                </a:xfrm>
+                <a:prstGeom prst="rect">
+                  <a:avLst/>
+                </a:prstGeom>
+                <a:solidFill>
+                  <a:srgbClr val="75B1A9"/>
+                </a:solidFill>
+                <a:ln>
+                  <a:solidFill>
+                    <a:srgbClr val="75B1A9"/>
+                  </a:solidFill>
+                </a:ln>
+              </p:spPr>
+              <p:style>
+                <a:lnRef idx="2">
+                  <a:schemeClr val="accent1">
+                    <a:shade val="50000"/>
+                  </a:schemeClr>
+                </a:lnRef>
+                <a:fillRef idx="1">
+                  <a:schemeClr val="accent1"/>
+                </a:fillRef>
+                <a:effectRef idx="0">
+                  <a:schemeClr val="accent1"/>
+                </a:effectRef>
+                <a:fontRef idx="minor">
+                  <a:schemeClr val="lt1"/>
+                </a:fontRef>
+              </p:style>
+              <p:txBody>
+                <a:bodyPr rtlCol="0" anchor="ctr"/>
+                <a:lstStyle/>
+                <a:p>
+                  <a:pPr algn="ctr"/>
+                  <a:endParaRPr lang="en-GB" sz="3600" dirty="0"/>
+                </a:p>
+              </p:txBody>
+            </p:sp>
+            <p:sp>
+              <p:nvSpPr>
+                <p:cNvPr id="29" name="Rectangle 28">
+                  <a:extLst>
+                    <a:ext uri="{FF2B5EF4-FFF2-40B4-BE49-F238E27FC236}">
+                      <a16:creationId xmlns:a16="http://schemas.microsoft.com/office/drawing/2014/main" id="{ACB1B378-64DF-C0E4-35DF-75447593D188}"/>
+                    </a:ext>
+                  </a:extLst>
+                </p:cNvPr>
+                <p:cNvSpPr/>
+                <p:nvPr/>
+              </p:nvSpPr>
+              <p:spPr>
+                <a:xfrm>
+                  <a:off x="2667203" y="2355850"/>
+                  <a:ext cx="304800" cy="151200"/>
+                </a:xfrm>
+                <a:prstGeom prst="rect">
+                  <a:avLst/>
+                </a:prstGeom>
+                <a:solidFill>
+                  <a:srgbClr val="4897D9"/>
+                </a:solidFill>
+                <a:ln>
+                  <a:solidFill>
+                    <a:srgbClr val="4897D9"/>
+                  </a:solidFill>
+                </a:ln>
+              </p:spPr>
+              <p:style>
+                <a:lnRef idx="2">
+                  <a:schemeClr val="accent1">
+                    <a:shade val="50000"/>
+                  </a:schemeClr>
+                </a:lnRef>
+                <a:fillRef idx="1">
+                  <a:schemeClr val="accent1"/>
+                </a:fillRef>
+                <a:effectRef idx="0">
+                  <a:schemeClr val="accent1"/>
+                </a:effectRef>
+                <a:fontRef idx="minor">
+                  <a:schemeClr val="lt1"/>
+                </a:fontRef>
+              </p:style>
+              <p:txBody>
+                <a:bodyPr rtlCol="0" anchor="ctr"/>
+                <a:lstStyle/>
+                <a:p>
+                  <a:pPr algn="ctr"/>
+                  <a:endParaRPr lang="en-GB" sz="3600" dirty="0"/>
+                </a:p>
+              </p:txBody>
+            </p:sp>
+            <p:sp>
+              <p:nvSpPr>
+                <p:cNvPr id="30" name="Rectangle 29">
+                  <a:extLst>
+                    <a:ext uri="{FF2B5EF4-FFF2-40B4-BE49-F238E27FC236}">
+                      <a16:creationId xmlns:a16="http://schemas.microsoft.com/office/drawing/2014/main" id="{2F5D16FF-6C56-0C09-6335-96816CB04670}"/>
+                    </a:ext>
+                  </a:extLst>
+                </p:cNvPr>
+                <p:cNvSpPr/>
+                <p:nvPr/>
+              </p:nvSpPr>
+              <p:spPr>
+                <a:xfrm>
+                  <a:off x="2667203" y="2507050"/>
+                  <a:ext cx="304800" cy="79200"/>
+                </a:xfrm>
+                <a:prstGeom prst="rect">
+                  <a:avLst/>
+                </a:prstGeom>
+                <a:solidFill>
+                  <a:srgbClr val="ACD1C0"/>
+                </a:solidFill>
+                <a:ln>
+                  <a:solidFill>
+                    <a:srgbClr val="ACD1C0"/>
+                  </a:solidFill>
+                </a:ln>
+              </p:spPr>
+              <p:style>
+                <a:lnRef idx="2">
+                  <a:schemeClr val="accent1">
+                    <a:shade val="50000"/>
+                  </a:schemeClr>
+                </a:lnRef>
+                <a:fillRef idx="1">
+                  <a:schemeClr val="accent1"/>
+                </a:fillRef>
+                <a:effectRef idx="0">
+                  <a:schemeClr val="accent1"/>
+                </a:effectRef>
+                <a:fontRef idx="minor">
+                  <a:schemeClr val="lt1"/>
+                </a:fontRef>
+              </p:style>
+              <p:txBody>
+                <a:bodyPr rtlCol="0" anchor="ctr"/>
+                <a:lstStyle/>
+                <a:p>
+                  <a:pPr algn="ctr"/>
+                  <a:endParaRPr lang="en-GB" sz="3600"/>
+                </a:p>
+              </p:txBody>
+            </p:sp>
+            <p:sp>
+              <p:nvSpPr>
+                <p:cNvPr id="31" name="Rectangle 30">
+                  <a:extLst>
+                    <a:ext uri="{FF2B5EF4-FFF2-40B4-BE49-F238E27FC236}">
+                      <a16:creationId xmlns:a16="http://schemas.microsoft.com/office/drawing/2014/main" id="{41B676E9-8C24-411D-FE02-424AAFBCD1D4}"/>
+                    </a:ext>
+                  </a:extLst>
+                </p:cNvPr>
+                <p:cNvSpPr/>
+                <p:nvPr/>
+              </p:nvSpPr>
+              <p:spPr>
+                <a:xfrm>
+                  <a:off x="2667203" y="2591428"/>
+                  <a:ext cx="304800" cy="208800"/>
+                </a:xfrm>
+                <a:prstGeom prst="rect">
+                  <a:avLst/>
+                </a:prstGeom>
+                <a:solidFill>
+                  <a:srgbClr val="A3A599"/>
+                </a:solidFill>
+                <a:ln>
+                  <a:solidFill>
+                    <a:srgbClr val="A3A599"/>
+                  </a:solidFill>
+                </a:ln>
+              </p:spPr>
+              <p:style>
+                <a:lnRef idx="2">
+                  <a:schemeClr val="accent1">
+                    <a:shade val="50000"/>
+                  </a:schemeClr>
+                </a:lnRef>
+                <a:fillRef idx="1">
+                  <a:schemeClr val="accent1"/>
+                </a:fillRef>
+                <a:effectRef idx="0">
+                  <a:schemeClr val="accent1"/>
+                </a:effectRef>
+                <a:fontRef idx="minor">
+                  <a:schemeClr val="lt1"/>
+                </a:fontRef>
+              </p:style>
+              <p:txBody>
+                <a:bodyPr rtlCol="0" anchor="ctr"/>
+                <a:lstStyle/>
+                <a:p>
+                  <a:pPr algn="ctr"/>
+                  <a:endParaRPr lang="en-GB" sz="3600" dirty="0"/>
+                </a:p>
+              </p:txBody>
+            </p:sp>
+            <p:sp>
+              <p:nvSpPr>
+                <p:cNvPr id="32" name="Rectangle 31">
+                  <a:extLst>
+                    <a:ext uri="{FF2B5EF4-FFF2-40B4-BE49-F238E27FC236}">
+                      <a16:creationId xmlns:a16="http://schemas.microsoft.com/office/drawing/2014/main" id="{45AE4FF3-3210-B01A-E2FD-3E9B9EBF360C}"/>
+                    </a:ext>
+                  </a:extLst>
+                </p:cNvPr>
+                <p:cNvSpPr/>
+                <p:nvPr/>
+              </p:nvSpPr>
+              <p:spPr>
+                <a:xfrm>
+                  <a:off x="2667203" y="2810482"/>
+                  <a:ext cx="304800" cy="425586"/>
+                </a:xfrm>
+                <a:prstGeom prst="rect">
+                  <a:avLst/>
+                </a:prstGeom>
+                <a:solidFill>
+                  <a:srgbClr val="F72B03"/>
+                </a:solidFill>
+                <a:ln>
+                  <a:solidFill>
+                    <a:srgbClr val="F72B03"/>
+                  </a:solidFill>
+                </a:ln>
+              </p:spPr>
+              <p:style>
+                <a:lnRef idx="2">
+                  <a:schemeClr val="accent1">
+                    <a:shade val="50000"/>
+                  </a:schemeClr>
+                </a:lnRef>
+                <a:fillRef idx="1">
+                  <a:schemeClr val="accent1"/>
+                </a:fillRef>
+                <a:effectRef idx="0">
+                  <a:schemeClr val="accent1"/>
+                </a:effectRef>
+                <a:fontRef idx="minor">
+                  <a:schemeClr val="lt1"/>
+                </a:fontRef>
+              </p:style>
+              <p:txBody>
+                <a:bodyPr rtlCol="0" anchor="ctr"/>
+                <a:lstStyle/>
+                <a:p>
+                  <a:pPr algn="ctr"/>
+                  <a:endParaRPr lang="en-GB" sz="3600" dirty="0"/>
+                </a:p>
+              </p:txBody>
+            </p:sp>
+            <p:sp>
+              <p:nvSpPr>
+                <p:cNvPr id="33" name="Rectangle 32">
+                  <a:extLst>
+                    <a:ext uri="{FF2B5EF4-FFF2-40B4-BE49-F238E27FC236}">
+                      <a16:creationId xmlns:a16="http://schemas.microsoft.com/office/drawing/2014/main" id="{511A91CC-3F72-9111-D222-6018C8A6D14D}"/>
+                    </a:ext>
+                  </a:extLst>
+                </p:cNvPr>
+                <p:cNvSpPr/>
+                <p:nvPr/>
+              </p:nvSpPr>
+              <p:spPr>
+                <a:xfrm>
+                  <a:off x="2667203" y="3246321"/>
+                  <a:ext cx="304800" cy="1752634"/>
+                </a:xfrm>
+                <a:prstGeom prst="rect">
+                  <a:avLst/>
+                </a:prstGeom>
+                <a:solidFill>
+                  <a:srgbClr val="375D97"/>
+                </a:solidFill>
+                <a:ln>
+                  <a:solidFill>
+                    <a:srgbClr val="375D97"/>
+                  </a:solidFill>
+                </a:ln>
+              </p:spPr>
+              <p:style>
+                <a:lnRef idx="2">
+                  <a:schemeClr val="accent1">
+                    <a:shade val="50000"/>
+                  </a:schemeClr>
+                </a:lnRef>
+                <a:fillRef idx="1">
+                  <a:schemeClr val="accent1"/>
+                </a:fillRef>
+                <a:effectRef idx="0">
+                  <a:schemeClr val="accent1"/>
+                </a:effectRef>
+                <a:fontRef idx="minor">
+                  <a:schemeClr val="lt1"/>
+                </a:fontRef>
+              </p:style>
+              <p:txBody>
+                <a:bodyPr rtlCol="0" anchor="ctr"/>
+                <a:lstStyle/>
+                <a:p>
+                  <a:pPr algn="ctr"/>
+                  <a:endParaRPr lang="en-GB" sz="3600" dirty="0"/>
+                </a:p>
+              </p:txBody>
+            </p:sp>
+            <p:sp>
+              <p:nvSpPr>
+                <p:cNvPr id="34" name="Rectangle 33">
+                  <a:extLst>
+                    <a:ext uri="{FF2B5EF4-FFF2-40B4-BE49-F238E27FC236}">
+                      <a16:creationId xmlns:a16="http://schemas.microsoft.com/office/drawing/2014/main" id="{1BB7F7D4-1350-F60C-58B2-6827B5050FFA}"/>
+                    </a:ext>
+                  </a:extLst>
+                </p:cNvPr>
+                <p:cNvSpPr/>
+                <p:nvPr/>
+              </p:nvSpPr>
+              <p:spPr>
+                <a:xfrm>
+                  <a:off x="2667203" y="4998955"/>
+                  <a:ext cx="304800" cy="75600"/>
+                </a:xfrm>
+                <a:prstGeom prst="rect">
+                  <a:avLst/>
+                </a:prstGeom>
+                <a:solidFill>
+                  <a:srgbClr val="66A6AD"/>
+                </a:solidFill>
+                <a:ln>
+                  <a:solidFill>
+                    <a:srgbClr val="66A6AD"/>
+                  </a:solidFill>
+                </a:ln>
+              </p:spPr>
+              <p:style>
+                <a:lnRef idx="2">
+                  <a:schemeClr val="accent1">
+                    <a:shade val="50000"/>
+                  </a:schemeClr>
+                </a:lnRef>
+                <a:fillRef idx="1">
+                  <a:schemeClr val="accent1"/>
+                </a:fillRef>
+                <a:effectRef idx="0">
+                  <a:schemeClr val="accent1"/>
+                </a:effectRef>
+                <a:fontRef idx="minor">
+                  <a:schemeClr val="lt1"/>
+                </a:fontRef>
+              </p:style>
+              <p:txBody>
+                <a:bodyPr rtlCol="0" anchor="ctr"/>
+                <a:lstStyle/>
+                <a:p>
+                  <a:pPr algn="ctr"/>
+                  <a:endParaRPr lang="en-GB" sz="3600" dirty="0"/>
+                </a:p>
+              </p:txBody>
+            </p:sp>
+            <p:sp>
+              <p:nvSpPr>
+                <p:cNvPr id="35" name="Rectangle 34">
+                  <a:extLst>
+                    <a:ext uri="{FF2B5EF4-FFF2-40B4-BE49-F238E27FC236}">
+                      <a16:creationId xmlns:a16="http://schemas.microsoft.com/office/drawing/2014/main" id="{9DFDA58B-1420-C9CA-9EE6-B10976AA2B9A}"/>
+                    </a:ext>
+                  </a:extLst>
+                </p:cNvPr>
+                <p:cNvSpPr/>
+                <p:nvPr/>
+              </p:nvSpPr>
+              <p:spPr>
+                <a:xfrm>
+                  <a:off x="2667203" y="5074555"/>
+                  <a:ext cx="304800" cy="75600"/>
+                </a:xfrm>
+                <a:prstGeom prst="rect">
+                  <a:avLst/>
+                </a:prstGeom>
+                <a:solidFill>
+                  <a:srgbClr val="04575B"/>
+                </a:solidFill>
+                <a:ln>
+                  <a:solidFill>
+                    <a:srgbClr val="04575B"/>
+                  </a:solidFill>
+                </a:ln>
+              </p:spPr>
+              <p:style>
+                <a:lnRef idx="2">
+                  <a:schemeClr val="accent1">
+                    <a:shade val="50000"/>
+                  </a:schemeClr>
+                </a:lnRef>
+                <a:fillRef idx="1">
+                  <a:schemeClr val="accent1"/>
+                </a:fillRef>
+                <a:effectRef idx="0">
+                  <a:schemeClr val="accent1"/>
+                </a:effectRef>
+                <a:fontRef idx="minor">
+                  <a:schemeClr val="lt1"/>
+                </a:fontRef>
+              </p:style>
+              <p:txBody>
+                <a:bodyPr rtlCol="0" anchor="ctr"/>
+                <a:lstStyle/>
+                <a:p>
+                  <a:pPr algn="ctr"/>
+                  <a:endParaRPr lang="en-GB" sz="3600" dirty="0"/>
+                </a:p>
+              </p:txBody>
+            </p:sp>
+          </p:grpSp>
+          <p:sp>
+            <p:nvSpPr>
+              <p:cNvPr id="9" name="Rectangle 8">
+                <a:extLst>
+                  <a:ext uri="{FF2B5EF4-FFF2-40B4-BE49-F238E27FC236}">
+                    <a16:creationId xmlns:a16="http://schemas.microsoft.com/office/drawing/2014/main" id="{53776DBD-896F-29E3-9F5D-396C8438BE16}"/>
+                  </a:ext>
+                </a:extLst>
+              </p:cNvPr>
+              <p:cNvSpPr/>
+              <p:nvPr/>
+            </p:nvSpPr>
+            <p:spPr>
+              <a:xfrm>
+                <a:off x="2667203" y="5150155"/>
+                <a:ext cx="304800" cy="144000"/>
+              </a:xfrm>
+              <a:prstGeom prst="rect">
+                <a:avLst/>
+              </a:prstGeom>
               <a:solidFill>
-                <a:srgbClr val="88A550"/>
+                <a:srgbClr val="73605B"/>
               </a:solidFill>
-            </a:ln>
-          </p:spPr>
-          <p:style>
-            <a:lnRef idx="2">
-              <a:schemeClr val="accent1">
-                <a:shade val="50000"/>
-              </a:schemeClr>
-            </a:lnRef>
-            <a:fillRef idx="1">
-              <a:schemeClr val="accent1"/>
-            </a:fillRef>
-            <a:effectRef idx="0">
-              <a:schemeClr val="accent1"/>
-            </a:effectRef>
-            <a:fontRef idx="minor">
-              <a:schemeClr val="lt1"/>
-            </a:fontRef>
-          </p:style>
-          <p:txBody>
-            <a:bodyPr rtlCol="0" anchor="ctr"/>
-            <a:lstStyle/>
-            <a:p>
-              <a:pPr algn="ctr"/>
-              <a:endParaRPr lang="en-GB" dirty="0"/>
-            </a:p>
-          </p:txBody>
-        </p:sp>
-        <p:sp>
-          <p:nvSpPr>
-            <p:cNvPr id="16" name="Rectangle 15">
-              <a:extLst>
-                <a:ext uri="{FF2B5EF4-FFF2-40B4-BE49-F238E27FC236}">
-                  <a16:creationId xmlns:a16="http://schemas.microsoft.com/office/drawing/2014/main" id="{4A7AC067-3222-17E4-D316-582FDD03901A}"/>
-                </a:ext>
-              </a:extLst>
-            </p:cNvPr>
-            <p:cNvSpPr/>
-            <p:nvPr/>
-          </p:nvSpPr>
-          <p:spPr>
-            <a:xfrm>
-              <a:off x="2667203" y="1931694"/>
-              <a:ext cx="304800" cy="424156"/>
-            </a:xfrm>
-            <a:prstGeom prst="rect">
-              <a:avLst/>
-            </a:prstGeom>
-            <a:solidFill>
-              <a:srgbClr val="75B1A9"/>
-            </a:solidFill>
-            <a:ln>
+              <a:ln>
+                <a:solidFill>
+                  <a:srgbClr val="73605B"/>
+                </a:solidFill>
+              </a:ln>
+            </p:spPr>
+            <p:style>
+              <a:lnRef idx="2">
+                <a:schemeClr val="accent1">
+                  <a:shade val="50000"/>
+                </a:schemeClr>
+              </a:lnRef>
+              <a:fillRef idx="1">
+                <a:schemeClr val="accent1"/>
+              </a:fillRef>
+              <a:effectRef idx="0">
+                <a:schemeClr val="accent1"/>
+              </a:effectRef>
+              <a:fontRef idx="minor">
+                <a:schemeClr val="lt1"/>
+              </a:fontRef>
+            </p:style>
+            <p:txBody>
+              <a:bodyPr rtlCol="0" anchor="ctr"/>
+              <a:lstStyle/>
+              <a:p>
+                <a:pPr algn="ctr"/>
+                <a:endParaRPr lang="en-GB" sz="3600" dirty="0"/>
+              </a:p>
+            </p:txBody>
+          </p:sp>
+          <p:sp>
+            <p:nvSpPr>
+              <p:cNvPr id="10" name="Rectangle 9">
+                <a:extLst>
+                  <a:ext uri="{FF2B5EF4-FFF2-40B4-BE49-F238E27FC236}">
+                    <a16:creationId xmlns:a16="http://schemas.microsoft.com/office/drawing/2014/main" id="{3FE96F74-AF62-86E1-9A01-FD506B6A4DDF}"/>
+                  </a:ext>
+                </a:extLst>
+              </p:cNvPr>
+              <p:cNvSpPr/>
+              <p:nvPr/>
+            </p:nvSpPr>
+            <p:spPr>
+              <a:xfrm>
+                <a:off x="2667203" y="5294155"/>
+                <a:ext cx="304800" cy="144000"/>
+              </a:xfrm>
+              <a:prstGeom prst="rect">
+                <a:avLst/>
+              </a:prstGeom>
               <a:solidFill>
-                <a:srgbClr val="75B1A9"/>
+                <a:srgbClr val="326B87"/>
               </a:solidFill>
-            </a:ln>
-          </p:spPr>
-          <p:style>
-            <a:lnRef idx="2">
-              <a:schemeClr val="accent1">
-                <a:shade val="50000"/>
-              </a:schemeClr>
-            </a:lnRef>
-            <a:fillRef idx="1">
-              <a:schemeClr val="accent1"/>
-            </a:fillRef>
-            <a:effectRef idx="0">
-              <a:schemeClr val="accent1"/>
-            </a:effectRef>
-            <a:fontRef idx="minor">
-              <a:schemeClr val="lt1"/>
-            </a:fontRef>
-          </p:style>
-          <p:txBody>
-            <a:bodyPr rtlCol="0" anchor="ctr"/>
-            <a:lstStyle/>
-            <a:p>
-              <a:pPr algn="ctr"/>
-              <a:endParaRPr lang="en-GB" dirty="0"/>
-            </a:p>
-          </p:txBody>
-        </p:sp>
-        <p:sp>
-          <p:nvSpPr>
-            <p:cNvPr id="18" name="Rectangle 17">
-              <a:extLst>
-                <a:ext uri="{FF2B5EF4-FFF2-40B4-BE49-F238E27FC236}">
-                  <a16:creationId xmlns:a16="http://schemas.microsoft.com/office/drawing/2014/main" id="{ED9ABF1D-8D16-CDCB-8905-09EA3361D1BF}"/>
-                </a:ext>
-              </a:extLst>
-            </p:cNvPr>
-            <p:cNvSpPr/>
-            <p:nvPr/>
-          </p:nvSpPr>
-          <p:spPr>
-            <a:xfrm>
-              <a:off x="2667203" y="2355850"/>
-              <a:ext cx="304800" cy="151200"/>
-            </a:xfrm>
-            <a:prstGeom prst="rect">
-              <a:avLst/>
-            </a:prstGeom>
-            <a:solidFill>
-              <a:srgbClr val="4897D9"/>
-            </a:solidFill>
-            <a:ln>
+              <a:ln>
+                <a:solidFill>
+                  <a:srgbClr val="326B87"/>
+                </a:solidFill>
+              </a:ln>
+            </p:spPr>
+            <p:style>
+              <a:lnRef idx="2">
+                <a:schemeClr val="accent1">
+                  <a:shade val="50000"/>
+                </a:schemeClr>
+              </a:lnRef>
+              <a:fillRef idx="1">
+                <a:schemeClr val="accent1"/>
+              </a:fillRef>
+              <a:effectRef idx="0">
+                <a:schemeClr val="accent1"/>
+              </a:effectRef>
+              <a:fontRef idx="minor">
+                <a:schemeClr val="lt1"/>
+              </a:fontRef>
+            </p:style>
+            <p:txBody>
+              <a:bodyPr rtlCol="0" anchor="ctr"/>
+              <a:lstStyle/>
+              <a:p>
+                <a:pPr algn="ctr"/>
+                <a:endParaRPr lang="en-GB" sz="3600" dirty="0"/>
+              </a:p>
+            </p:txBody>
+          </p:sp>
+          <p:sp>
+            <p:nvSpPr>
+              <p:cNvPr id="11" name="Rectangle 10">
+                <a:extLst>
+                  <a:ext uri="{FF2B5EF4-FFF2-40B4-BE49-F238E27FC236}">
+                    <a16:creationId xmlns:a16="http://schemas.microsoft.com/office/drawing/2014/main" id="{8B2F6148-8F21-4D69-2F60-72B9B4CACD1B}"/>
+                  </a:ext>
+                </a:extLst>
+              </p:cNvPr>
+              <p:cNvSpPr/>
+              <p:nvPr/>
+            </p:nvSpPr>
+            <p:spPr>
+              <a:xfrm>
+                <a:off x="2667203" y="5438155"/>
+                <a:ext cx="304800" cy="75600"/>
+              </a:xfrm>
+              <a:prstGeom prst="rect">
+                <a:avLst/>
+              </a:prstGeom>
               <a:solidFill>
-                <a:srgbClr val="4897D9"/>
+                <a:srgbClr val="F34A4A"/>
               </a:solidFill>
-            </a:ln>
-          </p:spPr>
-          <p:style>
-            <a:lnRef idx="2">
-              <a:schemeClr val="accent1">
-                <a:shade val="50000"/>
-              </a:schemeClr>
-            </a:lnRef>
-            <a:fillRef idx="1">
-              <a:schemeClr val="accent1"/>
-            </a:fillRef>
-            <a:effectRef idx="0">
-              <a:schemeClr val="accent1"/>
-            </a:effectRef>
-            <a:fontRef idx="minor">
-              <a:schemeClr val="lt1"/>
-            </a:fontRef>
-          </p:style>
-          <p:txBody>
-            <a:bodyPr rtlCol="0" anchor="ctr"/>
-            <a:lstStyle/>
-            <a:p>
-              <a:pPr algn="ctr"/>
-              <a:endParaRPr lang="en-GB" dirty="0"/>
-            </a:p>
-          </p:txBody>
-        </p:sp>
-        <p:sp>
-          <p:nvSpPr>
-            <p:cNvPr id="20" name="Rectangle 19">
-              <a:extLst>
-                <a:ext uri="{FF2B5EF4-FFF2-40B4-BE49-F238E27FC236}">
-                  <a16:creationId xmlns:a16="http://schemas.microsoft.com/office/drawing/2014/main" id="{77A557CD-1139-7202-4A5E-8C25263256B8}"/>
-                </a:ext>
-              </a:extLst>
-            </p:cNvPr>
-            <p:cNvSpPr/>
-            <p:nvPr/>
-          </p:nvSpPr>
-          <p:spPr>
-            <a:xfrm>
-              <a:off x="2667203" y="2507050"/>
-              <a:ext cx="304800" cy="79200"/>
-            </a:xfrm>
-            <a:prstGeom prst="rect">
-              <a:avLst/>
-            </a:prstGeom>
-            <a:solidFill>
-              <a:srgbClr val="ACD1C0"/>
-            </a:solidFill>
-            <a:ln>
+              <a:ln>
+                <a:solidFill>
+                  <a:srgbClr val="F34A4A"/>
+                </a:solidFill>
+              </a:ln>
+            </p:spPr>
+            <p:style>
+              <a:lnRef idx="2">
+                <a:schemeClr val="accent1">
+                  <a:shade val="50000"/>
+                </a:schemeClr>
+              </a:lnRef>
+              <a:fillRef idx="1">
+                <a:schemeClr val="accent1"/>
+              </a:fillRef>
+              <a:effectRef idx="0">
+                <a:schemeClr val="accent1"/>
+              </a:effectRef>
+              <a:fontRef idx="minor">
+                <a:schemeClr val="lt1"/>
+              </a:fontRef>
+            </p:style>
+            <p:txBody>
+              <a:bodyPr rtlCol="0" anchor="ctr"/>
+              <a:lstStyle/>
+              <a:p>
+                <a:pPr algn="ctr"/>
+                <a:endParaRPr lang="en-GB" sz="3600" dirty="0"/>
+              </a:p>
+            </p:txBody>
+          </p:sp>
+          <p:sp>
+            <p:nvSpPr>
+              <p:cNvPr id="12" name="Rectangle 11">
+                <a:extLst>
+                  <a:ext uri="{FF2B5EF4-FFF2-40B4-BE49-F238E27FC236}">
+                    <a16:creationId xmlns:a16="http://schemas.microsoft.com/office/drawing/2014/main" id="{401A59EE-56CB-6A8F-9DC6-5F3D8BE19E3A}"/>
+                  </a:ext>
+                </a:extLst>
+              </p:cNvPr>
+              <p:cNvSpPr/>
+              <p:nvPr/>
+            </p:nvSpPr>
+            <p:spPr>
+              <a:xfrm>
+                <a:off x="2667203" y="5516407"/>
+                <a:ext cx="304800" cy="439417"/>
+              </a:xfrm>
+              <a:prstGeom prst="rect">
+                <a:avLst/>
+              </a:prstGeom>
               <a:solidFill>
-                <a:srgbClr val="ACD1C0"/>
+                <a:srgbClr val="9B4E10"/>
               </a:solidFill>
-            </a:ln>
-          </p:spPr>
-          <p:style>
-            <a:lnRef idx="2">
-              <a:schemeClr val="accent1">
-                <a:shade val="50000"/>
-              </a:schemeClr>
-            </a:lnRef>
-            <a:fillRef idx="1">
-              <a:schemeClr val="accent1"/>
-            </a:fillRef>
-            <a:effectRef idx="0">
-              <a:schemeClr val="accent1"/>
-            </a:effectRef>
-            <a:fontRef idx="minor">
-              <a:schemeClr val="lt1"/>
-            </a:fontRef>
-          </p:style>
-          <p:txBody>
-            <a:bodyPr rtlCol="0" anchor="ctr"/>
-            <a:lstStyle/>
-            <a:p>
-              <a:pPr algn="ctr"/>
-              <a:endParaRPr lang="en-GB"/>
-            </a:p>
-          </p:txBody>
-        </p:sp>
-        <p:sp>
-          <p:nvSpPr>
-            <p:cNvPr id="21" name="Rectangle 20">
-              <a:extLst>
-                <a:ext uri="{FF2B5EF4-FFF2-40B4-BE49-F238E27FC236}">
-                  <a16:creationId xmlns:a16="http://schemas.microsoft.com/office/drawing/2014/main" id="{171A2FCD-4012-1777-D63B-B7AE60143323}"/>
-                </a:ext>
-              </a:extLst>
-            </p:cNvPr>
-            <p:cNvSpPr/>
-            <p:nvPr/>
-          </p:nvSpPr>
-          <p:spPr>
-            <a:xfrm>
-              <a:off x="2667203" y="2591428"/>
-              <a:ext cx="304800" cy="208800"/>
-            </a:xfrm>
-            <a:prstGeom prst="rect">
-              <a:avLst/>
-            </a:prstGeom>
-            <a:solidFill>
-              <a:srgbClr val="A3A599"/>
-            </a:solidFill>
-            <a:ln>
+              <a:ln>
+                <a:solidFill>
+                  <a:srgbClr val="9B4E10"/>
+                </a:solidFill>
+              </a:ln>
+            </p:spPr>
+            <p:style>
+              <a:lnRef idx="2">
+                <a:schemeClr val="accent1">
+                  <a:shade val="50000"/>
+                </a:schemeClr>
+              </a:lnRef>
+              <a:fillRef idx="1">
+                <a:schemeClr val="accent1"/>
+              </a:fillRef>
+              <a:effectRef idx="0">
+                <a:schemeClr val="accent1"/>
+              </a:effectRef>
+              <a:fontRef idx="minor">
+                <a:schemeClr val="lt1"/>
+              </a:fontRef>
+            </p:style>
+            <p:txBody>
+              <a:bodyPr rtlCol="0" anchor="ctr"/>
+              <a:lstStyle/>
+              <a:p>
+                <a:pPr algn="ctr"/>
+                <a:endParaRPr lang="en-GB" sz="3600" dirty="0"/>
+              </a:p>
+            </p:txBody>
+          </p:sp>
+          <p:sp>
+            <p:nvSpPr>
+              <p:cNvPr id="13" name="Rectangle 12">
+                <a:extLst>
+                  <a:ext uri="{FF2B5EF4-FFF2-40B4-BE49-F238E27FC236}">
+                    <a16:creationId xmlns:a16="http://schemas.microsoft.com/office/drawing/2014/main" id="{B63A5F59-6CB8-457F-67DE-560A085BB42F}"/>
+                  </a:ext>
+                </a:extLst>
+              </p:cNvPr>
+              <p:cNvSpPr/>
+              <p:nvPr/>
+            </p:nvSpPr>
+            <p:spPr>
+              <a:xfrm>
+                <a:off x="2667203" y="5955824"/>
+                <a:ext cx="304800" cy="75600"/>
+              </a:xfrm>
+              <a:prstGeom prst="rect">
+                <a:avLst/>
+              </a:prstGeom>
               <a:solidFill>
-                <a:srgbClr val="A3A599"/>
+                <a:srgbClr val="DDBD95"/>
               </a:solidFill>
-            </a:ln>
-          </p:spPr>
-          <p:style>
-            <a:lnRef idx="2">
-              <a:schemeClr val="accent1">
-                <a:shade val="50000"/>
-              </a:schemeClr>
-            </a:lnRef>
-            <a:fillRef idx="1">
-              <a:schemeClr val="accent1"/>
-            </a:fillRef>
-            <a:effectRef idx="0">
-              <a:schemeClr val="accent1"/>
-            </a:effectRef>
-            <a:fontRef idx="minor">
-              <a:schemeClr val="lt1"/>
-            </a:fontRef>
-          </p:style>
-          <p:txBody>
-            <a:bodyPr rtlCol="0" anchor="ctr"/>
-            <a:lstStyle/>
-            <a:p>
-              <a:pPr algn="ctr"/>
-              <a:endParaRPr lang="en-GB" dirty="0"/>
-            </a:p>
-          </p:txBody>
-        </p:sp>
-        <p:sp>
-          <p:nvSpPr>
-            <p:cNvPr id="22" name="Rectangle 21">
-              <a:extLst>
-                <a:ext uri="{FF2B5EF4-FFF2-40B4-BE49-F238E27FC236}">
-                  <a16:creationId xmlns:a16="http://schemas.microsoft.com/office/drawing/2014/main" id="{399E5E39-B026-6723-BD0F-0668FC69A2FC}"/>
-                </a:ext>
-              </a:extLst>
-            </p:cNvPr>
-            <p:cNvSpPr/>
-            <p:nvPr/>
-          </p:nvSpPr>
-          <p:spPr>
-            <a:xfrm>
-              <a:off x="2667203" y="2810482"/>
-              <a:ext cx="304800" cy="425586"/>
-            </a:xfrm>
-            <a:prstGeom prst="rect">
-              <a:avLst/>
-            </a:prstGeom>
-            <a:solidFill>
-              <a:srgbClr val="F72B03"/>
-            </a:solidFill>
-            <a:ln>
+              <a:ln>
+                <a:solidFill>
+                  <a:srgbClr val="DDBD95"/>
+                </a:solidFill>
+              </a:ln>
+            </p:spPr>
+            <p:style>
+              <a:lnRef idx="2">
+                <a:schemeClr val="accent1">
+                  <a:shade val="50000"/>
+                </a:schemeClr>
+              </a:lnRef>
+              <a:fillRef idx="1">
+                <a:schemeClr val="accent1"/>
+              </a:fillRef>
+              <a:effectRef idx="0">
+                <a:schemeClr val="accent1"/>
+              </a:effectRef>
+              <a:fontRef idx="minor">
+                <a:schemeClr val="lt1"/>
+              </a:fontRef>
+            </p:style>
+            <p:txBody>
+              <a:bodyPr rtlCol="0" anchor="ctr"/>
+              <a:lstStyle/>
+              <a:p>
+                <a:pPr algn="ctr"/>
+                <a:endParaRPr lang="en-GB" sz="3600" dirty="0"/>
+              </a:p>
+            </p:txBody>
+          </p:sp>
+          <p:sp>
+            <p:nvSpPr>
+              <p:cNvPr id="14" name="Rectangle 13">
+                <a:extLst>
+                  <a:ext uri="{FF2B5EF4-FFF2-40B4-BE49-F238E27FC236}">
+                    <a16:creationId xmlns:a16="http://schemas.microsoft.com/office/drawing/2014/main" id="{A83E6CF8-F27F-BE7F-7B81-700A004FB84C}"/>
+                  </a:ext>
+                </a:extLst>
+              </p:cNvPr>
+              <p:cNvSpPr/>
+              <p:nvPr/>
+            </p:nvSpPr>
+            <p:spPr>
+              <a:xfrm>
+                <a:off x="2667203" y="6031424"/>
+                <a:ext cx="304800" cy="283792"/>
+              </a:xfrm>
+              <a:prstGeom prst="rect">
+                <a:avLst/>
+              </a:prstGeom>
               <a:solidFill>
-                <a:srgbClr val="F72B03"/>
+                <a:srgbClr val="1A95AD"/>
               </a:solidFill>
-            </a:ln>
-          </p:spPr>
-          <p:style>
-            <a:lnRef idx="2">
-              <a:schemeClr val="accent1">
-                <a:shade val="50000"/>
-              </a:schemeClr>
-            </a:lnRef>
-            <a:fillRef idx="1">
-              <a:schemeClr val="accent1"/>
-            </a:fillRef>
-            <a:effectRef idx="0">
-              <a:schemeClr val="accent1"/>
-            </a:effectRef>
-            <a:fontRef idx="minor">
-              <a:schemeClr val="lt1"/>
-            </a:fontRef>
-          </p:style>
-          <p:txBody>
-            <a:bodyPr rtlCol="0" anchor="ctr"/>
-            <a:lstStyle/>
-            <a:p>
-              <a:pPr algn="ctr"/>
-              <a:endParaRPr lang="en-GB" dirty="0"/>
-            </a:p>
-          </p:txBody>
-        </p:sp>
-        <p:sp>
-          <p:nvSpPr>
-            <p:cNvPr id="23" name="Rectangle 22">
-              <a:extLst>
-                <a:ext uri="{FF2B5EF4-FFF2-40B4-BE49-F238E27FC236}">
-                  <a16:creationId xmlns:a16="http://schemas.microsoft.com/office/drawing/2014/main" id="{FCFA1588-0861-C80D-0227-FE20358AB9D6}"/>
-                </a:ext>
-              </a:extLst>
-            </p:cNvPr>
-            <p:cNvSpPr/>
-            <p:nvPr/>
-          </p:nvSpPr>
-          <p:spPr>
-            <a:xfrm>
-              <a:off x="2667203" y="3246321"/>
-              <a:ext cx="304800" cy="1752634"/>
-            </a:xfrm>
-            <a:prstGeom prst="rect">
-              <a:avLst/>
-            </a:prstGeom>
-            <a:solidFill>
-              <a:srgbClr val="375D97"/>
-            </a:solidFill>
-            <a:ln>
+              <a:ln>
+                <a:solidFill>
+                  <a:srgbClr val="1A95AD"/>
+                </a:solidFill>
+              </a:ln>
+            </p:spPr>
+            <p:style>
+              <a:lnRef idx="2">
+                <a:schemeClr val="accent1">
+                  <a:shade val="50000"/>
+                </a:schemeClr>
+              </a:lnRef>
+              <a:fillRef idx="1">
+                <a:schemeClr val="accent1"/>
+              </a:fillRef>
+              <a:effectRef idx="0">
+                <a:schemeClr val="accent1"/>
+              </a:effectRef>
+              <a:fontRef idx="minor">
+                <a:schemeClr val="lt1"/>
+              </a:fontRef>
+            </p:style>
+            <p:txBody>
+              <a:bodyPr rtlCol="0" anchor="ctr"/>
+              <a:lstStyle/>
+              <a:p>
+                <a:pPr algn="ctr"/>
+                <a:endParaRPr lang="en-GB" sz="3600" dirty="0"/>
+              </a:p>
+            </p:txBody>
+          </p:sp>
+          <p:sp>
+            <p:nvSpPr>
+              <p:cNvPr id="15" name="Rectangle 14">
+                <a:extLst>
+                  <a:ext uri="{FF2B5EF4-FFF2-40B4-BE49-F238E27FC236}">
+                    <a16:creationId xmlns:a16="http://schemas.microsoft.com/office/drawing/2014/main" id="{A08CC5F6-D215-6450-903E-9F14396FCC2A}"/>
+                  </a:ext>
+                </a:extLst>
+              </p:cNvPr>
+              <p:cNvSpPr/>
+              <p:nvPr/>
+            </p:nvSpPr>
+            <p:spPr>
+              <a:xfrm>
+                <a:off x="2667203" y="6326841"/>
+                <a:ext cx="304800" cy="144000"/>
+              </a:xfrm>
+              <a:prstGeom prst="rect">
+                <a:avLst/>
+              </a:prstGeom>
               <a:solidFill>
-                <a:srgbClr val="375D97"/>
+                <a:srgbClr val="DAB44A"/>
               </a:solidFill>
-            </a:ln>
-          </p:spPr>
-          <p:style>
-            <a:lnRef idx="2">
-              <a:schemeClr val="accent1">
-                <a:shade val="50000"/>
-              </a:schemeClr>
-            </a:lnRef>
-            <a:fillRef idx="1">
-              <a:schemeClr val="accent1"/>
-            </a:fillRef>
-            <a:effectRef idx="0">
-              <a:schemeClr val="accent1"/>
-            </a:effectRef>
-            <a:fontRef idx="minor">
-              <a:schemeClr val="lt1"/>
-            </a:fontRef>
-          </p:style>
-          <p:txBody>
-            <a:bodyPr rtlCol="0" anchor="ctr"/>
-            <a:lstStyle/>
-            <a:p>
-              <a:pPr algn="ctr"/>
-              <a:endParaRPr lang="en-GB" dirty="0"/>
-            </a:p>
-          </p:txBody>
-        </p:sp>
-        <p:sp>
-          <p:nvSpPr>
-            <p:cNvPr id="24" name="Rectangle 23">
-              <a:extLst>
-                <a:ext uri="{FF2B5EF4-FFF2-40B4-BE49-F238E27FC236}">
-                  <a16:creationId xmlns:a16="http://schemas.microsoft.com/office/drawing/2014/main" id="{EC7A249C-A5A5-BF44-FFD0-904BA2C371FE}"/>
-                </a:ext>
-              </a:extLst>
-            </p:cNvPr>
-            <p:cNvSpPr/>
-            <p:nvPr/>
-          </p:nvSpPr>
-          <p:spPr>
-            <a:xfrm>
-              <a:off x="2667203" y="4998955"/>
-              <a:ext cx="304800" cy="75600"/>
-            </a:xfrm>
-            <a:prstGeom prst="rect">
-              <a:avLst/>
-            </a:prstGeom>
-            <a:solidFill>
-              <a:srgbClr val="66A6AD"/>
-            </a:solidFill>
-            <a:ln>
+              <a:ln>
+                <a:solidFill>
+                  <a:srgbClr val="DAB44A"/>
+                </a:solidFill>
+              </a:ln>
+            </p:spPr>
+            <p:style>
+              <a:lnRef idx="2">
+                <a:schemeClr val="accent1">
+                  <a:shade val="50000"/>
+                </a:schemeClr>
+              </a:lnRef>
+              <a:fillRef idx="1">
+                <a:schemeClr val="accent1"/>
+              </a:fillRef>
+              <a:effectRef idx="0">
+                <a:schemeClr val="accent1"/>
+              </a:effectRef>
+              <a:fontRef idx="minor">
+                <a:schemeClr val="lt1"/>
+              </a:fontRef>
+            </p:style>
+            <p:txBody>
+              <a:bodyPr rtlCol="0" anchor="ctr"/>
+              <a:lstStyle/>
+              <a:p>
+                <a:pPr algn="ctr"/>
+                <a:endParaRPr lang="en-GB" sz="3600" dirty="0"/>
+              </a:p>
+            </p:txBody>
+          </p:sp>
+          <p:sp>
+            <p:nvSpPr>
+              <p:cNvPr id="16" name="Rectangle 15">
+                <a:extLst>
+                  <a:ext uri="{FF2B5EF4-FFF2-40B4-BE49-F238E27FC236}">
+                    <a16:creationId xmlns:a16="http://schemas.microsoft.com/office/drawing/2014/main" id="{2F83816C-CD1F-6AE5-7B8F-7DC31F92F64B}"/>
+                  </a:ext>
+                </a:extLst>
+              </p:cNvPr>
+              <p:cNvSpPr/>
+              <p:nvPr/>
+            </p:nvSpPr>
+            <p:spPr>
+              <a:xfrm>
+                <a:off x="2667203" y="6482466"/>
+                <a:ext cx="304800" cy="418326"/>
+              </a:xfrm>
+              <a:prstGeom prst="rect">
+                <a:avLst/>
+              </a:prstGeom>
               <a:solidFill>
-                <a:srgbClr val="66A6AD"/>
+                <a:srgbClr val="F8EFE2"/>
               </a:solidFill>
-            </a:ln>
-          </p:spPr>
-          <p:style>
-            <a:lnRef idx="2">
-              <a:schemeClr val="accent1">
-                <a:shade val="50000"/>
-              </a:schemeClr>
-            </a:lnRef>
-            <a:fillRef idx="1">
-              <a:schemeClr val="accent1"/>
-            </a:fillRef>
-            <a:effectRef idx="0">
-              <a:schemeClr val="accent1"/>
-            </a:effectRef>
-            <a:fontRef idx="minor">
-              <a:schemeClr val="lt1"/>
-            </a:fontRef>
-          </p:style>
-          <p:txBody>
-            <a:bodyPr rtlCol="0" anchor="ctr"/>
-            <a:lstStyle/>
-            <a:p>
-              <a:pPr algn="ctr"/>
-              <a:endParaRPr lang="en-GB" dirty="0"/>
-            </a:p>
-          </p:txBody>
-        </p:sp>
-        <p:sp>
-          <p:nvSpPr>
-            <p:cNvPr id="25" name="Rectangle 24">
-              <a:extLst>
-                <a:ext uri="{FF2B5EF4-FFF2-40B4-BE49-F238E27FC236}">
-                  <a16:creationId xmlns:a16="http://schemas.microsoft.com/office/drawing/2014/main" id="{3EBEFAAE-AA1F-A2E7-A124-858DBC3FCA70}"/>
-                </a:ext>
-              </a:extLst>
-            </p:cNvPr>
-            <p:cNvSpPr/>
-            <p:nvPr/>
-          </p:nvSpPr>
-          <p:spPr>
-            <a:xfrm>
-              <a:off x="2667203" y="5074555"/>
-              <a:ext cx="304800" cy="75600"/>
-            </a:xfrm>
-            <a:prstGeom prst="rect">
-              <a:avLst/>
-            </a:prstGeom>
-            <a:solidFill>
-              <a:srgbClr val="04575B"/>
-            </a:solidFill>
-            <a:ln>
+              <a:ln>
+                <a:solidFill>
+                  <a:srgbClr val="F8EFE2"/>
+                </a:solidFill>
+              </a:ln>
+            </p:spPr>
+            <p:style>
+              <a:lnRef idx="2">
+                <a:schemeClr val="accent1">
+                  <a:shade val="50000"/>
+                </a:schemeClr>
+              </a:lnRef>
+              <a:fillRef idx="1">
+                <a:schemeClr val="accent1"/>
+              </a:fillRef>
+              <a:effectRef idx="0">
+                <a:schemeClr val="accent1"/>
+              </a:effectRef>
+              <a:fontRef idx="minor">
+                <a:schemeClr val="lt1"/>
+              </a:fontRef>
+            </p:style>
+            <p:txBody>
+              <a:bodyPr rtlCol="0" anchor="ctr"/>
+              <a:lstStyle/>
+              <a:p>
+                <a:pPr algn="ctr"/>
+                <a:endParaRPr lang="en-GB" sz="3600" dirty="0"/>
+              </a:p>
+            </p:txBody>
+          </p:sp>
+          <p:sp>
+            <p:nvSpPr>
+              <p:cNvPr id="17" name="Rectangle 16">
+                <a:extLst>
+                  <a:ext uri="{FF2B5EF4-FFF2-40B4-BE49-F238E27FC236}">
+                    <a16:creationId xmlns:a16="http://schemas.microsoft.com/office/drawing/2014/main" id="{0037FD20-F403-6C8E-61DE-0A2ABB302B58}"/>
+                  </a:ext>
+                </a:extLst>
+              </p:cNvPr>
+              <p:cNvSpPr/>
+              <p:nvPr/>
+            </p:nvSpPr>
+            <p:spPr>
+              <a:xfrm>
+                <a:off x="2667203" y="6906187"/>
+                <a:ext cx="304800" cy="144000"/>
+              </a:xfrm>
+              <a:prstGeom prst="rect">
+                <a:avLst/>
+              </a:prstGeom>
               <a:solidFill>
-                <a:srgbClr val="04575B"/>
+                <a:srgbClr val="1F948B"/>
               </a:solidFill>
-            </a:ln>
-          </p:spPr>
-          <p:style>
-            <a:lnRef idx="2">
-              <a:schemeClr val="accent1">
-                <a:shade val="50000"/>
-              </a:schemeClr>
-            </a:lnRef>
-            <a:fillRef idx="1">
-              <a:schemeClr val="accent1"/>
-            </a:fillRef>
-            <a:effectRef idx="0">
-              <a:schemeClr val="accent1"/>
-            </a:effectRef>
-            <a:fontRef idx="minor">
-              <a:schemeClr val="lt1"/>
-            </a:fontRef>
-          </p:style>
-          <p:txBody>
-            <a:bodyPr rtlCol="0" anchor="ctr"/>
-            <a:lstStyle/>
-            <a:p>
-              <a:pPr algn="ctr"/>
-              <a:endParaRPr lang="en-GB" dirty="0"/>
-            </a:p>
-          </p:txBody>
-        </p:sp>
+              <a:ln>
+                <a:solidFill>
+                  <a:srgbClr val="1F948B"/>
+                </a:solidFill>
+              </a:ln>
+            </p:spPr>
+            <p:style>
+              <a:lnRef idx="2">
+                <a:schemeClr val="accent1">
+                  <a:shade val="50000"/>
+                </a:schemeClr>
+              </a:lnRef>
+              <a:fillRef idx="1">
+                <a:schemeClr val="accent1"/>
+              </a:fillRef>
+              <a:effectRef idx="0">
+                <a:schemeClr val="accent1"/>
+              </a:effectRef>
+              <a:fontRef idx="minor">
+                <a:schemeClr val="lt1"/>
+              </a:fontRef>
+            </p:style>
+            <p:txBody>
+              <a:bodyPr rtlCol="0" anchor="ctr"/>
+              <a:lstStyle/>
+              <a:p>
+                <a:pPr algn="ctr"/>
+                <a:endParaRPr lang="en-GB" sz="3600" dirty="0"/>
+              </a:p>
+            </p:txBody>
+          </p:sp>
+          <p:sp>
+            <p:nvSpPr>
+              <p:cNvPr id="18" name="Rectangle 17">
+                <a:extLst>
+                  <a:ext uri="{FF2B5EF4-FFF2-40B4-BE49-F238E27FC236}">
+                    <a16:creationId xmlns:a16="http://schemas.microsoft.com/office/drawing/2014/main" id="{599AC7E3-12C9-BC22-81AC-1F0992CB1C8B}"/>
+                  </a:ext>
+                </a:extLst>
+              </p:cNvPr>
+              <p:cNvSpPr/>
+              <p:nvPr/>
+            </p:nvSpPr>
+            <p:spPr>
+              <a:xfrm>
+                <a:off x="2667203" y="7050187"/>
+                <a:ext cx="304800" cy="144000"/>
+              </a:xfrm>
+              <a:prstGeom prst="rect">
+                <a:avLst/>
+              </a:prstGeom>
+              <a:solidFill>
+                <a:srgbClr val="DFE266"/>
+              </a:solidFill>
+              <a:ln>
+                <a:solidFill>
+                  <a:srgbClr val="DFE266"/>
+                </a:solidFill>
+              </a:ln>
+            </p:spPr>
+            <p:style>
+              <a:lnRef idx="2">
+                <a:schemeClr val="accent1">
+                  <a:shade val="50000"/>
+                </a:schemeClr>
+              </a:lnRef>
+              <a:fillRef idx="1">
+                <a:schemeClr val="accent1"/>
+              </a:fillRef>
+              <a:effectRef idx="0">
+                <a:schemeClr val="accent1"/>
+              </a:effectRef>
+              <a:fontRef idx="minor">
+                <a:schemeClr val="lt1"/>
+              </a:fontRef>
+            </p:style>
+            <p:txBody>
+              <a:bodyPr rtlCol="0" anchor="ctr"/>
+              <a:lstStyle/>
+              <a:p>
+                <a:pPr algn="ctr"/>
+                <a:endParaRPr lang="en-GB" sz="3600" dirty="0"/>
+              </a:p>
+            </p:txBody>
+          </p:sp>
+          <p:sp>
+            <p:nvSpPr>
+              <p:cNvPr id="19" name="Rectangle 18">
+                <a:extLst>
+                  <a:ext uri="{FF2B5EF4-FFF2-40B4-BE49-F238E27FC236}">
+                    <a16:creationId xmlns:a16="http://schemas.microsoft.com/office/drawing/2014/main" id="{403C899E-F71D-B740-DBBB-CB1A735CECCB}"/>
+                  </a:ext>
+                </a:extLst>
+              </p:cNvPr>
+              <p:cNvSpPr/>
+              <p:nvPr/>
+            </p:nvSpPr>
+            <p:spPr>
+              <a:xfrm>
+                <a:off x="2667203" y="7192073"/>
+                <a:ext cx="304800" cy="75600"/>
+              </a:xfrm>
+              <a:prstGeom prst="rect">
+                <a:avLst/>
+              </a:prstGeom>
+              <a:solidFill>
+                <a:srgbClr val="4F6457"/>
+              </a:solidFill>
+              <a:ln>
+                <a:solidFill>
+                  <a:srgbClr val="4F6457"/>
+                </a:solidFill>
+              </a:ln>
+            </p:spPr>
+            <p:style>
+              <a:lnRef idx="2">
+                <a:schemeClr val="accent1">
+                  <a:shade val="50000"/>
+                </a:schemeClr>
+              </a:lnRef>
+              <a:fillRef idx="1">
+                <a:schemeClr val="accent1"/>
+              </a:fillRef>
+              <a:effectRef idx="0">
+                <a:schemeClr val="accent1"/>
+              </a:effectRef>
+              <a:fontRef idx="minor">
+                <a:schemeClr val="lt1"/>
+              </a:fontRef>
+            </p:style>
+            <p:txBody>
+              <a:bodyPr rtlCol="0" anchor="ctr"/>
+              <a:lstStyle/>
+              <a:p>
+                <a:pPr algn="ctr"/>
+                <a:endParaRPr lang="en-GB" sz="3600" dirty="0"/>
+              </a:p>
+            </p:txBody>
+          </p:sp>
+          <p:sp>
+            <p:nvSpPr>
+              <p:cNvPr id="20" name="Rectangle 19">
+                <a:extLst>
+                  <a:ext uri="{FF2B5EF4-FFF2-40B4-BE49-F238E27FC236}">
+                    <a16:creationId xmlns:a16="http://schemas.microsoft.com/office/drawing/2014/main" id="{B70649AA-694B-3FAF-E179-5FA472F27BD5}"/>
+                  </a:ext>
+                </a:extLst>
+              </p:cNvPr>
+              <p:cNvSpPr/>
+              <p:nvPr/>
+            </p:nvSpPr>
+            <p:spPr>
+              <a:xfrm>
+                <a:off x="2667203" y="7267673"/>
+                <a:ext cx="304800" cy="965102"/>
+              </a:xfrm>
+              <a:prstGeom prst="rect">
+                <a:avLst/>
+              </a:prstGeom>
+              <a:solidFill>
+                <a:srgbClr val="A0D7E2"/>
+              </a:solidFill>
+              <a:ln>
+                <a:solidFill>
+                  <a:srgbClr val="A0D7E2"/>
+                </a:solidFill>
+              </a:ln>
+            </p:spPr>
+            <p:style>
+              <a:lnRef idx="2">
+                <a:schemeClr val="accent1">
+                  <a:shade val="50000"/>
+                </a:schemeClr>
+              </a:lnRef>
+              <a:fillRef idx="1">
+                <a:schemeClr val="accent1"/>
+              </a:fillRef>
+              <a:effectRef idx="0">
+                <a:schemeClr val="accent1"/>
+              </a:effectRef>
+              <a:fontRef idx="minor">
+                <a:schemeClr val="lt1"/>
+              </a:fontRef>
+            </p:style>
+            <p:txBody>
+              <a:bodyPr rtlCol="0" anchor="ctr"/>
+              <a:lstStyle/>
+              <a:p>
+                <a:pPr algn="ctr"/>
+                <a:endParaRPr lang="en-GB" sz="3600" dirty="0"/>
+              </a:p>
+            </p:txBody>
+          </p:sp>
+          <p:sp>
+            <p:nvSpPr>
+              <p:cNvPr id="21" name="Rectangle 20">
+                <a:extLst>
+                  <a:ext uri="{FF2B5EF4-FFF2-40B4-BE49-F238E27FC236}">
+                    <a16:creationId xmlns:a16="http://schemas.microsoft.com/office/drawing/2014/main" id="{99DBD529-5A68-0EFF-FC00-1A23A487D68A}"/>
+                  </a:ext>
+                </a:extLst>
+              </p:cNvPr>
+              <p:cNvSpPr/>
+              <p:nvPr/>
+            </p:nvSpPr>
+            <p:spPr>
+              <a:xfrm>
+                <a:off x="2667203" y="8234261"/>
+                <a:ext cx="304800" cy="72000"/>
+              </a:xfrm>
+              <a:prstGeom prst="rect">
+                <a:avLst/>
+              </a:prstGeom>
+              <a:solidFill>
+                <a:srgbClr val="FB802E"/>
+              </a:solidFill>
+              <a:ln>
+                <a:solidFill>
+                  <a:srgbClr val="FB802E"/>
+                </a:solidFill>
+              </a:ln>
+            </p:spPr>
+            <p:style>
+              <a:lnRef idx="2">
+                <a:schemeClr val="accent1">
+                  <a:shade val="50000"/>
+                </a:schemeClr>
+              </a:lnRef>
+              <a:fillRef idx="1">
+                <a:schemeClr val="accent1"/>
+              </a:fillRef>
+              <a:effectRef idx="0">
+                <a:schemeClr val="accent1"/>
+              </a:effectRef>
+              <a:fontRef idx="minor">
+                <a:schemeClr val="lt1"/>
+              </a:fontRef>
+            </p:style>
+            <p:txBody>
+              <a:bodyPr rtlCol="0" anchor="ctr"/>
+              <a:lstStyle/>
+              <a:p>
+                <a:pPr algn="ctr"/>
+                <a:endParaRPr lang="en-GB" sz="3600" dirty="0"/>
+              </a:p>
+            </p:txBody>
+          </p:sp>
+          <p:sp>
+            <p:nvSpPr>
+              <p:cNvPr id="22" name="Rectangle 21">
+                <a:extLst>
+                  <a:ext uri="{FF2B5EF4-FFF2-40B4-BE49-F238E27FC236}">
+                    <a16:creationId xmlns:a16="http://schemas.microsoft.com/office/drawing/2014/main" id="{73FF1E10-6986-2CDD-2E64-2E3853C308F5}"/>
+                  </a:ext>
+                </a:extLst>
+              </p:cNvPr>
+              <p:cNvSpPr/>
+              <p:nvPr/>
+            </p:nvSpPr>
+            <p:spPr>
+              <a:xfrm>
+                <a:off x="2667203" y="8310175"/>
+                <a:ext cx="304800" cy="133737"/>
+              </a:xfrm>
+              <a:prstGeom prst="rect">
+                <a:avLst/>
+              </a:prstGeom>
+              <a:solidFill>
+                <a:srgbClr val="C4DFE6"/>
+              </a:solidFill>
+              <a:ln>
+                <a:solidFill>
+                  <a:srgbClr val="C4DFE6"/>
+                </a:solidFill>
+              </a:ln>
+            </p:spPr>
+            <p:style>
+              <a:lnRef idx="2">
+                <a:schemeClr val="accent1">
+                  <a:shade val="50000"/>
+                </a:schemeClr>
+              </a:lnRef>
+              <a:fillRef idx="1">
+                <a:schemeClr val="accent1"/>
+              </a:fillRef>
+              <a:effectRef idx="0">
+                <a:schemeClr val="accent1"/>
+              </a:effectRef>
+              <a:fontRef idx="minor">
+                <a:schemeClr val="lt1"/>
+              </a:fontRef>
+            </p:style>
+            <p:txBody>
+              <a:bodyPr rtlCol="0" anchor="ctr"/>
+              <a:lstStyle/>
+              <a:p>
+                <a:pPr algn="ctr"/>
+                <a:endParaRPr lang="en-GB" sz="3600" dirty="0"/>
+              </a:p>
+            </p:txBody>
+          </p:sp>
+          <p:sp>
+            <p:nvSpPr>
+              <p:cNvPr id="23" name="Rectangle 22">
+                <a:extLst>
+                  <a:ext uri="{FF2B5EF4-FFF2-40B4-BE49-F238E27FC236}">
+                    <a16:creationId xmlns:a16="http://schemas.microsoft.com/office/drawing/2014/main" id="{7A33D098-DA16-E0D3-C3F3-FD9C502EAED6}"/>
+                  </a:ext>
+                </a:extLst>
+              </p:cNvPr>
+              <p:cNvSpPr/>
+              <p:nvPr/>
+            </p:nvSpPr>
+            <p:spPr>
+              <a:xfrm>
+                <a:off x="2667203" y="8443912"/>
+                <a:ext cx="304800" cy="214666"/>
+              </a:xfrm>
+              <a:prstGeom prst="rect">
+                <a:avLst/>
+              </a:prstGeom>
+              <a:solidFill>
+                <a:srgbClr val="80BD9E"/>
+              </a:solidFill>
+              <a:ln>
+                <a:solidFill>
+                  <a:srgbClr val="80BD9E"/>
+                </a:solidFill>
+              </a:ln>
+            </p:spPr>
+            <p:style>
+              <a:lnRef idx="2">
+                <a:schemeClr val="accent1">
+                  <a:shade val="50000"/>
+                </a:schemeClr>
+              </a:lnRef>
+              <a:fillRef idx="1">
+                <a:schemeClr val="accent1"/>
+              </a:fillRef>
+              <a:effectRef idx="0">
+                <a:schemeClr val="accent1"/>
+              </a:effectRef>
+              <a:fontRef idx="minor">
+                <a:schemeClr val="lt1"/>
+              </a:fontRef>
+            </p:style>
+            <p:txBody>
+              <a:bodyPr rtlCol="0" anchor="ctr"/>
+              <a:lstStyle/>
+              <a:p>
+                <a:pPr algn="ctr"/>
+                <a:endParaRPr lang="en-GB" sz="3600" dirty="0"/>
+              </a:p>
+            </p:txBody>
+          </p:sp>
+          <p:sp>
+            <p:nvSpPr>
+              <p:cNvPr id="24" name="Rectangle 23">
+                <a:extLst>
+                  <a:ext uri="{FF2B5EF4-FFF2-40B4-BE49-F238E27FC236}">
+                    <a16:creationId xmlns:a16="http://schemas.microsoft.com/office/drawing/2014/main" id="{83CB15B0-B310-D48F-94DB-23CDA060BFA8}"/>
+                  </a:ext>
+                </a:extLst>
+              </p:cNvPr>
+              <p:cNvSpPr/>
+              <p:nvPr/>
+            </p:nvSpPr>
+            <p:spPr>
+              <a:xfrm>
+                <a:off x="2667203" y="8667295"/>
+                <a:ext cx="304800" cy="945694"/>
+              </a:xfrm>
+              <a:prstGeom prst="rect">
+                <a:avLst/>
+              </a:prstGeom>
+              <a:solidFill>
+                <a:srgbClr val="FAAF08"/>
+              </a:solidFill>
+              <a:ln>
+                <a:solidFill>
+                  <a:srgbClr val="FAAF08"/>
+                </a:solidFill>
+              </a:ln>
+            </p:spPr>
+            <p:style>
+              <a:lnRef idx="2">
+                <a:schemeClr val="accent1">
+                  <a:shade val="50000"/>
+                </a:schemeClr>
+              </a:lnRef>
+              <a:fillRef idx="1">
+                <a:schemeClr val="accent1"/>
+              </a:fillRef>
+              <a:effectRef idx="0">
+                <a:schemeClr val="accent1"/>
+              </a:effectRef>
+              <a:fontRef idx="minor">
+                <a:schemeClr val="lt1"/>
+              </a:fontRef>
+            </p:style>
+            <p:txBody>
+              <a:bodyPr rtlCol="0" anchor="ctr"/>
+              <a:lstStyle/>
+              <a:p>
+                <a:pPr algn="ctr"/>
+                <a:endParaRPr lang="en-GB" sz="3600" dirty="0"/>
+              </a:p>
+            </p:txBody>
+          </p:sp>
+        </p:grpSp>
       </p:grpSp>
+    </p:spTree>
+    <p:extLst>
+      <p:ext uri="{BB962C8B-B14F-4D97-AF65-F5344CB8AC3E}">
+        <p14:creationId xmlns:p14="http://schemas.microsoft.com/office/powerpoint/2010/main" val="1208429008"/>
+      </p:ext>
+    </p:extLst>
+  </p:cSld>
+  <p:clrMapOvr>
+    <a:masterClrMapping/>
+  </p:clrMapOvr>
+</p:sld>
+</file>
+
+<file path=ppt/slides/slide3.xml><?xml version="1.0" encoding="utf-8"?>
+<p:sld xmlns:a="http://schemas.openxmlformats.org/drawingml/2006/main" xmlns:r="http://schemas.openxmlformats.org/officeDocument/2006/relationships" xmlns:p="http://schemas.openxmlformats.org/presentationml/2006/main">
+  <p:cSld>
+    <p:spTree>
+      <p:nvGrpSpPr>
+        <p:cNvPr id="1" name=""/>
+        <p:cNvGrpSpPr/>
+        <p:nvPr/>
+      </p:nvGrpSpPr>
+      <p:grpSpPr>
+        <a:xfrm>
+          <a:off x="0" y="0"/>
+          <a:ext cx="0" cy="0"/>
+          <a:chOff x="0" y="0"/>
+          <a:chExt cx="0" cy="0"/>
+        </a:xfrm>
+      </p:grpSpPr>
+      <p:pic>
+        <p:nvPicPr>
+          <p:cNvPr id="5" name="Picture 4" descr="Chart, bar chart&#10;&#10;Description automatically generated">
+            <a:extLst>
+              <a:ext uri="{FF2B5EF4-FFF2-40B4-BE49-F238E27FC236}">
+                <a16:creationId xmlns:a16="http://schemas.microsoft.com/office/drawing/2014/main" id="{1ED537FA-35A4-3F89-75C5-50213F694833}"/>
+              </a:ext>
+            </a:extLst>
+          </p:cNvPr>
+          <p:cNvPicPr>
+            <a:picLocks noChangeAspect="1"/>
+          </p:cNvPicPr>
+          <p:nvPr/>
+        </p:nvPicPr>
+        <p:blipFill>
+          <a:blip r:embed="rId2"/>
+          <a:stretch>
+            <a:fillRect/>
+          </a:stretch>
+        </p:blipFill>
+        <p:spPr>
+          <a:xfrm>
+            <a:off x="752405" y="2427357"/>
+            <a:ext cx="12895402" cy="6447701"/>
+          </a:xfrm>
+          <a:prstGeom prst="rect">
+            <a:avLst/>
+          </a:prstGeom>
+        </p:spPr>
+      </p:pic>
       <p:sp>
         <p:nvSpPr>
-          <p:cNvPr id="27" name="Rectangle 26">
+          <p:cNvPr id="6" name="Rectangle 5">
             <a:extLst>
               <a:ext uri="{FF2B5EF4-FFF2-40B4-BE49-F238E27FC236}">
-                <a16:creationId xmlns:a16="http://schemas.microsoft.com/office/drawing/2014/main" id="{5E7AF74E-726B-B640-10F7-58861E66F8BC}"/>
+                <a16:creationId xmlns:a16="http://schemas.microsoft.com/office/drawing/2014/main" id="{32F1EC07-2E85-DE89-A631-8453AB91B61F}"/>
               </a:ext>
             </a:extLst>
           </p:cNvPr>
@@ -3861,19 +7032,17 @@
         </p:nvSpPr>
         <p:spPr>
           <a:xfrm>
-            <a:off x="2667203" y="5150155"/>
-            <a:ext cx="304800" cy="144000"/>
+            <a:off x="1544726" y="2427357"/>
+            <a:ext cx="8567461" cy="921549"/>
           </a:xfrm>
           <a:prstGeom prst="rect">
             <a:avLst/>
           </a:prstGeom>
           <a:solidFill>
-            <a:srgbClr val="73605B"/>
+            <a:schemeClr val="bg1"/>
           </a:solidFill>
           <a:ln>
-            <a:solidFill>
-              <a:srgbClr val="73605B"/>
-            </a:solidFill>
+            <a:noFill/>
           </a:ln>
         </p:spPr>
         <p:style>
@@ -3897,16 +7066,136 @@
           <a:lstStyle/>
           <a:p>
             <a:pPr algn="ctr"/>
-            <a:endParaRPr lang="en-GB" dirty="0"/>
+            <a:endParaRPr lang="en-GB"/>
           </a:p>
         </p:txBody>
       </p:sp>
+      <p:pic>
+        <p:nvPicPr>
+          <p:cNvPr id="7" name="Picture 6" descr="A close up of a fly&#10;&#10;Description automatically generated with medium confidence">
+            <a:extLst>
+              <a:ext uri="{FF2B5EF4-FFF2-40B4-BE49-F238E27FC236}">
+                <a16:creationId xmlns:a16="http://schemas.microsoft.com/office/drawing/2014/main" id="{37A4CC88-2DF6-B15A-4252-CA306DCA825B}"/>
+              </a:ext>
+            </a:extLst>
+          </p:cNvPr>
+          <p:cNvPicPr>
+            <a:picLocks noChangeAspect="1"/>
+          </p:cNvPicPr>
+          <p:nvPr/>
+        </p:nvPicPr>
+        <p:blipFill>
+          <a:blip r:embed="rId3"/>
+          <a:stretch>
+            <a:fillRect/>
+          </a:stretch>
+        </p:blipFill>
+        <p:spPr>
+          <a:xfrm>
+            <a:off x="2841230" y="2215076"/>
+            <a:ext cx="1119317" cy="965477"/>
+          </a:xfrm>
+          <a:prstGeom prst="rect">
+            <a:avLst/>
+          </a:prstGeom>
+        </p:spPr>
+      </p:pic>
+      <p:pic>
+        <p:nvPicPr>
+          <p:cNvPr id="8" name="Picture 7" descr="A close up of a bee&#10;&#10;Description automatically generated">
+            <a:extLst>
+              <a:ext uri="{FF2B5EF4-FFF2-40B4-BE49-F238E27FC236}">
+                <a16:creationId xmlns:a16="http://schemas.microsoft.com/office/drawing/2014/main" id="{93144C84-0900-CA7B-D1C6-C8E8B24AC0DB}"/>
+              </a:ext>
+            </a:extLst>
+          </p:cNvPr>
+          <p:cNvPicPr>
+            <a:picLocks noChangeAspect="1"/>
+          </p:cNvPicPr>
+          <p:nvPr/>
+        </p:nvPicPr>
+        <p:blipFill>
+          <a:blip r:embed="rId4"/>
+          <a:stretch>
+            <a:fillRect/>
+          </a:stretch>
+        </p:blipFill>
+        <p:spPr>
+          <a:xfrm>
+            <a:off x="6936509" y="2204974"/>
+            <a:ext cx="1362242" cy="975579"/>
+          </a:xfrm>
+          <a:prstGeom prst="rect">
+            <a:avLst/>
+          </a:prstGeom>
+        </p:spPr>
+      </p:pic>
+    </p:spTree>
+    <p:extLst>
+      <p:ext uri="{BB962C8B-B14F-4D97-AF65-F5344CB8AC3E}">
+        <p14:creationId xmlns:p14="http://schemas.microsoft.com/office/powerpoint/2010/main" val="1599452536"/>
+      </p:ext>
+    </p:extLst>
+  </p:cSld>
+  <p:clrMapOvr>
+    <a:masterClrMapping/>
+  </p:clrMapOvr>
+</p:sld>
+</file>
+
+<file path=ppt/slides/slide4.xml><?xml version="1.0" encoding="utf-8"?>
+<p:sld xmlns:a="http://schemas.openxmlformats.org/drawingml/2006/main" xmlns:r="http://schemas.openxmlformats.org/officeDocument/2006/relationships" xmlns:p="http://schemas.openxmlformats.org/presentationml/2006/main">
+  <p:cSld>
+    <p:spTree>
+      <p:nvGrpSpPr>
+        <p:cNvPr id="1" name=""/>
+        <p:cNvGrpSpPr/>
+        <p:nvPr/>
+      </p:nvGrpSpPr>
+      <p:grpSpPr>
+        <a:xfrm>
+          <a:off x="0" y="0"/>
+          <a:ext cx="0" cy="0"/>
+          <a:chOff x="0" y="0"/>
+          <a:chExt cx="0" cy="0"/>
+        </a:xfrm>
+      </p:grpSpPr>
+      <p:pic>
+        <p:nvPicPr>
+          <p:cNvPr id="3" name="Picture 2" descr="Chart, bar chart&#10;&#10;Description automatically generated">
+            <a:extLst>
+              <a:ext uri="{FF2B5EF4-FFF2-40B4-BE49-F238E27FC236}">
+                <a16:creationId xmlns:a16="http://schemas.microsoft.com/office/drawing/2014/main" id="{EFB5A733-6D03-D17B-2948-4F4CF008968C}"/>
+              </a:ext>
+            </a:extLst>
+          </p:cNvPr>
+          <p:cNvPicPr>
+            <a:picLocks noChangeAspect="1"/>
+          </p:cNvPicPr>
+          <p:nvPr/>
+        </p:nvPicPr>
+        <p:blipFill>
+          <a:blip r:embed="rId2"/>
+          <a:stretch>
+            <a:fillRect/>
+          </a:stretch>
+        </p:blipFill>
+        <p:spPr>
+          <a:xfrm>
+            <a:off x="802773" y="2692763"/>
+            <a:ext cx="13117626" cy="6558813"/>
+          </a:xfrm>
+          <a:prstGeom prst="rect">
+            <a:avLst/>
+          </a:prstGeom>
+        </p:spPr>
+      </p:pic>
       <p:sp>
         <p:nvSpPr>
-          <p:cNvPr id="28" name="Rectangle 27">
+          <p:cNvPr id="6" name="Rectangle 5">
             <a:extLst>
               <a:ext uri="{FF2B5EF4-FFF2-40B4-BE49-F238E27FC236}">
-                <a16:creationId xmlns:a16="http://schemas.microsoft.com/office/drawing/2014/main" id="{FAFBD4BA-6436-1B53-9AE6-E84ED3FAD15E}"/>
+                <a16:creationId xmlns:a16="http://schemas.microsoft.com/office/drawing/2014/main" id="{32F1EC07-2E85-DE89-A631-8453AB91B61F}"/>
               </a:ext>
             </a:extLst>
           </p:cNvPr>
@@ -3915,19 +7204,17 @@
         </p:nvSpPr>
         <p:spPr>
           <a:xfrm>
-            <a:off x="2667203" y="5294155"/>
-            <a:ext cx="304800" cy="144000"/>
+            <a:off x="953056" y="2746793"/>
+            <a:ext cx="9392215" cy="921549"/>
           </a:xfrm>
           <a:prstGeom prst="rect">
             <a:avLst/>
           </a:prstGeom>
           <a:solidFill>
-            <a:srgbClr val="326B87"/>
+            <a:schemeClr val="bg1"/>
           </a:solidFill>
           <a:ln>
-            <a:solidFill>
-              <a:srgbClr val="326B87"/>
-            </a:solidFill>
+            <a:noFill/>
           </a:ln>
         </p:spPr>
         <p:style>
@@ -3951,770 +7238,74 @@
           <a:lstStyle/>
           <a:p>
             <a:pPr algn="ctr"/>
-            <a:endParaRPr lang="en-GB" dirty="0"/>
+            <a:endParaRPr lang="en-GB"/>
           </a:p>
         </p:txBody>
       </p:sp>
-      <p:sp>
-        <p:nvSpPr>
-          <p:cNvPr id="29" name="Rectangle 28">
+      <p:pic>
+        <p:nvPicPr>
+          <p:cNvPr id="7" name="Picture 6" descr="A close up of a fly&#10;&#10;Description automatically generated with medium confidence">
             <a:extLst>
               <a:ext uri="{FF2B5EF4-FFF2-40B4-BE49-F238E27FC236}">
-                <a16:creationId xmlns:a16="http://schemas.microsoft.com/office/drawing/2014/main" id="{A31B1A70-E8BF-3337-32C4-2B3C6A8192B2}"/>
+                <a16:creationId xmlns:a16="http://schemas.microsoft.com/office/drawing/2014/main" id="{37A4CC88-2DF6-B15A-4252-CA306DCA825B}"/>
               </a:ext>
             </a:extLst>
           </p:cNvPr>
-          <p:cNvSpPr/>
+          <p:cNvPicPr>
+            <a:picLocks noChangeAspect="1"/>
+          </p:cNvPicPr>
           <p:nvPr/>
-        </p:nvSpPr>
+        </p:nvPicPr>
+        <p:blipFill>
+          <a:blip r:embed="rId3"/>
+          <a:stretch>
+            <a:fillRect/>
+          </a:stretch>
+        </p:blipFill>
         <p:spPr>
           <a:xfrm>
-            <a:off x="2667203" y="5438155"/>
-            <a:ext cx="304800" cy="75600"/>
+            <a:off x="3065319" y="2692763"/>
+            <a:ext cx="1119317" cy="965477"/>
           </a:xfrm>
           <a:prstGeom prst="rect">
             <a:avLst/>
           </a:prstGeom>
-          <a:solidFill>
-            <a:srgbClr val="F34A4A"/>
-          </a:solidFill>
-          <a:ln>
-            <a:solidFill>
-              <a:srgbClr val="F34A4A"/>
-            </a:solidFill>
-          </a:ln>
         </p:spPr>
-        <p:style>
-          <a:lnRef idx="2">
-            <a:schemeClr val="accent1">
-              <a:shade val="50000"/>
-            </a:schemeClr>
-          </a:lnRef>
-          <a:fillRef idx="1">
-            <a:schemeClr val="accent1"/>
-          </a:fillRef>
-          <a:effectRef idx="0">
-            <a:schemeClr val="accent1"/>
-          </a:effectRef>
-          <a:fontRef idx="minor">
-            <a:schemeClr val="lt1"/>
-          </a:fontRef>
-        </p:style>
-        <p:txBody>
-          <a:bodyPr rtlCol="0" anchor="ctr"/>
-          <a:lstStyle/>
-          <a:p>
-            <a:pPr algn="ctr"/>
-            <a:endParaRPr lang="en-GB" dirty="0"/>
-          </a:p>
-        </p:txBody>
-      </p:sp>
-      <p:sp>
-        <p:nvSpPr>
-          <p:cNvPr id="30" name="Rectangle 29">
+      </p:pic>
+      <p:pic>
+        <p:nvPicPr>
+          <p:cNvPr id="8" name="Picture 7" descr="A close up of a bee&#10;&#10;Description automatically generated">
             <a:extLst>
               <a:ext uri="{FF2B5EF4-FFF2-40B4-BE49-F238E27FC236}">
-                <a16:creationId xmlns:a16="http://schemas.microsoft.com/office/drawing/2014/main" id="{956E2BEA-80D8-46D1-A264-78F218A8D777}"/>
+                <a16:creationId xmlns:a16="http://schemas.microsoft.com/office/drawing/2014/main" id="{93144C84-0900-CA7B-D1C6-C8E8B24AC0DB}"/>
               </a:ext>
             </a:extLst>
           </p:cNvPr>
-          <p:cNvSpPr/>
+          <p:cNvPicPr>
+            <a:picLocks noChangeAspect="1"/>
+          </p:cNvPicPr>
           <p:nvPr/>
-        </p:nvSpPr>
+        </p:nvPicPr>
+        <p:blipFill>
+          <a:blip r:embed="rId4"/>
+          <a:stretch>
+            <a:fillRect/>
+          </a:stretch>
+        </p:blipFill>
         <p:spPr>
           <a:xfrm>
-            <a:off x="2667203" y="5516407"/>
-            <a:ext cx="304800" cy="439417"/>
+            <a:off x="7200106" y="2692763"/>
+            <a:ext cx="1362242" cy="975579"/>
           </a:xfrm>
           <a:prstGeom prst="rect">
             <a:avLst/>
           </a:prstGeom>
-          <a:solidFill>
-            <a:srgbClr val="9B4E10"/>
-          </a:solidFill>
-          <a:ln>
-            <a:solidFill>
-              <a:srgbClr val="9B4E10"/>
-            </a:solidFill>
-          </a:ln>
         </p:spPr>
-        <p:style>
-          <a:lnRef idx="2">
-            <a:schemeClr val="accent1">
-              <a:shade val="50000"/>
-            </a:schemeClr>
-          </a:lnRef>
-          <a:fillRef idx="1">
-            <a:schemeClr val="accent1"/>
-          </a:fillRef>
-          <a:effectRef idx="0">
-            <a:schemeClr val="accent1"/>
-          </a:effectRef>
-          <a:fontRef idx="minor">
-            <a:schemeClr val="lt1"/>
-          </a:fontRef>
-        </p:style>
-        <p:txBody>
-          <a:bodyPr rtlCol="0" anchor="ctr"/>
-          <a:lstStyle/>
-          <a:p>
-            <a:pPr algn="ctr"/>
-            <a:endParaRPr lang="en-GB" dirty="0"/>
-          </a:p>
-        </p:txBody>
-      </p:sp>
-      <p:sp>
-        <p:nvSpPr>
-          <p:cNvPr id="33" name="Rectangle 32">
-            <a:extLst>
-              <a:ext uri="{FF2B5EF4-FFF2-40B4-BE49-F238E27FC236}">
-                <a16:creationId xmlns:a16="http://schemas.microsoft.com/office/drawing/2014/main" id="{5095E8ED-D169-EA62-4B6E-6330736700D1}"/>
-              </a:ext>
-            </a:extLst>
-          </p:cNvPr>
-          <p:cNvSpPr/>
-          <p:nvPr/>
-        </p:nvSpPr>
-        <p:spPr>
-          <a:xfrm>
-            <a:off x="2667203" y="5955824"/>
-            <a:ext cx="304800" cy="75600"/>
-          </a:xfrm>
-          <a:prstGeom prst="rect">
-            <a:avLst/>
-          </a:prstGeom>
-          <a:solidFill>
-            <a:srgbClr val="DDBD95"/>
-          </a:solidFill>
-          <a:ln>
-            <a:solidFill>
-              <a:srgbClr val="DDBD95"/>
-            </a:solidFill>
-          </a:ln>
-        </p:spPr>
-        <p:style>
-          <a:lnRef idx="2">
-            <a:schemeClr val="accent1">
-              <a:shade val="50000"/>
-            </a:schemeClr>
-          </a:lnRef>
-          <a:fillRef idx="1">
-            <a:schemeClr val="accent1"/>
-          </a:fillRef>
-          <a:effectRef idx="0">
-            <a:schemeClr val="accent1"/>
-          </a:effectRef>
-          <a:fontRef idx="minor">
-            <a:schemeClr val="lt1"/>
-          </a:fontRef>
-        </p:style>
-        <p:txBody>
-          <a:bodyPr rtlCol="0" anchor="ctr"/>
-          <a:lstStyle/>
-          <a:p>
-            <a:pPr algn="ctr"/>
-            <a:endParaRPr lang="en-GB" dirty="0"/>
-          </a:p>
-        </p:txBody>
-      </p:sp>
-      <p:sp>
-        <p:nvSpPr>
-          <p:cNvPr id="34" name="Rectangle 33">
-            <a:extLst>
-              <a:ext uri="{FF2B5EF4-FFF2-40B4-BE49-F238E27FC236}">
-                <a16:creationId xmlns:a16="http://schemas.microsoft.com/office/drawing/2014/main" id="{24EC29DE-4EEF-8EAD-D032-E198D58CC936}"/>
-              </a:ext>
-            </a:extLst>
-          </p:cNvPr>
-          <p:cNvSpPr/>
-          <p:nvPr/>
-        </p:nvSpPr>
-        <p:spPr>
-          <a:xfrm>
-            <a:off x="2667203" y="6031424"/>
-            <a:ext cx="304800" cy="283792"/>
-          </a:xfrm>
-          <a:prstGeom prst="rect">
-            <a:avLst/>
-          </a:prstGeom>
-          <a:solidFill>
-            <a:srgbClr val="1A95AD"/>
-          </a:solidFill>
-          <a:ln>
-            <a:solidFill>
-              <a:srgbClr val="1A95AD"/>
-            </a:solidFill>
-          </a:ln>
-        </p:spPr>
-        <p:style>
-          <a:lnRef idx="2">
-            <a:schemeClr val="accent1">
-              <a:shade val="50000"/>
-            </a:schemeClr>
-          </a:lnRef>
-          <a:fillRef idx="1">
-            <a:schemeClr val="accent1"/>
-          </a:fillRef>
-          <a:effectRef idx="0">
-            <a:schemeClr val="accent1"/>
-          </a:effectRef>
-          <a:fontRef idx="minor">
-            <a:schemeClr val="lt1"/>
-          </a:fontRef>
-        </p:style>
-        <p:txBody>
-          <a:bodyPr rtlCol="0" anchor="ctr"/>
-          <a:lstStyle/>
-          <a:p>
-            <a:pPr algn="ctr"/>
-            <a:endParaRPr lang="en-GB" dirty="0"/>
-          </a:p>
-        </p:txBody>
-      </p:sp>
-      <p:sp>
-        <p:nvSpPr>
-          <p:cNvPr id="35" name="Rectangle 34">
-            <a:extLst>
-              <a:ext uri="{FF2B5EF4-FFF2-40B4-BE49-F238E27FC236}">
-                <a16:creationId xmlns:a16="http://schemas.microsoft.com/office/drawing/2014/main" id="{DF0ED550-709D-EAF8-8D1C-7688876C1761}"/>
-              </a:ext>
-            </a:extLst>
-          </p:cNvPr>
-          <p:cNvSpPr/>
-          <p:nvPr/>
-        </p:nvSpPr>
-        <p:spPr>
-          <a:xfrm>
-            <a:off x="2667203" y="6326841"/>
-            <a:ext cx="304800" cy="144000"/>
-          </a:xfrm>
-          <a:prstGeom prst="rect">
-            <a:avLst/>
-          </a:prstGeom>
-          <a:solidFill>
-            <a:srgbClr val="DAB44A"/>
-          </a:solidFill>
-          <a:ln>
-            <a:solidFill>
-              <a:srgbClr val="DAB44A"/>
-            </a:solidFill>
-          </a:ln>
-        </p:spPr>
-        <p:style>
-          <a:lnRef idx="2">
-            <a:schemeClr val="accent1">
-              <a:shade val="50000"/>
-            </a:schemeClr>
-          </a:lnRef>
-          <a:fillRef idx="1">
-            <a:schemeClr val="accent1"/>
-          </a:fillRef>
-          <a:effectRef idx="0">
-            <a:schemeClr val="accent1"/>
-          </a:effectRef>
-          <a:fontRef idx="minor">
-            <a:schemeClr val="lt1"/>
-          </a:fontRef>
-        </p:style>
-        <p:txBody>
-          <a:bodyPr rtlCol="0" anchor="ctr"/>
-          <a:lstStyle/>
-          <a:p>
-            <a:pPr algn="ctr"/>
-            <a:endParaRPr lang="en-GB" dirty="0"/>
-          </a:p>
-        </p:txBody>
-      </p:sp>
-      <p:sp>
-        <p:nvSpPr>
-          <p:cNvPr id="36" name="Rectangle 35">
-            <a:extLst>
-              <a:ext uri="{FF2B5EF4-FFF2-40B4-BE49-F238E27FC236}">
-                <a16:creationId xmlns:a16="http://schemas.microsoft.com/office/drawing/2014/main" id="{F4A884F5-BAEF-B644-D2A5-98C6E3CA6603}"/>
-              </a:ext>
-            </a:extLst>
-          </p:cNvPr>
-          <p:cNvSpPr/>
-          <p:nvPr/>
-        </p:nvSpPr>
-        <p:spPr>
-          <a:xfrm>
-            <a:off x="2667203" y="6482466"/>
-            <a:ext cx="304800" cy="418326"/>
-          </a:xfrm>
-          <a:prstGeom prst="rect">
-            <a:avLst/>
-          </a:prstGeom>
-          <a:solidFill>
-            <a:srgbClr val="F8EFE2"/>
-          </a:solidFill>
-          <a:ln>
-            <a:solidFill>
-              <a:srgbClr val="F8EFE2"/>
-            </a:solidFill>
-          </a:ln>
-        </p:spPr>
-        <p:style>
-          <a:lnRef idx="2">
-            <a:schemeClr val="accent1">
-              <a:shade val="50000"/>
-            </a:schemeClr>
-          </a:lnRef>
-          <a:fillRef idx="1">
-            <a:schemeClr val="accent1"/>
-          </a:fillRef>
-          <a:effectRef idx="0">
-            <a:schemeClr val="accent1"/>
-          </a:effectRef>
-          <a:fontRef idx="minor">
-            <a:schemeClr val="lt1"/>
-          </a:fontRef>
-        </p:style>
-        <p:txBody>
-          <a:bodyPr rtlCol="0" anchor="ctr"/>
-          <a:lstStyle/>
-          <a:p>
-            <a:pPr algn="ctr"/>
-            <a:endParaRPr lang="en-GB" dirty="0"/>
-          </a:p>
-        </p:txBody>
-      </p:sp>
-      <p:sp>
-        <p:nvSpPr>
-          <p:cNvPr id="37" name="Rectangle 36">
-            <a:extLst>
-              <a:ext uri="{FF2B5EF4-FFF2-40B4-BE49-F238E27FC236}">
-                <a16:creationId xmlns:a16="http://schemas.microsoft.com/office/drawing/2014/main" id="{54C47C1A-171C-A382-8D65-5B70538E07B6}"/>
-              </a:ext>
-            </a:extLst>
-          </p:cNvPr>
-          <p:cNvSpPr/>
-          <p:nvPr/>
-        </p:nvSpPr>
-        <p:spPr>
-          <a:xfrm>
-            <a:off x="2667203" y="6906187"/>
-            <a:ext cx="304800" cy="144000"/>
-          </a:xfrm>
-          <a:prstGeom prst="rect">
-            <a:avLst/>
-          </a:prstGeom>
-          <a:solidFill>
-            <a:srgbClr val="1F948B"/>
-          </a:solidFill>
-          <a:ln>
-            <a:solidFill>
-              <a:srgbClr val="1F948B"/>
-            </a:solidFill>
-          </a:ln>
-        </p:spPr>
-        <p:style>
-          <a:lnRef idx="2">
-            <a:schemeClr val="accent1">
-              <a:shade val="50000"/>
-            </a:schemeClr>
-          </a:lnRef>
-          <a:fillRef idx="1">
-            <a:schemeClr val="accent1"/>
-          </a:fillRef>
-          <a:effectRef idx="0">
-            <a:schemeClr val="accent1"/>
-          </a:effectRef>
-          <a:fontRef idx="minor">
-            <a:schemeClr val="lt1"/>
-          </a:fontRef>
-        </p:style>
-        <p:txBody>
-          <a:bodyPr rtlCol="0" anchor="ctr"/>
-          <a:lstStyle/>
-          <a:p>
-            <a:pPr algn="ctr"/>
-            <a:endParaRPr lang="en-GB" dirty="0"/>
-          </a:p>
-        </p:txBody>
-      </p:sp>
-      <p:sp>
-        <p:nvSpPr>
-          <p:cNvPr id="38" name="Rectangle 37">
-            <a:extLst>
-              <a:ext uri="{FF2B5EF4-FFF2-40B4-BE49-F238E27FC236}">
-                <a16:creationId xmlns:a16="http://schemas.microsoft.com/office/drawing/2014/main" id="{71D3E0D7-6AF2-0C7A-2FE1-F1E8D3F76663}"/>
-              </a:ext>
-            </a:extLst>
-          </p:cNvPr>
-          <p:cNvSpPr/>
-          <p:nvPr/>
-        </p:nvSpPr>
-        <p:spPr>
-          <a:xfrm>
-            <a:off x="2667203" y="7050187"/>
-            <a:ext cx="304800" cy="144000"/>
-          </a:xfrm>
-          <a:prstGeom prst="rect">
-            <a:avLst/>
-          </a:prstGeom>
-          <a:solidFill>
-            <a:srgbClr val="DFE266"/>
-          </a:solidFill>
-          <a:ln>
-            <a:solidFill>
-              <a:srgbClr val="DFE266"/>
-            </a:solidFill>
-          </a:ln>
-        </p:spPr>
-        <p:style>
-          <a:lnRef idx="2">
-            <a:schemeClr val="accent1">
-              <a:shade val="50000"/>
-            </a:schemeClr>
-          </a:lnRef>
-          <a:fillRef idx="1">
-            <a:schemeClr val="accent1"/>
-          </a:fillRef>
-          <a:effectRef idx="0">
-            <a:schemeClr val="accent1"/>
-          </a:effectRef>
-          <a:fontRef idx="minor">
-            <a:schemeClr val="lt1"/>
-          </a:fontRef>
-        </p:style>
-        <p:txBody>
-          <a:bodyPr rtlCol="0" anchor="ctr"/>
-          <a:lstStyle/>
-          <a:p>
-            <a:pPr algn="ctr"/>
-            <a:endParaRPr lang="en-GB" dirty="0"/>
-          </a:p>
-        </p:txBody>
-      </p:sp>
-      <p:sp>
-        <p:nvSpPr>
-          <p:cNvPr id="39" name="Rectangle 38">
-            <a:extLst>
-              <a:ext uri="{FF2B5EF4-FFF2-40B4-BE49-F238E27FC236}">
-                <a16:creationId xmlns:a16="http://schemas.microsoft.com/office/drawing/2014/main" id="{9C178F37-CC92-C53C-6838-96246F2DF6BC}"/>
-              </a:ext>
-            </a:extLst>
-          </p:cNvPr>
-          <p:cNvSpPr/>
-          <p:nvPr/>
-        </p:nvSpPr>
-        <p:spPr>
-          <a:xfrm>
-            <a:off x="2667203" y="7192073"/>
-            <a:ext cx="304800" cy="75600"/>
-          </a:xfrm>
-          <a:prstGeom prst="rect">
-            <a:avLst/>
-          </a:prstGeom>
-          <a:solidFill>
-            <a:srgbClr val="4F6457"/>
-          </a:solidFill>
-          <a:ln>
-            <a:solidFill>
-              <a:srgbClr val="4F6457"/>
-            </a:solidFill>
-          </a:ln>
-        </p:spPr>
-        <p:style>
-          <a:lnRef idx="2">
-            <a:schemeClr val="accent1">
-              <a:shade val="50000"/>
-            </a:schemeClr>
-          </a:lnRef>
-          <a:fillRef idx="1">
-            <a:schemeClr val="accent1"/>
-          </a:fillRef>
-          <a:effectRef idx="0">
-            <a:schemeClr val="accent1"/>
-          </a:effectRef>
-          <a:fontRef idx="minor">
-            <a:schemeClr val="lt1"/>
-          </a:fontRef>
-        </p:style>
-        <p:txBody>
-          <a:bodyPr rtlCol="0" anchor="ctr"/>
-          <a:lstStyle/>
-          <a:p>
-            <a:pPr algn="ctr"/>
-            <a:endParaRPr lang="en-GB" dirty="0"/>
-          </a:p>
-        </p:txBody>
-      </p:sp>
-      <p:sp>
-        <p:nvSpPr>
-          <p:cNvPr id="40" name="Rectangle 39">
-            <a:extLst>
-              <a:ext uri="{FF2B5EF4-FFF2-40B4-BE49-F238E27FC236}">
-                <a16:creationId xmlns:a16="http://schemas.microsoft.com/office/drawing/2014/main" id="{146D9A2B-D796-3EF2-C877-0489C5835BD4}"/>
-              </a:ext>
-            </a:extLst>
-          </p:cNvPr>
-          <p:cNvSpPr/>
-          <p:nvPr/>
-        </p:nvSpPr>
-        <p:spPr>
-          <a:xfrm>
-            <a:off x="2667203" y="7267673"/>
-            <a:ext cx="304800" cy="965102"/>
-          </a:xfrm>
-          <a:prstGeom prst="rect">
-            <a:avLst/>
-          </a:prstGeom>
-          <a:solidFill>
-            <a:srgbClr val="A0D7E2"/>
-          </a:solidFill>
-          <a:ln>
-            <a:solidFill>
-              <a:srgbClr val="A0D7E2"/>
-            </a:solidFill>
-          </a:ln>
-        </p:spPr>
-        <p:style>
-          <a:lnRef idx="2">
-            <a:schemeClr val="accent1">
-              <a:shade val="50000"/>
-            </a:schemeClr>
-          </a:lnRef>
-          <a:fillRef idx="1">
-            <a:schemeClr val="accent1"/>
-          </a:fillRef>
-          <a:effectRef idx="0">
-            <a:schemeClr val="accent1"/>
-          </a:effectRef>
-          <a:fontRef idx="minor">
-            <a:schemeClr val="lt1"/>
-          </a:fontRef>
-        </p:style>
-        <p:txBody>
-          <a:bodyPr rtlCol="0" anchor="ctr"/>
-          <a:lstStyle/>
-          <a:p>
-            <a:pPr algn="ctr"/>
-            <a:endParaRPr lang="en-GB" dirty="0"/>
-          </a:p>
-        </p:txBody>
-      </p:sp>
-      <p:sp>
-        <p:nvSpPr>
-          <p:cNvPr id="41" name="Rectangle 40">
-            <a:extLst>
-              <a:ext uri="{FF2B5EF4-FFF2-40B4-BE49-F238E27FC236}">
-                <a16:creationId xmlns:a16="http://schemas.microsoft.com/office/drawing/2014/main" id="{9613BDDA-304A-6E5C-8446-897B278A6BAF}"/>
-              </a:ext>
-            </a:extLst>
-          </p:cNvPr>
-          <p:cNvSpPr/>
-          <p:nvPr/>
-        </p:nvSpPr>
-        <p:spPr>
-          <a:xfrm>
-            <a:off x="2667203" y="8234261"/>
-            <a:ext cx="304800" cy="72000"/>
-          </a:xfrm>
-          <a:prstGeom prst="rect">
-            <a:avLst/>
-          </a:prstGeom>
-          <a:solidFill>
-            <a:srgbClr val="FB802E"/>
-          </a:solidFill>
-          <a:ln>
-            <a:solidFill>
-              <a:srgbClr val="FB802E"/>
-            </a:solidFill>
-          </a:ln>
-        </p:spPr>
-        <p:style>
-          <a:lnRef idx="2">
-            <a:schemeClr val="accent1">
-              <a:shade val="50000"/>
-            </a:schemeClr>
-          </a:lnRef>
-          <a:fillRef idx="1">
-            <a:schemeClr val="accent1"/>
-          </a:fillRef>
-          <a:effectRef idx="0">
-            <a:schemeClr val="accent1"/>
-          </a:effectRef>
-          <a:fontRef idx="minor">
-            <a:schemeClr val="lt1"/>
-          </a:fontRef>
-        </p:style>
-        <p:txBody>
-          <a:bodyPr rtlCol="0" anchor="ctr"/>
-          <a:lstStyle/>
-          <a:p>
-            <a:pPr algn="ctr"/>
-            <a:endParaRPr lang="en-GB" dirty="0"/>
-          </a:p>
-        </p:txBody>
-      </p:sp>
-      <p:sp>
-        <p:nvSpPr>
-          <p:cNvPr id="42" name="Rectangle 41">
-            <a:extLst>
-              <a:ext uri="{FF2B5EF4-FFF2-40B4-BE49-F238E27FC236}">
-                <a16:creationId xmlns:a16="http://schemas.microsoft.com/office/drawing/2014/main" id="{4ED6DD71-432D-1E88-1DBD-09C11F73C2AA}"/>
-              </a:ext>
-            </a:extLst>
-          </p:cNvPr>
-          <p:cNvSpPr/>
-          <p:nvPr/>
-        </p:nvSpPr>
-        <p:spPr>
-          <a:xfrm>
-            <a:off x="2667203" y="8310175"/>
-            <a:ext cx="304800" cy="133737"/>
-          </a:xfrm>
-          <a:prstGeom prst="rect">
-            <a:avLst/>
-          </a:prstGeom>
-          <a:solidFill>
-            <a:srgbClr val="C4DFE6"/>
-          </a:solidFill>
-          <a:ln>
-            <a:solidFill>
-              <a:srgbClr val="C4DFE6"/>
-            </a:solidFill>
-          </a:ln>
-        </p:spPr>
-        <p:style>
-          <a:lnRef idx="2">
-            <a:schemeClr val="accent1">
-              <a:shade val="50000"/>
-            </a:schemeClr>
-          </a:lnRef>
-          <a:fillRef idx="1">
-            <a:schemeClr val="accent1"/>
-          </a:fillRef>
-          <a:effectRef idx="0">
-            <a:schemeClr val="accent1"/>
-          </a:effectRef>
-          <a:fontRef idx="minor">
-            <a:schemeClr val="lt1"/>
-          </a:fontRef>
-        </p:style>
-        <p:txBody>
-          <a:bodyPr rtlCol="0" anchor="ctr"/>
-          <a:lstStyle/>
-          <a:p>
-            <a:pPr algn="ctr"/>
-            <a:endParaRPr lang="en-GB" dirty="0"/>
-          </a:p>
-        </p:txBody>
-      </p:sp>
-      <p:sp>
-        <p:nvSpPr>
-          <p:cNvPr id="43" name="Rectangle 42">
-            <a:extLst>
-              <a:ext uri="{FF2B5EF4-FFF2-40B4-BE49-F238E27FC236}">
-                <a16:creationId xmlns:a16="http://schemas.microsoft.com/office/drawing/2014/main" id="{BE673AF5-19C2-79E0-DB77-B67B8F59A402}"/>
-              </a:ext>
-            </a:extLst>
-          </p:cNvPr>
-          <p:cNvSpPr/>
-          <p:nvPr/>
-        </p:nvSpPr>
-        <p:spPr>
-          <a:xfrm>
-            <a:off x="2667203" y="8443912"/>
-            <a:ext cx="304800" cy="214666"/>
-          </a:xfrm>
-          <a:prstGeom prst="rect">
-            <a:avLst/>
-          </a:prstGeom>
-          <a:solidFill>
-            <a:srgbClr val="80BD9E"/>
-          </a:solidFill>
-          <a:ln>
-            <a:solidFill>
-              <a:srgbClr val="80BD9E"/>
-            </a:solidFill>
-          </a:ln>
-        </p:spPr>
-        <p:style>
-          <a:lnRef idx="2">
-            <a:schemeClr val="accent1">
-              <a:shade val="50000"/>
-            </a:schemeClr>
-          </a:lnRef>
-          <a:fillRef idx="1">
-            <a:schemeClr val="accent1"/>
-          </a:fillRef>
-          <a:effectRef idx="0">
-            <a:schemeClr val="accent1"/>
-          </a:effectRef>
-          <a:fontRef idx="minor">
-            <a:schemeClr val="lt1"/>
-          </a:fontRef>
-        </p:style>
-        <p:txBody>
-          <a:bodyPr rtlCol="0" anchor="ctr"/>
-          <a:lstStyle/>
-          <a:p>
-            <a:pPr algn="ctr"/>
-            <a:endParaRPr lang="en-GB" dirty="0"/>
-          </a:p>
-        </p:txBody>
-      </p:sp>
-      <p:sp>
-        <p:nvSpPr>
-          <p:cNvPr id="44" name="Rectangle 43">
-            <a:extLst>
-              <a:ext uri="{FF2B5EF4-FFF2-40B4-BE49-F238E27FC236}">
-                <a16:creationId xmlns:a16="http://schemas.microsoft.com/office/drawing/2014/main" id="{A2BE9CE8-24CF-594F-462D-BACD9CECB909}"/>
-              </a:ext>
-            </a:extLst>
-          </p:cNvPr>
-          <p:cNvSpPr/>
-          <p:nvPr/>
-        </p:nvSpPr>
-        <p:spPr>
-          <a:xfrm>
-            <a:off x="2667203" y="8667295"/>
-            <a:ext cx="304800" cy="945694"/>
-          </a:xfrm>
-          <a:prstGeom prst="rect">
-            <a:avLst/>
-          </a:prstGeom>
-          <a:solidFill>
-            <a:srgbClr val="FAAF08"/>
-          </a:solidFill>
-          <a:ln>
-            <a:solidFill>
-              <a:srgbClr val="FAAF08"/>
-            </a:solidFill>
-          </a:ln>
-        </p:spPr>
-        <p:style>
-          <a:lnRef idx="2">
-            <a:schemeClr val="accent1">
-              <a:shade val="50000"/>
-            </a:schemeClr>
-          </a:lnRef>
-          <a:fillRef idx="1">
-            <a:schemeClr val="accent1"/>
-          </a:fillRef>
-          <a:effectRef idx="0">
-            <a:schemeClr val="accent1"/>
-          </a:effectRef>
-          <a:fontRef idx="minor">
-            <a:schemeClr val="lt1"/>
-          </a:fontRef>
-        </p:style>
-        <p:txBody>
-          <a:bodyPr rtlCol="0" anchor="ctr"/>
-          <a:lstStyle/>
-          <a:p>
-            <a:pPr algn="ctr"/>
-            <a:endParaRPr lang="en-GB" dirty="0"/>
-          </a:p>
-        </p:txBody>
-      </p:sp>
+      </p:pic>
     </p:spTree>
     <p:extLst>
       <p:ext uri="{BB962C8B-B14F-4D97-AF65-F5344CB8AC3E}">
-        <p14:creationId xmlns:p14="http://schemas.microsoft.com/office/powerpoint/2010/main" val="3848897287"/>
+        <p14:creationId xmlns:p14="http://schemas.microsoft.com/office/powerpoint/2010/main" val="3030727805"/>
       </p:ext>
     </p:extLst>
   </p:cSld>

--- a/03_OUTPUT/01_Goal 0/phylo tree families.pptx
+++ b/03_OUTPUT/01_Goal 0/phylo tree families.pptx
@@ -4,11 +4,15 @@
   <p:sldMasterIdLst>
     <p:sldMasterId id="2147483684" r:id="rId1"/>
   </p:sldMasterIdLst>
+  <p:notesMasterIdLst>
+    <p:notesMasterId r:id="rId7"/>
+  </p:notesMasterIdLst>
   <p:sldIdLst>
     <p:sldId id="256" r:id="rId2"/>
-    <p:sldId id="257" r:id="rId3"/>
-    <p:sldId id="258" r:id="rId4"/>
-    <p:sldId id="259" r:id="rId5"/>
+    <p:sldId id="260" r:id="rId3"/>
+    <p:sldId id="257" r:id="rId4"/>
+    <p:sldId id="258" r:id="rId5"/>
+    <p:sldId id="259" r:id="rId6"/>
   </p:sldIdLst>
   <p:sldSz cx="14400213" cy="10799763"/>
   <p:notesSz cx="6858000" cy="9144000"/>
@@ -107,7 +111,446 @@
       </a:defRPr>
     </a:lvl9pPr>
   </p:defaultTextStyle>
+  <p:extLst>
+    <p:ext uri="{EFAFB233-063F-42B5-8137-9DF3F51BA10A}">
+      <p15:sldGuideLst xmlns:p15="http://schemas.microsoft.com/office/powerpoint/2012/main"/>
+    </p:ext>
+  </p:extLst>
 </p:presentation>
+</file>
+
+<file path=ppt/notesMasters/notesMaster1.xml><?xml version="1.0" encoding="utf-8"?>
+<p:notesMaster xmlns:a="http://schemas.openxmlformats.org/drawingml/2006/main" xmlns:r="http://schemas.openxmlformats.org/officeDocument/2006/relationships" xmlns:p="http://schemas.openxmlformats.org/presentationml/2006/main">
+  <p:cSld>
+    <p:bg>
+      <p:bgRef idx="1001">
+        <a:schemeClr val="bg1"/>
+      </p:bgRef>
+    </p:bg>
+    <p:spTree>
+      <p:nvGrpSpPr>
+        <p:cNvPr id="1" name=""/>
+        <p:cNvGrpSpPr/>
+        <p:nvPr/>
+      </p:nvGrpSpPr>
+      <p:grpSpPr>
+        <a:xfrm>
+          <a:off x="0" y="0"/>
+          <a:ext cx="0" cy="0"/>
+          <a:chOff x="0" y="0"/>
+          <a:chExt cx="0" cy="0"/>
+        </a:xfrm>
+      </p:grpSpPr>
+      <p:sp>
+        <p:nvSpPr>
+          <p:cNvPr id="2" name="Header Placeholder 1"/>
+          <p:cNvSpPr>
+            <a:spLocks noGrp="1"/>
+          </p:cNvSpPr>
+          <p:nvPr>
+            <p:ph type="hdr" sz="quarter"/>
+          </p:nvPr>
+        </p:nvSpPr>
+        <p:spPr>
+          <a:xfrm>
+            <a:off x="0" y="0"/>
+            <a:ext cx="2971800" cy="458788"/>
+          </a:xfrm>
+          <a:prstGeom prst="rect">
+            <a:avLst/>
+          </a:prstGeom>
+        </p:spPr>
+        <p:txBody>
+          <a:bodyPr vert="horz" lIns="91440" tIns="45720" rIns="91440" bIns="45720" rtlCol="0"/>
+          <a:lstStyle>
+            <a:lvl1pPr algn="l">
+              <a:defRPr sz="1200"/>
+            </a:lvl1pPr>
+          </a:lstStyle>
+          <a:p>
+            <a:endParaRPr lang="en-GB"/>
+          </a:p>
+        </p:txBody>
+      </p:sp>
+      <p:sp>
+        <p:nvSpPr>
+          <p:cNvPr id="3" name="Date Placeholder 2"/>
+          <p:cNvSpPr>
+            <a:spLocks noGrp="1"/>
+          </p:cNvSpPr>
+          <p:nvPr>
+            <p:ph type="dt" idx="1"/>
+          </p:nvPr>
+        </p:nvSpPr>
+        <p:spPr>
+          <a:xfrm>
+            <a:off x="3884613" y="0"/>
+            <a:ext cx="2971800" cy="458788"/>
+          </a:xfrm>
+          <a:prstGeom prst="rect">
+            <a:avLst/>
+          </a:prstGeom>
+        </p:spPr>
+        <p:txBody>
+          <a:bodyPr vert="horz" lIns="91440" tIns="45720" rIns="91440" bIns="45720" rtlCol="0"/>
+          <a:lstStyle>
+            <a:lvl1pPr algn="r">
+              <a:defRPr sz="1200"/>
+            </a:lvl1pPr>
+          </a:lstStyle>
+          <a:p>
+            <a:fld id="{2E8D730D-6B37-2740-B385-DED5B7389B09}" type="datetimeFigureOut">
+              <a:rPr lang="en-GB" smtClean="0"/>
+              <a:t>21/12/2022</a:t>
+            </a:fld>
+            <a:endParaRPr lang="en-GB"/>
+          </a:p>
+        </p:txBody>
+      </p:sp>
+      <p:sp>
+        <p:nvSpPr>
+          <p:cNvPr id="4" name="Slide Image Placeholder 3"/>
+          <p:cNvSpPr>
+            <a:spLocks noGrp="1" noRot="1" noChangeAspect="1"/>
+          </p:cNvSpPr>
+          <p:nvPr>
+            <p:ph type="sldImg" idx="2"/>
+          </p:nvPr>
+        </p:nvSpPr>
+        <p:spPr>
+          <a:xfrm>
+            <a:off x="1371600" y="1143000"/>
+            <a:ext cx="4114800" cy="3086100"/>
+          </a:xfrm>
+          <a:prstGeom prst="rect">
+            <a:avLst/>
+          </a:prstGeom>
+          <a:noFill/>
+          <a:ln w="12700">
+            <a:solidFill>
+              <a:prstClr val="black"/>
+            </a:solidFill>
+          </a:ln>
+        </p:spPr>
+        <p:txBody>
+          <a:bodyPr vert="horz" lIns="91440" tIns="45720" rIns="91440" bIns="45720" rtlCol="0" anchor="ctr"/>
+          <a:lstStyle/>
+          <a:p>
+            <a:endParaRPr lang="en-GB"/>
+          </a:p>
+        </p:txBody>
+      </p:sp>
+      <p:sp>
+        <p:nvSpPr>
+          <p:cNvPr id="5" name="Notes Placeholder 4"/>
+          <p:cNvSpPr>
+            <a:spLocks noGrp="1"/>
+          </p:cNvSpPr>
+          <p:nvPr>
+            <p:ph type="body" sz="quarter" idx="3"/>
+          </p:nvPr>
+        </p:nvSpPr>
+        <p:spPr>
+          <a:xfrm>
+            <a:off x="685800" y="4400550"/>
+            <a:ext cx="5486400" cy="3600450"/>
+          </a:xfrm>
+          <a:prstGeom prst="rect">
+            <a:avLst/>
+          </a:prstGeom>
+        </p:spPr>
+        <p:txBody>
+          <a:bodyPr vert="horz" lIns="91440" tIns="45720" rIns="91440" bIns="45720" rtlCol="0"/>
+          <a:lstStyle/>
+          <a:p>
+            <a:pPr lvl="0"/>
+            <a:r>
+              <a:rPr lang="en-US"/>
+              <a:t>Click to edit Master text styles</a:t>
+            </a:r>
+          </a:p>
+          <a:p>
+            <a:pPr lvl="1"/>
+            <a:r>
+              <a:rPr lang="en-US"/>
+              <a:t>Second level</a:t>
+            </a:r>
+          </a:p>
+          <a:p>
+            <a:pPr lvl="2"/>
+            <a:r>
+              <a:rPr lang="en-US"/>
+              <a:t>Third level</a:t>
+            </a:r>
+          </a:p>
+          <a:p>
+            <a:pPr lvl="3"/>
+            <a:r>
+              <a:rPr lang="en-US"/>
+              <a:t>Fourth level</a:t>
+            </a:r>
+          </a:p>
+          <a:p>
+            <a:pPr lvl="4"/>
+            <a:r>
+              <a:rPr lang="en-US"/>
+              <a:t>Fifth level</a:t>
+            </a:r>
+            <a:endParaRPr lang="en-GB"/>
+          </a:p>
+        </p:txBody>
+      </p:sp>
+      <p:sp>
+        <p:nvSpPr>
+          <p:cNvPr id="6" name="Footer Placeholder 5"/>
+          <p:cNvSpPr>
+            <a:spLocks noGrp="1"/>
+          </p:cNvSpPr>
+          <p:nvPr>
+            <p:ph type="ftr" sz="quarter" idx="4"/>
+          </p:nvPr>
+        </p:nvSpPr>
+        <p:spPr>
+          <a:xfrm>
+            <a:off x="0" y="8685213"/>
+            <a:ext cx="2971800" cy="458787"/>
+          </a:xfrm>
+          <a:prstGeom prst="rect">
+            <a:avLst/>
+          </a:prstGeom>
+        </p:spPr>
+        <p:txBody>
+          <a:bodyPr vert="horz" lIns="91440" tIns="45720" rIns="91440" bIns="45720" rtlCol="0" anchor="b"/>
+          <a:lstStyle>
+            <a:lvl1pPr algn="l">
+              <a:defRPr sz="1200"/>
+            </a:lvl1pPr>
+          </a:lstStyle>
+          <a:p>
+            <a:endParaRPr lang="en-GB"/>
+          </a:p>
+        </p:txBody>
+      </p:sp>
+      <p:sp>
+        <p:nvSpPr>
+          <p:cNvPr id="7" name="Slide Number Placeholder 6"/>
+          <p:cNvSpPr>
+            <a:spLocks noGrp="1"/>
+          </p:cNvSpPr>
+          <p:nvPr>
+            <p:ph type="sldNum" sz="quarter" idx="5"/>
+          </p:nvPr>
+        </p:nvSpPr>
+        <p:spPr>
+          <a:xfrm>
+            <a:off x="3884613" y="8685213"/>
+            <a:ext cx="2971800" cy="458787"/>
+          </a:xfrm>
+          <a:prstGeom prst="rect">
+            <a:avLst/>
+          </a:prstGeom>
+        </p:spPr>
+        <p:txBody>
+          <a:bodyPr vert="horz" lIns="91440" tIns="45720" rIns="91440" bIns="45720" rtlCol="0" anchor="b"/>
+          <a:lstStyle>
+            <a:lvl1pPr algn="r">
+              <a:defRPr sz="1200"/>
+            </a:lvl1pPr>
+          </a:lstStyle>
+          <a:p>
+            <a:fld id="{B98D7A2B-9D79-BB4A-B91B-5C404C6D0DCB}" type="slidenum">
+              <a:rPr lang="en-GB" smtClean="0"/>
+              <a:t>‹#›</a:t>
+            </a:fld>
+            <a:endParaRPr lang="en-GB"/>
+          </a:p>
+        </p:txBody>
+      </p:sp>
+    </p:spTree>
+    <p:extLst>
+      <p:ext uri="{BB962C8B-B14F-4D97-AF65-F5344CB8AC3E}">
+        <p14:creationId xmlns:p14="http://schemas.microsoft.com/office/powerpoint/2010/main" val="3975278243"/>
+      </p:ext>
+    </p:extLst>
+  </p:cSld>
+  <p:clrMap bg1="lt1" tx1="dk1" bg2="lt2" tx2="dk2" accent1="accent1" accent2="accent2" accent3="accent3" accent4="accent4" accent5="accent5" accent6="accent6" hlink="hlink" folHlink="folHlink"/>
+  <p:notesStyle>
+    <a:lvl1pPr marL="0" algn="l" defTabSz="914400" rtl="0" eaLnBrk="1" latinLnBrk="0" hangingPunct="1">
+      <a:defRPr sz="1200" kern="1200">
+        <a:solidFill>
+          <a:schemeClr val="tx1"/>
+        </a:solidFill>
+        <a:latin typeface="+mn-lt"/>
+        <a:ea typeface="+mn-ea"/>
+        <a:cs typeface="+mn-cs"/>
+      </a:defRPr>
+    </a:lvl1pPr>
+    <a:lvl2pPr marL="457200" algn="l" defTabSz="914400" rtl="0" eaLnBrk="1" latinLnBrk="0" hangingPunct="1">
+      <a:defRPr sz="1200" kern="1200">
+        <a:solidFill>
+          <a:schemeClr val="tx1"/>
+        </a:solidFill>
+        <a:latin typeface="+mn-lt"/>
+        <a:ea typeface="+mn-ea"/>
+        <a:cs typeface="+mn-cs"/>
+      </a:defRPr>
+    </a:lvl2pPr>
+    <a:lvl3pPr marL="914400" algn="l" defTabSz="914400" rtl="0" eaLnBrk="1" latinLnBrk="0" hangingPunct="1">
+      <a:defRPr sz="1200" kern="1200">
+        <a:solidFill>
+          <a:schemeClr val="tx1"/>
+        </a:solidFill>
+        <a:latin typeface="+mn-lt"/>
+        <a:ea typeface="+mn-ea"/>
+        <a:cs typeface="+mn-cs"/>
+      </a:defRPr>
+    </a:lvl3pPr>
+    <a:lvl4pPr marL="1371600" algn="l" defTabSz="914400" rtl="0" eaLnBrk="1" latinLnBrk="0" hangingPunct="1">
+      <a:defRPr sz="1200" kern="1200">
+        <a:solidFill>
+          <a:schemeClr val="tx1"/>
+        </a:solidFill>
+        <a:latin typeface="+mn-lt"/>
+        <a:ea typeface="+mn-ea"/>
+        <a:cs typeface="+mn-cs"/>
+      </a:defRPr>
+    </a:lvl4pPr>
+    <a:lvl5pPr marL="1828800" algn="l" defTabSz="914400" rtl="0" eaLnBrk="1" latinLnBrk="0" hangingPunct="1">
+      <a:defRPr sz="1200" kern="1200">
+        <a:solidFill>
+          <a:schemeClr val="tx1"/>
+        </a:solidFill>
+        <a:latin typeface="+mn-lt"/>
+        <a:ea typeface="+mn-ea"/>
+        <a:cs typeface="+mn-cs"/>
+      </a:defRPr>
+    </a:lvl5pPr>
+    <a:lvl6pPr marL="2286000" algn="l" defTabSz="914400" rtl="0" eaLnBrk="1" latinLnBrk="0" hangingPunct="1">
+      <a:defRPr sz="1200" kern="1200">
+        <a:solidFill>
+          <a:schemeClr val="tx1"/>
+        </a:solidFill>
+        <a:latin typeface="+mn-lt"/>
+        <a:ea typeface="+mn-ea"/>
+        <a:cs typeface="+mn-cs"/>
+      </a:defRPr>
+    </a:lvl6pPr>
+    <a:lvl7pPr marL="2743200" algn="l" defTabSz="914400" rtl="0" eaLnBrk="1" latinLnBrk="0" hangingPunct="1">
+      <a:defRPr sz="1200" kern="1200">
+        <a:solidFill>
+          <a:schemeClr val="tx1"/>
+        </a:solidFill>
+        <a:latin typeface="+mn-lt"/>
+        <a:ea typeface="+mn-ea"/>
+        <a:cs typeface="+mn-cs"/>
+      </a:defRPr>
+    </a:lvl7pPr>
+    <a:lvl8pPr marL="3200400" algn="l" defTabSz="914400" rtl="0" eaLnBrk="1" latinLnBrk="0" hangingPunct="1">
+      <a:defRPr sz="1200" kern="1200">
+        <a:solidFill>
+          <a:schemeClr val="tx1"/>
+        </a:solidFill>
+        <a:latin typeface="+mn-lt"/>
+        <a:ea typeface="+mn-ea"/>
+        <a:cs typeface="+mn-cs"/>
+      </a:defRPr>
+    </a:lvl8pPr>
+    <a:lvl9pPr marL="3657600" algn="l" defTabSz="914400" rtl="0" eaLnBrk="1" latinLnBrk="0" hangingPunct="1">
+      <a:defRPr sz="1200" kern="1200">
+        <a:solidFill>
+          <a:schemeClr val="tx1"/>
+        </a:solidFill>
+        <a:latin typeface="+mn-lt"/>
+        <a:ea typeface="+mn-ea"/>
+        <a:cs typeface="+mn-cs"/>
+      </a:defRPr>
+    </a:lvl9pPr>
+  </p:notesStyle>
+</p:notesMaster>
+</file>
+
+<file path=ppt/notesSlides/notesSlide1.xml><?xml version="1.0" encoding="utf-8"?>
+<p:notes xmlns:a="http://schemas.openxmlformats.org/drawingml/2006/main" xmlns:r="http://schemas.openxmlformats.org/officeDocument/2006/relationships" xmlns:p="http://schemas.openxmlformats.org/presentationml/2006/main">
+  <p:cSld>
+    <p:spTree>
+      <p:nvGrpSpPr>
+        <p:cNvPr id="1" name=""/>
+        <p:cNvGrpSpPr/>
+        <p:nvPr/>
+      </p:nvGrpSpPr>
+      <p:grpSpPr>
+        <a:xfrm>
+          <a:off x="0" y="0"/>
+          <a:ext cx="0" cy="0"/>
+          <a:chOff x="0" y="0"/>
+          <a:chExt cx="0" cy="0"/>
+        </a:xfrm>
+      </p:grpSpPr>
+      <p:sp>
+        <p:nvSpPr>
+          <p:cNvPr id="2" name="Slide Image Placeholder 1"/>
+          <p:cNvSpPr>
+            <a:spLocks noGrp="1" noRot="1" noChangeAspect="1"/>
+          </p:cNvSpPr>
+          <p:nvPr>
+            <p:ph type="sldImg"/>
+          </p:nvPr>
+        </p:nvSpPr>
+        <p:spPr/>
+      </p:sp>
+      <p:sp>
+        <p:nvSpPr>
+          <p:cNvPr id="3" name="Notes Placeholder 2"/>
+          <p:cNvSpPr>
+            <a:spLocks noGrp="1"/>
+          </p:cNvSpPr>
+          <p:nvPr>
+            <p:ph type="body" idx="1"/>
+          </p:nvPr>
+        </p:nvSpPr>
+        <p:spPr/>
+        <p:txBody>
+          <a:bodyPr/>
+          <a:lstStyle/>
+          <a:p>
+            <a:endParaRPr lang="en-GB" dirty="0"/>
+          </a:p>
+        </p:txBody>
+      </p:sp>
+      <p:sp>
+        <p:nvSpPr>
+          <p:cNvPr id="4" name="Slide Number Placeholder 3"/>
+          <p:cNvSpPr>
+            <a:spLocks noGrp="1"/>
+          </p:cNvSpPr>
+          <p:nvPr>
+            <p:ph type="sldNum" sz="quarter" idx="5"/>
+          </p:nvPr>
+        </p:nvSpPr>
+        <p:spPr/>
+        <p:txBody>
+          <a:bodyPr/>
+          <a:lstStyle/>
+          <a:p>
+            <a:fld id="{B98D7A2B-9D79-BB4A-B91B-5C404C6D0DCB}" type="slidenum">
+              <a:rPr lang="en-GB" smtClean="0"/>
+              <a:t>2</a:t>
+            </a:fld>
+            <a:endParaRPr lang="en-GB"/>
+          </a:p>
+        </p:txBody>
+      </p:sp>
+    </p:spTree>
+    <p:extLst>
+      <p:ext uri="{BB962C8B-B14F-4D97-AF65-F5344CB8AC3E}">
+        <p14:creationId xmlns:p14="http://schemas.microsoft.com/office/powerpoint/2010/main" val="70611232"/>
+      </p:ext>
+    </p:extLst>
+  </p:cSld>
+  <p:clrMapOvr>
+    <a:masterClrMapping/>
+  </p:clrMapOvr>
+</p:notes>
 </file>
 
 <file path=ppt/slideLayouts/slideLayout1.xml><?xml version="1.0" encoding="utf-8"?>
@@ -241,7 +684,7 @@
           <a:p>
             <a:fld id="{ED9ECA61-D02B-9F4F-A215-85F3C03B6418}" type="datetimeFigureOut">
               <a:rPr lang="en-GB" smtClean="0"/>
-              <a:t>20/12/2022</a:t>
+              <a:t>21/12/2022</a:t>
             </a:fld>
             <a:endParaRPr lang="en-GB"/>
           </a:p>
@@ -411,7 +854,7 @@
           <a:p>
             <a:fld id="{ED9ECA61-D02B-9F4F-A215-85F3C03B6418}" type="datetimeFigureOut">
               <a:rPr lang="en-GB" smtClean="0"/>
-              <a:t>20/12/2022</a:t>
+              <a:t>21/12/2022</a:t>
             </a:fld>
             <a:endParaRPr lang="en-GB"/>
           </a:p>
@@ -591,7 +1034,7 @@
           <a:p>
             <a:fld id="{ED9ECA61-D02B-9F4F-A215-85F3C03B6418}" type="datetimeFigureOut">
               <a:rPr lang="en-GB" smtClean="0"/>
-              <a:t>20/12/2022</a:t>
+              <a:t>21/12/2022</a:t>
             </a:fld>
             <a:endParaRPr lang="en-GB"/>
           </a:p>
@@ -761,7 +1204,7 @@
           <a:p>
             <a:fld id="{ED9ECA61-D02B-9F4F-A215-85F3C03B6418}" type="datetimeFigureOut">
               <a:rPr lang="en-GB" smtClean="0"/>
-              <a:t>20/12/2022</a:t>
+              <a:t>21/12/2022</a:t>
             </a:fld>
             <a:endParaRPr lang="en-GB"/>
           </a:p>
@@ -1005,7 +1448,7 @@
           <a:p>
             <a:fld id="{ED9ECA61-D02B-9F4F-A215-85F3C03B6418}" type="datetimeFigureOut">
               <a:rPr lang="en-GB" smtClean="0"/>
-              <a:t>20/12/2022</a:t>
+              <a:t>21/12/2022</a:t>
             </a:fld>
             <a:endParaRPr lang="en-GB"/>
           </a:p>
@@ -1237,7 +1680,7 @@
           <a:p>
             <a:fld id="{ED9ECA61-D02B-9F4F-A215-85F3C03B6418}" type="datetimeFigureOut">
               <a:rPr lang="en-GB" smtClean="0"/>
-              <a:t>20/12/2022</a:t>
+              <a:t>21/12/2022</a:t>
             </a:fld>
             <a:endParaRPr lang="en-GB"/>
           </a:p>
@@ -1604,7 +2047,7 @@
           <a:p>
             <a:fld id="{ED9ECA61-D02B-9F4F-A215-85F3C03B6418}" type="datetimeFigureOut">
               <a:rPr lang="en-GB" smtClean="0"/>
-              <a:t>20/12/2022</a:t>
+              <a:t>21/12/2022</a:t>
             </a:fld>
             <a:endParaRPr lang="en-GB"/>
           </a:p>
@@ -1722,7 +2165,7 @@
           <a:p>
             <a:fld id="{ED9ECA61-D02B-9F4F-A215-85F3C03B6418}" type="datetimeFigureOut">
               <a:rPr lang="en-GB" smtClean="0"/>
-              <a:t>20/12/2022</a:t>
+              <a:t>21/12/2022</a:t>
             </a:fld>
             <a:endParaRPr lang="en-GB"/>
           </a:p>
@@ -1817,7 +2260,7 @@
           <a:p>
             <a:fld id="{ED9ECA61-D02B-9F4F-A215-85F3C03B6418}" type="datetimeFigureOut">
               <a:rPr lang="en-GB" smtClean="0"/>
-              <a:t>20/12/2022</a:t>
+              <a:t>21/12/2022</a:t>
             </a:fld>
             <a:endParaRPr lang="en-GB"/>
           </a:p>
@@ -2094,7 +2537,7 @@
           <a:p>
             <a:fld id="{ED9ECA61-D02B-9F4F-A215-85F3C03B6418}" type="datetimeFigureOut">
               <a:rPr lang="en-GB" smtClean="0"/>
-              <a:t>20/12/2022</a:t>
+              <a:t>21/12/2022</a:t>
             </a:fld>
             <a:endParaRPr lang="en-GB"/>
           </a:p>
@@ -2351,7 +2794,7 @@
           <a:p>
             <a:fld id="{ED9ECA61-D02B-9F4F-A215-85F3C03B6418}" type="datetimeFigureOut">
               <a:rPr lang="en-GB" smtClean="0"/>
-              <a:t>20/12/2022</a:t>
+              <a:t>21/12/2022</a:t>
             </a:fld>
             <a:endParaRPr lang="en-GB"/>
           </a:p>
@@ -2564,7 +3007,7 @@
           <a:p>
             <a:fld id="{ED9ECA61-D02B-9F4F-A215-85F3C03B6418}" type="datetimeFigureOut">
               <a:rPr lang="en-GB" smtClean="0"/>
-              <a:t>20/12/2022</a:t>
+              <a:t>21/12/2022</a:t>
             </a:fld>
             <a:endParaRPr lang="en-GB"/>
           </a:p>
@@ -5123,56 +5566,2312 @@
           <a:chExt cx="0" cy="0"/>
         </a:xfrm>
       </p:grpSpPr>
-      <p:sp>
-        <p:nvSpPr>
-          <p:cNvPr id="2" name="Title 1">
+      <p:pic>
+        <p:nvPicPr>
+          <p:cNvPr id="17" name="Picture 16">
             <a:extLst>
               <a:ext uri="{FF2B5EF4-FFF2-40B4-BE49-F238E27FC236}">
-                <a16:creationId xmlns:a16="http://schemas.microsoft.com/office/drawing/2014/main" id="{274D112C-5D37-663D-526B-DF7DB2F790CE}"/>
+                <a16:creationId xmlns:a16="http://schemas.microsoft.com/office/drawing/2014/main" id="{4DCC5098-D28E-BEBA-177A-2ACBDFC97D26}"/>
               </a:ext>
             </a:extLst>
           </p:cNvPr>
-          <p:cNvSpPr>
-            <a:spLocks noGrp="1"/>
-          </p:cNvSpPr>
-          <p:nvPr>
-            <p:ph type="title"/>
-          </p:nvPr>
-        </p:nvSpPr>
-        <p:spPr/>
-        <p:txBody>
-          <a:bodyPr/>
-          <a:lstStyle/>
-          <a:p>
-            <a:endParaRPr lang="en-GB"/>
-          </a:p>
-        </p:txBody>
-      </p:sp>
-      <p:sp>
-        <p:nvSpPr>
-          <p:cNvPr id="3" name="Content Placeholder 2">
+          <p:cNvPicPr>
+            <a:picLocks noChangeAspect="1"/>
+          </p:cNvPicPr>
+          <p:nvPr/>
+        </p:nvPicPr>
+        <p:blipFill rotWithShape="1">
+          <a:blip r:embed="rId3"/>
+          <a:srcRect l="11746" t="8957" r="14571" b="10929"/>
+          <a:stretch/>
+        </p:blipFill>
+        <p:spPr>
+          <a:xfrm>
+            <a:off x="417178" y="563809"/>
+            <a:ext cx="6782928" cy="9606414"/>
+          </a:xfrm>
+          <a:prstGeom prst="rect">
+            <a:avLst/>
+          </a:prstGeom>
+        </p:spPr>
+      </p:pic>
+      <p:sp>
+        <p:nvSpPr>
+          <p:cNvPr id="92" name="Rectangle 91">
             <a:extLst>
               <a:ext uri="{FF2B5EF4-FFF2-40B4-BE49-F238E27FC236}">
-                <a16:creationId xmlns:a16="http://schemas.microsoft.com/office/drawing/2014/main" id="{FA91C2DE-7FE6-497B-9342-4F4BD197F214}"/>
+                <a16:creationId xmlns:a16="http://schemas.microsoft.com/office/drawing/2014/main" id="{613307CA-6E2A-5C85-8FD0-6ACC188FCC69}"/>
               </a:ext>
             </a:extLst>
           </p:cNvPr>
-          <p:cNvSpPr>
-            <a:spLocks noGrp="1"/>
-          </p:cNvSpPr>
+          <p:cNvSpPr/>
+          <p:nvPr/>
+        </p:nvSpPr>
+        <p:spPr>
+          <a:xfrm>
+            <a:off x="5892335" y="675600"/>
+            <a:ext cx="362967" cy="79200"/>
+          </a:xfrm>
+          <a:prstGeom prst="rect">
+            <a:avLst/>
+          </a:prstGeom>
+          <a:solidFill>
+            <a:srgbClr val="4F6457"/>
+          </a:solidFill>
+          <a:ln>
+            <a:solidFill>
+              <a:srgbClr val="4F6457"/>
+            </a:solidFill>
+          </a:ln>
+        </p:spPr>
+        <p:style>
+          <a:lnRef idx="2">
+            <a:schemeClr val="accent1">
+              <a:shade val="50000"/>
+            </a:schemeClr>
+          </a:lnRef>
+          <a:fillRef idx="1">
+            <a:schemeClr val="accent1"/>
+          </a:fillRef>
+          <a:effectRef idx="0">
+            <a:schemeClr val="accent1"/>
+          </a:effectRef>
+          <a:fontRef idx="minor">
+            <a:schemeClr val="lt1"/>
+          </a:fontRef>
+        </p:style>
+        <p:txBody>
+          <a:bodyPr rtlCol="0" anchor="ctr"/>
+          <a:lstStyle/>
+          <a:p>
+            <a:pPr algn="ctr"/>
+            <a:endParaRPr lang="en-GB" sz="3600" dirty="0">
+              <a:highlight>
+                <a:srgbClr val="4F6457"/>
+              </a:highlight>
+            </a:endParaRPr>
+          </a:p>
+        </p:txBody>
+      </p:sp>
+      <p:sp>
+        <p:nvSpPr>
+          <p:cNvPr id="93" name="Rectangle 92">
+            <a:extLst>
+              <a:ext uri="{FF2B5EF4-FFF2-40B4-BE49-F238E27FC236}">
+                <a16:creationId xmlns:a16="http://schemas.microsoft.com/office/drawing/2014/main" id="{FE86645F-99F9-5722-94D1-B039CB59288C}"/>
+              </a:ext>
+            </a:extLst>
+          </p:cNvPr>
+          <p:cNvSpPr/>
+          <p:nvPr/>
+        </p:nvSpPr>
+        <p:spPr>
+          <a:xfrm>
+            <a:off x="5892335" y="766270"/>
+            <a:ext cx="362967" cy="368147"/>
+          </a:xfrm>
+          <a:prstGeom prst="rect">
+            <a:avLst/>
+          </a:prstGeom>
+          <a:solidFill>
+            <a:srgbClr val="C4DFE6"/>
+          </a:solidFill>
+          <a:ln>
+            <a:solidFill>
+              <a:srgbClr val="C4DFE6"/>
+            </a:solidFill>
+          </a:ln>
+        </p:spPr>
+        <p:style>
+          <a:lnRef idx="2">
+            <a:schemeClr val="accent1">
+              <a:shade val="50000"/>
+            </a:schemeClr>
+          </a:lnRef>
+          <a:fillRef idx="1">
+            <a:schemeClr val="accent1"/>
+          </a:fillRef>
+          <a:effectRef idx="0">
+            <a:schemeClr val="accent1"/>
+          </a:effectRef>
+          <a:fontRef idx="minor">
+            <a:schemeClr val="lt1"/>
+          </a:fontRef>
+        </p:style>
+        <p:txBody>
+          <a:bodyPr rtlCol="0" anchor="ctr"/>
+          <a:lstStyle/>
+          <a:p>
+            <a:pPr algn="ctr"/>
+            <a:endParaRPr lang="en-GB" sz="3600" dirty="0"/>
+          </a:p>
+        </p:txBody>
+      </p:sp>
+      <p:sp>
+        <p:nvSpPr>
+          <p:cNvPr id="94" name="Rectangle 93">
+            <a:extLst>
+              <a:ext uri="{FF2B5EF4-FFF2-40B4-BE49-F238E27FC236}">
+                <a16:creationId xmlns:a16="http://schemas.microsoft.com/office/drawing/2014/main" id="{06C44CAD-69B2-87FE-4F49-05709448918E}"/>
+              </a:ext>
+            </a:extLst>
+          </p:cNvPr>
+          <p:cNvSpPr/>
+          <p:nvPr/>
+        </p:nvSpPr>
+        <p:spPr>
+          <a:xfrm>
+            <a:off x="5892335" y="1127038"/>
+            <a:ext cx="362967" cy="45719"/>
+          </a:xfrm>
+          <a:prstGeom prst="rect">
+            <a:avLst/>
+          </a:prstGeom>
+          <a:solidFill>
+            <a:srgbClr val="4F6457"/>
+          </a:solidFill>
+          <a:ln>
+            <a:solidFill>
+              <a:srgbClr val="4F6457"/>
+            </a:solidFill>
+          </a:ln>
+        </p:spPr>
+        <p:style>
+          <a:lnRef idx="2">
+            <a:schemeClr val="accent1">
+              <a:shade val="50000"/>
+            </a:schemeClr>
+          </a:lnRef>
+          <a:fillRef idx="1">
+            <a:schemeClr val="accent1"/>
+          </a:fillRef>
+          <a:effectRef idx="0">
+            <a:schemeClr val="accent1"/>
+          </a:effectRef>
+          <a:fontRef idx="minor">
+            <a:schemeClr val="lt1"/>
+          </a:fontRef>
+        </p:style>
+        <p:txBody>
+          <a:bodyPr rtlCol="0" anchor="ctr"/>
+          <a:lstStyle/>
+          <a:p>
+            <a:pPr algn="ctr"/>
+            <a:endParaRPr lang="en-GB" sz="3600" dirty="0"/>
+          </a:p>
+        </p:txBody>
+      </p:sp>
+      <p:sp>
+        <p:nvSpPr>
+          <p:cNvPr id="95" name="Rectangle 94">
+            <a:extLst>
+              <a:ext uri="{FF2B5EF4-FFF2-40B4-BE49-F238E27FC236}">
+                <a16:creationId xmlns:a16="http://schemas.microsoft.com/office/drawing/2014/main" id="{AC8E8320-B550-F382-8AED-E96781F5B632}"/>
+              </a:ext>
+            </a:extLst>
+          </p:cNvPr>
+          <p:cNvSpPr/>
+          <p:nvPr/>
+        </p:nvSpPr>
+        <p:spPr>
+          <a:xfrm>
+            <a:off x="5892335" y="1172757"/>
+            <a:ext cx="362967" cy="79200"/>
+          </a:xfrm>
+          <a:prstGeom prst="rect">
+            <a:avLst/>
+          </a:prstGeom>
+          <a:solidFill>
+            <a:schemeClr val="tx1"/>
+          </a:solidFill>
+          <a:ln>
+            <a:solidFill>
+              <a:schemeClr val="tx1"/>
+            </a:solidFill>
+          </a:ln>
+        </p:spPr>
+        <p:style>
+          <a:lnRef idx="2">
+            <a:schemeClr val="accent1">
+              <a:shade val="50000"/>
+            </a:schemeClr>
+          </a:lnRef>
+          <a:fillRef idx="1">
+            <a:schemeClr val="accent1"/>
+          </a:fillRef>
+          <a:effectRef idx="0">
+            <a:schemeClr val="accent1"/>
+          </a:effectRef>
+          <a:fontRef idx="minor">
+            <a:schemeClr val="lt1"/>
+          </a:fontRef>
+        </p:style>
+        <p:txBody>
+          <a:bodyPr rtlCol="0" anchor="ctr"/>
+          <a:lstStyle/>
+          <a:p>
+            <a:pPr algn="ctr"/>
+            <a:endParaRPr lang="en-GB" sz="3600" dirty="0"/>
+          </a:p>
+        </p:txBody>
+      </p:sp>
+      <p:sp>
+        <p:nvSpPr>
+          <p:cNvPr id="96" name="Rectangle 95">
+            <a:extLst>
+              <a:ext uri="{FF2B5EF4-FFF2-40B4-BE49-F238E27FC236}">
+                <a16:creationId xmlns:a16="http://schemas.microsoft.com/office/drawing/2014/main" id="{C72C48B6-1CE1-DFA4-721B-705D83C410A2}"/>
+              </a:ext>
+            </a:extLst>
+          </p:cNvPr>
+          <p:cNvSpPr/>
+          <p:nvPr/>
+        </p:nvSpPr>
+        <p:spPr>
+          <a:xfrm>
+            <a:off x="5892335" y="1251956"/>
+            <a:ext cx="362967" cy="197015"/>
+          </a:xfrm>
+          <a:prstGeom prst="rect">
+            <a:avLst/>
+          </a:prstGeom>
+          <a:solidFill>
+            <a:srgbClr val="D09683"/>
+          </a:solidFill>
+          <a:ln>
+            <a:solidFill>
+              <a:srgbClr val="D09683"/>
+            </a:solidFill>
+          </a:ln>
+        </p:spPr>
+        <p:style>
+          <a:lnRef idx="2">
+            <a:schemeClr val="accent1">
+              <a:shade val="50000"/>
+            </a:schemeClr>
+          </a:lnRef>
+          <a:fillRef idx="1">
+            <a:schemeClr val="accent1"/>
+          </a:fillRef>
+          <a:effectRef idx="0">
+            <a:schemeClr val="accent1"/>
+          </a:effectRef>
+          <a:fontRef idx="minor">
+            <a:schemeClr val="lt1"/>
+          </a:fontRef>
+        </p:style>
+        <p:txBody>
+          <a:bodyPr rtlCol="0" anchor="ctr"/>
+          <a:lstStyle/>
+          <a:p>
+            <a:pPr algn="ctr"/>
+            <a:endParaRPr lang="en-GB" sz="3600" dirty="0"/>
+          </a:p>
+        </p:txBody>
+      </p:sp>
+      <p:sp>
+        <p:nvSpPr>
+          <p:cNvPr id="97" name="Rectangle 96">
+            <a:extLst>
+              <a:ext uri="{FF2B5EF4-FFF2-40B4-BE49-F238E27FC236}">
+                <a16:creationId xmlns:a16="http://schemas.microsoft.com/office/drawing/2014/main" id="{830FBADA-18B3-AF53-D4AD-4DDB95542D22}"/>
+              </a:ext>
+            </a:extLst>
+          </p:cNvPr>
+          <p:cNvSpPr/>
+          <p:nvPr/>
+        </p:nvSpPr>
+        <p:spPr>
+          <a:xfrm>
+            <a:off x="7320206" y="484609"/>
+            <a:ext cx="362967" cy="79200"/>
+          </a:xfrm>
+          <a:prstGeom prst="rect">
+            <a:avLst/>
+          </a:prstGeom>
+          <a:solidFill>
+            <a:schemeClr val="tx1"/>
+          </a:solidFill>
+          <a:ln>
+            <a:solidFill>
+              <a:schemeClr val="tx1"/>
+            </a:solidFill>
+          </a:ln>
+        </p:spPr>
+        <p:style>
+          <a:lnRef idx="2">
+            <a:schemeClr val="accent1">
+              <a:shade val="50000"/>
+            </a:schemeClr>
+          </a:lnRef>
+          <a:fillRef idx="1">
+            <a:schemeClr val="accent1"/>
+          </a:fillRef>
+          <a:effectRef idx="0">
+            <a:schemeClr val="accent1"/>
+          </a:effectRef>
+          <a:fontRef idx="minor">
+            <a:schemeClr val="lt1"/>
+          </a:fontRef>
+        </p:style>
+        <p:txBody>
+          <a:bodyPr rtlCol="0" anchor="ctr"/>
+          <a:lstStyle/>
+          <a:p>
+            <a:pPr algn="ctr"/>
+            <a:endParaRPr lang="en-GB" sz="3600" dirty="0"/>
+          </a:p>
+        </p:txBody>
+      </p:sp>
+      <p:sp>
+        <p:nvSpPr>
+          <p:cNvPr id="98" name="Rectangle 97">
+            <a:extLst>
+              <a:ext uri="{FF2B5EF4-FFF2-40B4-BE49-F238E27FC236}">
+                <a16:creationId xmlns:a16="http://schemas.microsoft.com/office/drawing/2014/main" id="{6C528A1F-0D89-57E1-97FC-350B1E0EC6F9}"/>
+              </a:ext>
+            </a:extLst>
+          </p:cNvPr>
+          <p:cNvSpPr/>
+          <p:nvPr/>
+        </p:nvSpPr>
+        <p:spPr>
+          <a:xfrm>
+            <a:off x="5892335" y="1448971"/>
+            <a:ext cx="362967" cy="332937"/>
+          </a:xfrm>
+          <a:prstGeom prst="rect">
+            <a:avLst/>
+          </a:prstGeom>
+          <a:solidFill>
+            <a:srgbClr val="F34A4A"/>
+          </a:solidFill>
+          <a:ln>
+            <a:solidFill>
+              <a:srgbClr val="F34A4A"/>
+            </a:solidFill>
+          </a:ln>
+        </p:spPr>
+        <p:style>
+          <a:lnRef idx="2">
+            <a:schemeClr val="accent1">
+              <a:shade val="50000"/>
+            </a:schemeClr>
+          </a:lnRef>
+          <a:fillRef idx="1">
+            <a:schemeClr val="accent1"/>
+          </a:fillRef>
+          <a:effectRef idx="0">
+            <a:schemeClr val="accent1"/>
+          </a:effectRef>
+          <a:fontRef idx="minor">
+            <a:schemeClr val="lt1"/>
+          </a:fontRef>
+        </p:style>
+        <p:txBody>
+          <a:bodyPr rtlCol="0" anchor="ctr"/>
+          <a:lstStyle/>
+          <a:p>
+            <a:pPr algn="ctr"/>
+            <a:endParaRPr lang="en-GB" sz="3600" dirty="0"/>
+          </a:p>
+        </p:txBody>
+      </p:sp>
+      <p:sp>
+        <p:nvSpPr>
+          <p:cNvPr id="100" name="Rectangle 99">
+            <a:extLst>
+              <a:ext uri="{FF2B5EF4-FFF2-40B4-BE49-F238E27FC236}">
+                <a16:creationId xmlns:a16="http://schemas.microsoft.com/office/drawing/2014/main" id="{C8366808-8570-CD5B-DE75-E5034A84DF5D}"/>
+              </a:ext>
+            </a:extLst>
+          </p:cNvPr>
+          <p:cNvSpPr/>
+          <p:nvPr/>
+        </p:nvSpPr>
+        <p:spPr>
+          <a:xfrm>
+            <a:off x="5892335" y="1781908"/>
+            <a:ext cx="362967" cy="45719"/>
+          </a:xfrm>
+          <a:prstGeom prst="rect">
+            <a:avLst/>
+          </a:prstGeom>
+          <a:solidFill>
+            <a:srgbClr val="A1D6E2"/>
+          </a:solidFill>
+          <a:ln>
+            <a:solidFill>
+              <a:srgbClr val="A1D6E2"/>
+            </a:solidFill>
+          </a:ln>
+        </p:spPr>
+        <p:style>
+          <a:lnRef idx="2">
+            <a:schemeClr val="accent1">
+              <a:shade val="50000"/>
+            </a:schemeClr>
+          </a:lnRef>
+          <a:fillRef idx="1">
+            <a:schemeClr val="accent1"/>
+          </a:fillRef>
+          <a:effectRef idx="0">
+            <a:schemeClr val="accent1"/>
+          </a:effectRef>
+          <a:fontRef idx="minor">
+            <a:schemeClr val="lt1"/>
+          </a:fontRef>
+        </p:style>
+        <p:txBody>
+          <a:bodyPr rtlCol="0" anchor="ctr"/>
+          <a:lstStyle/>
+          <a:p>
+            <a:pPr algn="ctr"/>
+            <a:endParaRPr lang="en-GB" sz="3600" dirty="0"/>
+          </a:p>
+        </p:txBody>
+      </p:sp>
+      <p:sp>
+        <p:nvSpPr>
+          <p:cNvPr id="101" name="Rectangle 100">
+            <a:extLst>
+              <a:ext uri="{FF2B5EF4-FFF2-40B4-BE49-F238E27FC236}">
+                <a16:creationId xmlns:a16="http://schemas.microsoft.com/office/drawing/2014/main" id="{463373F8-E772-5D7B-A1CB-6C4B2520B32C}"/>
+              </a:ext>
+            </a:extLst>
+          </p:cNvPr>
+          <p:cNvSpPr/>
+          <p:nvPr/>
+        </p:nvSpPr>
+        <p:spPr>
+          <a:xfrm>
+            <a:off x="5892335" y="1822938"/>
+            <a:ext cx="362967" cy="45719"/>
+          </a:xfrm>
+          <a:prstGeom prst="rect">
+            <a:avLst/>
+          </a:prstGeom>
+          <a:solidFill>
+            <a:srgbClr val="4F6457"/>
+          </a:solidFill>
+          <a:ln>
+            <a:solidFill>
+              <a:srgbClr val="4F6457"/>
+            </a:solidFill>
+          </a:ln>
+        </p:spPr>
+        <p:style>
+          <a:lnRef idx="2">
+            <a:schemeClr val="accent1">
+              <a:shade val="50000"/>
+            </a:schemeClr>
+          </a:lnRef>
+          <a:fillRef idx="1">
+            <a:schemeClr val="accent1"/>
+          </a:fillRef>
+          <a:effectRef idx="0">
+            <a:schemeClr val="accent1"/>
+          </a:effectRef>
+          <a:fontRef idx="minor">
+            <a:schemeClr val="lt1"/>
+          </a:fontRef>
+        </p:style>
+        <p:txBody>
+          <a:bodyPr rtlCol="0" anchor="ctr"/>
+          <a:lstStyle/>
+          <a:p>
+            <a:pPr algn="ctr"/>
+            <a:endParaRPr lang="en-GB" sz="3600" dirty="0"/>
+          </a:p>
+        </p:txBody>
+      </p:sp>
+      <p:sp>
+        <p:nvSpPr>
+          <p:cNvPr id="102" name="Rectangle 101">
+            <a:extLst>
+              <a:ext uri="{FF2B5EF4-FFF2-40B4-BE49-F238E27FC236}">
+                <a16:creationId xmlns:a16="http://schemas.microsoft.com/office/drawing/2014/main" id="{9F557625-8C69-719F-8518-F4467A400262}"/>
+              </a:ext>
+            </a:extLst>
+          </p:cNvPr>
+          <p:cNvSpPr/>
+          <p:nvPr/>
+        </p:nvSpPr>
+        <p:spPr>
+          <a:xfrm>
+            <a:off x="5892335" y="1870087"/>
+            <a:ext cx="362967" cy="79200"/>
+          </a:xfrm>
+          <a:prstGeom prst="rect">
+            <a:avLst/>
+          </a:prstGeom>
+          <a:solidFill>
+            <a:srgbClr val="A2BE96"/>
+          </a:solidFill>
+          <a:ln>
+            <a:solidFill>
+              <a:srgbClr val="A2BE96"/>
+            </a:solidFill>
+          </a:ln>
+        </p:spPr>
+        <p:style>
+          <a:lnRef idx="2">
+            <a:schemeClr val="accent1">
+              <a:shade val="50000"/>
+            </a:schemeClr>
+          </a:lnRef>
+          <a:fillRef idx="1">
+            <a:schemeClr val="accent1"/>
+          </a:fillRef>
+          <a:effectRef idx="0">
+            <a:schemeClr val="accent1"/>
+          </a:effectRef>
+          <a:fontRef idx="minor">
+            <a:schemeClr val="lt1"/>
+          </a:fontRef>
+        </p:style>
+        <p:txBody>
+          <a:bodyPr rtlCol="0" anchor="ctr"/>
+          <a:lstStyle/>
+          <a:p>
+            <a:pPr algn="ctr"/>
+            <a:endParaRPr lang="en-GB" sz="3600" dirty="0"/>
+          </a:p>
+        </p:txBody>
+      </p:sp>
+      <p:sp>
+        <p:nvSpPr>
+          <p:cNvPr id="103" name="Rectangle 102">
+            <a:extLst>
+              <a:ext uri="{FF2B5EF4-FFF2-40B4-BE49-F238E27FC236}">
+                <a16:creationId xmlns:a16="http://schemas.microsoft.com/office/drawing/2014/main" id="{725C9A7D-1651-D78C-218D-46D744A64C11}"/>
+              </a:ext>
+            </a:extLst>
+          </p:cNvPr>
+          <p:cNvSpPr/>
+          <p:nvPr/>
+        </p:nvSpPr>
+        <p:spPr>
+          <a:xfrm>
+            <a:off x="5892335" y="1952495"/>
+            <a:ext cx="362967" cy="79200"/>
+          </a:xfrm>
+          <a:prstGeom prst="rect">
+            <a:avLst/>
+          </a:prstGeom>
+          <a:solidFill>
+            <a:srgbClr val="4F6457"/>
+          </a:solidFill>
+          <a:ln>
+            <a:solidFill>
+              <a:srgbClr val="4F6457"/>
+            </a:solidFill>
+          </a:ln>
+        </p:spPr>
+        <p:style>
+          <a:lnRef idx="2">
+            <a:schemeClr val="accent1">
+              <a:shade val="50000"/>
+            </a:schemeClr>
+          </a:lnRef>
+          <a:fillRef idx="1">
+            <a:schemeClr val="accent1"/>
+          </a:fillRef>
+          <a:effectRef idx="0">
+            <a:schemeClr val="accent1"/>
+          </a:effectRef>
+          <a:fontRef idx="minor">
+            <a:schemeClr val="lt1"/>
+          </a:fontRef>
+        </p:style>
+        <p:txBody>
+          <a:bodyPr rtlCol="0" anchor="ctr"/>
+          <a:lstStyle/>
+          <a:p>
+            <a:pPr algn="ctr"/>
+            <a:endParaRPr lang="en-GB" sz="3600" dirty="0"/>
+          </a:p>
+        </p:txBody>
+      </p:sp>
+      <p:sp>
+        <p:nvSpPr>
+          <p:cNvPr id="104" name="Rectangle 103">
+            <a:extLst>
+              <a:ext uri="{FF2B5EF4-FFF2-40B4-BE49-F238E27FC236}">
+                <a16:creationId xmlns:a16="http://schemas.microsoft.com/office/drawing/2014/main" id="{E12D6347-4558-8FBE-82C8-5BF38E0BA082}"/>
+              </a:ext>
+            </a:extLst>
+          </p:cNvPr>
+          <p:cNvSpPr/>
+          <p:nvPr/>
+        </p:nvSpPr>
+        <p:spPr>
+          <a:xfrm>
+            <a:off x="5892335" y="2031694"/>
+            <a:ext cx="362967" cy="409913"/>
+          </a:xfrm>
+          <a:prstGeom prst="rect">
+            <a:avLst/>
+          </a:prstGeom>
+          <a:solidFill>
+            <a:srgbClr val="88A550"/>
+          </a:solidFill>
+          <a:ln>
+            <a:solidFill>
+              <a:srgbClr val="88A550"/>
+            </a:solidFill>
+          </a:ln>
+        </p:spPr>
+        <p:style>
+          <a:lnRef idx="2">
+            <a:schemeClr val="accent1">
+              <a:shade val="50000"/>
+            </a:schemeClr>
+          </a:lnRef>
+          <a:fillRef idx="1">
+            <a:schemeClr val="accent1"/>
+          </a:fillRef>
+          <a:effectRef idx="0">
+            <a:schemeClr val="accent1"/>
+          </a:effectRef>
+          <a:fontRef idx="minor">
+            <a:schemeClr val="lt1"/>
+          </a:fontRef>
+        </p:style>
+        <p:txBody>
+          <a:bodyPr rtlCol="0" anchor="ctr"/>
+          <a:lstStyle/>
+          <a:p>
+            <a:pPr algn="ctr"/>
+            <a:endParaRPr lang="en-GB" sz="3600" dirty="0"/>
+          </a:p>
+        </p:txBody>
+      </p:sp>
+      <p:sp>
+        <p:nvSpPr>
+          <p:cNvPr id="105" name="Rectangle 104">
+            <a:extLst>
+              <a:ext uri="{FF2B5EF4-FFF2-40B4-BE49-F238E27FC236}">
+                <a16:creationId xmlns:a16="http://schemas.microsoft.com/office/drawing/2014/main" id="{40E95CB4-7C6B-F9C6-50D7-C1A7A2B81D1C}"/>
+              </a:ext>
+            </a:extLst>
+          </p:cNvPr>
+          <p:cNvSpPr/>
+          <p:nvPr/>
+        </p:nvSpPr>
+        <p:spPr>
+          <a:xfrm>
+            <a:off x="5892335" y="2448257"/>
+            <a:ext cx="362967" cy="45719"/>
+          </a:xfrm>
+          <a:prstGeom prst="rect">
+            <a:avLst/>
+          </a:prstGeom>
+          <a:solidFill>
+            <a:srgbClr val="4F6457"/>
+          </a:solidFill>
+          <a:ln>
+            <a:solidFill>
+              <a:srgbClr val="4F6457"/>
+            </a:solidFill>
+          </a:ln>
+        </p:spPr>
+        <p:style>
+          <a:lnRef idx="2">
+            <a:schemeClr val="accent1">
+              <a:shade val="50000"/>
+            </a:schemeClr>
+          </a:lnRef>
+          <a:fillRef idx="1">
+            <a:schemeClr val="accent1"/>
+          </a:fillRef>
+          <a:effectRef idx="0">
+            <a:schemeClr val="accent1"/>
+          </a:effectRef>
+          <a:fontRef idx="minor">
+            <a:schemeClr val="lt1"/>
+          </a:fontRef>
+        </p:style>
+        <p:txBody>
+          <a:bodyPr rtlCol="0" anchor="ctr"/>
+          <a:lstStyle/>
+          <a:p>
+            <a:pPr algn="ctr"/>
+            <a:endParaRPr lang="en-GB" sz="3600" dirty="0"/>
+          </a:p>
+        </p:txBody>
+      </p:sp>
+      <p:sp>
+        <p:nvSpPr>
+          <p:cNvPr id="106" name="Rectangle 105">
+            <a:extLst>
+              <a:ext uri="{FF2B5EF4-FFF2-40B4-BE49-F238E27FC236}">
+                <a16:creationId xmlns:a16="http://schemas.microsoft.com/office/drawing/2014/main" id="{8BB9C885-ED23-15B7-1D0B-B673415F1E9F}"/>
+              </a:ext>
+            </a:extLst>
+          </p:cNvPr>
+          <p:cNvSpPr/>
+          <p:nvPr/>
+        </p:nvSpPr>
+        <p:spPr>
+          <a:xfrm>
+            <a:off x="5892335" y="2500626"/>
+            <a:ext cx="362967" cy="189373"/>
+          </a:xfrm>
+          <a:prstGeom prst="rect">
+            <a:avLst/>
+          </a:prstGeom>
+          <a:solidFill>
+            <a:srgbClr val="80BD9E"/>
+          </a:solidFill>
+          <a:ln>
+            <a:solidFill>
+              <a:srgbClr val="80BD9E"/>
+            </a:solidFill>
+          </a:ln>
+        </p:spPr>
+        <p:style>
+          <a:lnRef idx="2">
+            <a:schemeClr val="accent1">
+              <a:shade val="50000"/>
+            </a:schemeClr>
+          </a:lnRef>
+          <a:fillRef idx="1">
+            <a:schemeClr val="accent1"/>
+          </a:fillRef>
+          <a:effectRef idx="0">
+            <a:schemeClr val="accent1"/>
+          </a:effectRef>
+          <a:fontRef idx="minor">
+            <a:schemeClr val="lt1"/>
+          </a:fontRef>
+        </p:style>
+        <p:txBody>
+          <a:bodyPr rtlCol="0" anchor="ctr"/>
+          <a:lstStyle/>
+          <a:p>
+            <a:pPr algn="ctr"/>
+            <a:endParaRPr lang="en-GB" sz="3600" dirty="0"/>
+          </a:p>
+        </p:txBody>
+      </p:sp>
+      <p:sp>
+        <p:nvSpPr>
+          <p:cNvPr id="107" name="Rectangle 106">
+            <a:extLst>
+              <a:ext uri="{FF2B5EF4-FFF2-40B4-BE49-F238E27FC236}">
+                <a16:creationId xmlns:a16="http://schemas.microsoft.com/office/drawing/2014/main" id="{A06526DF-33BA-6D98-613B-DEA210D52EB0}"/>
+              </a:ext>
+            </a:extLst>
+          </p:cNvPr>
+          <p:cNvSpPr/>
+          <p:nvPr/>
+        </p:nvSpPr>
+        <p:spPr>
+          <a:xfrm>
+            <a:off x="5892335" y="2696649"/>
+            <a:ext cx="362967" cy="45719"/>
+          </a:xfrm>
+          <a:prstGeom prst="rect">
+            <a:avLst/>
+          </a:prstGeom>
+          <a:solidFill>
+            <a:srgbClr val="ACD1C0"/>
+          </a:solidFill>
+          <a:ln>
+            <a:solidFill>
+              <a:srgbClr val="ACD1C0"/>
+            </a:solidFill>
+          </a:ln>
+        </p:spPr>
+        <p:style>
+          <a:lnRef idx="2">
+            <a:schemeClr val="accent1">
+              <a:shade val="50000"/>
+            </a:schemeClr>
+          </a:lnRef>
+          <a:fillRef idx="1">
+            <a:schemeClr val="accent1"/>
+          </a:fillRef>
+          <a:effectRef idx="0">
+            <a:schemeClr val="accent1"/>
+          </a:effectRef>
+          <a:fontRef idx="minor">
+            <a:schemeClr val="lt1"/>
+          </a:fontRef>
+        </p:style>
+        <p:txBody>
+          <a:bodyPr rtlCol="0" anchor="ctr"/>
+          <a:lstStyle/>
+          <a:p>
+            <a:pPr algn="ctr"/>
+            <a:endParaRPr lang="en-GB" sz="3600" dirty="0"/>
+          </a:p>
+        </p:txBody>
+      </p:sp>
+      <p:sp>
+        <p:nvSpPr>
+          <p:cNvPr id="108" name="Rectangle 107">
+            <a:extLst>
+              <a:ext uri="{FF2B5EF4-FFF2-40B4-BE49-F238E27FC236}">
+                <a16:creationId xmlns:a16="http://schemas.microsoft.com/office/drawing/2014/main" id="{ADC07FA9-3407-9D91-1F23-1943410450ED}"/>
+              </a:ext>
+            </a:extLst>
+          </p:cNvPr>
+          <p:cNvSpPr/>
+          <p:nvPr/>
+        </p:nvSpPr>
+        <p:spPr>
+          <a:xfrm>
+            <a:off x="5892335" y="2751511"/>
+            <a:ext cx="362967" cy="189373"/>
+          </a:xfrm>
+          <a:prstGeom prst="rect">
+            <a:avLst/>
+          </a:prstGeom>
+          <a:solidFill>
+            <a:srgbClr val="DDBD95"/>
+          </a:solidFill>
+          <a:ln>
+            <a:solidFill>
+              <a:srgbClr val="DDBD95"/>
+            </a:solidFill>
+          </a:ln>
+        </p:spPr>
+        <p:style>
+          <a:lnRef idx="2">
+            <a:schemeClr val="accent1">
+              <a:shade val="50000"/>
+            </a:schemeClr>
+          </a:lnRef>
+          <a:fillRef idx="1">
+            <a:schemeClr val="accent1"/>
+          </a:fillRef>
+          <a:effectRef idx="0">
+            <a:schemeClr val="accent1"/>
+          </a:effectRef>
+          <a:fontRef idx="minor">
+            <a:schemeClr val="lt1"/>
+          </a:fontRef>
+        </p:style>
+        <p:txBody>
+          <a:bodyPr rtlCol="0" anchor="ctr"/>
+          <a:lstStyle/>
+          <a:p>
+            <a:pPr algn="ctr"/>
+            <a:endParaRPr lang="en-GB" sz="3600" dirty="0"/>
+          </a:p>
+        </p:txBody>
+      </p:sp>
+      <p:sp>
+        <p:nvSpPr>
+          <p:cNvPr id="109" name="Rectangle 108">
+            <a:extLst>
+              <a:ext uri="{FF2B5EF4-FFF2-40B4-BE49-F238E27FC236}">
+                <a16:creationId xmlns:a16="http://schemas.microsoft.com/office/drawing/2014/main" id="{4FF7FFC8-A7D1-3E70-AC56-532BF60905F8}"/>
+              </a:ext>
+            </a:extLst>
+          </p:cNvPr>
+          <p:cNvSpPr/>
+          <p:nvPr/>
+        </p:nvSpPr>
+        <p:spPr>
+          <a:xfrm>
+            <a:off x="5892335" y="2943377"/>
+            <a:ext cx="362967" cy="45719"/>
+          </a:xfrm>
+          <a:prstGeom prst="rect">
+            <a:avLst/>
+          </a:prstGeom>
+          <a:solidFill>
+            <a:srgbClr val="4F6457"/>
+          </a:solidFill>
+          <a:ln>
+            <a:solidFill>
+              <a:srgbClr val="4F6457"/>
+            </a:solidFill>
+          </a:ln>
+        </p:spPr>
+        <p:style>
+          <a:lnRef idx="2">
+            <a:schemeClr val="accent1">
+              <a:shade val="50000"/>
+            </a:schemeClr>
+          </a:lnRef>
+          <a:fillRef idx="1">
+            <a:schemeClr val="accent1"/>
+          </a:fillRef>
+          <a:effectRef idx="0">
+            <a:schemeClr val="accent1"/>
+          </a:effectRef>
+          <a:fontRef idx="minor">
+            <a:schemeClr val="lt1"/>
+          </a:fontRef>
+        </p:style>
+        <p:txBody>
+          <a:bodyPr rtlCol="0" anchor="ctr"/>
+          <a:lstStyle/>
+          <a:p>
+            <a:pPr algn="ctr"/>
+            <a:endParaRPr lang="en-GB" sz="3600" dirty="0"/>
+          </a:p>
+        </p:txBody>
+      </p:sp>
+      <p:sp>
+        <p:nvSpPr>
+          <p:cNvPr id="110" name="Rectangle 109">
+            <a:extLst>
+              <a:ext uri="{FF2B5EF4-FFF2-40B4-BE49-F238E27FC236}">
+                <a16:creationId xmlns:a16="http://schemas.microsoft.com/office/drawing/2014/main" id="{F7443B92-EAA7-5282-9CFD-FAD2C38C7269}"/>
+              </a:ext>
+            </a:extLst>
+          </p:cNvPr>
+          <p:cNvSpPr/>
+          <p:nvPr/>
+        </p:nvSpPr>
+        <p:spPr>
+          <a:xfrm>
+            <a:off x="5892335" y="2982446"/>
+            <a:ext cx="362967" cy="45719"/>
+          </a:xfrm>
+          <a:prstGeom prst="rect">
+            <a:avLst/>
+          </a:prstGeom>
+          <a:solidFill>
+            <a:srgbClr val="A3A599"/>
+          </a:solidFill>
+          <a:ln>
+            <a:solidFill>
+              <a:srgbClr val="A3A599"/>
+            </a:solidFill>
+          </a:ln>
+        </p:spPr>
+        <p:style>
+          <a:lnRef idx="2">
+            <a:schemeClr val="accent1">
+              <a:shade val="50000"/>
+            </a:schemeClr>
+          </a:lnRef>
+          <a:fillRef idx="1">
+            <a:schemeClr val="accent1"/>
+          </a:fillRef>
+          <a:effectRef idx="0">
+            <a:schemeClr val="accent1"/>
+          </a:effectRef>
+          <a:fontRef idx="minor">
+            <a:schemeClr val="lt1"/>
+          </a:fontRef>
+        </p:style>
+        <p:txBody>
+          <a:bodyPr rtlCol="0" anchor="ctr"/>
+          <a:lstStyle/>
+          <a:p>
+            <a:pPr algn="ctr"/>
+            <a:endParaRPr lang="en-GB" sz="3600" dirty="0"/>
+          </a:p>
+        </p:txBody>
+      </p:sp>
+      <p:sp>
+        <p:nvSpPr>
+          <p:cNvPr id="111" name="Rectangle 110">
+            <a:extLst>
+              <a:ext uri="{FF2B5EF4-FFF2-40B4-BE49-F238E27FC236}">
+                <a16:creationId xmlns:a16="http://schemas.microsoft.com/office/drawing/2014/main" id="{8F2B79F2-ADA5-181A-CF4E-99B479F5AE24}"/>
+              </a:ext>
+            </a:extLst>
+          </p:cNvPr>
+          <p:cNvSpPr/>
+          <p:nvPr/>
+        </p:nvSpPr>
+        <p:spPr>
+          <a:xfrm>
+            <a:off x="5892335" y="3021515"/>
+            <a:ext cx="362967" cy="84120"/>
+          </a:xfrm>
+          <a:prstGeom prst="rect">
+            <a:avLst/>
+          </a:prstGeom>
+          <a:solidFill>
+            <a:srgbClr val="CB1A00"/>
+          </a:solidFill>
+          <a:ln>
+            <a:solidFill>
+              <a:srgbClr val="CB1A00"/>
+            </a:solidFill>
+          </a:ln>
+        </p:spPr>
+        <p:style>
+          <a:lnRef idx="2">
+            <a:schemeClr val="accent1">
+              <a:shade val="50000"/>
+            </a:schemeClr>
+          </a:lnRef>
+          <a:fillRef idx="1">
+            <a:schemeClr val="accent1"/>
+          </a:fillRef>
+          <a:effectRef idx="0">
+            <a:schemeClr val="accent1"/>
+          </a:effectRef>
+          <a:fontRef idx="minor">
+            <a:schemeClr val="lt1"/>
+          </a:fontRef>
+        </p:style>
+        <p:txBody>
+          <a:bodyPr rtlCol="0" anchor="ctr"/>
+          <a:lstStyle/>
+          <a:p>
+            <a:pPr algn="ctr"/>
+            <a:endParaRPr lang="en-GB" sz="3600" dirty="0"/>
+          </a:p>
+        </p:txBody>
+      </p:sp>
+      <p:sp>
+        <p:nvSpPr>
+          <p:cNvPr id="112" name="Rectangle 111">
+            <a:extLst>
+              <a:ext uri="{FF2B5EF4-FFF2-40B4-BE49-F238E27FC236}">
+                <a16:creationId xmlns:a16="http://schemas.microsoft.com/office/drawing/2014/main" id="{7F673A8C-7002-0FD7-BF01-C8A117F22461}"/>
+              </a:ext>
+            </a:extLst>
+          </p:cNvPr>
+          <p:cNvSpPr/>
+          <p:nvPr/>
+        </p:nvSpPr>
+        <p:spPr>
+          <a:xfrm>
+            <a:off x="5892335" y="3105635"/>
+            <a:ext cx="362967" cy="289283"/>
+          </a:xfrm>
+          <a:prstGeom prst="rect">
+            <a:avLst/>
+          </a:prstGeom>
+          <a:solidFill>
+            <a:srgbClr val="F72900"/>
+          </a:solidFill>
+          <a:ln>
+            <a:solidFill>
+              <a:srgbClr val="F72900"/>
+            </a:solidFill>
+          </a:ln>
+        </p:spPr>
+        <p:style>
+          <a:lnRef idx="2">
+            <a:schemeClr val="accent1">
+              <a:shade val="50000"/>
+            </a:schemeClr>
+          </a:lnRef>
+          <a:fillRef idx="1">
+            <a:schemeClr val="accent1"/>
+          </a:fillRef>
+          <a:effectRef idx="0">
+            <a:schemeClr val="accent1"/>
+          </a:effectRef>
+          <a:fontRef idx="minor">
+            <a:schemeClr val="lt1"/>
+          </a:fontRef>
+        </p:style>
+        <p:txBody>
+          <a:bodyPr rtlCol="0" anchor="ctr"/>
+          <a:lstStyle/>
+          <a:p>
+            <a:pPr algn="ctr"/>
+            <a:endParaRPr lang="en-GB" sz="3600" dirty="0"/>
+          </a:p>
+        </p:txBody>
+      </p:sp>
+      <p:sp>
+        <p:nvSpPr>
+          <p:cNvPr id="113" name="Rectangle 112">
+            <a:extLst>
+              <a:ext uri="{FF2B5EF4-FFF2-40B4-BE49-F238E27FC236}">
+                <a16:creationId xmlns:a16="http://schemas.microsoft.com/office/drawing/2014/main" id="{000A7D50-75CB-240A-05D6-B4B2F15D55E7}"/>
+              </a:ext>
+            </a:extLst>
+          </p:cNvPr>
+          <p:cNvSpPr/>
+          <p:nvPr/>
+        </p:nvSpPr>
+        <p:spPr>
+          <a:xfrm>
+            <a:off x="5892335" y="3402667"/>
+            <a:ext cx="362967" cy="1353483"/>
+          </a:xfrm>
+          <a:prstGeom prst="rect">
+            <a:avLst/>
+          </a:prstGeom>
+          <a:solidFill>
+            <a:srgbClr val="375D97"/>
+          </a:solidFill>
+          <a:ln>
+            <a:solidFill>
+              <a:srgbClr val="375D97"/>
+            </a:solidFill>
+          </a:ln>
+        </p:spPr>
+        <p:style>
+          <a:lnRef idx="2">
+            <a:schemeClr val="accent1">
+              <a:shade val="50000"/>
+            </a:schemeClr>
+          </a:lnRef>
+          <a:fillRef idx="1">
+            <a:schemeClr val="accent1"/>
+          </a:fillRef>
+          <a:effectRef idx="0">
+            <a:schemeClr val="accent1"/>
+          </a:effectRef>
+          <a:fontRef idx="minor">
+            <a:schemeClr val="lt1"/>
+          </a:fontRef>
+        </p:style>
+        <p:txBody>
+          <a:bodyPr rtlCol="0" anchor="ctr"/>
+          <a:lstStyle/>
+          <a:p>
+            <a:pPr algn="ctr"/>
+            <a:endParaRPr lang="en-GB" sz="3600" dirty="0"/>
+          </a:p>
+        </p:txBody>
+      </p:sp>
+      <p:sp>
+        <p:nvSpPr>
+          <p:cNvPr id="114" name="Rectangle 113">
+            <a:extLst>
+              <a:ext uri="{FF2B5EF4-FFF2-40B4-BE49-F238E27FC236}">
+                <a16:creationId xmlns:a16="http://schemas.microsoft.com/office/drawing/2014/main" id="{26D1560F-3E6A-E366-1EFB-29E4CADF61B3}"/>
+              </a:ext>
+            </a:extLst>
+          </p:cNvPr>
+          <p:cNvSpPr/>
+          <p:nvPr/>
+        </p:nvSpPr>
+        <p:spPr>
+          <a:xfrm>
+            <a:off x="5892335" y="4763899"/>
+            <a:ext cx="362967" cy="116076"/>
+          </a:xfrm>
+          <a:prstGeom prst="rect">
+            <a:avLst/>
+          </a:prstGeom>
+          <a:solidFill>
+            <a:srgbClr val="4F6457"/>
+          </a:solidFill>
+          <a:ln>
+            <a:solidFill>
+              <a:srgbClr val="4F6457"/>
+            </a:solidFill>
+          </a:ln>
+        </p:spPr>
+        <p:style>
+          <a:lnRef idx="2">
+            <a:schemeClr val="accent1">
+              <a:shade val="50000"/>
+            </a:schemeClr>
+          </a:lnRef>
+          <a:fillRef idx="1">
+            <a:schemeClr val="accent1"/>
+          </a:fillRef>
+          <a:effectRef idx="0">
+            <a:schemeClr val="accent1"/>
+          </a:effectRef>
+          <a:fontRef idx="minor">
+            <a:schemeClr val="lt1"/>
+          </a:fontRef>
+        </p:style>
+        <p:txBody>
+          <a:bodyPr rtlCol="0" anchor="ctr"/>
+          <a:lstStyle/>
+          <a:p>
+            <a:pPr algn="ctr"/>
+            <a:endParaRPr lang="en-GB" sz="3600" dirty="0"/>
+          </a:p>
+        </p:txBody>
+      </p:sp>
+      <p:sp>
+        <p:nvSpPr>
+          <p:cNvPr id="115" name="Rectangle 114">
+            <a:extLst>
+              <a:ext uri="{FF2B5EF4-FFF2-40B4-BE49-F238E27FC236}">
+                <a16:creationId xmlns:a16="http://schemas.microsoft.com/office/drawing/2014/main" id="{2B2171C3-B5C5-4E77-91F1-12283CBD6E2F}"/>
+              </a:ext>
+            </a:extLst>
+          </p:cNvPr>
+          <p:cNvSpPr/>
+          <p:nvPr/>
+        </p:nvSpPr>
+        <p:spPr>
+          <a:xfrm>
+            <a:off x="5892335" y="4881374"/>
+            <a:ext cx="362967" cy="45719"/>
+          </a:xfrm>
+          <a:prstGeom prst="rect">
+            <a:avLst/>
+          </a:prstGeom>
+          <a:solidFill>
+            <a:srgbClr val="5D525F"/>
+          </a:solidFill>
+          <a:ln>
+            <a:solidFill>
+              <a:srgbClr val="5D525F"/>
+            </a:solidFill>
+          </a:ln>
+        </p:spPr>
+        <p:style>
+          <a:lnRef idx="2">
+            <a:schemeClr val="accent1">
+              <a:shade val="50000"/>
+            </a:schemeClr>
+          </a:lnRef>
+          <a:fillRef idx="1">
+            <a:schemeClr val="accent1"/>
+          </a:fillRef>
+          <a:effectRef idx="0">
+            <a:schemeClr val="accent1"/>
+          </a:effectRef>
+          <a:fontRef idx="minor">
+            <a:schemeClr val="lt1"/>
+          </a:fontRef>
+        </p:style>
+        <p:txBody>
+          <a:bodyPr rtlCol="0" anchor="ctr"/>
+          <a:lstStyle/>
+          <a:p>
+            <a:pPr algn="ctr"/>
+            <a:endParaRPr lang="en-GB" sz="3600" dirty="0"/>
+          </a:p>
+        </p:txBody>
+      </p:sp>
+      <p:sp>
+        <p:nvSpPr>
+          <p:cNvPr id="116" name="Rectangle 115">
+            <a:extLst>
+              <a:ext uri="{FF2B5EF4-FFF2-40B4-BE49-F238E27FC236}">
+                <a16:creationId xmlns:a16="http://schemas.microsoft.com/office/drawing/2014/main" id="{F20AF709-76F3-5E19-B519-5C4BC74FD57B}"/>
+              </a:ext>
+            </a:extLst>
+          </p:cNvPr>
+          <p:cNvSpPr/>
+          <p:nvPr/>
+        </p:nvSpPr>
+        <p:spPr>
+          <a:xfrm>
+            <a:off x="5892334" y="4927092"/>
+            <a:ext cx="362967" cy="197015"/>
+          </a:xfrm>
+          <a:prstGeom prst="rect">
+            <a:avLst/>
+          </a:prstGeom>
+          <a:solidFill>
+            <a:srgbClr val="258138"/>
+          </a:solidFill>
+          <a:ln>
+            <a:solidFill>
+              <a:srgbClr val="258138"/>
+            </a:solidFill>
+          </a:ln>
+        </p:spPr>
+        <p:style>
+          <a:lnRef idx="2">
+            <a:schemeClr val="accent1">
+              <a:shade val="50000"/>
+            </a:schemeClr>
+          </a:lnRef>
+          <a:fillRef idx="1">
+            <a:schemeClr val="accent1"/>
+          </a:fillRef>
+          <a:effectRef idx="0">
+            <a:schemeClr val="accent1"/>
+          </a:effectRef>
+          <a:fontRef idx="minor">
+            <a:schemeClr val="lt1"/>
+          </a:fontRef>
+        </p:style>
+        <p:txBody>
+          <a:bodyPr rtlCol="0" anchor="ctr"/>
+          <a:lstStyle/>
+          <a:p>
+            <a:pPr algn="ctr"/>
+            <a:endParaRPr lang="en-GB" sz="3600" dirty="0"/>
+          </a:p>
+        </p:txBody>
+      </p:sp>
+      <p:sp>
+        <p:nvSpPr>
+          <p:cNvPr id="117" name="Rectangle 116">
+            <a:extLst>
+              <a:ext uri="{FF2B5EF4-FFF2-40B4-BE49-F238E27FC236}">
+                <a16:creationId xmlns:a16="http://schemas.microsoft.com/office/drawing/2014/main" id="{91ECD8BA-0470-1C9E-F718-FDB6465C3F90}"/>
+              </a:ext>
+            </a:extLst>
+          </p:cNvPr>
+          <p:cNvSpPr/>
+          <p:nvPr/>
+        </p:nvSpPr>
+        <p:spPr>
+          <a:xfrm>
+            <a:off x="5892334" y="5125607"/>
+            <a:ext cx="362967" cy="124897"/>
+          </a:xfrm>
+          <a:prstGeom prst="rect">
+            <a:avLst/>
+          </a:prstGeom>
+          <a:solidFill>
+            <a:srgbClr val="E0E166"/>
+          </a:solidFill>
+          <a:ln>
+            <a:solidFill>
+              <a:srgbClr val="E0E166"/>
+            </a:solidFill>
+          </a:ln>
+        </p:spPr>
+        <p:style>
+          <a:lnRef idx="2">
+            <a:schemeClr val="accent1">
+              <a:shade val="50000"/>
+            </a:schemeClr>
+          </a:lnRef>
+          <a:fillRef idx="1">
+            <a:schemeClr val="accent1"/>
+          </a:fillRef>
+          <a:effectRef idx="0">
+            <a:schemeClr val="accent1"/>
+          </a:effectRef>
+          <a:fontRef idx="minor">
+            <a:schemeClr val="lt1"/>
+          </a:fontRef>
+        </p:style>
+        <p:txBody>
+          <a:bodyPr rtlCol="0" anchor="ctr"/>
+          <a:lstStyle/>
+          <a:p>
+            <a:pPr algn="ctr"/>
+            <a:endParaRPr lang="en-GB" sz="3600" dirty="0"/>
+          </a:p>
+        </p:txBody>
+      </p:sp>
+      <p:sp>
+        <p:nvSpPr>
+          <p:cNvPr id="118" name="Rectangle 117">
+            <a:extLst>
+              <a:ext uri="{FF2B5EF4-FFF2-40B4-BE49-F238E27FC236}">
+                <a16:creationId xmlns:a16="http://schemas.microsoft.com/office/drawing/2014/main" id="{4D4E67E3-3160-A42F-536B-695E7D3779DD}"/>
+              </a:ext>
+            </a:extLst>
+          </p:cNvPr>
+          <p:cNvSpPr/>
+          <p:nvPr/>
+        </p:nvSpPr>
+        <p:spPr>
+          <a:xfrm>
+            <a:off x="5892334" y="5252206"/>
+            <a:ext cx="362967" cy="245494"/>
+          </a:xfrm>
+          <a:prstGeom prst="rect">
+            <a:avLst/>
+          </a:prstGeom>
+          <a:solidFill>
+            <a:srgbClr val="4F6457"/>
+          </a:solidFill>
+          <a:ln>
+            <a:solidFill>
+              <a:srgbClr val="4F6457"/>
+            </a:solidFill>
+          </a:ln>
+        </p:spPr>
+        <p:style>
+          <a:lnRef idx="2">
+            <a:schemeClr val="accent1">
+              <a:shade val="50000"/>
+            </a:schemeClr>
+          </a:lnRef>
+          <a:fillRef idx="1">
+            <a:schemeClr val="accent1"/>
+          </a:fillRef>
+          <a:effectRef idx="0">
+            <a:schemeClr val="accent1"/>
+          </a:effectRef>
+          <a:fontRef idx="minor">
+            <a:schemeClr val="lt1"/>
+          </a:fontRef>
+        </p:style>
+        <p:txBody>
+          <a:bodyPr rtlCol="0" anchor="ctr"/>
+          <a:lstStyle/>
+          <a:p>
+            <a:pPr algn="ctr"/>
+            <a:endParaRPr lang="en-GB" sz="3600" dirty="0"/>
+          </a:p>
+        </p:txBody>
+      </p:sp>
+      <p:sp>
+        <p:nvSpPr>
+          <p:cNvPr id="119" name="Rectangle 118">
+            <a:extLst>
+              <a:ext uri="{FF2B5EF4-FFF2-40B4-BE49-F238E27FC236}">
+                <a16:creationId xmlns:a16="http://schemas.microsoft.com/office/drawing/2014/main" id="{28C6F5D6-85CD-8BA7-1195-A0D316314A88}"/>
+              </a:ext>
+            </a:extLst>
+          </p:cNvPr>
+          <p:cNvSpPr/>
+          <p:nvPr/>
+        </p:nvSpPr>
+        <p:spPr>
+          <a:xfrm>
+            <a:off x="5892334" y="5509816"/>
+            <a:ext cx="362967" cy="241717"/>
+          </a:xfrm>
+          <a:prstGeom prst="rect">
+            <a:avLst/>
+          </a:prstGeom>
+          <a:solidFill>
+            <a:srgbClr val="9B4F0E"/>
+          </a:solidFill>
+          <a:ln>
+            <a:solidFill>
+              <a:srgbClr val="9B4F0E"/>
+            </a:solidFill>
+          </a:ln>
+        </p:spPr>
+        <p:style>
+          <a:lnRef idx="2">
+            <a:schemeClr val="accent1">
+              <a:shade val="50000"/>
+            </a:schemeClr>
+          </a:lnRef>
+          <a:fillRef idx="1">
+            <a:schemeClr val="accent1"/>
+          </a:fillRef>
+          <a:effectRef idx="0">
+            <a:schemeClr val="accent1"/>
+          </a:effectRef>
+          <a:fontRef idx="minor">
+            <a:schemeClr val="lt1"/>
+          </a:fontRef>
+        </p:style>
+        <p:txBody>
+          <a:bodyPr rtlCol="0" anchor="ctr"/>
+          <a:lstStyle/>
+          <a:p>
+            <a:pPr algn="ctr"/>
+            <a:endParaRPr lang="en-GB" sz="3600" dirty="0"/>
+          </a:p>
+        </p:txBody>
+      </p:sp>
+      <p:sp>
+        <p:nvSpPr>
+          <p:cNvPr id="120" name="Rectangle 119">
+            <a:extLst>
+              <a:ext uri="{FF2B5EF4-FFF2-40B4-BE49-F238E27FC236}">
+                <a16:creationId xmlns:a16="http://schemas.microsoft.com/office/drawing/2014/main" id="{EEA3CC3E-92E1-A636-92ED-5603873BF5FD}"/>
+              </a:ext>
+            </a:extLst>
+          </p:cNvPr>
+          <p:cNvSpPr/>
+          <p:nvPr/>
+        </p:nvSpPr>
+        <p:spPr>
+          <a:xfrm>
+            <a:off x="5892334" y="5749495"/>
+            <a:ext cx="362967" cy="169194"/>
+          </a:xfrm>
+          <a:prstGeom prst="rect">
+            <a:avLst/>
+          </a:prstGeom>
+          <a:solidFill>
+            <a:srgbClr val="4F6457"/>
+          </a:solidFill>
+          <a:ln>
+            <a:solidFill>
+              <a:srgbClr val="4F6457"/>
+            </a:solidFill>
+          </a:ln>
+        </p:spPr>
+        <p:style>
+          <a:lnRef idx="2">
+            <a:schemeClr val="accent1">
+              <a:shade val="50000"/>
+            </a:schemeClr>
+          </a:lnRef>
+          <a:fillRef idx="1">
+            <a:schemeClr val="accent1"/>
+          </a:fillRef>
+          <a:effectRef idx="0">
+            <a:schemeClr val="accent1"/>
+          </a:effectRef>
+          <a:fontRef idx="minor">
+            <a:schemeClr val="lt1"/>
+          </a:fontRef>
+        </p:style>
+        <p:txBody>
+          <a:bodyPr rtlCol="0" anchor="ctr"/>
+          <a:lstStyle/>
+          <a:p>
+            <a:pPr algn="ctr"/>
+            <a:endParaRPr lang="en-GB" sz="3600" dirty="0"/>
+          </a:p>
+        </p:txBody>
+      </p:sp>
+      <p:sp>
+        <p:nvSpPr>
+          <p:cNvPr id="121" name="Rectangle 120">
+            <a:extLst>
+              <a:ext uri="{FF2B5EF4-FFF2-40B4-BE49-F238E27FC236}">
+                <a16:creationId xmlns:a16="http://schemas.microsoft.com/office/drawing/2014/main" id="{4FEB43C3-3E7D-B2FA-4A92-18DF6D091E73}"/>
+              </a:ext>
+            </a:extLst>
+          </p:cNvPr>
+          <p:cNvSpPr/>
+          <p:nvPr/>
+        </p:nvSpPr>
+        <p:spPr>
+          <a:xfrm>
+            <a:off x="5892334" y="5916849"/>
+            <a:ext cx="362967" cy="280411"/>
+          </a:xfrm>
+          <a:prstGeom prst="rect">
+            <a:avLst/>
+          </a:prstGeom>
+          <a:solidFill>
+            <a:srgbClr val="4796D9"/>
+          </a:solidFill>
+          <a:ln>
+            <a:solidFill>
+              <a:srgbClr val="4796D9"/>
+            </a:solidFill>
+          </a:ln>
+        </p:spPr>
+        <p:style>
+          <a:lnRef idx="2">
+            <a:schemeClr val="accent1">
+              <a:shade val="50000"/>
+            </a:schemeClr>
+          </a:lnRef>
+          <a:fillRef idx="1">
+            <a:schemeClr val="accent1"/>
+          </a:fillRef>
+          <a:effectRef idx="0">
+            <a:schemeClr val="accent1"/>
+          </a:effectRef>
+          <a:fontRef idx="minor">
+            <a:schemeClr val="lt1"/>
+          </a:fontRef>
+        </p:style>
+        <p:txBody>
+          <a:bodyPr rtlCol="0" anchor="ctr"/>
+          <a:lstStyle/>
+          <a:p>
+            <a:pPr algn="ctr"/>
+            <a:endParaRPr lang="en-GB" sz="3600" dirty="0"/>
+          </a:p>
+        </p:txBody>
+      </p:sp>
+      <p:sp>
+        <p:nvSpPr>
+          <p:cNvPr id="122" name="Rectangle 121">
+            <a:extLst>
+              <a:ext uri="{FF2B5EF4-FFF2-40B4-BE49-F238E27FC236}">
+                <a16:creationId xmlns:a16="http://schemas.microsoft.com/office/drawing/2014/main" id="{941EC010-C308-BF91-5AF3-D0ACB0A872AD}"/>
+              </a:ext>
+            </a:extLst>
+          </p:cNvPr>
+          <p:cNvSpPr/>
+          <p:nvPr/>
+        </p:nvSpPr>
+        <p:spPr>
+          <a:xfrm>
+            <a:off x="5892334" y="6203987"/>
+            <a:ext cx="362967" cy="82664"/>
+          </a:xfrm>
+          <a:prstGeom prst="rect">
+            <a:avLst/>
+          </a:prstGeom>
+          <a:solidFill>
+            <a:srgbClr val="76B2A9"/>
+          </a:solidFill>
+          <a:ln>
+            <a:solidFill>
+              <a:srgbClr val="76B2A9"/>
+            </a:solidFill>
+          </a:ln>
+        </p:spPr>
+        <p:style>
+          <a:lnRef idx="2">
+            <a:schemeClr val="accent1">
+              <a:shade val="50000"/>
+            </a:schemeClr>
+          </a:lnRef>
+          <a:fillRef idx="1">
+            <a:schemeClr val="accent1"/>
+          </a:fillRef>
+          <a:effectRef idx="0">
+            <a:schemeClr val="accent1"/>
+          </a:effectRef>
+          <a:fontRef idx="minor">
+            <a:schemeClr val="lt1"/>
+          </a:fontRef>
+        </p:style>
+        <p:txBody>
+          <a:bodyPr rtlCol="0" anchor="ctr"/>
+          <a:lstStyle/>
+          <a:p>
+            <a:pPr algn="ctr"/>
+            <a:endParaRPr lang="en-GB" sz="3600" dirty="0"/>
+          </a:p>
+        </p:txBody>
+      </p:sp>
+      <p:sp>
+        <p:nvSpPr>
+          <p:cNvPr id="123" name="Rectangle 122">
+            <a:extLst>
+              <a:ext uri="{FF2B5EF4-FFF2-40B4-BE49-F238E27FC236}">
+                <a16:creationId xmlns:a16="http://schemas.microsoft.com/office/drawing/2014/main" id="{4BDC1DB4-92EA-62DD-CDA8-FD33AC7C8306}"/>
+              </a:ext>
+            </a:extLst>
+          </p:cNvPr>
+          <p:cNvSpPr/>
+          <p:nvPr/>
+        </p:nvSpPr>
+        <p:spPr>
+          <a:xfrm>
+            <a:off x="5892333" y="6292762"/>
+            <a:ext cx="362967" cy="486140"/>
+          </a:xfrm>
+          <a:prstGeom prst="rect">
+            <a:avLst/>
+          </a:prstGeom>
+          <a:solidFill>
+            <a:srgbClr val="F8EFE2"/>
+          </a:solidFill>
+          <a:ln>
+            <a:solidFill>
+              <a:srgbClr val="F8EFE2"/>
+            </a:solidFill>
+          </a:ln>
+        </p:spPr>
+        <p:style>
+          <a:lnRef idx="2">
+            <a:schemeClr val="accent1">
+              <a:shade val="50000"/>
+            </a:schemeClr>
+          </a:lnRef>
+          <a:fillRef idx="1">
+            <a:schemeClr val="accent1"/>
+          </a:fillRef>
+          <a:effectRef idx="0">
+            <a:schemeClr val="accent1"/>
+          </a:effectRef>
+          <a:fontRef idx="minor">
+            <a:schemeClr val="lt1"/>
+          </a:fontRef>
+        </p:style>
+        <p:txBody>
+          <a:bodyPr rtlCol="0" anchor="ctr"/>
+          <a:lstStyle/>
+          <a:p>
+            <a:pPr algn="ctr"/>
+            <a:endParaRPr lang="en-GB" sz="3600" dirty="0"/>
+          </a:p>
+        </p:txBody>
+      </p:sp>
+      <p:sp>
+        <p:nvSpPr>
+          <p:cNvPr id="124" name="Rectangle 123">
+            <a:extLst>
+              <a:ext uri="{FF2B5EF4-FFF2-40B4-BE49-F238E27FC236}">
+                <a16:creationId xmlns:a16="http://schemas.microsoft.com/office/drawing/2014/main" id="{3B9053D6-B253-7951-AFEB-DC203798FF95}"/>
+              </a:ext>
+            </a:extLst>
+          </p:cNvPr>
+          <p:cNvSpPr/>
+          <p:nvPr/>
+        </p:nvSpPr>
+        <p:spPr>
+          <a:xfrm>
+            <a:off x="5892333" y="6772252"/>
+            <a:ext cx="362967" cy="126058"/>
+          </a:xfrm>
+          <a:prstGeom prst="rect">
+            <a:avLst/>
+          </a:prstGeom>
+          <a:solidFill>
+            <a:srgbClr val="21938B"/>
+          </a:solidFill>
+          <a:ln>
+            <a:solidFill>
+              <a:srgbClr val="21938B"/>
+            </a:solidFill>
+          </a:ln>
+        </p:spPr>
+        <p:style>
+          <a:lnRef idx="2">
+            <a:schemeClr val="accent1">
+              <a:shade val="50000"/>
+            </a:schemeClr>
+          </a:lnRef>
+          <a:fillRef idx="1">
+            <a:schemeClr val="accent1"/>
+          </a:fillRef>
+          <a:effectRef idx="0">
+            <a:schemeClr val="accent1"/>
+          </a:effectRef>
+          <a:fontRef idx="minor">
+            <a:schemeClr val="lt1"/>
+          </a:fontRef>
+        </p:style>
+        <p:txBody>
+          <a:bodyPr rtlCol="0" anchor="ctr"/>
+          <a:lstStyle/>
+          <a:p>
+            <a:pPr algn="ctr"/>
+            <a:endParaRPr lang="en-GB" sz="3600" dirty="0"/>
+          </a:p>
+        </p:txBody>
+      </p:sp>
+      <p:sp>
+        <p:nvSpPr>
+          <p:cNvPr id="125" name="Rectangle 124">
+            <a:extLst>
+              <a:ext uri="{FF2B5EF4-FFF2-40B4-BE49-F238E27FC236}">
+                <a16:creationId xmlns:a16="http://schemas.microsoft.com/office/drawing/2014/main" id="{8C173935-F698-7F17-75E2-6CA3AD73AE32}"/>
+              </a:ext>
+            </a:extLst>
+          </p:cNvPr>
+          <p:cNvSpPr/>
+          <p:nvPr/>
+        </p:nvSpPr>
+        <p:spPr>
+          <a:xfrm>
+            <a:off x="5892333" y="6898310"/>
+            <a:ext cx="362967" cy="82600"/>
+          </a:xfrm>
+          <a:prstGeom prst="rect">
+            <a:avLst/>
+          </a:prstGeom>
+          <a:solidFill>
+            <a:srgbClr val="1795AD"/>
+          </a:solidFill>
+          <a:ln>
+            <a:solidFill>
+              <a:srgbClr val="1795AD"/>
+            </a:solidFill>
+          </a:ln>
+        </p:spPr>
+        <p:style>
+          <a:lnRef idx="2">
+            <a:schemeClr val="accent1">
+              <a:shade val="50000"/>
+            </a:schemeClr>
+          </a:lnRef>
+          <a:fillRef idx="1">
+            <a:schemeClr val="accent1"/>
+          </a:fillRef>
+          <a:effectRef idx="0">
+            <a:schemeClr val="accent1"/>
+          </a:effectRef>
+          <a:fontRef idx="minor">
+            <a:schemeClr val="lt1"/>
+          </a:fontRef>
+        </p:style>
+        <p:txBody>
+          <a:bodyPr rtlCol="0" anchor="ctr"/>
+          <a:lstStyle/>
+          <a:p>
+            <a:pPr algn="ctr"/>
+            <a:endParaRPr lang="en-GB" sz="3600" dirty="0"/>
+          </a:p>
+        </p:txBody>
+      </p:sp>
+      <p:sp>
+        <p:nvSpPr>
+          <p:cNvPr id="126" name="Rectangle 125">
+            <a:extLst>
+              <a:ext uri="{FF2B5EF4-FFF2-40B4-BE49-F238E27FC236}">
+                <a16:creationId xmlns:a16="http://schemas.microsoft.com/office/drawing/2014/main" id="{DFD3F5AE-0182-30D5-6F83-9BD59A0B66D0}"/>
+              </a:ext>
+            </a:extLst>
+          </p:cNvPr>
+          <p:cNvSpPr/>
+          <p:nvPr/>
+        </p:nvSpPr>
+        <p:spPr>
+          <a:xfrm>
+            <a:off x="5892333" y="6986692"/>
+            <a:ext cx="362967" cy="120940"/>
+          </a:xfrm>
+          <a:prstGeom prst="rect">
+            <a:avLst/>
+          </a:prstGeom>
+          <a:solidFill>
+            <a:srgbClr val="D8B549"/>
+          </a:solidFill>
+          <a:ln>
+            <a:solidFill>
+              <a:srgbClr val="D8B549"/>
+            </a:solidFill>
+          </a:ln>
+        </p:spPr>
+        <p:style>
+          <a:lnRef idx="2">
+            <a:schemeClr val="accent1">
+              <a:shade val="50000"/>
+            </a:schemeClr>
+          </a:lnRef>
+          <a:fillRef idx="1">
+            <a:schemeClr val="accent1"/>
+          </a:fillRef>
+          <a:effectRef idx="0">
+            <a:schemeClr val="accent1"/>
+          </a:effectRef>
+          <a:fontRef idx="minor">
+            <a:schemeClr val="lt1"/>
+          </a:fontRef>
+        </p:style>
+        <p:txBody>
+          <a:bodyPr rtlCol="0" anchor="ctr"/>
+          <a:lstStyle/>
+          <a:p>
+            <a:pPr algn="ctr"/>
+            <a:endParaRPr lang="en-GB" sz="3600" dirty="0"/>
+          </a:p>
+        </p:txBody>
+      </p:sp>
+      <p:sp>
+        <p:nvSpPr>
+          <p:cNvPr id="127" name="Rectangle 126">
+            <a:extLst>
+              <a:ext uri="{FF2B5EF4-FFF2-40B4-BE49-F238E27FC236}">
+                <a16:creationId xmlns:a16="http://schemas.microsoft.com/office/drawing/2014/main" id="{8FA7B14D-422F-BFEE-CACF-4E7F8AC4E1D4}"/>
+              </a:ext>
+            </a:extLst>
+          </p:cNvPr>
+          <p:cNvSpPr/>
+          <p:nvPr/>
+        </p:nvSpPr>
+        <p:spPr>
+          <a:xfrm>
+            <a:off x="5892333" y="7117453"/>
+            <a:ext cx="362967" cy="1105475"/>
+          </a:xfrm>
+          <a:prstGeom prst="rect">
+            <a:avLst/>
+          </a:prstGeom>
+          <a:solidFill>
+            <a:srgbClr val="A3A599"/>
+          </a:solidFill>
+          <a:ln>
+            <a:solidFill>
+              <a:srgbClr val="A3A599"/>
+            </a:solidFill>
+          </a:ln>
+        </p:spPr>
+        <p:style>
+          <a:lnRef idx="2">
+            <a:schemeClr val="accent1">
+              <a:shade val="50000"/>
+            </a:schemeClr>
+          </a:lnRef>
+          <a:fillRef idx="1">
+            <a:schemeClr val="accent1"/>
+          </a:fillRef>
+          <a:effectRef idx="0">
+            <a:schemeClr val="accent1"/>
+          </a:effectRef>
+          <a:fontRef idx="minor">
+            <a:schemeClr val="lt1"/>
+          </a:fontRef>
+        </p:style>
+        <p:txBody>
+          <a:bodyPr rtlCol="0" anchor="ctr"/>
+          <a:lstStyle/>
+          <a:p>
+            <a:pPr algn="ctr"/>
+            <a:endParaRPr lang="en-GB" sz="3600" dirty="0"/>
+          </a:p>
+        </p:txBody>
+      </p:sp>
+      <p:sp>
+        <p:nvSpPr>
+          <p:cNvPr id="128" name="Rectangle 127">
+            <a:extLst>
+              <a:ext uri="{FF2B5EF4-FFF2-40B4-BE49-F238E27FC236}">
+                <a16:creationId xmlns:a16="http://schemas.microsoft.com/office/drawing/2014/main" id="{562C18A6-38FC-18EA-F8C8-4BA4F3918B71}"/>
+              </a:ext>
+            </a:extLst>
+          </p:cNvPr>
+          <p:cNvSpPr/>
+          <p:nvPr/>
+        </p:nvSpPr>
+        <p:spPr>
+          <a:xfrm>
+            <a:off x="5892333" y="8222928"/>
+            <a:ext cx="362967" cy="45719"/>
+          </a:xfrm>
+          <a:prstGeom prst="rect">
+            <a:avLst/>
+          </a:prstGeom>
+          <a:solidFill>
+            <a:srgbClr val="08575B"/>
+          </a:solidFill>
+          <a:ln>
+            <a:solidFill>
+              <a:srgbClr val="08575B"/>
+            </a:solidFill>
+          </a:ln>
+        </p:spPr>
+        <p:style>
+          <a:lnRef idx="2">
+            <a:schemeClr val="accent1">
+              <a:shade val="50000"/>
+            </a:schemeClr>
+          </a:lnRef>
+          <a:fillRef idx="1">
+            <a:schemeClr val="accent1"/>
+          </a:fillRef>
+          <a:effectRef idx="0">
+            <a:schemeClr val="accent1"/>
+          </a:effectRef>
+          <a:fontRef idx="minor">
+            <a:schemeClr val="lt1"/>
+          </a:fontRef>
+        </p:style>
+        <p:txBody>
+          <a:bodyPr rtlCol="0" anchor="ctr"/>
+          <a:lstStyle/>
+          <a:p>
+            <a:pPr algn="ctr"/>
+            <a:endParaRPr lang="en-GB" sz="3600" dirty="0"/>
+          </a:p>
+        </p:txBody>
+      </p:sp>
+      <p:sp>
+        <p:nvSpPr>
+          <p:cNvPr id="129" name="Rectangle 128">
+            <a:extLst>
+              <a:ext uri="{FF2B5EF4-FFF2-40B4-BE49-F238E27FC236}">
+                <a16:creationId xmlns:a16="http://schemas.microsoft.com/office/drawing/2014/main" id="{B0DF7D1F-85EE-B961-99DC-6AA416134674}"/>
+              </a:ext>
+            </a:extLst>
+          </p:cNvPr>
+          <p:cNvSpPr/>
+          <p:nvPr/>
+        </p:nvSpPr>
+        <p:spPr>
+          <a:xfrm>
+            <a:off x="5892333" y="8263980"/>
+            <a:ext cx="362967" cy="45719"/>
+          </a:xfrm>
+          <a:prstGeom prst="rect">
+            <a:avLst/>
+          </a:prstGeom>
+          <a:solidFill>
+            <a:srgbClr val="65A5AE"/>
+          </a:solidFill>
+          <a:ln>
+            <a:solidFill>
+              <a:srgbClr val="65A5AE"/>
+            </a:solidFill>
+          </a:ln>
+        </p:spPr>
+        <p:style>
+          <a:lnRef idx="2">
+            <a:schemeClr val="accent1">
+              <a:shade val="50000"/>
+            </a:schemeClr>
+          </a:lnRef>
+          <a:fillRef idx="1">
+            <a:schemeClr val="accent1"/>
+          </a:fillRef>
+          <a:effectRef idx="0">
+            <a:schemeClr val="accent1"/>
+          </a:effectRef>
+          <a:fontRef idx="minor">
+            <a:schemeClr val="lt1"/>
+          </a:fontRef>
+        </p:style>
+        <p:txBody>
+          <a:bodyPr rtlCol="0" anchor="ctr"/>
+          <a:lstStyle/>
+          <a:p>
+            <a:pPr algn="ctr"/>
+            <a:endParaRPr lang="en-GB" sz="3600" dirty="0"/>
+          </a:p>
+        </p:txBody>
+      </p:sp>
+      <p:sp>
+        <p:nvSpPr>
+          <p:cNvPr id="130" name="Rectangle 129">
+            <a:extLst>
+              <a:ext uri="{FF2B5EF4-FFF2-40B4-BE49-F238E27FC236}">
+                <a16:creationId xmlns:a16="http://schemas.microsoft.com/office/drawing/2014/main" id="{EF96C8DB-BC7E-F63E-83B7-D3E00824419A}"/>
+              </a:ext>
+            </a:extLst>
+          </p:cNvPr>
+          <p:cNvSpPr/>
+          <p:nvPr/>
+        </p:nvSpPr>
+        <p:spPr>
+          <a:xfrm>
+            <a:off x="5892333" y="8305032"/>
+            <a:ext cx="362967" cy="45719"/>
+          </a:xfrm>
+          <a:prstGeom prst="rect">
+            <a:avLst/>
+          </a:prstGeom>
+          <a:solidFill>
+            <a:srgbClr val="08575B"/>
+          </a:solidFill>
+          <a:ln>
+            <a:solidFill>
+              <a:srgbClr val="08575B"/>
+            </a:solidFill>
+          </a:ln>
+        </p:spPr>
+        <p:style>
+          <a:lnRef idx="2">
+            <a:schemeClr val="accent1">
+              <a:shade val="50000"/>
+            </a:schemeClr>
+          </a:lnRef>
+          <a:fillRef idx="1">
+            <a:schemeClr val="accent1"/>
+          </a:fillRef>
+          <a:effectRef idx="0">
+            <a:schemeClr val="accent1"/>
+          </a:effectRef>
+          <a:fontRef idx="minor">
+            <a:schemeClr val="lt1"/>
+          </a:fontRef>
+        </p:style>
+        <p:txBody>
+          <a:bodyPr rtlCol="0" anchor="ctr"/>
+          <a:lstStyle/>
+          <a:p>
+            <a:pPr algn="ctr"/>
+            <a:endParaRPr lang="en-GB" sz="3600" dirty="0"/>
+          </a:p>
+        </p:txBody>
+      </p:sp>
+      <p:sp>
+        <p:nvSpPr>
+          <p:cNvPr id="131" name="Rectangle 130">
+            <a:extLst>
+              <a:ext uri="{FF2B5EF4-FFF2-40B4-BE49-F238E27FC236}">
+                <a16:creationId xmlns:a16="http://schemas.microsoft.com/office/drawing/2014/main" id="{1AD1F679-91A9-8308-54D8-C9BA65775658}"/>
+              </a:ext>
+            </a:extLst>
+          </p:cNvPr>
+          <p:cNvSpPr/>
+          <p:nvPr/>
+        </p:nvSpPr>
+        <p:spPr>
+          <a:xfrm>
+            <a:off x="5892333" y="8346084"/>
+            <a:ext cx="362967" cy="164401"/>
+          </a:xfrm>
+          <a:prstGeom prst="rect">
+            <a:avLst/>
+          </a:prstGeom>
+          <a:solidFill>
+            <a:srgbClr val="326C87"/>
+          </a:solidFill>
+          <a:ln>
+            <a:solidFill>
+              <a:srgbClr val="326C87"/>
+            </a:solidFill>
+          </a:ln>
+        </p:spPr>
+        <p:style>
+          <a:lnRef idx="2">
+            <a:schemeClr val="accent1">
+              <a:shade val="50000"/>
+            </a:schemeClr>
+          </a:lnRef>
+          <a:fillRef idx="1">
+            <a:schemeClr val="accent1"/>
+          </a:fillRef>
+          <a:effectRef idx="0">
+            <a:schemeClr val="accent1"/>
+          </a:effectRef>
+          <a:fontRef idx="minor">
+            <a:schemeClr val="lt1"/>
+          </a:fontRef>
+        </p:style>
+        <p:txBody>
+          <a:bodyPr rtlCol="0" anchor="ctr"/>
+          <a:lstStyle/>
+          <a:p>
+            <a:pPr algn="ctr"/>
+            <a:endParaRPr lang="en-GB" sz="3600" dirty="0"/>
+          </a:p>
+        </p:txBody>
+      </p:sp>
+      <p:sp>
+        <p:nvSpPr>
+          <p:cNvPr id="132" name="Rectangle 131">
+            <a:extLst>
+              <a:ext uri="{FF2B5EF4-FFF2-40B4-BE49-F238E27FC236}">
+                <a16:creationId xmlns:a16="http://schemas.microsoft.com/office/drawing/2014/main" id="{2C073BFF-7E4A-2CF3-AB1A-69292EA0DBFB}"/>
+              </a:ext>
+            </a:extLst>
+          </p:cNvPr>
+          <p:cNvSpPr/>
+          <p:nvPr/>
+        </p:nvSpPr>
+        <p:spPr>
+          <a:xfrm>
+            <a:off x="5892333" y="8511463"/>
+            <a:ext cx="362967" cy="245655"/>
+          </a:xfrm>
+          <a:prstGeom prst="rect">
+            <a:avLst/>
+          </a:prstGeom>
+          <a:solidFill>
+            <a:srgbClr val="FA8230"/>
+          </a:solidFill>
+          <a:ln>
+            <a:solidFill>
+              <a:srgbClr val="FA8230"/>
+            </a:solidFill>
+          </a:ln>
+        </p:spPr>
+        <p:style>
+          <a:lnRef idx="2">
+            <a:schemeClr val="accent1">
+              <a:shade val="50000"/>
+            </a:schemeClr>
+          </a:lnRef>
+          <a:fillRef idx="1">
+            <a:schemeClr val="accent1"/>
+          </a:fillRef>
+          <a:effectRef idx="0">
+            <a:schemeClr val="accent1"/>
+          </a:effectRef>
+          <a:fontRef idx="minor">
+            <a:schemeClr val="lt1"/>
+          </a:fontRef>
+        </p:style>
+        <p:txBody>
+          <a:bodyPr rtlCol="0" anchor="ctr"/>
+          <a:lstStyle/>
+          <a:p>
+            <a:pPr algn="ctr"/>
+            <a:endParaRPr lang="en-GB" sz="3600" dirty="0"/>
+          </a:p>
+        </p:txBody>
+      </p:sp>
+      <p:sp>
+        <p:nvSpPr>
+          <p:cNvPr id="133" name="Rectangle 132">
+            <a:extLst>
+              <a:ext uri="{FF2B5EF4-FFF2-40B4-BE49-F238E27FC236}">
+                <a16:creationId xmlns:a16="http://schemas.microsoft.com/office/drawing/2014/main" id="{77750D4F-B73A-CF2C-635C-5100F0FC6D07}"/>
+              </a:ext>
+            </a:extLst>
+          </p:cNvPr>
+          <p:cNvSpPr/>
+          <p:nvPr/>
+        </p:nvSpPr>
+        <p:spPr>
+          <a:xfrm>
+            <a:off x="5892333" y="8768068"/>
+            <a:ext cx="362967" cy="1314499"/>
+          </a:xfrm>
+          <a:prstGeom prst="rect">
+            <a:avLst/>
+          </a:prstGeom>
+          <a:solidFill>
+            <a:srgbClr val="FBAF07"/>
+          </a:solidFill>
+          <a:ln>
+            <a:solidFill>
+              <a:srgbClr val="FBAF07"/>
+            </a:solidFill>
+          </a:ln>
+        </p:spPr>
+        <p:style>
+          <a:lnRef idx="2">
+            <a:schemeClr val="accent1">
+              <a:shade val="50000"/>
+            </a:schemeClr>
+          </a:lnRef>
+          <a:fillRef idx="1">
+            <a:schemeClr val="accent1"/>
+          </a:fillRef>
+          <a:effectRef idx="0">
+            <a:schemeClr val="accent1"/>
+          </a:effectRef>
+          <a:fontRef idx="minor">
+            <a:schemeClr val="lt1"/>
+          </a:fontRef>
+        </p:style>
+        <p:txBody>
+          <a:bodyPr rtlCol="0" anchor="ctr"/>
+          <a:lstStyle/>
+          <a:p>
+            <a:pPr algn="ctr"/>
+            <a:endParaRPr lang="en-GB" sz="3600" dirty="0"/>
+          </a:p>
+        </p:txBody>
+      </p:sp>
+    </p:spTree>
+    <p:extLst>
+      <p:ext uri="{BB962C8B-B14F-4D97-AF65-F5344CB8AC3E}">
+        <p14:creationId xmlns:p14="http://schemas.microsoft.com/office/powerpoint/2010/main" val="2754048697"/>
+      </p:ext>
+    </p:extLst>
+  </p:cSld>
+  <p:clrMapOvr>
+    <a:masterClrMapping/>
+  </p:clrMapOvr>
+</p:sld>
+</file>
+
+<file path=ppt/slides/slide3.xml><?xml version="1.0" encoding="utf-8"?>
+<p:sld xmlns:a="http://schemas.openxmlformats.org/drawingml/2006/main" xmlns:r="http://schemas.openxmlformats.org/officeDocument/2006/relationships" xmlns:p="http://schemas.openxmlformats.org/presentationml/2006/main">
+  <p:cSld>
+    <p:spTree>
+      <p:nvGrpSpPr>
+        <p:cNvPr id="1" name=""/>
+        <p:cNvGrpSpPr/>
+        <p:nvPr/>
+      </p:nvGrpSpPr>
+      <p:grpSpPr>
+        <a:xfrm>
+          <a:off x="0" y="0"/>
+          <a:ext cx="0" cy="0"/>
+          <a:chOff x="0" y="0"/>
+          <a:chExt cx="0" cy="0"/>
+        </a:xfrm>
+      </p:grpSpPr>
+      <p:pic>
+        <p:nvPicPr>
+          <p:cNvPr id="41" name="Content Placeholder 40">
+            <a:extLst>
+              <a:ext uri="{FF2B5EF4-FFF2-40B4-BE49-F238E27FC236}">
+                <a16:creationId xmlns:a16="http://schemas.microsoft.com/office/drawing/2014/main" id="{BEE70B10-6783-576A-552B-7BE9ED4501F4}"/>
+              </a:ext>
+            </a:extLst>
+          </p:cNvPr>
+          <p:cNvPicPr>
+            <a:picLocks noGrp="1" noChangeAspect="1"/>
+          </p:cNvPicPr>
           <p:nvPr>
             <p:ph idx="1"/>
           </p:nvPr>
-        </p:nvSpPr>
-        <p:spPr/>
-        <p:txBody>
-          <a:bodyPr/>
-          <a:lstStyle/>
-          <a:p>
-            <a:endParaRPr lang="en-GB"/>
-          </a:p>
-        </p:txBody>
-      </p:sp>
+        </p:nvPicPr>
+        <p:blipFill>
+          <a:blip r:embed="rId2"/>
+          <a:stretch>
+            <a:fillRect/>
+          </a:stretch>
+        </p:blipFill>
+        <p:spPr>
+          <a:xfrm>
+            <a:off x="257932" y="-825356"/>
+            <a:ext cx="8808599" cy="12450474"/>
+          </a:xfrm>
+        </p:spPr>
+      </p:pic>
       <p:grpSp>
         <p:nvGrpSpPr>
           <p:cNvPr id="4" name="Group 3">
@@ -5186,9 +7885,9 @@
           <p:nvPr/>
         </p:nvGrpSpPr>
         <p:grpSpPr>
-          <a:xfrm>
-            <a:off x="3688619" y="571500"/>
-            <a:ext cx="2432146" cy="9801225"/>
+          <a:xfrm flipH="1">
+            <a:off x="6634384" y="326173"/>
+            <a:ext cx="2598825" cy="9999856"/>
             <a:chOff x="1051009" y="1057476"/>
             <a:chExt cx="2042387" cy="8684809"/>
           </a:xfrm>
@@ -5208,7 +7907,7 @@
             <p:nvPr/>
           </p:nvPicPr>
           <p:blipFill rotWithShape="1">
-            <a:blip r:embed="rId2"/>
+            <a:blip r:embed="rId3"/>
             <a:srcRect l="11817" t="9167" r="26639" b="10417"/>
             <a:stretch/>
           </p:blipFill>
@@ -5402,7 +8101,7 @@
                 </p:nvSpPr>
                 <p:spPr>
                   <a:xfrm>
-                    <a:off x="2667203" y="1186774"/>
+                    <a:off x="2667203" y="1198399"/>
                     <a:ext cx="304800" cy="144000"/>
                   </a:xfrm>
                   <a:prstGeom prst="rect">
@@ -6971,7 +9670,7 @@
 </p:sld>
 </file>
 
-<file path=ppt/slides/slide3.xml><?xml version="1.0" encoding="utf-8"?>
+<file path=ppt/slides/slide4.xml><?xml version="1.0" encoding="utf-8"?>
 <p:sld xmlns:a="http://schemas.openxmlformats.org/drawingml/2006/main" xmlns:r="http://schemas.openxmlformats.org/officeDocument/2006/relationships" xmlns:p="http://schemas.openxmlformats.org/presentationml/2006/main">
   <p:cSld>
     <p:spTree>
@@ -7143,7 +9842,7 @@
 </p:sld>
 </file>
 
-<file path=ppt/slides/slide4.xml><?xml version="1.0" encoding="utf-8"?>
+<file path=ppt/slides/slide5.xml><?xml version="1.0" encoding="utf-8"?>
 <p:sld xmlns:a="http://schemas.openxmlformats.org/drawingml/2006/main" xmlns:r="http://schemas.openxmlformats.org/officeDocument/2006/relationships" xmlns:p="http://schemas.openxmlformats.org/presentationml/2006/main">
   <p:cSld>
     <p:spTree>
@@ -7574,4 +10273,299 @@
     </a:ext>
   </a:extLst>
 </a:theme>
+</file>
+
+<file path=ppt/theme/theme2.xml><?xml version="1.0" encoding="utf-8"?>
+<a:theme xmlns:a="http://schemas.openxmlformats.org/drawingml/2006/main" name="Office Theme 2013 - 2022">
+  <a:themeElements>
+    <a:clrScheme name="Office">
+      <a:dk1>
+        <a:sysClr val="windowText" lastClr="000000"/>
+      </a:dk1>
+      <a:lt1>
+        <a:sysClr val="window" lastClr="FFFFFF"/>
+      </a:lt1>
+      <a:dk2>
+        <a:srgbClr val="44546A"/>
+      </a:dk2>
+      <a:lt2>
+        <a:srgbClr val="E7E6E6"/>
+      </a:lt2>
+      <a:accent1>
+        <a:srgbClr val="4472C4"/>
+      </a:accent1>
+      <a:accent2>
+        <a:srgbClr val="ED7D31"/>
+      </a:accent2>
+      <a:accent3>
+        <a:srgbClr val="A5A5A5"/>
+      </a:accent3>
+      <a:accent4>
+        <a:srgbClr val="FFC000"/>
+      </a:accent4>
+      <a:accent5>
+        <a:srgbClr val="5B9BD5"/>
+      </a:accent5>
+      <a:accent6>
+        <a:srgbClr val="70AD47"/>
+      </a:accent6>
+      <a:hlink>
+        <a:srgbClr val="0563C1"/>
+      </a:hlink>
+      <a:folHlink>
+        <a:srgbClr val="954F72"/>
+      </a:folHlink>
+    </a:clrScheme>
+    <a:fontScheme name="Office">
+      <a:majorFont>
+        <a:latin typeface="Calibri Light" panose="020F0302020204030204"/>
+        <a:ea typeface=""/>
+        <a:cs typeface=""/>
+        <a:font script="Jpan" typeface="游ゴシック Light"/>
+        <a:font script="Hang" typeface="맑은 고딕"/>
+        <a:font script="Hans" typeface="等线 Light"/>
+        <a:font script="Hant" typeface="新細明體"/>
+        <a:font script="Arab" typeface="Times New Roman"/>
+        <a:font script="Hebr" typeface="Times New Roman"/>
+        <a:font script="Thai" typeface="Angsana New"/>
+        <a:font script="Ethi" typeface="Nyala"/>
+        <a:font script="Beng" typeface="Vrinda"/>
+        <a:font script="Gujr" typeface="Shruti"/>
+        <a:font script="Khmr" typeface="MoolBoran"/>
+        <a:font script="Knda" typeface="Tunga"/>
+        <a:font script="Guru" typeface="Raavi"/>
+        <a:font script="Cans" typeface="Euphemia"/>
+        <a:font script="Cher" typeface="Plantagenet Cherokee"/>
+        <a:font script="Yiii" typeface="Microsoft Yi Baiti"/>
+        <a:font script="Tibt" typeface="Microsoft Himalaya"/>
+        <a:font script="Thaa" typeface="MV Boli"/>
+        <a:font script="Deva" typeface="Mangal"/>
+        <a:font script="Telu" typeface="Gautami"/>
+        <a:font script="Taml" typeface="Latha"/>
+        <a:font script="Syrc" typeface="Estrangelo Edessa"/>
+        <a:font script="Orya" typeface="Kalinga"/>
+        <a:font script="Mlym" typeface="Kartika"/>
+        <a:font script="Laoo" typeface="DokChampa"/>
+        <a:font script="Sinh" typeface="Iskoola Pota"/>
+        <a:font script="Mong" typeface="Mongolian Baiti"/>
+        <a:font script="Viet" typeface="Times New Roman"/>
+        <a:font script="Uigh" typeface="Microsoft Uighur"/>
+        <a:font script="Geor" typeface="Sylfaen"/>
+        <a:font script="Armn" typeface="Arial"/>
+        <a:font script="Bugi" typeface="Leelawadee UI"/>
+        <a:font script="Bopo" typeface="Microsoft JhengHei"/>
+        <a:font script="Java" typeface="Javanese Text"/>
+        <a:font script="Lisu" typeface="Segoe UI"/>
+        <a:font script="Mymr" typeface="Myanmar Text"/>
+        <a:font script="Nkoo" typeface="Ebrima"/>
+        <a:font script="Olck" typeface="Nirmala UI"/>
+        <a:font script="Osma" typeface="Ebrima"/>
+        <a:font script="Phag" typeface="Phagspa"/>
+        <a:font script="Syrn" typeface="Estrangelo Edessa"/>
+        <a:font script="Syrj" typeface="Estrangelo Edessa"/>
+        <a:font script="Syre" typeface="Estrangelo Edessa"/>
+        <a:font script="Sora" typeface="Nirmala UI"/>
+        <a:font script="Tale" typeface="Microsoft Tai Le"/>
+        <a:font script="Talu" typeface="Microsoft New Tai Lue"/>
+        <a:font script="Tfng" typeface="Ebrima"/>
+      </a:majorFont>
+      <a:minorFont>
+        <a:latin typeface="Calibri" panose="020F0502020204030204"/>
+        <a:ea typeface=""/>
+        <a:cs typeface=""/>
+        <a:font script="Jpan" typeface="游ゴシック"/>
+        <a:font script="Hang" typeface="맑은 고딕"/>
+        <a:font script="Hans" typeface="等线"/>
+        <a:font script="Hant" typeface="新細明體"/>
+        <a:font script="Arab" typeface="Arial"/>
+        <a:font script="Hebr" typeface="Arial"/>
+        <a:font script="Thai" typeface="Cordia New"/>
+        <a:font script="Ethi" typeface="Nyala"/>
+        <a:font script="Beng" typeface="Vrinda"/>
+        <a:font script="Gujr" typeface="Shruti"/>
+        <a:font script="Khmr" typeface="DaunPenh"/>
+        <a:font script="Knda" typeface="Tunga"/>
+        <a:font script="Guru" typeface="Raavi"/>
+        <a:font script="Cans" typeface="Euphemia"/>
+        <a:font script="Cher" typeface="Plantagenet Cherokee"/>
+        <a:font script="Yiii" typeface="Microsoft Yi Baiti"/>
+        <a:font script="Tibt" typeface="Microsoft Himalaya"/>
+        <a:font script="Thaa" typeface="MV Boli"/>
+        <a:font script="Deva" typeface="Mangal"/>
+        <a:font script="Telu" typeface="Gautami"/>
+        <a:font script="Taml" typeface="Latha"/>
+        <a:font script="Syrc" typeface="Estrangelo Edessa"/>
+        <a:font script="Orya" typeface="Kalinga"/>
+        <a:font script="Mlym" typeface="Kartika"/>
+        <a:font script="Laoo" typeface="DokChampa"/>
+        <a:font script="Sinh" typeface="Iskoola Pota"/>
+        <a:font script="Mong" typeface="Mongolian Baiti"/>
+        <a:font script="Viet" typeface="Arial"/>
+        <a:font script="Uigh" typeface="Microsoft Uighur"/>
+        <a:font script="Geor" typeface="Sylfaen"/>
+        <a:font script="Armn" typeface="Arial"/>
+        <a:font script="Bugi" typeface="Leelawadee UI"/>
+        <a:font script="Bopo" typeface="Microsoft JhengHei"/>
+        <a:font script="Java" typeface="Javanese Text"/>
+        <a:font script="Lisu" typeface="Segoe UI"/>
+        <a:font script="Mymr" typeface="Myanmar Text"/>
+        <a:font script="Nkoo" typeface="Ebrima"/>
+        <a:font script="Olck" typeface="Nirmala UI"/>
+        <a:font script="Osma" typeface="Ebrima"/>
+        <a:font script="Phag" typeface="Phagspa"/>
+        <a:font script="Syrn" typeface="Estrangelo Edessa"/>
+        <a:font script="Syrj" typeface="Estrangelo Edessa"/>
+        <a:font script="Syre" typeface="Estrangelo Edessa"/>
+        <a:font script="Sora" typeface="Nirmala UI"/>
+        <a:font script="Tale" typeface="Microsoft Tai Le"/>
+        <a:font script="Talu" typeface="Microsoft New Tai Lue"/>
+        <a:font script="Tfng" typeface="Ebrima"/>
+      </a:minorFont>
+    </a:fontScheme>
+    <a:fmtScheme name="Office">
+      <a:fillStyleLst>
+        <a:solidFill>
+          <a:schemeClr val="phClr"/>
+        </a:solidFill>
+        <a:gradFill rotWithShape="1">
+          <a:gsLst>
+            <a:gs pos="0">
+              <a:schemeClr val="phClr">
+                <a:lumMod val="110000"/>
+                <a:satMod val="105000"/>
+                <a:tint val="67000"/>
+              </a:schemeClr>
+            </a:gs>
+            <a:gs pos="50000">
+              <a:schemeClr val="phClr">
+                <a:lumMod val="105000"/>
+                <a:satMod val="103000"/>
+                <a:tint val="73000"/>
+              </a:schemeClr>
+            </a:gs>
+            <a:gs pos="100000">
+              <a:schemeClr val="phClr">
+                <a:lumMod val="105000"/>
+                <a:satMod val="109000"/>
+                <a:tint val="81000"/>
+              </a:schemeClr>
+            </a:gs>
+          </a:gsLst>
+          <a:lin ang="5400000" scaled="0"/>
+        </a:gradFill>
+        <a:gradFill rotWithShape="1">
+          <a:gsLst>
+            <a:gs pos="0">
+              <a:schemeClr val="phClr">
+                <a:satMod val="103000"/>
+                <a:lumMod val="102000"/>
+                <a:tint val="94000"/>
+              </a:schemeClr>
+            </a:gs>
+            <a:gs pos="50000">
+              <a:schemeClr val="phClr">
+                <a:satMod val="110000"/>
+                <a:lumMod val="100000"/>
+                <a:shade val="100000"/>
+              </a:schemeClr>
+            </a:gs>
+            <a:gs pos="100000">
+              <a:schemeClr val="phClr">
+                <a:lumMod val="99000"/>
+                <a:satMod val="120000"/>
+                <a:shade val="78000"/>
+              </a:schemeClr>
+            </a:gs>
+          </a:gsLst>
+          <a:lin ang="5400000" scaled="0"/>
+        </a:gradFill>
+      </a:fillStyleLst>
+      <a:lnStyleLst>
+        <a:ln w="6350" cap="flat" cmpd="sng" algn="ctr">
+          <a:solidFill>
+            <a:schemeClr val="phClr"/>
+          </a:solidFill>
+          <a:prstDash val="solid"/>
+          <a:miter lim="800000"/>
+        </a:ln>
+        <a:ln w="12700" cap="flat" cmpd="sng" algn="ctr">
+          <a:solidFill>
+            <a:schemeClr val="phClr"/>
+          </a:solidFill>
+          <a:prstDash val="solid"/>
+          <a:miter lim="800000"/>
+        </a:ln>
+        <a:ln w="19050" cap="flat" cmpd="sng" algn="ctr">
+          <a:solidFill>
+            <a:schemeClr val="phClr"/>
+          </a:solidFill>
+          <a:prstDash val="solid"/>
+          <a:miter lim="800000"/>
+        </a:ln>
+      </a:lnStyleLst>
+      <a:effectStyleLst>
+        <a:effectStyle>
+          <a:effectLst/>
+        </a:effectStyle>
+        <a:effectStyle>
+          <a:effectLst/>
+        </a:effectStyle>
+        <a:effectStyle>
+          <a:effectLst>
+            <a:outerShdw blurRad="57150" dist="19050" dir="5400000" algn="ctr" rotWithShape="0">
+              <a:srgbClr val="000000">
+                <a:alpha val="63000"/>
+              </a:srgbClr>
+            </a:outerShdw>
+          </a:effectLst>
+        </a:effectStyle>
+      </a:effectStyleLst>
+      <a:bgFillStyleLst>
+        <a:solidFill>
+          <a:schemeClr val="phClr"/>
+        </a:solidFill>
+        <a:solidFill>
+          <a:schemeClr val="phClr">
+            <a:tint val="95000"/>
+            <a:satMod val="170000"/>
+          </a:schemeClr>
+        </a:solidFill>
+        <a:gradFill rotWithShape="1">
+          <a:gsLst>
+            <a:gs pos="0">
+              <a:schemeClr val="phClr">
+                <a:tint val="93000"/>
+                <a:satMod val="150000"/>
+                <a:shade val="98000"/>
+                <a:lumMod val="102000"/>
+              </a:schemeClr>
+            </a:gs>
+            <a:gs pos="50000">
+              <a:schemeClr val="phClr">
+                <a:tint val="98000"/>
+                <a:satMod val="130000"/>
+                <a:shade val="90000"/>
+                <a:lumMod val="103000"/>
+              </a:schemeClr>
+            </a:gs>
+            <a:gs pos="100000">
+              <a:schemeClr val="phClr">
+                <a:shade val="63000"/>
+                <a:satMod val="120000"/>
+              </a:schemeClr>
+            </a:gs>
+          </a:gsLst>
+          <a:lin ang="5400000" scaled="0"/>
+        </a:gradFill>
+      </a:bgFillStyleLst>
+    </a:fmtScheme>
+  </a:themeElements>
+  <a:objectDefaults/>
+  <a:extraClrSchemeLst/>
+  <a:extLst>
+    <a:ext uri="{05A4C25C-085E-4340-85A3-A5531E510DB2}">
+      <thm15:themeFamily xmlns:thm15="http://schemas.microsoft.com/office/thememl/2012/main" name="Office Theme 2013 - 2022" id="{62F939B6-93AF-4DB8-9C6B-D6C7DFDC589F}" vid="{4A3C46E8-61CC-4603-A589-7422A47A8E4A}"/>
+    </a:ext>
+  </a:extLst>
+</a:theme>
 </file>